--- a/Objected Oriented Programming Concepts Using C++ & Data Structures/Session-1.pptx
+++ b/Objected Oriented Programming Concepts Using C++ & Data Structures/Session-1.pptx
@@ -5,10 +5,10 @@
     <p:sldMasterId id="2147483648" r:id="rId1"/>
   </p:sldMasterIdLst>
   <p:notesMasterIdLst>
-    <p:notesMasterId r:id="rId35"/>
+    <p:notesMasterId r:id="rId37"/>
   </p:notesMasterIdLst>
   <p:handoutMasterIdLst>
-    <p:handoutMasterId r:id="rId36"/>
+    <p:handoutMasterId r:id="rId38"/>
   </p:handoutMasterIdLst>
   <p:sldIdLst>
     <p:sldId id="257" r:id="rId3"/>
@@ -36,13 +36,15 @@
     <p:sldId id="290" r:id="rId25"/>
     <p:sldId id="292" r:id="rId26"/>
     <p:sldId id="293" r:id="rId27"/>
-    <p:sldId id="291" r:id="rId28"/>
-    <p:sldId id="294" r:id="rId29"/>
-    <p:sldId id="295" r:id="rId30"/>
-    <p:sldId id="296" r:id="rId31"/>
-    <p:sldId id="297" r:id="rId32"/>
-    <p:sldId id="298" r:id="rId33"/>
-    <p:sldId id="299" r:id="rId34"/>
+    <p:sldId id="300" r:id="rId28"/>
+    <p:sldId id="291" r:id="rId29"/>
+    <p:sldId id="294" r:id="rId30"/>
+    <p:sldId id="301" r:id="rId31"/>
+    <p:sldId id="295" r:id="rId32"/>
+    <p:sldId id="296" r:id="rId33"/>
+    <p:sldId id="297" r:id="rId34"/>
+    <p:sldId id="298" r:id="rId35"/>
+    <p:sldId id="299" r:id="rId36"/>
   </p:sldIdLst>
   <p:sldSz cx="9144000" cy="6858000" type="screen4x3"/>
   <p:notesSz cx="6858000" cy="9144000"/>
@@ -10631,7 +10633,7 @@
                 <a:latin typeface="Noto Serif CJK JP" panose="02020400000000000000" charset="-122"/>
                 <a:ea typeface="Noto Serif CJK JP" panose="02020400000000000000" charset="-122"/>
               </a:rPr>
-              <a:t>Iteration Statements (C++)</a:t>
+              <a:t>Input / Output in C++</a:t>
             </a:r>
             <a:endParaRPr lang="en-US" altLang="en-US" sz="3200">
               <a:latin typeface="Noto Serif CJK JP" panose="02020400000000000000" charset="-122"/>
@@ -10661,7 +10663,7 @@
           <a:p>
             <a:pPr algn="just">
               <a:lnSpc>
-                <a:spcPct val="200000"/>
+                <a:spcPct val="100000"/>
               </a:lnSpc>
             </a:pPr>
             <a:r>
@@ -10669,7 +10671,21 @@
                 <a:latin typeface="Noto Serif CJK JP" panose="02020400000000000000" charset="-122"/>
                 <a:ea typeface="Noto Serif CJK JP" panose="02020400000000000000" charset="-122"/>
               </a:rPr>
-              <a:t>Iteration statements cause statements (or compound statements) to be executed zero or more times, subject to some loop-termination criteria. When these statements are compound statements, they are executed in order</a:t>
+              <a:t> </a:t>
+            </a:r>
+            <a:r>
+              <a:rPr lang="" altLang="en-US" sz="1800">
+                <a:latin typeface="Noto Serif CJK JP" panose="02020400000000000000" charset="-122"/>
+                <a:ea typeface="Noto Serif CJK JP" panose="02020400000000000000" charset="-122"/>
+              </a:rPr>
+              <a:t>P</a:t>
+            </a:r>
+            <a:r>
+              <a:rPr lang="en-US" altLang="en-US" sz="1800">
+                <a:latin typeface="Noto Serif CJK JP" panose="02020400000000000000" charset="-122"/>
+                <a:ea typeface="Noto Serif CJK JP" panose="02020400000000000000" charset="-122"/>
+              </a:rPr>
+              <a:t>erforming input and output. In C++ input and output is performed in the form of sequence of bytes or more commonly known as streams.</a:t>
             </a:r>
             <a:endParaRPr lang="en-US" altLang="en-US" sz="1800">
               <a:latin typeface="Noto Serif CJK JP" panose="02020400000000000000" charset="-122"/>
@@ -10679,7 +10695,18 @@
           <a:p>
             <a:pPr algn="just">
               <a:lnSpc>
-                <a:spcPct val="200000"/>
+                <a:spcPct val="100000"/>
+              </a:lnSpc>
+            </a:pPr>
+            <a:endParaRPr lang="en-US" altLang="en-US" sz="1800">
+              <a:latin typeface="Noto Serif CJK JP" panose="02020400000000000000" charset="-122"/>
+              <a:ea typeface="Noto Serif CJK JP" panose="02020400000000000000" charset="-122"/>
+            </a:endParaRPr>
+          </a:p>
+          <a:p>
+            <a:pPr algn="just">
+              <a:lnSpc>
+                <a:spcPct val="100000"/>
               </a:lnSpc>
             </a:pPr>
             <a:r>
@@ -10687,7 +10714,7 @@
                 <a:latin typeface="Noto Serif CJK JP" panose="02020400000000000000" charset="-122"/>
                 <a:ea typeface="Noto Serif CJK JP" panose="02020400000000000000" charset="-122"/>
               </a:rPr>
-              <a:t>C++ provides four iteration statements — while, do, for</a:t>
+              <a:t>Input Stream: If the direction of flow of bytes is from device(for example: Keyboard) to the main memory then this process is called input.</a:t>
             </a:r>
             <a:endParaRPr lang="en-US" altLang="en-US" sz="1800">
               <a:latin typeface="Noto Serif CJK JP" panose="02020400000000000000" charset="-122"/>
@@ -10697,272 +10724,88 @@
           <a:p>
             <a:pPr algn="just">
               <a:lnSpc>
-                <a:spcPct val="200000"/>
-              </a:lnSpc>
-            </a:pPr>
-            <a:r>
-              <a:rPr lang="" altLang="en-US" sz="1800">
-                <a:latin typeface="Noto Serif CJK JP" panose="02020400000000000000" charset="-122"/>
-                <a:ea typeface="Noto Serif CJK JP" panose="02020400000000000000" charset="-122"/>
-              </a:rPr>
-              <a:t>Without Iteration 				Using Iteration</a:t>
-            </a:r>
+                <a:spcPct val="100000"/>
+              </a:lnSpc>
+            </a:pPr>
             <a:endParaRPr lang="en-US" altLang="en-US" sz="1800">
               <a:latin typeface="Noto Serif CJK JP" panose="02020400000000000000" charset="-122"/>
               <a:ea typeface="Noto Serif CJK JP" panose="02020400000000000000" charset="-122"/>
             </a:endParaRPr>
           </a:p>
           <a:p>
-            <a:pPr marL="0" indent="0" algn="just">
-              <a:lnSpc>
-                <a:spcPct val="200000"/>
-              </a:lnSpc>
-              <a:buNone/>
-            </a:pPr>
+            <a:pPr algn="just">
+              <a:lnSpc>
+                <a:spcPct val="100000"/>
+              </a:lnSpc>
+            </a:pPr>
+            <a:r>
+              <a:rPr lang="en-US" altLang="en-US" sz="1800">
+                <a:latin typeface="Noto Serif CJK JP" panose="02020400000000000000" charset="-122"/>
+                <a:ea typeface="Noto Serif CJK JP" panose="02020400000000000000" charset="-122"/>
+              </a:rPr>
+              <a:t>Output Stream: If the direction of flow of bytes is opposite, i.e. from main memory to device( display screen ) then this process is called output.</a:t>
+            </a:r>
             <a:endParaRPr lang="en-US" altLang="en-US" sz="1800">
               <a:latin typeface="Noto Serif CJK JP" panose="02020400000000000000" charset="-122"/>
               <a:ea typeface="Noto Serif CJK JP" panose="02020400000000000000" charset="-122"/>
             </a:endParaRPr>
           </a:p>
           <a:p>
-            <a:pPr marL="0" indent="0" algn="just">
-              <a:lnSpc>
-                <a:spcPct val="200000"/>
-              </a:lnSpc>
-              <a:buNone/>
-            </a:pPr>
-            <a:endParaRPr lang="" altLang="en-US" sz="1800">
-              <a:latin typeface="Noto Serif CJK JP" panose="02020400000000000000" charset="-122"/>
-              <a:ea typeface="Noto Serif CJK JP" panose="02020400000000000000" charset="-122"/>
-            </a:endParaRPr>
-          </a:p>
-        </p:txBody>
-      </p:sp>
-      <p:sp>
-        <p:nvSpPr>
-          <p:cNvPr id="4" name="Text Box 3"/>
-          <p:cNvSpPr txBox="1"/>
-          <p:nvPr/>
-        </p:nvSpPr>
-        <p:spPr>
-          <a:xfrm>
-            <a:off x="406400" y="4400550"/>
-            <a:ext cx="2641600" cy="1753235"/>
-          </a:xfrm>
-          <a:prstGeom prst="rect">
-            <a:avLst/>
-          </a:prstGeom>
-          <a:solidFill>
-            <a:schemeClr val="accent2">
-              <a:lumMod val="40000"/>
-              <a:lumOff val="60000"/>
-            </a:schemeClr>
-          </a:solidFill>
-        </p:spPr>
-        <p:txBody>
-          <a:bodyPr wrap="square" rtlCol="0">
-            <a:spAutoFit/>
-          </a:bodyPr>
-          <a:p>
-            <a:pPr marL="0" indent="0" algn="just">
+            <a:pPr algn="just">
               <a:lnSpc>
                 <a:spcPct val="100000"/>
               </a:lnSpc>
-              <a:buNone/>
-            </a:pPr>
-            <a:r>
-              <a:rPr lang="en-US" altLang="en-US">
-                <a:latin typeface="Noto Serif CJK JP" panose="02020400000000000000" charset="-122"/>
-                <a:ea typeface="Noto Serif CJK JP" panose="02020400000000000000" charset="-122"/>
-                <a:sym typeface="+mn-ea"/>
-              </a:rPr>
-              <a:t>Eg :   display(“Hello”)</a:t>
-            </a:r>
-            <a:endParaRPr lang="en-US" altLang="en-US">
-              <a:latin typeface="Noto Serif CJK JP" panose="02020400000000000000" charset="-122"/>
-              <a:ea typeface="Noto Serif CJK JP" panose="02020400000000000000" charset="-122"/>
-            </a:endParaRPr>
-          </a:p>
-          <a:p>
-            <a:pPr marL="0" indent="0" algn="just">
+            </a:pPr>
+            <a:endParaRPr lang="en-US" altLang="en-US" sz="1800">
+              <a:latin typeface="Noto Serif CJK JP" panose="02020400000000000000" charset="-122"/>
+              <a:ea typeface="Noto Serif CJK JP" panose="02020400000000000000" charset="-122"/>
+            </a:endParaRPr>
+          </a:p>
+          <a:p>
+            <a:pPr algn="just">
               <a:lnSpc>
                 <a:spcPct val="100000"/>
               </a:lnSpc>
-              <a:buNone/>
-            </a:pPr>
-            <a:r>
-              <a:rPr lang="en-US" altLang="en-US">
-                <a:latin typeface="Noto Serif CJK JP" panose="02020400000000000000" charset="-122"/>
-                <a:ea typeface="Noto Serif CJK JP" panose="02020400000000000000" charset="-122"/>
-                <a:sym typeface="+mn-ea"/>
-              </a:rPr>
-              <a:t>display(“Hello”)</a:t>
-            </a:r>
-            <a:endParaRPr lang="en-US"/>
-          </a:p>
-          <a:p>
-            <a:pPr marL="0" indent="0" algn="just">
-              <a:lnSpc>
-                <a:spcPct val="100000"/>
-              </a:lnSpc>
-              <a:buNone/>
-            </a:pPr>
-            <a:r>
-              <a:rPr lang="en-US" altLang="en-US">
-                <a:latin typeface="Noto Serif CJK JP" panose="02020400000000000000" charset="-122"/>
-                <a:ea typeface="Noto Serif CJK JP" panose="02020400000000000000" charset="-122"/>
-                <a:sym typeface="+mn-ea"/>
-              </a:rPr>
-              <a:t>display(“Hello”)</a:t>
-            </a:r>
-            <a:endParaRPr lang="en-US" altLang="en-US">
-              <a:latin typeface="Noto Serif CJK JP" panose="02020400000000000000" charset="-122"/>
-              <a:ea typeface="Noto Serif CJK JP" panose="02020400000000000000" charset="-122"/>
-              <a:sym typeface="+mn-ea"/>
-            </a:endParaRPr>
-          </a:p>
-          <a:p>
-            <a:pPr marL="0" indent="0" algn="just">
-              <a:lnSpc>
-                <a:spcPct val="100000"/>
-              </a:lnSpc>
-              <a:buNone/>
-            </a:pPr>
-            <a:r>
-              <a:rPr lang="en-US" altLang="en-US">
-                <a:latin typeface="Noto Serif CJK JP" panose="02020400000000000000" charset="-122"/>
-                <a:ea typeface="Noto Serif CJK JP" panose="02020400000000000000" charset="-122"/>
-                <a:sym typeface="+mn-ea"/>
-              </a:rPr>
-              <a:t>display(“Hello”)</a:t>
-            </a:r>
-            <a:endParaRPr lang="en-US"/>
-          </a:p>
-          <a:p>
-            <a:pPr marL="0" indent="0" algn="just">
-              <a:lnSpc>
-                <a:spcPct val="100000"/>
-              </a:lnSpc>
-              <a:buNone/>
-            </a:pPr>
-            <a:r>
-              <a:rPr lang="" altLang="en-US">
-                <a:latin typeface="Noto Serif CJK JP" panose="02020400000000000000" charset="-122"/>
-                <a:ea typeface="Noto Serif CJK JP" panose="02020400000000000000" charset="-122"/>
-                <a:sym typeface="+mn-ea"/>
-              </a:rPr>
-              <a:t>..................</a:t>
-            </a:r>
-            <a:endParaRPr lang="en-US" altLang="en-US">
-              <a:latin typeface="Noto Serif CJK JP" panose="02020400000000000000" charset="-122"/>
-              <a:ea typeface="Noto Serif CJK JP" panose="02020400000000000000" charset="-122"/>
-            </a:endParaRPr>
-          </a:p>
-          <a:p>
-            <a:pPr marL="0" indent="0" algn="just">
-              <a:lnSpc>
-                <a:spcPct val="100000"/>
-              </a:lnSpc>
-              <a:buNone/>
-            </a:pPr>
-            <a:r>
-              <a:rPr lang="en-US" altLang="en-US">
-                <a:latin typeface="Noto Serif CJK JP" panose="02020400000000000000" charset="-122"/>
-                <a:ea typeface="Noto Serif CJK JP" panose="02020400000000000000" charset="-122"/>
-                <a:sym typeface="+mn-ea"/>
-              </a:rPr>
-              <a:t>display(“Hello”)</a:t>
-            </a:r>
-            <a:endParaRPr lang="en-US"/>
-          </a:p>
-        </p:txBody>
-      </p:sp>
-      <p:sp>
-        <p:nvSpPr>
-          <p:cNvPr id="5" name="Text Box 4"/>
-          <p:cNvSpPr txBox="1"/>
-          <p:nvPr/>
-        </p:nvSpPr>
-        <p:spPr>
-          <a:xfrm>
-            <a:off x="4777740" y="4400550"/>
-            <a:ext cx="3680460" cy="645160"/>
-          </a:xfrm>
-          <a:prstGeom prst="rect">
-            <a:avLst/>
-          </a:prstGeom>
-          <a:solidFill>
-            <a:schemeClr val="accent2">
-              <a:lumMod val="40000"/>
-              <a:lumOff val="60000"/>
-            </a:schemeClr>
-          </a:solidFill>
-        </p:spPr>
-        <p:txBody>
-          <a:bodyPr wrap="square" rtlCol="0">
-            <a:spAutoFit/>
-          </a:bodyPr>
-          <a:p>
-            <a:pPr marL="0" indent="0" algn="just">
-              <a:lnSpc>
-                <a:spcPct val="100000"/>
-              </a:lnSpc>
-              <a:buNone/>
-            </a:pPr>
-            <a:r>
-              <a:rPr lang="en-US" altLang="en-US">
-                <a:latin typeface="Noto Serif CJK JP" panose="02020400000000000000" charset="-122"/>
-                <a:ea typeface="Noto Serif CJK JP" panose="02020400000000000000" charset="-122"/>
-                <a:sym typeface="+mn-ea"/>
-              </a:rPr>
-              <a:t>Eg : </a:t>
-            </a:r>
-            <a:r>
-              <a:rPr lang="" altLang="en-US">
-                <a:latin typeface="Noto Serif CJK JP" panose="02020400000000000000" charset="-122"/>
-                <a:ea typeface="Noto Serif CJK JP" panose="02020400000000000000" charset="-122"/>
-                <a:sym typeface="+mn-ea"/>
-              </a:rPr>
-              <a:t>Iterate 100 Times</a:t>
-            </a:r>
-            <a:r>
-              <a:rPr lang="en-US" altLang="en-US">
-                <a:latin typeface="Noto Serif CJK JP" panose="02020400000000000000" charset="-122"/>
-                <a:ea typeface="Noto Serif CJK JP" panose="02020400000000000000" charset="-122"/>
-                <a:sym typeface="+mn-ea"/>
-              </a:rPr>
-              <a:t>   </a:t>
-            </a:r>
-            <a:endParaRPr lang="en-US" altLang="en-US">
-              <a:latin typeface="Noto Serif CJK JP" panose="02020400000000000000" charset="-122"/>
-              <a:ea typeface="Noto Serif CJK JP" panose="02020400000000000000" charset="-122"/>
-              <a:sym typeface="+mn-ea"/>
-            </a:endParaRPr>
-          </a:p>
-          <a:p>
-            <a:pPr marL="0" indent="0" algn="just">
-              <a:lnSpc>
-                <a:spcPct val="100000"/>
-              </a:lnSpc>
-              <a:buNone/>
-            </a:pPr>
-            <a:r>
-              <a:rPr lang="" altLang="en-US">
-                <a:latin typeface="Noto Serif CJK JP" panose="02020400000000000000" charset="-122"/>
-                <a:ea typeface="Noto Serif CJK JP" panose="02020400000000000000" charset="-122"/>
-                <a:sym typeface="+mn-ea"/>
-              </a:rPr>
-              <a:t>	</a:t>
-            </a:r>
-            <a:r>
-              <a:rPr lang="en-US" altLang="en-US">
-                <a:latin typeface="Noto Serif CJK JP" panose="02020400000000000000" charset="-122"/>
-                <a:ea typeface="Noto Serif CJK JP" panose="02020400000000000000" charset="-122"/>
-                <a:sym typeface="+mn-ea"/>
-              </a:rPr>
-              <a:t>display(“Hello”)</a:t>
-            </a:r>
-            <a:endParaRPr lang="en-US"/>
+            </a:pPr>
+            <a:r>
+              <a:rPr lang="en-US" altLang="en-US" sz="1800">
+                <a:latin typeface="Noto Serif CJK JP" panose="02020400000000000000" charset="-122"/>
+                <a:ea typeface="Noto Serif CJK JP" panose="02020400000000000000" charset="-122"/>
+              </a:rPr>
+              <a:t>In C++ articles, these two keywords </a:t>
+            </a:r>
+            <a:r>
+              <a:rPr lang="en-US" altLang="en-US" sz="1800" b="1">
+                <a:latin typeface="Noto Serif CJK JP" panose="02020400000000000000" charset="-122"/>
+                <a:ea typeface="Noto Serif CJK JP" panose="02020400000000000000" charset="-122"/>
+              </a:rPr>
+              <a:t>cout and cin </a:t>
+            </a:r>
+            <a:r>
+              <a:rPr lang="en-US" altLang="en-US" sz="1800">
+                <a:latin typeface="Noto Serif CJK JP" panose="02020400000000000000" charset="-122"/>
+                <a:ea typeface="Noto Serif CJK JP" panose="02020400000000000000" charset="-122"/>
+              </a:rPr>
+              <a:t> are used very often for taking inputs and printing outputs. These two are the most basic methods of taking input and output in C++. For using cin and cout we must include the header file </a:t>
+            </a:r>
+            <a:r>
+              <a:rPr lang="en-US" altLang="en-US" sz="1800" b="1">
+                <a:latin typeface="Noto Serif CJK JP" panose="02020400000000000000" charset="-122"/>
+                <a:ea typeface="Noto Serif CJK JP" panose="02020400000000000000" charset="-122"/>
+              </a:rPr>
+              <a:t>iostream </a:t>
+            </a:r>
+            <a:r>
+              <a:rPr lang="en-US" altLang="en-US" sz="1800">
+                <a:latin typeface="Noto Serif CJK JP" panose="02020400000000000000" charset="-122"/>
+                <a:ea typeface="Noto Serif CJK JP" panose="02020400000000000000" charset="-122"/>
+              </a:rPr>
+              <a:t>in our program.</a:t>
+            </a:r>
+            <a:endParaRPr lang="en-US" altLang="en-US" sz="1800">
+              <a:latin typeface="Noto Serif CJK JP" panose="02020400000000000000" charset="-122"/>
+              <a:ea typeface="Noto Serif CJK JP" panose="02020400000000000000" charset="-122"/>
+            </a:endParaRPr>
           </a:p>
         </p:txBody>
       </p:sp>
@@ -11029,474 +10872,317 @@
         </p:nvSpPr>
         <p:spPr>
           <a:xfrm>
-            <a:off x="154305" y="987425"/>
-            <a:ext cx="8601710" cy="5740400"/>
+            <a:off x="-8255" y="987425"/>
+            <a:ext cx="8764270" cy="5636895"/>
           </a:xfrm>
         </p:spPr>
         <p:txBody>
           <a:bodyPr/>
           <a:p>
+            <a:pPr algn="just">
+              <a:lnSpc>
+                <a:spcPct val="200000"/>
+              </a:lnSpc>
+            </a:pPr>
+            <a:r>
+              <a:rPr lang="en-US" altLang="en-US" sz="1800">
+                <a:latin typeface="Noto Serif CJK JP" panose="02020400000000000000" charset="-122"/>
+                <a:ea typeface="Noto Serif CJK JP" panose="02020400000000000000" charset="-122"/>
+              </a:rPr>
+              <a:t>Iteration statements cause statements (or compound statements) to be executed zero or more times, subject to some loop-termination criteria. When these statements are compound statements, they are executed in order</a:t>
+            </a:r>
+            <a:endParaRPr lang="en-US" altLang="en-US" sz="1800">
+              <a:latin typeface="Noto Serif CJK JP" panose="02020400000000000000" charset="-122"/>
+              <a:ea typeface="Noto Serif CJK JP" panose="02020400000000000000" charset="-122"/>
+            </a:endParaRPr>
+          </a:p>
+          <a:p>
+            <a:pPr algn="just">
+              <a:lnSpc>
+                <a:spcPct val="200000"/>
+              </a:lnSpc>
+            </a:pPr>
+            <a:r>
+              <a:rPr lang="en-US" altLang="en-US" sz="1800">
+                <a:latin typeface="Noto Serif CJK JP" panose="02020400000000000000" charset="-122"/>
+                <a:ea typeface="Noto Serif CJK JP" panose="02020400000000000000" charset="-122"/>
+              </a:rPr>
+              <a:t>C++ provides four iteration statements — while, do, for</a:t>
+            </a:r>
+            <a:endParaRPr lang="en-US" altLang="en-US" sz="1800">
+              <a:latin typeface="Noto Serif CJK JP" panose="02020400000000000000" charset="-122"/>
+              <a:ea typeface="Noto Serif CJK JP" panose="02020400000000000000" charset="-122"/>
+            </a:endParaRPr>
+          </a:p>
+          <a:p>
+            <a:pPr algn="just">
+              <a:lnSpc>
+                <a:spcPct val="200000"/>
+              </a:lnSpc>
+            </a:pPr>
+            <a:r>
+              <a:rPr lang="" altLang="en-US" sz="1800">
+                <a:latin typeface="Noto Serif CJK JP" panose="02020400000000000000" charset="-122"/>
+                <a:ea typeface="Noto Serif CJK JP" panose="02020400000000000000" charset="-122"/>
+              </a:rPr>
+              <a:t>Without Iteration 				Using Iteration</a:t>
+            </a:r>
+            <a:endParaRPr lang="en-US" altLang="en-US" sz="1800">
+              <a:latin typeface="Noto Serif CJK JP" panose="02020400000000000000" charset="-122"/>
+              <a:ea typeface="Noto Serif CJK JP" panose="02020400000000000000" charset="-122"/>
+            </a:endParaRPr>
+          </a:p>
+          <a:p>
             <a:pPr marL="0" indent="0" algn="just">
               <a:lnSpc>
-                <a:spcPct val="90000"/>
+                <a:spcPct val="200000"/>
               </a:lnSpc>
               <a:buNone/>
             </a:pPr>
-            <a:r>
-              <a:rPr lang="" altLang="en-US" sz="1800">
-                <a:latin typeface="FreeMono" panose="020F0409020205020404" charset="0"/>
-                <a:ea typeface="FreeMono" panose="020F0409020205020404" charset="0"/>
-              </a:rPr>
-              <a:t>int counter =1 	// intialization stmt</a:t>
-            </a:r>
+            <a:endParaRPr lang="en-US" altLang="en-US" sz="1800">
+              <a:latin typeface="Noto Serif CJK JP" panose="02020400000000000000" charset="-122"/>
+              <a:ea typeface="Noto Serif CJK JP" panose="02020400000000000000" charset="-122"/>
+            </a:endParaRPr>
+          </a:p>
+          <a:p>
+            <a:pPr marL="0" indent="0" algn="just">
+              <a:lnSpc>
+                <a:spcPct val="200000"/>
+              </a:lnSpc>
+              <a:buNone/>
+            </a:pPr>
             <a:endParaRPr lang="" altLang="en-US" sz="1800">
-              <a:latin typeface="FreeMono" panose="020F0409020205020404" charset="0"/>
-              <a:ea typeface="FreeMono" panose="020F0409020205020404" charset="0"/>
-            </a:endParaRPr>
-          </a:p>
+              <a:latin typeface="Noto Serif CJK JP" panose="02020400000000000000" charset="-122"/>
+              <a:ea typeface="Noto Serif CJK JP" panose="02020400000000000000" charset="-122"/>
+            </a:endParaRPr>
+          </a:p>
+        </p:txBody>
+      </p:sp>
+      <p:sp>
+        <p:nvSpPr>
+          <p:cNvPr id="4" name="Text Box 3"/>
+          <p:cNvSpPr txBox="1"/>
+          <p:nvPr/>
+        </p:nvSpPr>
+        <p:spPr>
+          <a:xfrm>
+            <a:off x="406400" y="4400550"/>
+            <a:ext cx="2641600" cy="1753235"/>
+          </a:xfrm>
+          <a:prstGeom prst="rect">
+            <a:avLst/>
+          </a:prstGeom>
+          <a:solidFill>
+            <a:schemeClr val="accent2">
+              <a:lumMod val="40000"/>
+              <a:lumOff val="60000"/>
+            </a:schemeClr>
+          </a:solidFill>
+        </p:spPr>
+        <p:txBody>
+          <a:bodyPr wrap="square" rtlCol="0">
+            <a:spAutoFit/>
+          </a:bodyPr>
           <a:p>
             <a:pPr marL="0" indent="0" algn="just">
               <a:lnSpc>
-                <a:spcPct val="90000"/>
+                <a:spcPct val="100000"/>
               </a:lnSpc>
               <a:buNone/>
             </a:pPr>
             <a:r>
-              <a:rPr lang="" altLang="en-US" sz="1800">
-                <a:latin typeface="FreeMono" panose="020F0409020205020404" charset="0"/>
-                <a:ea typeface="FreeMono" panose="020F0409020205020404" charset="0"/>
-              </a:rPr>
-              <a:t>while(i&lt;=10)  	// Condition checking</a:t>
-            </a:r>
-            <a:endParaRPr lang="" altLang="en-US" sz="1800">
-              <a:latin typeface="FreeMono" panose="020F0409020205020404" charset="0"/>
-              <a:ea typeface="FreeMono" panose="020F0409020205020404" charset="0"/>
+              <a:rPr lang="en-US" altLang="en-US">
+                <a:latin typeface="Noto Serif CJK JP" panose="02020400000000000000" charset="-122"/>
+                <a:ea typeface="Noto Serif CJK JP" panose="02020400000000000000" charset="-122"/>
+                <a:sym typeface="+mn-ea"/>
+              </a:rPr>
+              <a:t>Eg :   display(“Hello”)</a:t>
+            </a:r>
+            <a:endParaRPr lang="en-US" altLang="en-US">
+              <a:latin typeface="Noto Serif CJK JP" panose="02020400000000000000" charset="-122"/>
+              <a:ea typeface="Noto Serif CJK JP" panose="02020400000000000000" charset="-122"/>
             </a:endParaRPr>
           </a:p>
           <a:p>
             <a:pPr marL="0" indent="0" algn="just">
               <a:lnSpc>
-                <a:spcPct val="90000"/>
+                <a:spcPct val="100000"/>
               </a:lnSpc>
               <a:buNone/>
             </a:pPr>
             <a:r>
-              <a:rPr lang="" altLang="en-US" sz="1800">
-                <a:latin typeface="FreeMono" panose="020F0409020205020404" charset="0"/>
-                <a:ea typeface="FreeMono" panose="020F0409020205020404" charset="0"/>
-              </a:rPr>
-              <a:t>{	</a:t>
-            </a:r>
-            <a:endParaRPr lang="" altLang="en-US" sz="1800">
-              <a:latin typeface="FreeMono" panose="020F0409020205020404" charset="0"/>
-              <a:ea typeface="FreeMono" panose="020F0409020205020404" charset="0"/>
-            </a:endParaRPr>
-          </a:p>
-          <a:p>
-            <a:pPr marL="457200" lvl="1" indent="0" algn="just">
-              <a:lnSpc>
-                <a:spcPct val="90000"/>
+              <a:rPr lang="en-US" altLang="en-US">
+                <a:latin typeface="Noto Serif CJK JP" panose="02020400000000000000" charset="-122"/>
+                <a:ea typeface="Noto Serif CJK JP" panose="02020400000000000000" charset="-122"/>
+                <a:sym typeface="+mn-ea"/>
+              </a:rPr>
+              <a:t>display(“Hello”)</a:t>
+            </a:r>
+            <a:endParaRPr lang="en-US"/>
+          </a:p>
+          <a:p>
+            <a:pPr marL="0" indent="0" algn="just">
+              <a:lnSpc>
+                <a:spcPct val="100000"/>
               </a:lnSpc>
               <a:buNone/>
             </a:pPr>
             <a:r>
-              <a:rPr lang="en-US" altLang="en-US" sz="1575">
-                <a:latin typeface="FreeMono" panose="020F0409020205020404" charset="0"/>
-                <a:ea typeface="FreeMono" panose="020F0409020205020404" charset="0"/>
+              <a:rPr lang="en-US" altLang="en-US">
+                <a:latin typeface="Noto Serif CJK JP" panose="02020400000000000000" charset="-122"/>
+                <a:ea typeface="Noto Serif CJK JP" panose="02020400000000000000" charset="-122"/>
                 <a:sym typeface="+mn-ea"/>
               </a:rPr>
-              <a:t>DISPLAY  </a:t>
-            </a:r>
-            <a:r>
-              <a:rPr lang="" altLang="en-US" sz="1575">
-                <a:latin typeface="FreeMono" panose="020F0409020205020404" charset="0"/>
-                <a:ea typeface="FreeMono" panose="020F0409020205020404" charset="0"/>
-              </a:rPr>
-              <a:t>i   	// body of loop</a:t>
-            </a:r>
-            <a:endParaRPr lang="" altLang="en-US" sz="1575">
-              <a:latin typeface="FreeMono" panose="020F0409020205020404" charset="0"/>
-              <a:ea typeface="FreeMono" panose="020F0409020205020404" charset="0"/>
-            </a:endParaRPr>
-          </a:p>
-          <a:p>
-            <a:pPr marL="457200" lvl="1" indent="0" algn="just">
-              <a:lnSpc>
-                <a:spcPct val="90000"/>
+              <a:t>display(“Hello”)</a:t>
+            </a:r>
+            <a:endParaRPr lang="en-US" altLang="en-US">
+              <a:latin typeface="Noto Serif CJK JP" panose="02020400000000000000" charset="-122"/>
+              <a:ea typeface="Noto Serif CJK JP" panose="02020400000000000000" charset="-122"/>
+              <a:sym typeface="+mn-ea"/>
+            </a:endParaRPr>
+          </a:p>
+          <a:p>
+            <a:pPr marL="0" indent="0" algn="just">
+              <a:lnSpc>
+                <a:spcPct val="100000"/>
               </a:lnSpc>
               <a:buNone/>
             </a:pPr>
             <a:r>
-              <a:rPr lang="" altLang="en-US" sz="1575">
-                <a:latin typeface="FreeMono" panose="020F0409020205020404" charset="0"/>
-                <a:ea typeface="FreeMono" panose="020F0409020205020404" charset="0"/>
-              </a:rPr>
-              <a:t>i = i +1;   	// Increment stmt</a:t>
-            </a:r>
-            <a:endParaRPr lang="" altLang="en-US" sz="1575">
-              <a:latin typeface="FreeMono" panose="020F0409020205020404" charset="0"/>
-              <a:ea typeface="FreeMono" panose="020F0409020205020404" charset="0"/>
-            </a:endParaRPr>
+              <a:rPr lang="en-US" altLang="en-US">
+                <a:latin typeface="Noto Serif CJK JP" panose="02020400000000000000" charset="-122"/>
+                <a:ea typeface="Noto Serif CJK JP" panose="02020400000000000000" charset="-122"/>
+                <a:sym typeface="+mn-ea"/>
+              </a:rPr>
+              <a:t>display(“Hello”)</a:t>
+            </a:r>
+            <a:endParaRPr lang="en-US"/>
           </a:p>
           <a:p>
             <a:pPr marL="0" indent="0" algn="just">
               <a:lnSpc>
-                <a:spcPct val="90000"/>
+                <a:spcPct val="100000"/>
               </a:lnSpc>
               <a:buNone/>
             </a:pPr>
             <a:r>
-              <a:rPr lang="" altLang="en-US" sz="1800">
-                <a:latin typeface="FreeMono" panose="020F0409020205020404" charset="0"/>
-                <a:ea typeface="FreeMono" panose="020F0409020205020404" charset="0"/>
-              </a:rPr>
-              <a:t>}</a:t>
-            </a:r>
-            <a:endParaRPr lang="" altLang="en-US" sz="1800">
-              <a:latin typeface="FreeMono" panose="020F0409020205020404" charset="0"/>
-              <a:ea typeface="FreeMono" panose="020F0409020205020404" charset="0"/>
+              <a:rPr lang="" altLang="en-US">
+                <a:latin typeface="Noto Serif CJK JP" panose="02020400000000000000" charset="-122"/>
+                <a:ea typeface="Noto Serif CJK JP" panose="02020400000000000000" charset="-122"/>
+                <a:sym typeface="+mn-ea"/>
+              </a:rPr>
+              <a:t>..................</a:t>
+            </a:r>
+            <a:endParaRPr lang="en-US" altLang="en-US">
+              <a:latin typeface="Noto Serif CJK JP" panose="02020400000000000000" charset="-122"/>
+              <a:ea typeface="Noto Serif CJK JP" panose="02020400000000000000" charset="-122"/>
             </a:endParaRPr>
           </a:p>
           <a:p>
             <a:pPr marL="0" indent="0" algn="just">
               <a:lnSpc>
-                <a:spcPct val="90000"/>
+                <a:spcPct val="100000"/>
               </a:lnSpc>
               <a:buNone/>
             </a:pPr>
             <a:r>
-              <a:rPr lang="" altLang="en-US" sz="1800">
-                <a:latin typeface="FreeMono" panose="020F0409020205020404" charset="0"/>
-                <a:ea typeface="FreeMono" panose="020F0409020205020404" charset="0"/>
-              </a:rPr>
-              <a:t>------------------------------------------------------------</a:t>
-            </a:r>
-            <a:endParaRPr lang="" altLang="en-US" sz="1800">
-              <a:latin typeface="FreeMono" panose="020F0409020205020404" charset="0"/>
-              <a:ea typeface="FreeMono" panose="020F0409020205020404" charset="0"/>
-            </a:endParaRPr>
-          </a:p>
+              <a:rPr lang="en-US" altLang="en-US">
+                <a:latin typeface="Noto Serif CJK JP" panose="02020400000000000000" charset="-122"/>
+                <a:ea typeface="Noto Serif CJK JP" panose="02020400000000000000" charset="-122"/>
+                <a:sym typeface="+mn-ea"/>
+              </a:rPr>
+              <a:t>display(“Hello”)</a:t>
+            </a:r>
+            <a:endParaRPr lang="en-US"/>
+          </a:p>
+        </p:txBody>
+      </p:sp>
+      <p:sp>
+        <p:nvSpPr>
+          <p:cNvPr id="5" name="Text Box 4"/>
+          <p:cNvSpPr txBox="1"/>
+          <p:nvPr/>
+        </p:nvSpPr>
+        <p:spPr>
+          <a:xfrm>
+            <a:off x="4777740" y="4400550"/>
+            <a:ext cx="3680460" cy="645160"/>
+          </a:xfrm>
+          <a:prstGeom prst="rect">
+            <a:avLst/>
+          </a:prstGeom>
+          <a:solidFill>
+            <a:schemeClr val="accent2">
+              <a:lumMod val="40000"/>
+              <a:lumOff val="60000"/>
+            </a:schemeClr>
+          </a:solidFill>
+        </p:spPr>
+        <p:txBody>
+          <a:bodyPr wrap="square" rtlCol="0">
+            <a:spAutoFit/>
+          </a:bodyPr>
           <a:p>
             <a:pPr marL="0" indent="0" algn="just">
               <a:lnSpc>
-                <a:spcPct val="90000"/>
+                <a:spcPct val="100000"/>
               </a:lnSpc>
               <a:buNone/>
             </a:pPr>
             <a:r>
-              <a:rPr lang="" altLang="en-US" sz="1800">
-                <a:latin typeface="FreeMono" panose="020F0409020205020404" charset="0"/>
-                <a:ea typeface="FreeMono" panose="020F0409020205020404" charset="0"/>
-              </a:rPr>
-              <a:t>\\</a:t>
-            </a:r>
-            <a:r>
-              <a:rPr lang="en-US" altLang="en-US" sz="1800">
-                <a:latin typeface="FreeMono" panose="020F0409020205020404" charset="0"/>
-                <a:ea typeface="FreeMono" panose="020F0409020205020404" charset="0"/>
+              <a:rPr lang="en-US" altLang="en-US">
+                <a:latin typeface="Noto Serif CJK JP" panose="02020400000000000000" charset="-122"/>
+                <a:ea typeface="Noto Serif CJK JP" panose="02020400000000000000" charset="-122"/>
                 <a:sym typeface="+mn-ea"/>
               </a:rPr>
-              <a:t>intialization</a:t>
-            </a:r>
-            <a:r>
-              <a:rPr lang="" altLang="en-US" sz="1800">
-                <a:latin typeface="FreeMono" panose="020F0409020205020404" charset="0"/>
-                <a:ea typeface="FreeMono" panose="020F0409020205020404" charset="0"/>
+              <a:t>Eg : </a:t>
+            </a:r>
+            <a:r>
+              <a:rPr lang="" altLang="en-US">
+                <a:latin typeface="Noto Serif CJK JP" panose="02020400000000000000" charset="-122"/>
+                <a:ea typeface="Noto Serif CJK JP" panose="02020400000000000000" charset="-122"/>
                 <a:sym typeface="+mn-ea"/>
               </a:rPr>
-              <a:t>;</a:t>
-            </a:r>
-            <a:r>
-              <a:rPr lang="en-US" altLang="en-US" sz="1800">
-                <a:latin typeface="FreeMono" panose="020F0409020205020404" charset="0"/>
-                <a:ea typeface="FreeMono" panose="020F0409020205020404" charset="0"/>
+              <a:t>Iterate 100 Times</a:t>
+            </a:r>
+            <a:r>
+              <a:rPr lang="en-US" altLang="en-US">
+                <a:latin typeface="Noto Serif CJK JP" panose="02020400000000000000" charset="-122"/>
+                <a:ea typeface="Noto Serif CJK JP" panose="02020400000000000000" charset="-122"/>
                 <a:sym typeface="+mn-ea"/>
               </a:rPr>
-              <a:t>conditionchecking</a:t>
-            </a:r>
-            <a:r>
-              <a:rPr lang="" altLang="en-US" sz="1800">
-                <a:latin typeface="FreeMono" panose="020F0409020205020404" charset="0"/>
-                <a:ea typeface="FreeMono" panose="020F0409020205020404" charset="0"/>
+              <a:t>   </a:t>
+            </a:r>
+            <a:endParaRPr lang="en-US" altLang="en-US">
+              <a:latin typeface="Noto Serif CJK JP" panose="02020400000000000000" charset="-122"/>
+              <a:ea typeface="Noto Serif CJK JP" panose="02020400000000000000" charset="-122"/>
+              <a:sym typeface="+mn-ea"/>
+            </a:endParaRPr>
+          </a:p>
+          <a:p>
+            <a:pPr marL="0" indent="0" algn="just">
+              <a:lnSpc>
+                <a:spcPct val="100000"/>
+              </a:lnSpc>
+              <a:buNone/>
+            </a:pPr>
+            <a:r>
+              <a:rPr lang="" altLang="en-US">
+                <a:latin typeface="Noto Serif CJK JP" panose="02020400000000000000" charset="-122"/>
+                <a:ea typeface="Noto Serif CJK JP" panose="02020400000000000000" charset="-122"/>
                 <a:sym typeface="+mn-ea"/>
               </a:rPr>
-              <a:t>;</a:t>
-            </a:r>
-            <a:r>
-              <a:rPr lang="en-US" altLang="en-US" sz="1800">
-                <a:latin typeface="FreeMono" panose="020F0409020205020404" charset="0"/>
-                <a:ea typeface="FreeMono" panose="020F0409020205020404" charset="0"/>
+              <a:t>	</a:t>
+            </a:r>
+            <a:r>
+              <a:rPr lang="en-US" altLang="en-US">
+                <a:latin typeface="Noto Serif CJK JP" panose="02020400000000000000" charset="-122"/>
+                <a:ea typeface="Noto Serif CJK JP" panose="02020400000000000000" charset="-122"/>
                 <a:sym typeface="+mn-ea"/>
               </a:rPr>
-              <a:t>increment stmt</a:t>
-            </a:r>
-            <a:endParaRPr lang="" altLang="en-US" sz="1800">
-              <a:latin typeface="FreeMono" panose="020F0409020205020404" charset="0"/>
-              <a:ea typeface="FreeMono" panose="020F0409020205020404" charset="0"/>
-            </a:endParaRPr>
-          </a:p>
-          <a:p>
-            <a:pPr marL="0" indent="0" algn="just">
-              <a:lnSpc>
-                <a:spcPct val="90000"/>
-              </a:lnSpc>
-              <a:buNone/>
-            </a:pPr>
-            <a:r>
-              <a:rPr lang="" altLang="en-US" sz="1800">
-                <a:latin typeface="FreeMono" panose="020F0409020205020404" charset="0"/>
-                <a:ea typeface="FreeMono" panose="020F0409020205020404" charset="0"/>
-              </a:rPr>
-              <a:t>for(int counter=1;i&lt;=10;i++) 	\\  	Entry checking Loop	</a:t>
-            </a:r>
-            <a:endParaRPr lang="" altLang="en-US" sz="1800">
-              <a:latin typeface="FreeMono" panose="020F0409020205020404" charset="0"/>
-              <a:ea typeface="FreeMono" panose="020F0409020205020404" charset="0"/>
-            </a:endParaRPr>
-          </a:p>
-          <a:p>
-            <a:pPr marL="0" indent="0" algn="just">
-              <a:lnSpc>
-                <a:spcPct val="90000"/>
-              </a:lnSpc>
-              <a:buNone/>
-            </a:pPr>
-            <a:r>
-              <a:rPr lang="" altLang="en-US" sz="1800">
-                <a:latin typeface="FreeMono" panose="020F0409020205020404" charset="0"/>
-                <a:ea typeface="FreeMono" panose="020F0409020205020404" charset="0"/>
-              </a:rPr>
-              <a:t>	</a:t>
-            </a:r>
-            <a:r>
-              <a:rPr lang="en-US" altLang="en-US" sz="1800">
-                <a:latin typeface="FreeMono" panose="020F0409020205020404" charset="0"/>
-                <a:ea typeface="FreeMono" panose="020F0409020205020404" charset="0"/>
-                <a:sym typeface="+mn-ea"/>
-              </a:rPr>
-              <a:t>DISPLAY i</a:t>
-            </a:r>
-            <a:r>
-              <a:rPr lang="" altLang="en-US" sz="1800">
-                <a:latin typeface="FreeMono" panose="020F0409020205020404" charset="0"/>
-                <a:ea typeface="FreeMono" panose="020F0409020205020404" charset="0"/>
-              </a:rPr>
-              <a:t>			\\	Body of Loop</a:t>
-            </a:r>
-            <a:endParaRPr lang="" altLang="en-US" sz="1800">
-              <a:latin typeface="FreeMono" panose="020F0409020205020404" charset="0"/>
-              <a:ea typeface="FreeMono" panose="020F0409020205020404" charset="0"/>
-            </a:endParaRPr>
-          </a:p>
-          <a:p>
-            <a:pPr marL="0" indent="0" algn="just">
-              <a:lnSpc>
-                <a:spcPct val="90000"/>
-              </a:lnSpc>
-              <a:buNone/>
-            </a:pPr>
-            <a:endParaRPr lang="" altLang="en-US" sz="1800">
-              <a:latin typeface="FreeMono" panose="020F0409020205020404" charset="0"/>
-              <a:ea typeface="FreeMono" panose="020F0409020205020404" charset="0"/>
-            </a:endParaRPr>
-          </a:p>
-          <a:p>
-            <a:pPr marL="0" indent="0" algn="just">
-              <a:lnSpc>
-                <a:spcPct val="90000"/>
-              </a:lnSpc>
-              <a:buNone/>
-            </a:pPr>
-            <a:r>
-              <a:rPr lang="" altLang="en-US" sz="1800">
-                <a:latin typeface="FreeMono" panose="020F0409020205020404" charset="0"/>
-                <a:ea typeface="FreeMono" panose="020F0409020205020404" charset="0"/>
-              </a:rPr>
-              <a:t>------------------------------------------------------------</a:t>
-            </a:r>
-            <a:endParaRPr lang="" altLang="en-US" sz="1800">
-              <a:latin typeface="FreeMono" panose="020F0409020205020404" charset="0"/>
-              <a:ea typeface="FreeMono" panose="020F0409020205020404" charset="0"/>
-            </a:endParaRPr>
-          </a:p>
-          <a:p>
-            <a:pPr marL="0" indent="0" algn="just">
-              <a:lnSpc>
-                <a:spcPct val="90000"/>
-              </a:lnSpc>
-              <a:buNone/>
-            </a:pPr>
-            <a:r>
-              <a:rPr lang="en-US" altLang="en-US" sz="1800">
-                <a:latin typeface="FreeMono" panose="020F0409020205020404" charset="0"/>
-                <a:ea typeface="FreeMono" panose="020F0409020205020404" charset="0"/>
-                <a:sym typeface="+mn-ea"/>
-              </a:rPr>
-              <a:t>int counter =1 // intialization stmt</a:t>
-            </a:r>
-            <a:endParaRPr lang="" altLang="en-US" sz="1800">
-              <a:latin typeface="FreeMono" panose="020F0409020205020404" charset="0"/>
-              <a:ea typeface="FreeMono" panose="020F0409020205020404" charset="0"/>
-            </a:endParaRPr>
-          </a:p>
-          <a:p>
-            <a:pPr marL="0" indent="0" algn="just">
-              <a:lnSpc>
-                <a:spcPct val="90000"/>
-              </a:lnSpc>
-              <a:buNone/>
-            </a:pPr>
-            <a:r>
-              <a:rPr lang="" altLang="en-US" sz="1800">
-                <a:latin typeface="FreeMono" panose="020F0409020205020404" charset="0"/>
-                <a:ea typeface="FreeMono" panose="020F0409020205020404" charset="0"/>
-              </a:rPr>
-              <a:t>do</a:t>
-            </a:r>
-            <a:endParaRPr lang="" altLang="en-US" sz="1800">
-              <a:latin typeface="FreeMono" panose="020F0409020205020404" charset="0"/>
-              <a:ea typeface="FreeMono" panose="020F0409020205020404" charset="0"/>
-            </a:endParaRPr>
-          </a:p>
-          <a:p>
-            <a:pPr marL="0" indent="0" algn="just">
-              <a:lnSpc>
-                <a:spcPct val="90000"/>
-              </a:lnSpc>
-              <a:buNone/>
-            </a:pPr>
-            <a:r>
-              <a:rPr lang="" altLang="en-US" sz="1800">
-                <a:latin typeface="FreeMono" panose="020F0409020205020404" charset="0"/>
-                <a:ea typeface="FreeMono" panose="020F0409020205020404" charset="0"/>
-              </a:rPr>
-              <a:t>{                 // Exit Checking Loop</a:t>
-            </a:r>
-            <a:endParaRPr lang="" altLang="en-US" sz="1800">
-              <a:latin typeface="FreeMono" panose="020F0409020205020404" charset="0"/>
-              <a:ea typeface="FreeMono" panose="020F0409020205020404" charset="0"/>
-            </a:endParaRPr>
-          </a:p>
-          <a:p>
-            <a:pPr marL="0" indent="0" algn="just">
-              <a:lnSpc>
-                <a:spcPct val="90000"/>
-              </a:lnSpc>
-              <a:buNone/>
-            </a:pPr>
-            <a:r>
-              <a:rPr lang="" altLang="en-US" sz="1800">
-                <a:latin typeface="FreeMono" panose="020F0409020205020404" charset="0"/>
-                <a:ea typeface="FreeMono" panose="020F0409020205020404" charset="0"/>
-                <a:sym typeface="+mn-ea"/>
-              </a:rPr>
-              <a:t>	</a:t>
-            </a:r>
-            <a:r>
-              <a:rPr lang="en-US" altLang="en-US" sz="1800">
-                <a:latin typeface="FreeMono" panose="020F0409020205020404" charset="0"/>
-                <a:ea typeface="FreeMono" panose="020F0409020205020404" charset="0"/>
-                <a:sym typeface="+mn-ea"/>
-              </a:rPr>
-              <a:t>DISPLAY i</a:t>
-            </a:r>
-            <a:endParaRPr lang="en-US" altLang="en-US" sz="1800">
-              <a:latin typeface="FreeMono" panose="020F0409020205020404" charset="0"/>
-              <a:ea typeface="FreeMono" panose="020F0409020205020404" charset="0"/>
-              <a:sym typeface="+mn-ea"/>
-            </a:endParaRPr>
-          </a:p>
-          <a:p>
-            <a:pPr marL="0" lvl="1" indent="0" algn="just">
-              <a:lnSpc>
-                <a:spcPct val="90000"/>
-              </a:lnSpc>
-              <a:buNone/>
-            </a:pPr>
-            <a:r>
-              <a:rPr lang="" altLang="en-US" sz="1800">
-                <a:latin typeface="FreeMono" panose="020F0409020205020404" charset="0"/>
-                <a:ea typeface="FreeMono" panose="020F0409020205020404" charset="0"/>
-                <a:sym typeface="+mn-ea"/>
-              </a:rPr>
-              <a:t>	</a:t>
-            </a:r>
-            <a:r>
-              <a:rPr lang="en-US" altLang="en-US" sz="1800">
-                <a:latin typeface="FreeMono" panose="020F0409020205020404" charset="0"/>
-                <a:ea typeface="FreeMono" panose="020F0409020205020404" charset="0"/>
-                <a:sym typeface="+mn-ea"/>
-              </a:rPr>
-              <a:t>i = i +1;   // Increment stmt</a:t>
-            </a:r>
-            <a:endParaRPr lang="en-US" altLang="en-US" sz="1800">
-              <a:latin typeface="FreeMono" panose="020F0409020205020404" charset="0"/>
-              <a:ea typeface="FreeMono" panose="020F0409020205020404" charset="0"/>
-              <a:sym typeface="+mn-ea"/>
-            </a:endParaRPr>
-          </a:p>
-          <a:p>
-            <a:pPr marL="0" indent="0" algn="just">
-              <a:lnSpc>
-                <a:spcPct val="90000"/>
-              </a:lnSpc>
-              <a:buNone/>
-            </a:pPr>
-            <a:r>
-              <a:rPr lang="en-US" altLang="en-US" sz="1800">
-                <a:latin typeface="FreeMono" panose="020F0409020205020404" charset="0"/>
-                <a:ea typeface="FreeMono" panose="020F0409020205020404" charset="0"/>
-                <a:sym typeface="+mn-ea"/>
-              </a:rPr>
-              <a:t>	</a:t>
-            </a:r>
-            <a:r>
-              <a:rPr lang="" altLang="en-US" sz="1800">
-                <a:latin typeface="FreeMono" panose="020F0409020205020404" charset="0"/>
-                <a:ea typeface="FreeMono" panose="020F0409020205020404" charset="0"/>
-                <a:sym typeface="+mn-ea"/>
-              </a:rPr>
-              <a:t>		</a:t>
-            </a:r>
-            <a:r>
-              <a:rPr lang="" altLang="en-US" sz="1800">
-                <a:latin typeface="FreeMono" panose="020F0409020205020404" charset="0"/>
-                <a:ea typeface="FreeMono" panose="020F0409020205020404" charset="0"/>
-                <a:sym typeface="+mn-ea"/>
-              </a:rPr>
-              <a:t>//</a:t>
-            </a:r>
-            <a:r>
-              <a:rPr lang="en-US" altLang="en-US" sz="1800">
-                <a:latin typeface="FreeMono" panose="020F0409020205020404" charset="0"/>
-                <a:ea typeface="FreeMono" panose="020F0409020205020404" charset="0"/>
-                <a:sym typeface="+mn-ea"/>
-              </a:rPr>
-              <a:t>	Body of Loop</a:t>
-            </a:r>
-            <a:endParaRPr lang="" altLang="en-US" sz="1800">
-              <a:latin typeface="FreeMono" panose="020F0409020205020404" charset="0"/>
-              <a:ea typeface="FreeMono" panose="020F0409020205020404" charset="0"/>
-            </a:endParaRPr>
-          </a:p>
-          <a:p>
-            <a:pPr marL="0" indent="0" algn="just">
-              <a:lnSpc>
-                <a:spcPct val="90000"/>
-              </a:lnSpc>
-              <a:buNone/>
-            </a:pPr>
-            <a:r>
-              <a:rPr lang="" altLang="en-US" sz="1800">
-                <a:latin typeface="FreeMono" panose="020F0409020205020404" charset="0"/>
-                <a:ea typeface="FreeMono" panose="020F0409020205020404" charset="0"/>
-              </a:rPr>
-              <a:t>}while(i&lt;=10);  // Condition checking</a:t>
-            </a:r>
-            <a:endParaRPr lang="" altLang="en-US" sz="1800">
-              <a:latin typeface="FreeMono" panose="020F0409020205020404" charset="0"/>
-              <a:ea typeface="FreeMono" panose="020F0409020205020404" charset="0"/>
-            </a:endParaRPr>
+              <a:t>display(“Hello”)</a:t>
+            </a:r>
+            <a:endParaRPr lang="en-US"/>
           </a:p>
         </p:txBody>
       </p:sp>
@@ -11528,18 +11214,23 @@
             <p:ph type="title"/>
           </p:nvPr>
         </p:nvSpPr>
-        <p:spPr/>
+        <p:spPr>
+          <a:xfrm>
+            <a:off x="685800" y="64135"/>
+            <a:ext cx="7772400" cy="923290"/>
+          </a:xfrm>
+        </p:spPr>
         <p:txBody>
           <a:bodyPr/>
           <a:p>
             <a:r>
-              <a:rPr lang="en-US" altLang="en-US">
-                <a:latin typeface="Noto Serif CJK JP" panose="02020400000000000000" charset="-122"/>
-                <a:ea typeface="Noto Serif CJK JP" panose="02020400000000000000" charset="-122"/>
-              </a:rPr>
-              <a:t>Concepts</a:t>
-            </a:r>
-            <a:endParaRPr lang="en-US" altLang="en-US">
+              <a:rPr lang="en-US" altLang="en-US" sz="3200">
+                <a:latin typeface="Noto Serif CJK JP" panose="02020400000000000000" charset="-122"/>
+                <a:ea typeface="Noto Serif CJK JP" panose="02020400000000000000" charset="-122"/>
+              </a:rPr>
+              <a:t>Iteration Statements (C++)</a:t>
+            </a:r>
+            <a:endParaRPr lang="en-US" altLang="en-US" sz="3200">
               <a:latin typeface="Noto Serif CJK JP" panose="02020400000000000000" charset="-122"/>
               <a:ea typeface="Noto Serif CJK JP" panose="02020400000000000000" charset="-122"/>
             </a:endParaRPr>
@@ -11558,375 +11249,474 @@
         </p:nvSpPr>
         <p:spPr>
           <a:xfrm>
-            <a:off x="316230" y="1633855"/>
-            <a:ext cx="5294630" cy="4114800"/>
+            <a:off x="154305" y="987425"/>
+            <a:ext cx="8601710" cy="5740400"/>
           </a:xfrm>
-          <a:ln>
-            <a:solidFill>
-              <a:schemeClr val="accent1"/>
-            </a:solidFill>
-          </a:ln>
         </p:spPr>
         <p:txBody>
           <a:bodyPr/>
           <a:p>
-            <a:pPr>
-              <a:lnSpc>
-                <a:spcPct val="120000"/>
-              </a:lnSpc>
-            </a:pPr>
+            <a:pPr marL="0" indent="0" algn="just">
+              <a:lnSpc>
+                <a:spcPct val="90000"/>
+              </a:lnSpc>
+              <a:buNone/>
+            </a:pPr>
+            <a:r>
+              <a:rPr lang="" altLang="en-US" sz="1800">
+                <a:latin typeface="FreeMono" panose="020F0409020205020404" charset="0"/>
+                <a:ea typeface="FreeMono" panose="020F0409020205020404" charset="0"/>
+              </a:rPr>
+              <a:t>int counter =1 	// intialization stmt</a:t>
+            </a:r>
+            <a:endParaRPr lang="" altLang="en-US" sz="1800">
+              <a:latin typeface="FreeMono" panose="020F0409020205020404" charset="0"/>
+              <a:ea typeface="FreeMono" panose="020F0409020205020404" charset="0"/>
+            </a:endParaRPr>
+          </a:p>
+          <a:p>
+            <a:pPr marL="0" indent="0" algn="just">
+              <a:lnSpc>
+                <a:spcPct val="90000"/>
+              </a:lnSpc>
+              <a:buNone/>
+            </a:pPr>
+            <a:r>
+              <a:rPr lang="" altLang="en-US" sz="1800">
+                <a:latin typeface="FreeMono" panose="020F0409020205020404" charset="0"/>
+                <a:ea typeface="FreeMono" panose="020F0409020205020404" charset="0"/>
+              </a:rPr>
+              <a:t>while(i&lt;=10)  	// Condition checking</a:t>
+            </a:r>
+            <a:endParaRPr lang="" altLang="en-US" sz="1800">
+              <a:latin typeface="FreeMono" panose="020F0409020205020404" charset="0"/>
+              <a:ea typeface="FreeMono" panose="020F0409020205020404" charset="0"/>
+            </a:endParaRPr>
+          </a:p>
+          <a:p>
+            <a:pPr marL="0" indent="0" algn="just">
+              <a:lnSpc>
+                <a:spcPct val="90000"/>
+              </a:lnSpc>
+              <a:buNone/>
+            </a:pPr>
+            <a:r>
+              <a:rPr lang="" altLang="en-US" sz="1800">
+                <a:latin typeface="FreeMono" panose="020F0409020205020404" charset="0"/>
+                <a:ea typeface="FreeMono" panose="020F0409020205020404" charset="0"/>
+              </a:rPr>
+              <a:t>{	</a:t>
+            </a:r>
+            <a:endParaRPr lang="" altLang="en-US" sz="1800">
+              <a:latin typeface="FreeMono" panose="020F0409020205020404" charset="0"/>
+              <a:ea typeface="FreeMono" panose="020F0409020205020404" charset="0"/>
+            </a:endParaRPr>
+          </a:p>
+          <a:p>
+            <a:pPr marL="457200" lvl="1" indent="0" algn="just">
+              <a:lnSpc>
+                <a:spcPct val="90000"/>
+              </a:lnSpc>
+              <a:buNone/>
+            </a:pPr>
+            <a:r>
+              <a:rPr lang="en-US" altLang="en-US" sz="1575">
+                <a:latin typeface="FreeMono" panose="020F0409020205020404" charset="0"/>
+                <a:ea typeface="FreeMono" panose="020F0409020205020404" charset="0"/>
+                <a:sym typeface="+mn-ea"/>
+              </a:rPr>
+              <a:t>DISPLAY  </a:t>
+            </a:r>
+            <a:r>
+              <a:rPr lang="" altLang="en-US" sz="1575">
+                <a:latin typeface="FreeMono" panose="020F0409020205020404" charset="0"/>
+                <a:ea typeface="FreeMono" panose="020F0409020205020404" charset="0"/>
+              </a:rPr>
+              <a:t>i   	// body of loop</a:t>
+            </a:r>
+            <a:endParaRPr lang="" altLang="en-US" sz="1575">
+              <a:latin typeface="FreeMono" panose="020F0409020205020404" charset="0"/>
+              <a:ea typeface="FreeMono" panose="020F0409020205020404" charset="0"/>
+            </a:endParaRPr>
+          </a:p>
+          <a:p>
+            <a:pPr marL="457200" lvl="1" indent="0" algn="just">
+              <a:lnSpc>
+                <a:spcPct val="90000"/>
+              </a:lnSpc>
+              <a:buNone/>
+            </a:pPr>
+            <a:r>
+              <a:rPr lang="" altLang="en-US" sz="1575">
+                <a:latin typeface="FreeMono" panose="020F0409020205020404" charset="0"/>
+                <a:ea typeface="FreeMono" panose="020F0409020205020404" charset="0"/>
+              </a:rPr>
+              <a:t>i = i +1;   	// Increment stmt</a:t>
+            </a:r>
+            <a:endParaRPr lang="" altLang="en-US" sz="1575">
+              <a:latin typeface="FreeMono" panose="020F0409020205020404" charset="0"/>
+              <a:ea typeface="FreeMono" panose="020F0409020205020404" charset="0"/>
+            </a:endParaRPr>
+          </a:p>
+          <a:p>
+            <a:pPr marL="0" indent="0" algn="just">
+              <a:lnSpc>
+                <a:spcPct val="90000"/>
+              </a:lnSpc>
+              <a:buNone/>
+            </a:pPr>
+            <a:r>
+              <a:rPr lang="" altLang="en-US" sz="1800">
+                <a:latin typeface="FreeMono" panose="020F0409020205020404" charset="0"/>
+                <a:ea typeface="FreeMono" panose="020F0409020205020404" charset="0"/>
+              </a:rPr>
+              <a:t>}</a:t>
+            </a:r>
+            <a:endParaRPr lang="" altLang="en-US" sz="1800">
+              <a:latin typeface="FreeMono" panose="020F0409020205020404" charset="0"/>
+              <a:ea typeface="FreeMono" panose="020F0409020205020404" charset="0"/>
+            </a:endParaRPr>
+          </a:p>
+          <a:p>
+            <a:pPr marL="0" indent="0" algn="just">
+              <a:lnSpc>
+                <a:spcPct val="90000"/>
+              </a:lnSpc>
+              <a:buNone/>
+            </a:pPr>
+            <a:r>
+              <a:rPr lang="" altLang="en-US" sz="1800">
+                <a:latin typeface="FreeMono" panose="020F0409020205020404" charset="0"/>
+                <a:ea typeface="FreeMono" panose="020F0409020205020404" charset="0"/>
+              </a:rPr>
+              <a:t>------------------------------------------------------------</a:t>
+            </a:r>
+            <a:endParaRPr lang="" altLang="en-US" sz="1800">
+              <a:latin typeface="FreeMono" panose="020F0409020205020404" charset="0"/>
+              <a:ea typeface="FreeMono" panose="020F0409020205020404" charset="0"/>
+            </a:endParaRPr>
+          </a:p>
+          <a:p>
+            <a:pPr marL="0" indent="0" algn="just">
+              <a:lnSpc>
+                <a:spcPct val="90000"/>
+              </a:lnSpc>
+              <a:buNone/>
+            </a:pPr>
+            <a:r>
+              <a:rPr lang="" altLang="en-US" sz="1800">
+                <a:latin typeface="FreeMono" panose="020F0409020205020404" charset="0"/>
+                <a:ea typeface="FreeMono" panose="020F0409020205020404" charset="0"/>
+              </a:rPr>
+              <a:t>\\</a:t>
+            </a:r>
             <a:r>
               <a:rPr lang="en-US" altLang="en-US" sz="1800">
-                <a:latin typeface="Noto Serif CJK JP" panose="02020400000000000000" charset="-122"/>
-                <a:ea typeface="Noto Serif CJK JP" panose="02020400000000000000" charset="-122"/>
-                <a:cs typeface="+mj-ea"/>
+                <a:latin typeface="FreeMono" panose="020F0409020205020404" charset="0"/>
+                <a:ea typeface="FreeMono" panose="020F0409020205020404" charset="0"/>
                 <a:sym typeface="+mn-ea"/>
               </a:rPr>
-              <a:t>Way of Thinking</a:t>
+              <a:t>intialization</a:t>
+            </a:r>
+            <a:r>
+              <a:rPr lang="" altLang="en-US" sz="1800">
+                <a:latin typeface="FreeMono" panose="020F0409020205020404" charset="0"/>
+                <a:ea typeface="FreeMono" panose="020F0409020205020404" charset="0"/>
+                <a:sym typeface="+mn-ea"/>
+              </a:rPr>
+              <a:t>;</a:t>
+            </a:r>
+            <a:r>
+              <a:rPr lang="en-US" altLang="en-US" sz="1800">
+                <a:latin typeface="FreeMono" panose="020F0409020205020404" charset="0"/>
+                <a:ea typeface="FreeMono" panose="020F0409020205020404" charset="0"/>
+                <a:sym typeface="+mn-ea"/>
+              </a:rPr>
+              <a:t>conditionchecking</a:t>
+            </a:r>
+            <a:r>
+              <a:rPr lang="" altLang="en-US" sz="1800">
+                <a:latin typeface="FreeMono" panose="020F0409020205020404" charset="0"/>
+                <a:ea typeface="FreeMono" panose="020F0409020205020404" charset="0"/>
+                <a:sym typeface="+mn-ea"/>
+              </a:rPr>
+              <a:t>;</a:t>
+            </a:r>
+            <a:r>
+              <a:rPr lang="en-US" altLang="en-US" sz="1800">
+                <a:latin typeface="FreeMono" panose="020F0409020205020404" charset="0"/>
+                <a:ea typeface="FreeMono" panose="020F0409020205020404" charset="0"/>
+                <a:sym typeface="+mn-ea"/>
+              </a:rPr>
+              <a:t>increment stmt</a:t>
+            </a:r>
+            <a:endParaRPr lang="" altLang="en-US" sz="1800">
+              <a:latin typeface="FreeMono" panose="020F0409020205020404" charset="0"/>
+              <a:ea typeface="FreeMono" panose="020F0409020205020404" charset="0"/>
+            </a:endParaRPr>
+          </a:p>
+          <a:p>
+            <a:pPr marL="0" indent="0" algn="just">
+              <a:lnSpc>
+                <a:spcPct val="90000"/>
+              </a:lnSpc>
+              <a:buNone/>
+            </a:pPr>
+            <a:r>
+              <a:rPr lang="" altLang="en-US" sz="1800">
+                <a:latin typeface="FreeMono" panose="020F0409020205020404" charset="0"/>
+                <a:ea typeface="FreeMono" panose="020F0409020205020404" charset="0"/>
+              </a:rPr>
+              <a:t>for(int counter=1;i&lt;=10;i++) 	\\  	Entry checking Loop	</a:t>
+            </a:r>
+            <a:endParaRPr lang="" altLang="en-US" sz="1800">
+              <a:latin typeface="FreeMono" panose="020F0409020205020404" charset="0"/>
+              <a:ea typeface="FreeMono" panose="020F0409020205020404" charset="0"/>
+            </a:endParaRPr>
+          </a:p>
+          <a:p>
+            <a:pPr marL="0" indent="0" algn="just">
+              <a:lnSpc>
+                <a:spcPct val="90000"/>
+              </a:lnSpc>
+              <a:buNone/>
+            </a:pPr>
+            <a:r>
+              <a:rPr lang="" altLang="en-US" sz="1800">
+                <a:latin typeface="FreeMono" panose="020F0409020205020404" charset="0"/>
+                <a:ea typeface="FreeMono" panose="020F0409020205020404" charset="0"/>
+              </a:rPr>
+              <a:t>	</a:t>
+            </a:r>
+            <a:r>
+              <a:rPr lang="en-US" altLang="en-US" sz="1800">
+                <a:latin typeface="FreeMono" panose="020F0409020205020404" charset="0"/>
+                <a:ea typeface="FreeMono" panose="020F0409020205020404" charset="0"/>
+                <a:sym typeface="+mn-ea"/>
+              </a:rPr>
+              <a:t>DISPLAY i</a:t>
+            </a:r>
+            <a:r>
+              <a:rPr lang="" altLang="en-US" sz="1800">
+                <a:latin typeface="FreeMono" panose="020F0409020205020404" charset="0"/>
+                <a:ea typeface="FreeMono" panose="020F0409020205020404" charset="0"/>
+              </a:rPr>
+              <a:t>			\\	Body of Loop</a:t>
+            </a:r>
+            <a:endParaRPr lang="" altLang="en-US" sz="1800">
+              <a:latin typeface="FreeMono" panose="020F0409020205020404" charset="0"/>
+              <a:ea typeface="FreeMono" panose="020F0409020205020404" charset="0"/>
+            </a:endParaRPr>
+          </a:p>
+          <a:p>
+            <a:pPr marL="0" indent="0" algn="just">
+              <a:lnSpc>
+                <a:spcPct val="90000"/>
+              </a:lnSpc>
+              <a:buNone/>
+            </a:pPr>
+            <a:endParaRPr lang="" altLang="en-US" sz="1800">
+              <a:latin typeface="FreeMono" panose="020F0409020205020404" charset="0"/>
+              <a:ea typeface="FreeMono" panose="020F0409020205020404" charset="0"/>
+            </a:endParaRPr>
+          </a:p>
+          <a:p>
+            <a:pPr marL="0" indent="0" algn="just">
+              <a:lnSpc>
+                <a:spcPct val="90000"/>
+              </a:lnSpc>
+              <a:buNone/>
+            </a:pPr>
+            <a:r>
+              <a:rPr lang="" altLang="en-US" sz="1800">
+                <a:latin typeface="FreeMono" panose="020F0409020205020404" charset="0"/>
+                <a:ea typeface="FreeMono" panose="020F0409020205020404" charset="0"/>
+              </a:rPr>
+              <a:t>------------------------------------------------------------</a:t>
+            </a:r>
+            <a:endParaRPr lang="" altLang="en-US" sz="1800">
+              <a:latin typeface="FreeMono" panose="020F0409020205020404" charset="0"/>
+              <a:ea typeface="FreeMono" panose="020F0409020205020404" charset="0"/>
+            </a:endParaRPr>
+          </a:p>
+          <a:p>
+            <a:pPr marL="0" indent="0" algn="just">
+              <a:lnSpc>
+                <a:spcPct val="90000"/>
+              </a:lnSpc>
+              <a:buNone/>
+            </a:pPr>
+            <a:r>
+              <a:rPr lang="en-US" altLang="en-US" sz="1800">
+                <a:latin typeface="FreeMono" panose="020F0409020205020404" charset="0"/>
+                <a:ea typeface="FreeMono" panose="020F0409020205020404" charset="0"/>
+                <a:sym typeface="+mn-ea"/>
+              </a:rPr>
+              <a:t>int counter =1 // intialization stmt</a:t>
+            </a:r>
+            <a:endParaRPr lang="" altLang="en-US" sz="1800">
+              <a:latin typeface="FreeMono" panose="020F0409020205020404" charset="0"/>
+              <a:ea typeface="FreeMono" panose="020F0409020205020404" charset="0"/>
+            </a:endParaRPr>
+          </a:p>
+          <a:p>
+            <a:pPr marL="0" indent="0" algn="just">
+              <a:lnSpc>
+                <a:spcPct val="90000"/>
+              </a:lnSpc>
+              <a:buNone/>
+            </a:pPr>
+            <a:r>
+              <a:rPr lang="" altLang="en-US" sz="1800">
+                <a:latin typeface="FreeMono" panose="020F0409020205020404" charset="0"/>
+                <a:ea typeface="FreeMono" panose="020F0409020205020404" charset="0"/>
+              </a:rPr>
+              <a:t>do</a:t>
+            </a:r>
+            <a:endParaRPr lang="" altLang="en-US" sz="1800">
+              <a:latin typeface="FreeMono" panose="020F0409020205020404" charset="0"/>
+              <a:ea typeface="FreeMono" panose="020F0409020205020404" charset="0"/>
+            </a:endParaRPr>
+          </a:p>
+          <a:p>
+            <a:pPr marL="0" indent="0" algn="just">
+              <a:lnSpc>
+                <a:spcPct val="90000"/>
+              </a:lnSpc>
+              <a:buNone/>
+            </a:pPr>
+            <a:r>
+              <a:rPr lang="" altLang="en-US" sz="1800">
+                <a:latin typeface="FreeMono" panose="020F0409020205020404" charset="0"/>
+                <a:ea typeface="FreeMono" panose="020F0409020205020404" charset="0"/>
+              </a:rPr>
+              <a:t>{                 // Exit Checking Loop</a:t>
+            </a:r>
+            <a:endParaRPr lang="" altLang="en-US" sz="1800">
+              <a:latin typeface="FreeMono" panose="020F0409020205020404" charset="0"/>
+              <a:ea typeface="FreeMono" panose="020F0409020205020404" charset="0"/>
+            </a:endParaRPr>
+          </a:p>
+          <a:p>
+            <a:pPr marL="0" indent="0" algn="just">
+              <a:lnSpc>
+                <a:spcPct val="90000"/>
+              </a:lnSpc>
+              <a:buNone/>
+            </a:pPr>
+            <a:r>
+              <a:rPr lang="" altLang="en-US" sz="1800">
+                <a:latin typeface="FreeMono" panose="020F0409020205020404" charset="0"/>
+                <a:ea typeface="FreeMono" panose="020F0409020205020404" charset="0"/>
+                <a:sym typeface="+mn-ea"/>
+              </a:rPr>
+              <a:t>	</a:t>
+            </a:r>
+            <a:r>
+              <a:rPr lang="en-US" altLang="en-US" sz="1800">
+                <a:latin typeface="FreeMono" panose="020F0409020205020404" charset="0"/>
+                <a:ea typeface="FreeMono" panose="020F0409020205020404" charset="0"/>
+                <a:sym typeface="+mn-ea"/>
+              </a:rPr>
+              <a:t>DISPLAY i</a:t>
             </a:r>
             <a:endParaRPr lang="en-US" altLang="en-US" sz="1800">
-              <a:latin typeface="Noto Serif CJK JP" panose="02020400000000000000" charset="-122"/>
-              <a:ea typeface="Noto Serif CJK JP" panose="02020400000000000000" charset="-122"/>
-              <a:cs typeface="+mj-ea"/>
-            </a:endParaRPr>
-          </a:p>
-          <a:p>
-            <a:pPr>
-              <a:lnSpc>
-                <a:spcPct val="120000"/>
-              </a:lnSpc>
-            </a:pPr>
+              <a:latin typeface="FreeMono" panose="020F0409020205020404" charset="0"/>
+              <a:ea typeface="FreeMono" panose="020F0409020205020404" charset="0"/>
+              <a:sym typeface="+mn-ea"/>
+            </a:endParaRPr>
+          </a:p>
+          <a:p>
+            <a:pPr marL="0" lvl="1" indent="0" algn="just">
+              <a:lnSpc>
+                <a:spcPct val="90000"/>
+              </a:lnSpc>
+              <a:buNone/>
+            </a:pPr>
+            <a:r>
+              <a:rPr lang="" altLang="en-US" sz="1800">
+                <a:latin typeface="FreeMono" panose="020F0409020205020404" charset="0"/>
+                <a:ea typeface="FreeMono" panose="020F0409020205020404" charset="0"/>
+                <a:sym typeface="+mn-ea"/>
+              </a:rPr>
+              <a:t>	</a:t>
+            </a:r>
             <a:r>
               <a:rPr lang="en-US" altLang="en-US" sz="1800">
-                <a:latin typeface="Noto Serif CJK JP" panose="02020400000000000000" charset="-122"/>
-                <a:ea typeface="Noto Serif CJK JP" panose="02020400000000000000" charset="-122"/>
-                <a:cs typeface="+mj-ea"/>
+                <a:latin typeface="FreeMono" panose="020F0409020205020404" charset="0"/>
+                <a:ea typeface="FreeMono" panose="020F0409020205020404" charset="0"/>
                 <a:sym typeface="+mn-ea"/>
               </a:rPr>
-              <a:t>Programming - giving instructions</a:t>
+              <a:t>i = i +1;   // Increment stmt</a:t>
             </a:r>
             <a:endParaRPr lang="en-US" altLang="en-US" sz="1800">
-              <a:latin typeface="Noto Serif CJK JP" panose="02020400000000000000" charset="-122"/>
-              <a:ea typeface="Noto Serif CJK JP" panose="02020400000000000000" charset="-122"/>
-              <a:cs typeface="+mj-ea"/>
-            </a:endParaRPr>
-          </a:p>
-          <a:p>
-            <a:pPr>
-              <a:lnSpc>
-                <a:spcPct val="120000"/>
-              </a:lnSpc>
+              <a:latin typeface="FreeMono" panose="020F0409020205020404" charset="0"/>
+              <a:ea typeface="FreeMono" panose="020F0409020205020404" charset="0"/>
+              <a:sym typeface="+mn-ea"/>
+            </a:endParaRPr>
+          </a:p>
+          <a:p>
+            <a:pPr marL="0" indent="0" algn="just">
+              <a:lnSpc>
+                <a:spcPct val="90000"/>
+              </a:lnSpc>
+              <a:buNone/>
             </a:pPr>
             <a:r>
               <a:rPr lang="en-US" altLang="en-US" sz="1800">
-                <a:latin typeface="Noto Serif CJK JP" panose="02020400000000000000" charset="-122"/>
-                <a:ea typeface="Noto Serif CJK JP" panose="02020400000000000000" charset="-122"/>
-                <a:cs typeface="+mj-ea"/>
+                <a:latin typeface="FreeMono" panose="020F0409020205020404" charset="0"/>
+                <a:ea typeface="FreeMono" panose="020F0409020205020404" charset="0"/>
                 <a:sym typeface="+mn-ea"/>
               </a:rPr>
-              <a:t>Machine Language -&gt; Assembly Language -&gt; Procedural Programming Language</a:t>
-            </a:r>
-            <a:endParaRPr lang="en-US" altLang="en-US" sz="1800">
-              <a:latin typeface="Noto Serif CJK JP" panose="02020400000000000000" charset="-122"/>
-              <a:ea typeface="Noto Serif CJK JP" panose="02020400000000000000" charset="-122"/>
-              <a:cs typeface="+mj-ea"/>
-            </a:endParaRPr>
-          </a:p>
-          <a:p>
-            <a:pPr lvl="1"/>
+              <a:t>	</a:t>
+            </a:r>
+            <a:r>
+              <a:rPr lang="" altLang="en-US" sz="1800">
+                <a:latin typeface="FreeMono" panose="020F0409020205020404" charset="0"/>
+                <a:ea typeface="FreeMono" panose="020F0409020205020404" charset="0"/>
+                <a:sym typeface="+mn-ea"/>
+              </a:rPr>
+              <a:t>		</a:t>
+            </a:r>
+            <a:r>
+              <a:rPr lang="" altLang="en-US" sz="1800">
+                <a:latin typeface="FreeMono" panose="020F0409020205020404" charset="0"/>
+                <a:ea typeface="FreeMono" panose="020F0409020205020404" charset="0"/>
+                <a:sym typeface="+mn-ea"/>
+              </a:rPr>
+              <a:t>//</a:t>
+            </a:r>
             <a:r>
               <a:rPr lang="en-US" altLang="en-US" sz="1800">
-                <a:latin typeface="Noto Serif CJK JP" panose="02020400000000000000" charset="-122"/>
-                <a:ea typeface="Noto Serif CJK JP" panose="02020400000000000000" charset="-122"/>
-                <a:cs typeface="+mj-ea"/>
+                <a:latin typeface="FreeMono" panose="020F0409020205020404" charset="0"/>
+                <a:ea typeface="FreeMono" panose="020F0409020205020404" charset="0"/>
                 <a:sym typeface="+mn-ea"/>
               </a:rPr>
-              <a:t>Big logic Divided into functions</a:t>
-            </a:r>
-            <a:endParaRPr lang="en-US" altLang="en-US" sz="1800">
-              <a:latin typeface="Noto Serif CJK JP" panose="02020400000000000000" charset="-122"/>
-              <a:ea typeface="Noto Serif CJK JP" panose="02020400000000000000" charset="-122"/>
-              <a:cs typeface="+mj-ea"/>
-            </a:endParaRPr>
-          </a:p>
-          <a:p>
-            <a:pPr lvl="1"/>
-            <a:r>
-              <a:rPr lang="en-US" altLang="en-US" sz="1800">
-                <a:latin typeface="Noto Serif CJK JP" panose="02020400000000000000" charset="-122"/>
-                <a:ea typeface="Noto Serif CJK JP" panose="02020400000000000000" charset="-122"/>
-                <a:cs typeface="+mj-ea"/>
-                <a:sym typeface="+mn-ea"/>
-              </a:rPr>
-              <a:t>Not emphasis on Data</a:t>
-            </a:r>
-            <a:endParaRPr lang="en-US" altLang="en-US" sz="1800">
-              <a:latin typeface="Noto Serif CJK JP" panose="02020400000000000000" charset="-122"/>
-              <a:ea typeface="Noto Serif CJK JP" panose="02020400000000000000" charset="-122"/>
-              <a:cs typeface="+mj-ea"/>
-            </a:endParaRPr>
-          </a:p>
-          <a:p>
-            <a:pPr lvl="1"/>
-            <a:r>
-              <a:rPr lang="en-US" altLang="en-US" sz="1800">
-                <a:latin typeface="Noto Serif CJK JP" panose="02020400000000000000" charset="-122"/>
-                <a:ea typeface="Noto Serif CJK JP" panose="02020400000000000000" charset="-122"/>
-                <a:cs typeface="+mj-ea"/>
-                <a:sym typeface="+mn-ea"/>
-              </a:rPr>
-              <a:t>Need to make data global or via passing</a:t>
-            </a:r>
-            <a:endParaRPr lang="en-US" altLang="en-US" sz="1800">
-              <a:latin typeface="Noto Serif CJK JP" panose="02020400000000000000" charset="-122"/>
-              <a:ea typeface="Noto Serif CJK JP" panose="02020400000000000000" charset="-122"/>
-              <a:cs typeface="+mj-ea"/>
-            </a:endParaRPr>
-          </a:p>
-          <a:p>
-            <a:pPr lvl="1"/>
-            <a:r>
-              <a:rPr lang="en-US" altLang="en-US" sz="1800">
-                <a:latin typeface="Noto Serif CJK JP" panose="02020400000000000000" charset="-122"/>
-                <a:ea typeface="Noto Serif CJK JP" panose="02020400000000000000" charset="-122"/>
-                <a:cs typeface="+mj-ea"/>
-                <a:sym typeface="+mn-ea"/>
-              </a:rPr>
-              <a:t>gap b\w client and developer</a:t>
-            </a:r>
-            <a:endParaRPr lang="en-US" altLang="en-US" sz="1800">
-              <a:latin typeface="Noto Serif CJK JP" panose="02020400000000000000" charset="-122"/>
-              <a:ea typeface="Noto Serif CJK JP" panose="02020400000000000000" charset="-122"/>
-              <a:cs typeface="+mj-ea"/>
-            </a:endParaRPr>
-          </a:p>
-          <a:p>
-            <a:pPr lvl="0"/>
-            <a:r>
-              <a:rPr lang="en-US" altLang="en-US" sz="1800">
-                <a:latin typeface="Noto Serif CJK JP" panose="02020400000000000000" charset="-122"/>
-                <a:ea typeface="Noto Serif CJK JP" panose="02020400000000000000" charset="-122"/>
-                <a:cs typeface="+mj-ea"/>
-                <a:sym typeface="+mn-ea"/>
-              </a:rPr>
-              <a:t>In real world   talk about objects .</a:t>
-            </a:r>
-            <a:endParaRPr lang="en-US" altLang="en-US" sz="1800">
-              <a:latin typeface="Noto Serif CJK JP" panose="02020400000000000000" charset="-122"/>
-              <a:ea typeface="Noto Serif CJK JP" panose="02020400000000000000" charset="-122"/>
-              <a:cs typeface="+mj-ea"/>
-            </a:endParaRPr>
-          </a:p>
-          <a:p>
-            <a:pPr lvl="0"/>
-            <a:r>
-              <a:rPr lang="en-US" altLang="en-US" sz="1800">
-                <a:latin typeface="Noto Serif CJK JP" panose="02020400000000000000" charset="-122"/>
-                <a:ea typeface="Noto Serif CJK JP" panose="02020400000000000000" charset="-122"/>
-                <a:cs typeface="+mj-ea"/>
-                <a:sym typeface="+mn-ea"/>
-              </a:rPr>
-              <a:t>Seek object for their functionality</a:t>
-            </a:r>
-            <a:endParaRPr lang="en-US" sz="1800">
-              <a:latin typeface="Noto Serif CJK JP" panose="02020400000000000000" charset="-122"/>
-              <a:ea typeface="Noto Serif CJK JP" panose="02020400000000000000" charset="-122"/>
-              <a:sym typeface="+mn-ea"/>
-            </a:endParaRPr>
-          </a:p>
-          <a:p>
-            <a:pPr lvl="1">
-              <a:lnSpc>
-                <a:spcPct val="120000"/>
-              </a:lnSpc>
-            </a:pPr>
-            <a:endParaRPr lang="en-US" sz="1575">
-              <a:latin typeface="Noto Serif CJK JP" panose="02020400000000000000" charset="-122"/>
-              <a:ea typeface="Noto Serif CJK JP" panose="02020400000000000000" charset="-122"/>
-            </a:endParaRPr>
-          </a:p>
-        </p:txBody>
-      </p:sp>
-      <p:sp>
-        <p:nvSpPr>
-          <p:cNvPr id="4" name="Text Box 3"/>
-          <p:cNvSpPr txBox="1"/>
-          <p:nvPr/>
-        </p:nvSpPr>
-        <p:spPr>
-          <a:xfrm>
-            <a:off x="5714365" y="1788160"/>
-            <a:ext cx="3204845" cy="2360930"/>
-          </a:xfrm>
-          <a:prstGeom prst="rect">
-            <a:avLst/>
-          </a:prstGeom>
-          <a:noFill/>
-          <a:ln>
-            <a:solidFill>
-              <a:schemeClr val="accent1"/>
-            </a:solidFill>
-          </a:ln>
-        </p:spPr>
-        <p:txBody>
-          <a:bodyPr wrap="square" rtlCol="0">
-            <a:spAutoFit/>
-          </a:bodyPr>
-          <a:p>
-            <a:pPr marL="800100" lvl="1" indent="-342900">
-              <a:lnSpc>
-                <a:spcPct val="120000"/>
-              </a:lnSpc>
-              <a:buAutoNum type="arabicPeriod"/>
-            </a:pPr>
-            <a:r>
-              <a:rPr lang="en-US">
-                <a:solidFill>
-                  <a:srgbClr val="FF0000"/>
-                </a:solidFill>
-                <a:latin typeface="Noto Serif CJK JP" panose="02020400000000000000" charset="-122"/>
-                <a:ea typeface="Noto Serif CJK JP" panose="02020400000000000000" charset="-122"/>
-                <a:sym typeface="+mn-ea"/>
-              </a:rPr>
-              <a:t>Object</a:t>
-            </a:r>
-            <a:endParaRPr lang="en-US">
-              <a:solidFill>
-                <a:srgbClr val="FF0000"/>
-              </a:solidFill>
-              <a:latin typeface="Noto Serif CJK JP" panose="02020400000000000000" charset="-122"/>
-              <a:ea typeface="Noto Serif CJK JP" panose="02020400000000000000" charset="-122"/>
-            </a:endParaRPr>
-          </a:p>
-          <a:p>
-            <a:pPr marL="800100" lvl="1" indent="-342900">
-              <a:lnSpc>
-                <a:spcPct val="120000"/>
-              </a:lnSpc>
-              <a:buAutoNum type="arabicPeriod"/>
-            </a:pPr>
-            <a:r>
-              <a:rPr lang="en-US">
-                <a:solidFill>
-                  <a:srgbClr val="FF0000"/>
-                </a:solidFill>
-                <a:latin typeface="Noto Serif CJK JP" panose="02020400000000000000" charset="-122"/>
-                <a:ea typeface="Noto Serif CJK JP" panose="02020400000000000000" charset="-122"/>
-                <a:sym typeface="+mn-ea"/>
-              </a:rPr>
-              <a:t>Class</a:t>
-            </a:r>
-            <a:endParaRPr lang="en-US">
-              <a:solidFill>
-                <a:srgbClr val="FF0000"/>
-              </a:solidFill>
-              <a:latin typeface="Noto Serif CJK JP" panose="02020400000000000000" charset="-122"/>
-              <a:ea typeface="Noto Serif CJK JP" panose="02020400000000000000" charset="-122"/>
-            </a:endParaRPr>
-          </a:p>
-          <a:p>
-            <a:pPr marL="800100" lvl="1" indent="-342900">
-              <a:lnSpc>
-                <a:spcPct val="120000"/>
-              </a:lnSpc>
-              <a:buAutoNum type="arabicPeriod"/>
-            </a:pPr>
-            <a:r>
-              <a:rPr lang="en-US">
-                <a:solidFill>
-                  <a:srgbClr val="FF0000"/>
-                </a:solidFill>
-                <a:latin typeface="Noto Serif CJK JP" panose="02020400000000000000" charset="-122"/>
-                <a:ea typeface="Noto Serif CJK JP" panose="02020400000000000000" charset="-122"/>
-                <a:sym typeface="+mn-ea"/>
-              </a:rPr>
-              <a:t>Data Encapsulation</a:t>
-            </a:r>
-            <a:endParaRPr lang="en-US">
-              <a:solidFill>
-                <a:srgbClr val="FF0000"/>
-              </a:solidFill>
-              <a:latin typeface="Noto Serif CJK JP" panose="02020400000000000000" charset="-122"/>
-              <a:ea typeface="Noto Serif CJK JP" panose="02020400000000000000" charset="-122"/>
-            </a:endParaRPr>
-          </a:p>
-          <a:p>
-            <a:pPr marL="800100" lvl="1" indent="-342900">
-              <a:lnSpc>
-                <a:spcPct val="120000"/>
-              </a:lnSpc>
-              <a:buAutoNum type="arabicPeriod"/>
-            </a:pPr>
-            <a:r>
-              <a:rPr lang="en-US">
-                <a:solidFill>
-                  <a:srgbClr val="FF0000"/>
-                </a:solidFill>
-                <a:latin typeface="Noto Serif CJK JP" panose="02020400000000000000" charset="-122"/>
-                <a:ea typeface="Noto Serif CJK JP" panose="02020400000000000000" charset="-122"/>
-                <a:sym typeface="+mn-ea"/>
-              </a:rPr>
-              <a:t>Data Abstractions</a:t>
-            </a:r>
-            <a:endParaRPr lang="en-US">
-              <a:solidFill>
-                <a:srgbClr val="FF0000"/>
-              </a:solidFill>
-              <a:latin typeface="Noto Serif CJK JP" panose="02020400000000000000" charset="-122"/>
-              <a:ea typeface="Noto Serif CJK JP" panose="02020400000000000000" charset="-122"/>
-            </a:endParaRPr>
-          </a:p>
-          <a:p>
-            <a:pPr marL="800100" lvl="1" indent="-342900">
-              <a:lnSpc>
-                <a:spcPct val="120000"/>
-              </a:lnSpc>
-              <a:buAutoNum type="arabicPeriod"/>
-            </a:pPr>
-            <a:r>
-              <a:rPr lang="en-US">
-                <a:solidFill>
-                  <a:srgbClr val="FF0000"/>
-                </a:solidFill>
-                <a:latin typeface="Noto Serif CJK JP" panose="02020400000000000000" charset="-122"/>
-                <a:ea typeface="Noto Serif CJK JP" panose="02020400000000000000" charset="-122"/>
-                <a:sym typeface="+mn-ea"/>
-              </a:rPr>
-              <a:t>Inheritance</a:t>
-            </a:r>
-            <a:endParaRPr lang="en-US">
-              <a:solidFill>
-                <a:srgbClr val="FF0000"/>
-              </a:solidFill>
-              <a:latin typeface="Noto Serif CJK JP" panose="02020400000000000000" charset="-122"/>
-              <a:ea typeface="Noto Serif CJK JP" panose="02020400000000000000" charset="-122"/>
-            </a:endParaRPr>
-          </a:p>
-          <a:p>
-            <a:pPr marL="800100" lvl="1" indent="-342900">
-              <a:lnSpc>
-                <a:spcPct val="120000"/>
-              </a:lnSpc>
-              <a:buAutoNum type="arabicPeriod"/>
-            </a:pPr>
-            <a:r>
-              <a:rPr lang="en-US">
-                <a:solidFill>
-                  <a:srgbClr val="FF0000"/>
-                </a:solidFill>
-                <a:latin typeface="Noto Serif CJK JP" panose="02020400000000000000" charset="-122"/>
-                <a:ea typeface="Noto Serif CJK JP" panose="02020400000000000000" charset="-122"/>
-                <a:sym typeface="+mn-ea"/>
-              </a:rPr>
-              <a:t>Polymorphism</a:t>
-            </a:r>
-            <a:endParaRPr lang="en-US">
-              <a:latin typeface="Noto Serif CJK JP" panose="02020400000000000000" charset="-122"/>
-              <a:ea typeface="Noto Serif CJK JP" panose="02020400000000000000" charset="-122"/>
-            </a:endParaRPr>
-          </a:p>
-          <a:p>
-            <a:endParaRPr lang="en-US"/>
+              <a:t>	Body of Loop</a:t>
+            </a:r>
+            <a:endParaRPr lang="" altLang="en-US" sz="1800">
+              <a:latin typeface="FreeMono" panose="020F0409020205020404" charset="0"/>
+              <a:ea typeface="FreeMono" panose="020F0409020205020404" charset="0"/>
+            </a:endParaRPr>
+          </a:p>
+          <a:p>
+            <a:pPr marL="0" indent="0" algn="just">
+              <a:lnSpc>
+                <a:spcPct val="90000"/>
+              </a:lnSpc>
+              <a:buNone/>
+            </a:pPr>
+            <a:r>
+              <a:rPr lang="" altLang="en-US" sz="1800">
+                <a:latin typeface="FreeMono" panose="020F0409020205020404" charset="0"/>
+                <a:ea typeface="FreeMono" panose="020F0409020205020404" charset="0"/>
+              </a:rPr>
+              <a:t>}while(i&lt;=10);  // Condition checking</a:t>
+            </a:r>
+            <a:endParaRPr lang="" altLang="en-US" sz="1800">
+              <a:latin typeface="FreeMono" panose="020F0409020205020404" charset="0"/>
+              <a:ea typeface="FreeMono" panose="020F0409020205020404" charset="0"/>
+            </a:endParaRPr>
           </a:p>
         </p:txBody>
       </p:sp>
@@ -11958,18 +11748,23 @@
             <p:ph type="title"/>
           </p:nvPr>
         </p:nvSpPr>
-        <p:spPr/>
+        <p:spPr>
+          <a:xfrm>
+            <a:off x="685800" y="64135"/>
+            <a:ext cx="7772400" cy="923290"/>
+          </a:xfrm>
+        </p:spPr>
         <p:txBody>
           <a:bodyPr/>
           <a:p>
             <a:r>
-              <a:rPr lang="en-US" sz="3200">
-                <a:latin typeface="Noto Serif CJK JP" panose="02020400000000000000" charset="-122"/>
-                <a:ea typeface="Noto Serif CJK JP" panose="02020400000000000000" charset="-122"/>
-              </a:rPr>
-              <a:t>Object</a:t>
-            </a:r>
-            <a:endParaRPr lang="en-US" sz="3200">
+              <a:rPr lang="en-US" altLang="en-US" sz="3200">
+                <a:latin typeface="Noto Serif CJK JP" panose="02020400000000000000" charset="-122"/>
+                <a:ea typeface="Noto Serif CJK JP" panose="02020400000000000000" charset="-122"/>
+              </a:rPr>
+              <a:t>Jump Statements</a:t>
+            </a:r>
+            <a:endParaRPr lang="en-US" altLang="en-US" sz="3200">
               <a:latin typeface="Noto Serif CJK JP" panose="02020400000000000000" charset="-122"/>
               <a:ea typeface="Noto Serif CJK JP" panose="02020400000000000000" charset="-122"/>
             </a:endParaRPr>
@@ -11986,30 +11781,35 @@
             <p:ph idx="1"/>
           </p:nvPr>
         </p:nvSpPr>
-        <p:spPr/>
+        <p:spPr>
+          <a:xfrm>
+            <a:off x="-8255" y="987425"/>
+            <a:ext cx="8764270" cy="5636895"/>
+          </a:xfrm>
+        </p:spPr>
         <p:txBody>
           <a:bodyPr/>
           <a:p>
             <a:pPr algn="just">
               <a:lnSpc>
-                <a:spcPct val="120000"/>
-              </a:lnSpc>
-            </a:pPr>
+                <a:spcPct val="100000"/>
+              </a:lnSpc>
+            </a:pPr>
+            <a:r>
+              <a:rPr lang="" altLang="en-US" sz="1800">
+                <a:latin typeface="Noto Serif CJK JP" panose="02020400000000000000" charset="-122"/>
+                <a:ea typeface="Noto Serif CJK JP" panose="02020400000000000000" charset="-122"/>
+              </a:rPr>
+              <a:t>j</a:t>
+            </a:r>
             <a:r>
               <a:rPr lang="en-US" altLang="en-US" sz="1800">
                 <a:latin typeface="Noto Serif CJK JP" panose="02020400000000000000" charset="-122"/>
                 <a:ea typeface="Noto Serif CJK JP" panose="02020400000000000000" charset="-122"/>
               </a:rPr>
-              <a:t>Represents </a:t>
-            </a:r>
-            <a:r>
-              <a:rPr lang="en-US" sz="1800">
-                <a:latin typeface="Noto Serif CJK JP" panose="02020400000000000000" charset="-122"/>
-                <a:ea typeface="Noto Serif CJK JP" panose="02020400000000000000" charset="-122"/>
-              </a:rPr>
-              <a:t>entity </a:t>
-            </a:r>
-            <a:endParaRPr lang="en-US" sz="1800">
+              <a:t>ump statement performs an immediate local transfer of control.</a:t>
+            </a:r>
+            <a:endParaRPr lang="en-US" altLang="en-US" sz="1800">
               <a:latin typeface="Noto Serif CJK JP" panose="02020400000000000000" charset="-122"/>
               <a:ea typeface="Noto Serif CJK JP" panose="02020400000000000000" charset="-122"/>
             </a:endParaRPr>
@@ -12017,67 +11817,92 @@
           <a:p>
             <a:pPr algn="just">
               <a:lnSpc>
-                <a:spcPct val="120000"/>
-              </a:lnSpc>
-            </a:pPr>
+                <a:spcPct val="100000"/>
+              </a:lnSpc>
+            </a:pPr>
+            <a:endParaRPr lang="en-US" altLang="en-US" sz="1800">
+              <a:latin typeface="Noto Serif CJK JP" panose="02020400000000000000" charset="-122"/>
+              <a:ea typeface="Noto Serif CJK JP" panose="02020400000000000000" charset="-122"/>
+            </a:endParaRPr>
+          </a:p>
+          <a:p>
+            <a:pPr algn="just">
+              <a:lnSpc>
+                <a:spcPct val="100000"/>
+              </a:lnSpc>
+            </a:pPr>
+            <a:r>
+              <a:rPr lang="" altLang="en-US" sz="1800" b="1">
+                <a:latin typeface="Noto Serif CJK JP" panose="02020400000000000000" charset="-122"/>
+                <a:ea typeface="Noto Serif CJK JP" panose="02020400000000000000" charset="-122"/>
+              </a:rPr>
+              <a:t>B</a:t>
+            </a:r>
+            <a:r>
+              <a:rPr lang="en-US" altLang="en-US" sz="1800" b="1">
+                <a:latin typeface="Noto Serif CJK JP" panose="02020400000000000000" charset="-122"/>
+                <a:ea typeface="Noto Serif CJK JP" panose="02020400000000000000" charset="-122"/>
+              </a:rPr>
+              <a:t>reak Statement</a:t>
+            </a:r>
             <a:r>
               <a:rPr lang="en-US" altLang="en-US" sz="1800">
                 <a:latin typeface="Noto Serif CJK JP" panose="02020400000000000000" charset="-122"/>
                 <a:ea typeface="Noto Serif CJK JP" panose="02020400000000000000" charset="-122"/>
               </a:rPr>
-              <a:t>A</a:t>
-            </a:r>
-            <a:r>
-              <a:rPr lang="en-US" sz="1800">
-                <a:latin typeface="Noto Serif CJK JP" panose="02020400000000000000" charset="-122"/>
-                <a:ea typeface="Noto Serif CJK JP" panose="02020400000000000000" charset="-122"/>
-              </a:rPr>
-              <a:t>ttributes</a:t>
-            </a:r>
-            <a:endParaRPr lang="en-US" sz="1800">
-              <a:latin typeface="Noto Serif CJK JP" panose="02020400000000000000" charset="-122"/>
-              <a:ea typeface="Noto Serif CJK JP" panose="02020400000000000000" charset="-122"/>
-            </a:endParaRPr>
-          </a:p>
-          <a:p>
-            <a:pPr lvl="1" algn="just">
-              <a:lnSpc>
-                <a:spcPct val="120000"/>
-              </a:lnSpc>
-            </a:pPr>
-            <a:r>
-              <a:rPr lang="en-US" sz="1800">
-                <a:latin typeface="Noto Serif CJK JP" panose="02020400000000000000" charset="-122"/>
-                <a:ea typeface="Noto Serif CJK JP" panose="02020400000000000000" charset="-122"/>
-              </a:rPr>
-              <a:t>characteristics</a:t>
-            </a:r>
-            <a:endParaRPr lang="en-US" sz="1800">
-              <a:latin typeface="Noto Serif CJK JP" panose="02020400000000000000" charset="-122"/>
-              <a:ea typeface="Noto Serif CJK JP" panose="02020400000000000000" charset="-122"/>
-            </a:endParaRPr>
-          </a:p>
-          <a:p>
-            <a:pPr lvl="1" algn="just">
-              <a:lnSpc>
-                <a:spcPct val="120000"/>
-              </a:lnSpc>
-            </a:pPr>
+              <a:t>  ends execution of the nearest enclosing loop or conditional statement in which it appears. Control passes to the statement that follows the end of the statement, if any.</a:t>
+            </a:r>
+            <a:endParaRPr lang="en-US" altLang="en-US" sz="1800">
+              <a:latin typeface="Noto Serif CJK JP" panose="02020400000000000000" charset="-122"/>
+              <a:ea typeface="Noto Serif CJK JP" panose="02020400000000000000" charset="-122"/>
+            </a:endParaRPr>
+          </a:p>
+          <a:p>
+            <a:pPr algn="just">
+              <a:lnSpc>
+                <a:spcPct val="100000"/>
+              </a:lnSpc>
+            </a:pPr>
+            <a:endParaRPr lang="en-US" altLang="en-US" sz="1800">
+              <a:latin typeface="Noto Serif CJK JP" panose="02020400000000000000" charset="-122"/>
+              <a:ea typeface="Noto Serif CJK JP" panose="02020400000000000000" charset="-122"/>
+            </a:endParaRPr>
+          </a:p>
+          <a:p>
+            <a:pPr algn="just">
+              <a:lnSpc>
+                <a:spcPct val="100000"/>
+              </a:lnSpc>
+            </a:pPr>
+            <a:r>
+              <a:rPr lang="en-US" altLang="en-US" sz="1800" b="1">
+                <a:latin typeface="Noto Serif CJK JP" panose="02020400000000000000" charset="-122"/>
+                <a:ea typeface="Noto Serif CJK JP" panose="02020400000000000000" charset="-122"/>
+              </a:rPr>
+              <a:t>continue Statement</a:t>
+            </a:r>
             <a:r>
               <a:rPr lang="en-US" altLang="en-US" sz="1800">
                 <a:latin typeface="Noto Serif CJK JP" panose="02020400000000000000" charset="-122"/>
                 <a:ea typeface="Noto Serif CJK JP" panose="02020400000000000000" charset="-122"/>
               </a:rPr>
-              <a:t>implemented via v</a:t>
-            </a:r>
-            <a:r>
-              <a:rPr lang="en-US" sz="1800">
-                <a:latin typeface="Noto Serif CJK JP" panose="02020400000000000000" charset="-122"/>
-                <a:ea typeface="Noto Serif CJK JP" panose="02020400000000000000" charset="-122"/>
-              </a:rPr>
-              <a:t>ariable data members</a:t>
-            </a:r>
-            <a:endParaRPr lang="en-US" sz="1800">
+              <a:t> </a:t>
+            </a:r>
+            <a:r>
+              <a:rPr lang="" altLang="en-US" sz="1800">
+                <a:latin typeface="Noto Serif CJK JP" panose="02020400000000000000" charset="-122"/>
+                <a:ea typeface="Noto Serif CJK JP" panose="02020400000000000000" charset="-122"/>
+              </a:rPr>
+              <a:t>: </a:t>
+            </a:r>
+            <a:r>
+              <a:rPr lang="en-US" altLang="en-US" sz="1800">
+                <a:latin typeface="Noto Serif CJK JP" panose="02020400000000000000" charset="-122"/>
+                <a:ea typeface="Noto Serif CJK JP" panose="02020400000000000000" charset="-122"/>
+              </a:rPr>
+              <a:t>Forces transfer of control to the controlling expression of the smallest enclosing do, for, or while loop Any remaining statements in the current iteration are not executed</a:t>
+            </a:r>
+            <a:endParaRPr lang="en-US" altLang="en-US" sz="1800">
               <a:latin typeface="Noto Serif CJK JP" panose="02020400000000000000" charset="-122"/>
               <a:ea typeface="Noto Serif CJK JP" panose="02020400000000000000" charset="-122"/>
             </a:endParaRPr>
@@ -12085,81 +11910,35 @@
           <a:p>
             <a:pPr algn="just">
               <a:lnSpc>
-                <a:spcPct val="120000"/>
-              </a:lnSpc>
-            </a:pPr>
+                <a:spcPct val="100000"/>
+              </a:lnSpc>
+            </a:pPr>
+            <a:endParaRPr lang="en-US" altLang="en-US" sz="1800">
+              <a:latin typeface="Noto Serif CJK JP" panose="02020400000000000000" charset="-122"/>
+              <a:ea typeface="Noto Serif CJK JP" panose="02020400000000000000" charset="-122"/>
+            </a:endParaRPr>
+          </a:p>
+          <a:p>
+            <a:pPr algn="just">
+              <a:lnSpc>
+                <a:spcPct val="100000"/>
+              </a:lnSpc>
+            </a:pPr>
+            <a:r>
+              <a:rPr lang="en-US" altLang="en-US" sz="1800" b="1">
+                <a:latin typeface="Noto Serif CJK JP" panose="02020400000000000000" charset="-122"/>
+                <a:ea typeface="Noto Serif CJK JP" panose="02020400000000000000" charset="-122"/>
+              </a:rPr>
+              <a:t>return Statement</a:t>
+            </a:r>
             <a:r>
               <a:rPr lang="en-US" altLang="en-US" sz="1800">
                 <a:latin typeface="Noto Serif CJK JP" panose="02020400000000000000" charset="-122"/>
                 <a:ea typeface="Noto Serif CJK JP" panose="02020400000000000000" charset="-122"/>
               </a:rPr>
-              <a:t>F</a:t>
-            </a:r>
-            <a:r>
-              <a:rPr lang="en-US" sz="1800">
-                <a:latin typeface="Noto Serif CJK JP" panose="02020400000000000000" charset="-122"/>
-                <a:ea typeface="Noto Serif CJK JP" panose="02020400000000000000" charset="-122"/>
-              </a:rPr>
-              <a:t>unctionality </a:t>
-            </a:r>
-            <a:endParaRPr lang="en-US" sz="1800">
-              <a:latin typeface="Noto Serif CJK JP" panose="02020400000000000000" charset="-122"/>
-              <a:ea typeface="Noto Serif CJK JP" panose="02020400000000000000" charset="-122"/>
-            </a:endParaRPr>
-          </a:p>
-          <a:p>
-            <a:pPr lvl="1" algn="just">
-              <a:lnSpc>
-                <a:spcPct val="120000"/>
-              </a:lnSpc>
-            </a:pPr>
-            <a:r>
-              <a:rPr lang="en-US" altLang="en-US" sz="1800">
-                <a:latin typeface="Noto Serif CJK JP" panose="02020400000000000000" charset="-122"/>
-                <a:ea typeface="Noto Serif CJK JP" panose="02020400000000000000" charset="-122"/>
-              </a:rPr>
-              <a:t>b</a:t>
-            </a:r>
-            <a:r>
-              <a:rPr lang="en-US" sz="1800">
-                <a:latin typeface="Noto Serif CJK JP" panose="02020400000000000000" charset="-122"/>
-                <a:ea typeface="Noto Serif CJK JP" panose="02020400000000000000" charset="-122"/>
-              </a:rPr>
-              <a:t>ehaviour</a:t>
-            </a:r>
-            <a:endParaRPr lang="en-US" sz="1800">
-              <a:latin typeface="Noto Serif CJK JP" panose="02020400000000000000" charset="-122"/>
-              <a:ea typeface="Noto Serif CJK JP" panose="02020400000000000000" charset="-122"/>
-            </a:endParaRPr>
-          </a:p>
-          <a:p>
-            <a:pPr lvl="1" algn="just">
-              <a:lnSpc>
-                <a:spcPct val="120000"/>
-              </a:lnSpc>
-            </a:pPr>
-            <a:r>
-              <a:rPr lang="en-US" altLang="en-US" sz="1800">
-                <a:latin typeface="Noto Serif CJK JP" panose="02020400000000000000" charset="-122"/>
-                <a:ea typeface="Noto Serif CJK JP" panose="02020400000000000000" charset="-122"/>
-              </a:rPr>
-              <a:t>implemented via M</a:t>
-            </a:r>
-            <a:r>
-              <a:rPr lang="en-US" sz="1800">
-                <a:latin typeface="Noto Serif CJK JP" panose="02020400000000000000" charset="-122"/>
-                <a:ea typeface="Noto Serif CJK JP" panose="02020400000000000000" charset="-122"/>
-              </a:rPr>
-              <a:t>ethods</a:t>
-            </a:r>
-            <a:r>
-              <a:rPr lang="en-US" altLang="en-US" sz="1800">
-                <a:latin typeface="Noto Serif CJK JP" panose="02020400000000000000" charset="-122"/>
-                <a:ea typeface="Noto Serif CJK JP" panose="02020400000000000000" charset="-122"/>
-              </a:rPr>
-              <a:t>/member Functions</a:t>
-            </a:r>
-            <a:endParaRPr lang="en-US" sz="1800">
+              <a:t> Terminates the execution of a function and returns control to the calling function (or to the operating system if you transfer control from the main function). Execution resumes in the calling function at the point immediately following the call.</a:t>
+            </a:r>
+            <a:endParaRPr lang="en-US" altLang="en-US" sz="1800">
               <a:latin typeface="Noto Serif CJK JP" panose="02020400000000000000" charset="-122"/>
               <a:ea typeface="Noto Serif CJK JP" panose="02020400000000000000" charset="-122"/>
             </a:endParaRPr>
@@ -12167,24 +11946,32 @@
           <a:p>
             <a:pPr algn="just">
               <a:lnSpc>
-                <a:spcPct val="120000"/>
-              </a:lnSpc>
-            </a:pPr>
-            <a:r>
-              <a:rPr lang="en-US" altLang="en-US" sz="1800">
-                <a:latin typeface="Noto Serif CJK JP" panose="02020400000000000000" charset="-122"/>
-                <a:ea typeface="Noto Serif CJK JP" panose="02020400000000000000" charset="-122"/>
-              </a:rPr>
-              <a:t>I</a:t>
-            </a:r>
-            <a:r>
-              <a:rPr lang="en-US" sz="1800">
-                <a:latin typeface="Noto Serif CJK JP" panose="02020400000000000000" charset="-122"/>
-                <a:ea typeface="Noto Serif CJK JP" panose="02020400000000000000" charset="-122"/>
-              </a:rPr>
-              <a:t>nstance of class</a:t>
-            </a:r>
-            <a:endParaRPr lang="en-US" sz="1800">
+                <a:spcPct val="100000"/>
+              </a:lnSpc>
+            </a:pPr>
+            <a:endParaRPr lang="en-US" altLang="en-US" sz="1800">
+              <a:latin typeface="Noto Serif CJK JP" panose="02020400000000000000" charset="-122"/>
+              <a:ea typeface="Noto Serif CJK JP" panose="02020400000000000000" charset="-122"/>
+            </a:endParaRPr>
+          </a:p>
+          <a:p>
+            <a:pPr algn="just">
+              <a:lnSpc>
+                <a:spcPct val="100000"/>
+              </a:lnSpc>
+            </a:pPr>
+            <a:endParaRPr lang="en-US" altLang="en-US" sz="1800">
+              <a:latin typeface="Noto Serif CJK JP" panose="02020400000000000000" charset="-122"/>
+              <a:ea typeface="Noto Serif CJK JP" panose="02020400000000000000" charset="-122"/>
+            </a:endParaRPr>
+          </a:p>
+          <a:p>
+            <a:pPr algn="just">
+              <a:lnSpc>
+                <a:spcPct val="100000"/>
+              </a:lnSpc>
+            </a:pPr>
+            <a:endParaRPr lang="en-US" altLang="en-US" sz="1800">
               <a:latin typeface="Noto Serif CJK JP" panose="02020400000000000000" charset="-122"/>
               <a:ea typeface="Noto Serif CJK JP" panose="02020400000000000000" charset="-122"/>
             </a:endParaRPr>
@@ -12485,7 +12272,7 @@
                 <a:latin typeface="Noto Serif CJK JP" panose="02020400000000000000" charset="-122"/>
                 <a:ea typeface="Noto Serif CJK JP" panose="02020400000000000000" charset="-122"/>
               </a:rPr>
-              <a:t>Example</a:t>
+              <a:t>Concepts</a:t>
             </a:r>
             <a:endParaRPr lang="en-US" altLang="en-US">
               <a:latin typeface="Noto Serif CJK JP" panose="02020400000000000000" charset="-122"/>
@@ -12506,182 +12293,375 @@
         </p:nvSpPr>
         <p:spPr>
           <a:xfrm>
-            <a:off x="371475" y="1752600"/>
-            <a:ext cx="7772400" cy="4114800"/>
+            <a:off x="316230" y="1633855"/>
+            <a:ext cx="5294630" cy="4114800"/>
           </a:xfrm>
+          <a:ln>
+            <a:solidFill>
+              <a:schemeClr val="accent1"/>
+            </a:solidFill>
+          </a:ln>
         </p:spPr>
         <p:txBody>
           <a:bodyPr/>
           <a:p>
-            <a:pPr marL="0" indent="0">
-              <a:buNone/>
-            </a:pPr>
-            <a:r>
-              <a:rPr lang="en-US" altLang="en-US" sz="1800" b="1">
-                <a:latin typeface="FreeMono" panose="020F0409020205020404" charset="0"/>
-                <a:ea typeface="FreeMono" panose="020F0409020205020404" charset="0"/>
-              </a:rPr>
-              <a:t>Object of Student </a:t>
-            </a:r>
+            <a:pPr>
+              <a:lnSpc>
+                <a:spcPct val="120000"/>
+              </a:lnSpc>
+            </a:pPr>
             <a:r>
               <a:rPr lang="en-US" altLang="en-US" sz="1800">
-                <a:latin typeface="FreeMono" panose="020F0409020205020404" charset="0"/>
-                <a:ea typeface="FreeMono" panose="020F0409020205020404" charset="0"/>
-              </a:rPr>
-              <a:t>:</a:t>
+                <a:latin typeface="Noto Serif CJK JP" panose="02020400000000000000" charset="-122"/>
+                <a:ea typeface="Noto Serif CJK JP" panose="02020400000000000000" charset="-122"/>
+                <a:cs typeface="+mj-ea"/>
+                <a:sym typeface="+mn-ea"/>
+              </a:rPr>
+              <a:t>Way of Thinking</a:t>
             </a:r>
             <a:endParaRPr lang="en-US" altLang="en-US" sz="1800">
-              <a:latin typeface="FreeMono" panose="020F0409020205020404" charset="0"/>
-              <a:ea typeface="FreeMono" panose="020F0409020205020404" charset="0"/>
-            </a:endParaRPr>
-          </a:p>
-          <a:p>
+              <a:latin typeface="Noto Serif CJK JP" panose="02020400000000000000" charset="-122"/>
+              <a:ea typeface="Noto Serif CJK JP" panose="02020400000000000000" charset="-122"/>
+              <a:cs typeface="+mj-ea"/>
+            </a:endParaRPr>
+          </a:p>
+          <a:p>
+            <a:pPr>
+              <a:lnSpc>
+                <a:spcPct val="120000"/>
+              </a:lnSpc>
+            </a:pPr>
             <a:r>
               <a:rPr lang="en-US" altLang="en-US" sz="1800">
-                <a:latin typeface="FreeMono" panose="020F0409020205020404" charset="0"/>
-                <a:ea typeface="FreeMono" panose="020F0409020205020404" charset="0"/>
-              </a:rPr>
-              <a:t>Attributes </a:t>
+                <a:latin typeface="Noto Serif CJK JP" panose="02020400000000000000" charset="-122"/>
+                <a:ea typeface="Noto Serif CJK JP" panose="02020400000000000000" charset="-122"/>
+                <a:cs typeface="+mj-ea"/>
+                <a:sym typeface="+mn-ea"/>
+              </a:rPr>
+              <a:t>Programming - giving instructions</a:t>
             </a:r>
             <a:endParaRPr lang="en-US" altLang="en-US" sz="1800">
-              <a:latin typeface="FreeMono" panose="020F0409020205020404" charset="0"/>
-              <a:ea typeface="FreeMono" panose="020F0409020205020404" charset="0"/>
+              <a:latin typeface="Noto Serif CJK JP" panose="02020400000000000000" charset="-122"/>
+              <a:ea typeface="Noto Serif CJK JP" panose="02020400000000000000" charset="-122"/>
+              <a:cs typeface="+mj-ea"/>
+            </a:endParaRPr>
+          </a:p>
+          <a:p>
+            <a:pPr>
+              <a:lnSpc>
+                <a:spcPct val="120000"/>
+              </a:lnSpc>
+            </a:pPr>
+            <a:r>
+              <a:rPr lang="en-US" altLang="en-US" sz="1800">
+                <a:latin typeface="Noto Serif CJK JP" panose="02020400000000000000" charset="-122"/>
+                <a:ea typeface="Noto Serif CJK JP" panose="02020400000000000000" charset="-122"/>
+                <a:cs typeface="+mj-ea"/>
+                <a:sym typeface="+mn-ea"/>
+              </a:rPr>
+              <a:t>Machine Language -&gt; Assembly Language -&gt; Procedural Programming Language</a:t>
+            </a:r>
+            <a:endParaRPr lang="en-US" altLang="en-US" sz="1800">
+              <a:latin typeface="Noto Serif CJK JP" panose="02020400000000000000" charset="-122"/>
+              <a:ea typeface="Noto Serif CJK JP" panose="02020400000000000000" charset="-122"/>
+              <a:cs typeface="+mj-ea"/>
             </a:endParaRPr>
           </a:p>
           <a:p>
             <a:pPr lvl="1"/>
             <a:r>
               <a:rPr lang="en-US" altLang="en-US" sz="1800">
-                <a:latin typeface="FreeMono" panose="020F0409020205020404" charset="0"/>
-                <a:ea typeface="FreeMono" panose="020F0409020205020404" charset="0"/>
-              </a:rPr>
-              <a:t>Roll No : 5</a:t>
+                <a:latin typeface="Noto Serif CJK JP" panose="02020400000000000000" charset="-122"/>
+                <a:ea typeface="Noto Serif CJK JP" panose="02020400000000000000" charset="-122"/>
+                <a:cs typeface="+mj-ea"/>
+                <a:sym typeface="+mn-ea"/>
+              </a:rPr>
+              <a:t>Big logic Divided into functions</a:t>
             </a:r>
             <a:endParaRPr lang="en-US" altLang="en-US" sz="1800">
-              <a:latin typeface="FreeMono" panose="020F0409020205020404" charset="0"/>
-              <a:ea typeface="FreeMono" panose="020F0409020205020404" charset="0"/>
+              <a:latin typeface="Noto Serif CJK JP" panose="02020400000000000000" charset="-122"/>
+              <a:ea typeface="Noto Serif CJK JP" panose="02020400000000000000" charset="-122"/>
+              <a:cs typeface="+mj-ea"/>
             </a:endParaRPr>
           </a:p>
           <a:p>
             <a:pPr lvl="1"/>
             <a:r>
               <a:rPr lang="en-US" altLang="en-US" sz="1800">
-                <a:latin typeface="FreeMono" panose="020F0409020205020404" charset="0"/>
-                <a:ea typeface="FreeMono" panose="020F0409020205020404" charset="0"/>
-              </a:rPr>
-              <a:t>Name : Harry</a:t>
+                <a:latin typeface="Noto Serif CJK JP" panose="02020400000000000000" charset="-122"/>
+                <a:ea typeface="Noto Serif CJK JP" panose="02020400000000000000" charset="-122"/>
+                <a:cs typeface="+mj-ea"/>
+                <a:sym typeface="+mn-ea"/>
+              </a:rPr>
+              <a:t>Not emphasis on Data</a:t>
             </a:r>
             <a:endParaRPr lang="en-US" altLang="en-US" sz="1800">
-              <a:latin typeface="FreeMono" panose="020F0409020205020404" charset="0"/>
-              <a:ea typeface="FreeMono" panose="020F0409020205020404" charset="0"/>
+              <a:latin typeface="Noto Serif CJK JP" panose="02020400000000000000" charset="-122"/>
+              <a:ea typeface="Noto Serif CJK JP" panose="02020400000000000000" charset="-122"/>
+              <a:cs typeface="+mj-ea"/>
             </a:endParaRPr>
           </a:p>
           <a:p>
             <a:pPr lvl="1"/>
             <a:r>
               <a:rPr lang="en-US" altLang="en-US" sz="1800">
-                <a:latin typeface="FreeMono" panose="020F0409020205020404" charset="0"/>
-                <a:ea typeface="FreeMono" panose="020F0409020205020404" charset="0"/>
-              </a:rPr>
-              <a:t>Address : 605 -AB</a:t>
+                <a:latin typeface="Noto Serif CJK JP" panose="02020400000000000000" charset="-122"/>
+                <a:ea typeface="Noto Serif CJK JP" panose="02020400000000000000" charset="-122"/>
+                <a:cs typeface="+mj-ea"/>
+                <a:sym typeface="+mn-ea"/>
+              </a:rPr>
+              <a:t>Need to make data global or via passing</a:t>
             </a:r>
             <a:endParaRPr lang="en-US" altLang="en-US" sz="1800">
-              <a:latin typeface="FreeMono" panose="020F0409020205020404" charset="0"/>
-              <a:ea typeface="FreeMono" panose="020F0409020205020404" charset="0"/>
+              <a:latin typeface="Noto Serif CJK JP" panose="02020400000000000000" charset="-122"/>
+              <a:ea typeface="Noto Serif CJK JP" panose="02020400000000000000" charset="-122"/>
+              <a:cs typeface="+mj-ea"/>
             </a:endParaRPr>
           </a:p>
           <a:p>
             <a:pPr lvl="1"/>
             <a:r>
               <a:rPr lang="en-US" altLang="en-US" sz="1800">
-                <a:latin typeface="FreeMono" panose="020F0409020205020404" charset="0"/>
-                <a:ea typeface="FreeMono" panose="020F0409020205020404" charset="0"/>
-              </a:rPr>
-              <a:t>Marks : [34,23,55]</a:t>
+                <a:latin typeface="Noto Serif CJK JP" panose="02020400000000000000" charset="-122"/>
+                <a:ea typeface="Noto Serif CJK JP" panose="02020400000000000000" charset="-122"/>
+                <a:cs typeface="+mj-ea"/>
+                <a:sym typeface="+mn-ea"/>
+              </a:rPr>
+              <a:t>gap b\w client and developer</a:t>
             </a:r>
             <a:endParaRPr lang="en-US" altLang="en-US" sz="1800">
-              <a:latin typeface="FreeMono" panose="020F0409020205020404" charset="0"/>
-              <a:ea typeface="FreeMono" panose="020F0409020205020404" charset="0"/>
-            </a:endParaRPr>
-          </a:p>
-          <a:p>
-            <a:pPr lvl="1"/>
+              <a:latin typeface="Noto Serif CJK JP" panose="02020400000000000000" charset="-122"/>
+              <a:ea typeface="Noto Serif CJK JP" panose="02020400000000000000" charset="-122"/>
+              <a:cs typeface="+mj-ea"/>
+            </a:endParaRPr>
+          </a:p>
+          <a:p>
+            <a:pPr lvl="0"/>
             <a:r>
               <a:rPr lang="en-US" altLang="en-US" sz="1800">
-                <a:latin typeface="FreeMono" panose="020F0409020205020404" charset="0"/>
-                <a:ea typeface="FreeMono" panose="020F0409020205020404" charset="0"/>
-              </a:rPr>
-              <a:t>Height : 4</a:t>
+                <a:latin typeface="Noto Serif CJK JP" panose="02020400000000000000" charset="-122"/>
+                <a:ea typeface="Noto Serif CJK JP" panose="02020400000000000000" charset="-122"/>
+                <a:cs typeface="+mj-ea"/>
+                <a:sym typeface="+mn-ea"/>
+              </a:rPr>
+              <a:t>In real world   talk about objects .</a:t>
             </a:r>
             <a:endParaRPr lang="en-US" altLang="en-US" sz="1800">
-              <a:latin typeface="FreeMono" panose="020F0409020205020404" charset="0"/>
-              <a:ea typeface="FreeMono" panose="020F0409020205020404" charset="0"/>
-            </a:endParaRPr>
-          </a:p>
-          <a:p>
-            <a:pPr lvl="1"/>
+              <a:latin typeface="Noto Serif CJK JP" panose="02020400000000000000" charset="-122"/>
+              <a:ea typeface="Noto Serif CJK JP" panose="02020400000000000000" charset="-122"/>
+              <a:cs typeface="+mj-ea"/>
+            </a:endParaRPr>
+          </a:p>
+          <a:p>
+            <a:pPr lvl="0"/>
             <a:r>
               <a:rPr lang="en-US" altLang="en-US" sz="1800">
-                <a:latin typeface="FreeMono" panose="020F0409020205020404" charset="0"/>
-                <a:ea typeface="FreeMono" panose="020F0409020205020404" charset="0"/>
-              </a:rPr>
-              <a:t>Attendence : [Jan: 23,Feb: 21,..]</a:t>
-            </a:r>
-            <a:endParaRPr lang="en-US" altLang="en-US" sz="1800">
-              <a:latin typeface="FreeMono" panose="020F0409020205020404" charset="0"/>
-              <a:ea typeface="FreeMono" panose="020F0409020205020404" charset="0"/>
-            </a:endParaRPr>
-          </a:p>
-          <a:p>
-            <a:pPr lvl="0"/>
-            <a:r>
-              <a:rPr lang="en-US" altLang="en-US" sz="2055">
-                <a:latin typeface="FreeMono" panose="020F0409020205020404" charset="0"/>
-                <a:ea typeface="FreeMono" panose="020F0409020205020404" charset="0"/>
-              </a:rPr>
-              <a:t>Functionalities</a:t>
-            </a:r>
-            <a:endParaRPr lang="en-US" altLang="en-US" sz="2055">
-              <a:latin typeface="FreeMono" panose="020F0409020205020404" charset="0"/>
-              <a:ea typeface="FreeMono" panose="020F0409020205020404" charset="0"/>
-            </a:endParaRPr>
-          </a:p>
-          <a:p>
-            <a:pPr lvl="1"/>
-            <a:r>
-              <a:rPr lang="en-US" altLang="en-US" sz="1795">
-                <a:latin typeface="FreeMono" panose="020F0409020205020404" charset="0"/>
-                <a:ea typeface="FreeMono" panose="020F0409020205020404" charset="0"/>
-              </a:rPr>
-              <a:t>calculatePercentage</a:t>
-            </a:r>
-            <a:endParaRPr lang="en-US" altLang="en-US" sz="1795">
-              <a:latin typeface="FreeMono" panose="020F0409020205020404" charset="0"/>
-              <a:ea typeface="FreeMono" panose="020F0409020205020404" charset="0"/>
-            </a:endParaRPr>
-          </a:p>
-          <a:p>
-            <a:pPr lvl="1"/>
-            <a:r>
-              <a:rPr lang="en-US" altLang="en-US" sz="1795">
-                <a:latin typeface="FreeMono" panose="020F0409020205020404" charset="0"/>
-                <a:ea typeface="FreeMono" panose="020F0409020205020404" charset="0"/>
-              </a:rPr>
-              <a:t>getAttendenanceOfMonth(Month)</a:t>
-            </a:r>
-            <a:endParaRPr lang="en-US" altLang="en-US" sz="1795">
-              <a:latin typeface="FreeMono" panose="020F0409020205020404" charset="0"/>
-              <a:ea typeface="FreeMono" panose="020F0409020205020404" charset="0"/>
-            </a:endParaRPr>
-          </a:p>
-          <a:p>
-            <a:pPr marL="0" indent="0">
-              <a:buNone/>
-            </a:pPr>
-            <a:endParaRPr lang="en-US" altLang="en-US" sz="1800">
-              <a:latin typeface="FreeMono" panose="020F0409020205020404" charset="0"/>
-              <a:ea typeface="FreeMono" panose="020F0409020205020404" charset="0"/>
-            </a:endParaRPr>
+                <a:latin typeface="Noto Serif CJK JP" panose="02020400000000000000" charset="-122"/>
+                <a:ea typeface="Noto Serif CJK JP" panose="02020400000000000000" charset="-122"/>
+                <a:cs typeface="+mj-ea"/>
+                <a:sym typeface="+mn-ea"/>
+              </a:rPr>
+              <a:t>Seek object for their functionality</a:t>
+            </a:r>
+            <a:endParaRPr lang="en-US" sz="1800">
+              <a:latin typeface="Noto Serif CJK JP" panose="02020400000000000000" charset="-122"/>
+              <a:ea typeface="Noto Serif CJK JP" panose="02020400000000000000" charset="-122"/>
+              <a:sym typeface="+mn-ea"/>
+            </a:endParaRPr>
+          </a:p>
+          <a:p>
+            <a:pPr lvl="1">
+              <a:lnSpc>
+                <a:spcPct val="120000"/>
+              </a:lnSpc>
+            </a:pPr>
+            <a:endParaRPr lang="en-US" sz="1575">
+              <a:latin typeface="Noto Serif CJK JP" panose="02020400000000000000" charset="-122"/>
+              <a:ea typeface="Noto Serif CJK JP" panose="02020400000000000000" charset="-122"/>
+            </a:endParaRPr>
+          </a:p>
+        </p:txBody>
+      </p:sp>
+      <p:sp>
+        <p:nvSpPr>
+          <p:cNvPr id="4" name="Text Box 3"/>
+          <p:cNvSpPr txBox="1"/>
+          <p:nvPr/>
+        </p:nvSpPr>
+        <p:spPr>
+          <a:xfrm>
+            <a:off x="5714365" y="1788160"/>
+            <a:ext cx="3204845" cy="2360930"/>
+          </a:xfrm>
+          <a:prstGeom prst="rect">
+            <a:avLst/>
+          </a:prstGeom>
+          <a:noFill/>
+          <a:ln>
+            <a:solidFill>
+              <a:schemeClr val="accent1"/>
+            </a:solidFill>
+          </a:ln>
+        </p:spPr>
+        <p:txBody>
+          <a:bodyPr wrap="square" rtlCol="0">
+            <a:spAutoFit/>
+          </a:bodyPr>
+          <a:p>
+            <a:pPr marL="800100" lvl="1" indent="-342900">
+              <a:lnSpc>
+                <a:spcPct val="120000"/>
+              </a:lnSpc>
+              <a:buAutoNum type="arabicPeriod"/>
+            </a:pPr>
+            <a:r>
+              <a:rPr lang="en-US">
+                <a:solidFill>
+                  <a:srgbClr val="FF0000"/>
+                </a:solidFill>
+                <a:latin typeface="Noto Serif CJK JP" panose="02020400000000000000" charset="-122"/>
+                <a:ea typeface="Noto Serif CJK JP" panose="02020400000000000000" charset="-122"/>
+                <a:sym typeface="+mn-ea"/>
+              </a:rPr>
+              <a:t>Object</a:t>
+            </a:r>
+            <a:endParaRPr lang="en-US">
+              <a:solidFill>
+                <a:srgbClr val="FF0000"/>
+              </a:solidFill>
+              <a:latin typeface="Noto Serif CJK JP" panose="02020400000000000000" charset="-122"/>
+              <a:ea typeface="Noto Serif CJK JP" panose="02020400000000000000" charset="-122"/>
+            </a:endParaRPr>
+          </a:p>
+          <a:p>
+            <a:pPr marL="800100" lvl="1" indent="-342900">
+              <a:lnSpc>
+                <a:spcPct val="120000"/>
+              </a:lnSpc>
+              <a:buAutoNum type="arabicPeriod"/>
+            </a:pPr>
+            <a:r>
+              <a:rPr lang="en-US">
+                <a:solidFill>
+                  <a:srgbClr val="FF0000"/>
+                </a:solidFill>
+                <a:latin typeface="Noto Serif CJK JP" panose="02020400000000000000" charset="-122"/>
+                <a:ea typeface="Noto Serif CJK JP" panose="02020400000000000000" charset="-122"/>
+                <a:sym typeface="+mn-ea"/>
+              </a:rPr>
+              <a:t>Class</a:t>
+            </a:r>
+            <a:endParaRPr lang="en-US">
+              <a:solidFill>
+                <a:srgbClr val="FF0000"/>
+              </a:solidFill>
+              <a:latin typeface="Noto Serif CJK JP" panose="02020400000000000000" charset="-122"/>
+              <a:ea typeface="Noto Serif CJK JP" panose="02020400000000000000" charset="-122"/>
+            </a:endParaRPr>
+          </a:p>
+          <a:p>
+            <a:pPr marL="800100" lvl="1" indent="-342900">
+              <a:lnSpc>
+                <a:spcPct val="120000"/>
+              </a:lnSpc>
+              <a:buAutoNum type="arabicPeriod"/>
+            </a:pPr>
+            <a:r>
+              <a:rPr lang="en-US">
+                <a:solidFill>
+                  <a:srgbClr val="FF0000"/>
+                </a:solidFill>
+                <a:latin typeface="Noto Serif CJK JP" panose="02020400000000000000" charset="-122"/>
+                <a:ea typeface="Noto Serif CJK JP" panose="02020400000000000000" charset="-122"/>
+                <a:sym typeface="+mn-ea"/>
+              </a:rPr>
+              <a:t>Data Encapsulation</a:t>
+            </a:r>
+            <a:endParaRPr lang="en-US">
+              <a:solidFill>
+                <a:srgbClr val="FF0000"/>
+              </a:solidFill>
+              <a:latin typeface="Noto Serif CJK JP" panose="02020400000000000000" charset="-122"/>
+              <a:ea typeface="Noto Serif CJK JP" panose="02020400000000000000" charset="-122"/>
+            </a:endParaRPr>
+          </a:p>
+          <a:p>
+            <a:pPr marL="800100" lvl="1" indent="-342900">
+              <a:lnSpc>
+                <a:spcPct val="120000"/>
+              </a:lnSpc>
+              <a:buAutoNum type="arabicPeriod"/>
+            </a:pPr>
+            <a:r>
+              <a:rPr lang="en-US">
+                <a:solidFill>
+                  <a:srgbClr val="FF0000"/>
+                </a:solidFill>
+                <a:latin typeface="Noto Serif CJK JP" panose="02020400000000000000" charset="-122"/>
+                <a:ea typeface="Noto Serif CJK JP" panose="02020400000000000000" charset="-122"/>
+                <a:sym typeface="+mn-ea"/>
+              </a:rPr>
+              <a:t>Data Abstractions</a:t>
+            </a:r>
+            <a:endParaRPr lang="en-US">
+              <a:solidFill>
+                <a:srgbClr val="FF0000"/>
+              </a:solidFill>
+              <a:latin typeface="Noto Serif CJK JP" panose="02020400000000000000" charset="-122"/>
+              <a:ea typeface="Noto Serif CJK JP" panose="02020400000000000000" charset="-122"/>
+            </a:endParaRPr>
+          </a:p>
+          <a:p>
+            <a:pPr marL="800100" lvl="1" indent="-342900">
+              <a:lnSpc>
+                <a:spcPct val="120000"/>
+              </a:lnSpc>
+              <a:buAutoNum type="arabicPeriod"/>
+            </a:pPr>
+            <a:r>
+              <a:rPr lang="en-US">
+                <a:solidFill>
+                  <a:srgbClr val="FF0000"/>
+                </a:solidFill>
+                <a:latin typeface="Noto Serif CJK JP" panose="02020400000000000000" charset="-122"/>
+                <a:ea typeface="Noto Serif CJK JP" panose="02020400000000000000" charset="-122"/>
+                <a:sym typeface="+mn-ea"/>
+              </a:rPr>
+              <a:t>Inheritance</a:t>
+            </a:r>
+            <a:endParaRPr lang="en-US">
+              <a:solidFill>
+                <a:srgbClr val="FF0000"/>
+              </a:solidFill>
+              <a:latin typeface="Noto Serif CJK JP" panose="02020400000000000000" charset="-122"/>
+              <a:ea typeface="Noto Serif CJK JP" panose="02020400000000000000" charset="-122"/>
+            </a:endParaRPr>
+          </a:p>
+          <a:p>
+            <a:pPr marL="800100" lvl="1" indent="-342900">
+              <a:lnSpc>
+                <a:spcPct val="120000"/>
+              </a:lnSpc>
+              <a:buAutoNum type="arabicPeriod"/>
+            </a:pPr>
+            <a:r>
+              <a:rPr lang="en-US">
+                <a:solidFill>
+                  <a:srgbClr val="FF0000"/>
+                </a:solidFill>
+                <a:latin typeface="Noto Serif CJK JP" panose="02020400000000000000" charset="-122"/>
+                <a:ea typeface="Noto Serif CJK JP" panose="02020400000000000000" charset="-122"/>
+                <a:sym typeface="+mn-ea"/>
+              </a:rPr>
+              <a:t>Polymorphism</a:t>
+            </a:r>
+            <a:endParaRPr lang="en-US">
+              <a:latin typeface="Noto Serif CJK JP" panose="02020400000000000000" charset="-122"/>
+              <a:ea typeface="Noto Serif CJK JP" panose="02020400000000000000" charset="-122"/>
+            </a:endParaRPr>
+          </a:p>
+          <a:p>
+            <a:endParaRPr lang="en-US"/>
           </a:p>
         </p:txBody>
       </p:sp>
@@ -12722,6 +12702,504 @@
                 <a:latin typeface="Noto Serif CJK JP" panose="02020400000000000000" charset="-122"/>
                 <a:ea typeface="Noto Serif CJK JP" panose="02020400000000000000" charset="-122"/>
               </a:rPr>
+              <a:t>Object</a:t>
+            </a:r>
+            <a:endParaRPr lang="en-US" sz="3200">
+              <a:latin typeface="Noto Serif CJK JP" panose="02020400000000000000" charset="-122"/>
+              <a:ea typeface="Noto Serif CJK JP" panose="02020400000000000000" charset="-122"/>
+            </a:endParaRPr>
+          </a:p>
+        </p:txBody>
+      </p:sp>
+      <p:sp>
+        <p:nvSpPr>
+          <p:cNvPr id="3" name="Content Placeholder 2"/>
+          <p:cNvSpPr>
+            <a:spLocks noGrp="1"/>
+          </p:cNvSpPr>
+          <p:nvPr>
+            <p:ph idx="1"/>
+          </p:nvPr>
+        </p:nvSpPr>
+        <p:spPr/>
+        <p:txBody>
+          <a:bodyPr/>
+          <a:p>
+            <a:pPr algn="just">
+              <a:lnSpc>
+                <a:spcPct val="120000"/>
+              </a:lnSpc>
+            </a:pPr>
+            <a:r>
+              <a:rPr lang="en-US" altLang="en-US" sz="1800">
+                <a:latin typeface="Noto Serif CJK JP" panose="02020400000000000000" charset="-122"/>
+                <a:ea typeface="Noto Serif CJK JP" panose="02020400000000000000" charset="-122"/>
+              </a:rPr>
+              <a:t>Represents </a:t>
+            </a:r>
+            <a:r>
+              <a:rPr lang="en-US" sz="1800">
+                <a:latin typeface="Noto Serif CJK JP" panose="02020400000000000000" charset="-122"/>
+                <a:ea typeface="Noto Serif CJK JP" panose="02020400000000000000" charset="-122"/>
+              </a:rPr>
+              <a:t>entity </a:t>
+            </a:r>
+            <a:endParaRPr lang="en-US" sz="1800">
+              <a:latin typeface="Noto Serif CJK JP" panose="02020400000000000000" charset="-122"/>
+              <a:ea typeface="Noto Serif CJK JP" panose="02020400000000000000" charset="-122"/>
+            </a:endParaRPr>
+          </a:p>
+          <a:p>
+            <a:pPr algn="just">
+              <a:lnSpc>
+                <a:spcPct val="120000"/>
+              </a:lnSpc>
+            </a:pPr>
+            <a:r>
+              <a:rPr lang="en-US" altLang="en-US" sz="1800">
+                <a:latin typeface="Noto Serif CJK JP" panose="02020400000000000000" charset="-122"/>
+                <a:ea typeface="Noto Serif CJK JP" panose="02020400000000000000" charset="-122"/>
+              </a:rPr>
+              <a:t>A</a:t>
+            </a:r>
+            <a:r>
+              <a:rPr lang="en-US" sz="1800">
+                <a:latin typeface="Noto Serif CJK JP" panose="02020400000000000000" charset="-122"/>
+                <a:ea typeface="Noto Serif CJK JP" panose="02020400000000000000" charset="-122"/>
+              </a:rPr>
+              <a:t>ttributes</a:t>
+            </a:r>
+            <a:endParaRPr lang="en-US" sz="1800">
+              <a:latin typeface="Noto Serif CJK JP" panose="02020400000000000000" charset="-122"/>
+              <a:ea typeface="Noto Serif CJK JP" panose="02020400000000000000" charset="-122"/>
+            </a:endParaRPr>
+          </a:p>
+          <a:p>
+            <a:pPr lvl="1" algn="just">
+              <a:lnSpc>
+                <a:spcPct val="120000"/>
+              </a:lnSpc>
+            </a:pPr>
+            <a:r>
+              <a:rPr lang="en-US" sz="1800">
+                <a:latin typeface="Noto Serif CJK JP" panose="02020400000000000000" charset="-122"/>
+                <a:ea typeface="Noto Serif CJK JP" panose="02020400000000000000" charset="-122"/>
+              </a:rPr>
+              <a:t>characteristics</a:t>
+            </a:r>
+            <a:endParaRPr lang="en-US" sz="1800">
+              <a:latin typeface="Noto Serif CJK JP" panose="02020400000000000000" charset="-122"/>
+              <a:ea typeface="Noto Serif CJK JP" panose="02020400000000000000" charset="-122"/>
+            </a:endParaRPr>
+          </a:p>
+          <a:p>
+            <a:pPr lvl="1" algn="just">
+              <a:lnSpc>
+                <a:spcPct val="120000"/>
+              </a:lnSpc>
+            </a:pPr>
+            <a:r>
+              <a:rPr lang="en-US" altLang="en-US" sz="1800">
+                <a:latin typeface="Noto Serif CJK JP" panose="02020400000000000000" charset="-122"/>
+                <a:ea typeface="Noto Serif CJK JP" panose="02020400000000000000" charset="-122"/>
+              </a:rPr>
+              <a:t>implemented via v</a:t>
+            </a:r>
+            <a:r>
+              <a:rPr lang="en-US" sz="1800">
+                <a:latin typeface="Noto Serif CJK JP" panose="02020400000000000000" charset="-122"/>
+                <a:ea typeface="Noto Serif CJK JP" panose="02020400000000000000" charset="-122"/>
+              </a:rPr>
+              <a:t>ariable data members</a:t>
+            </a:r>
+            <a:endParaRPr lang="en-US" sz="1800">
+              <a:latin typeface="Noto Serif CJK JP" panose="02020400000000000000" charset="-122"/>
+              <a:ea typeface="Noto Serif CJK JP" panose="02020400000000000000" charset="-122"/>
+            </a:endParaRPr>
+          </a:p>
+          <a:p>
+            <a:pPr algn="just">
+              <a:lnSpc>
+                <a:spcPct val="120000"/>
+              </a:lnSpc>
+            </a:pPr>
+            <a:r>
+              <a:rPr lang="en-US" altLang="en-US" sz="1800">
+                <a:latin typeface="Noto Serif CJK JP" panose="02020400000000000000" charset="-122"/>
+                <a:ea typeface="Noto Serif CJK JP" panose="02020400000000000000" charset="-122"/>
+              </a:rPr>
+              <a:t>F</a:t>
+            </a:r>
+            <a:r>
+              <a:rPr lang="en-US" sz="1800">
+                <a:latin typeface="Noto Serif CJK JP" panose="02020400000000000000" charset="-122"/>
+                <a:ea typeface="Noto Serif CJK JP" panose="02020400000000000000" charset="-122"/>
+              </a:rPr>
+              <a:t>unctionality </a:t>
+            </a:r>
+            <a:endParaRPr lang="en-US" sz="1800">
+              <a:latin typeface="Noto Serif CJK JP" panose="02020400000000000000" charset="-122"/>
+              <a:ea typeface="Noto Serif CJK JP" panose="02020400000000000000" charset="-122"/>
+            </a:endParaRPr>
+          </a:p>
+          <a:p>
+            <a:pPr lvl="1" algn="just">
+              <a:lnSpc>
+                <a:spcPct val="120000"/>
+              </a:lnSpc>
+            </a:pPr>
+            <a:r>
+              <a:rPr lang="en-US" altLang="en-US" sz="1800">
+                <a:latin typeface="Noto Serif CJK JP" panose="02020400000000000000" charset="-122"/>
+                <a:ea typeface="Noto Serif CJK JP" panose="02020400000000000000" charset="-122"/>
+              </a:rPr>
+              <a:t>b</a:t>
+            </a:r>
+            <a:r>
+              <a:rPr lang="en-US" sz="1800">
+                <a:latin typeface="Noto Serif CJK JP" panose="02020400000000000000" charset="-122"/>
+                <a:ea typeface="Noto Serif CJK JP" panose="02020400000000000000" charset="-122"/>
+              </a:rPr>
+              <a:t>ehaviour</a:t>
+            </a:r>
+            <a:endParaRPr lang="en-US" sz="1800">
+              <a:latin typeface="Noto Serif CJK JP" panose="02020400000000000000" charset="-122"/>
+              <a:ea typeface="Noto Serif CJK JP" panose="02020400000000000000" charset="-122"/>
+            </a:endParaRPr>
+          </a:p>
+          <a:p>
+            <a:pPr lvl="1" algn="just">
+              <a:lnSpc>
+                <a:spcPct val="120000"/>
+              </a:lnSpc>
+            </a:pPr>
+            <a:r>
+              <a:rPr lang="en-US" altLang="en-US" sz="1800">
+                <a:latin typeface="Noto Serif CJK JP" panose="02020400000000000000" charset="-122"/>
+                <a:ea typeface="Noto Serif CJK JP" panose="02020400000000000000" charset="-122"/>
+              </a:rPr>
+              <a:t>implemented via M</a:t>
+            </a:r>
+            <a:r>
+              <a:rPr lang="en-US" sz="1800">
+                <a:latin typeface="Noto Serif CJK JP" panose="02020400000000000000" charset="-122"/>
+                <a:ea typeface="Noto Serif CJK JP" panose="02020400000000000000" charset="-122"/>
+              </a:rPr>
+              <a:t>ethods</a:t>
+            </a:r>
+            <a:r>
+              <a:rPr lang="en-US" altLang="en-US" sz="1800">
+                <a:latin typeface="Noto Serif CJK JP" panose="02020400000000000000" charset="-122"/>
+                <a:ea typeface="Noto Serif CJK JP" panose="02020400000000000000" charset="-122"/>
+              </a:rPr>
+              <a:t>/member Functions</a:t>
+            </a:r>
+            <a:endParaRPr lang="en-US" sz="1800">
+              <a:latin typeface="Noto Serif CJK JP" panose="02020400000000000000" charset="-122"/>
+              <a:ea typeface="Noto Serif CJK JP" panose="02020400000000000000" charset="-122"/>
+            </a:endParaRPr>
+          </a:p>
+          <a:p>
+            <a:pPr algn="just">
+              <a:lnSpc>
+                <a:spcPct val="120000"/>
+              </a:lnSpc>
+            </a:pPr>
+            <a:r>
+              <a:rPr lang="en-US" altLang="en-US" sz="1800">
+                <a:latin typeface="Noto Serif CJK JP" panose="02020400000000000000" charset="-122"/>
+                <a:ea typeface="Noto Serif CJK JP" panose="02020400000000000000" charset="-122"/>
+              </a:rPr>
+              <a:t>I</a:t>
+            </a:r>
+            <a:r>
+              <a:rPr lang="en-US" sz="1800">
+                <a:latin typeface="Noto Serif CJK JP" panose="02020400000000000000" charset="-122"/>
+                <a:ea typeface="Noto Serif CJK JP" panose="02020400000000000000" charset="-122"/>
+              </a:rPr>
+              <a:t>nstance of class</a:t>
+            </a:r>
+            <a:endParaRPr lang="en-US" sz="1800">
+              <a:latin typeface="Noto Serif CJK JP" panose="02020400000000000000" charset="-122"/>
+              <a:ea typeface="Noto Serif CJK JP" panose="02020400000000000000" charset="-122"/>
+            </a:endParaRPr>
+          </a:p>
+        </p:txBody>
+      </p:sp>
+    </p:spTree>
+  </p:cSld>
+  <p:clrMapOvr>
+    <a:masterClrMapping/>
+  </p:clrMapOvr>
+</p:sld>
+</file>
+
+<file path=ppt/slides/slide32.xml><?xml version="1.0" encoding="utf-8"?>
+<p:sld xmlns:a="http://schemas.openxmlformats.org/drawingml/2006/main" xmlns:r="http://schemas.openxmlformats.org/officeDocument/2006/relationships" xmlns:p="http://schemas.openxmlformats.org/presentationml/2006/main">
+  <p:cSld>
+    <p:spTree>
+      <p:nvGrpSpPr>
+        <p:cNvPr id="1" name=""/>
+        <p:cNvGrpSpPr/>
+        <p:nvPr/>
+      </p:nvGrpSpPr>
+      <p:grpSpPr/>
+      <p:sp>
+        <p:nvSpPr>
+          <p:cNvPr id="2" name="Title 1"/>
+          <p:cNvSpPr>
+            <a:spLocks noGrp="1"/>
+          </p:cNvSpPr>
+          <p:nvPr>
+            <p:ph type="title"/>
+          </p:nvPr>
+        </p:nvSpPr>
+        <p:spPr/>
+        <p:txBody>
+          <a:bodyPr/>
+          <a:p>
+            <a:r>
+              <a:rPr lang="en-US" altLang="en-US">
+                <a:latin typeface="Noto Serif CJK JP" panose="02020400000000000000" charset="-122"/>
+                <a:ea typeface="Noto Serif CJK JP" panose="02020400000000000000" charset="-122"/>
+              </a:rPr>
+              <a:t>Example</a:t>
+            </a:r>
+            <a:endParaRPr lang="en-US" altLang="en-US">
+              <a:latin typeface="Noto Serif CJK JP" panose="02020400000000000000" charset="-122"/>
+              <a:ea typeface="Noto Serif CJK JP" panose="02020400000000000000" charset="-122"/>
+            </a:endParaRPr>
+          </a:p>
+        </p:txBody>
+      </p:sp>
+      <p:sp>
+        <p:nvSpPr>
+          <p:cNvPr id="3" name="Content Placeholder 2"/>
+          <p:cNvSpPr>
+            <a:spLocks noGrp="1"/>
+          </p:cNvSpPr>
+          <p:nvPr>
+            <p:ph idx="1"/>
+          </p:nvPr>
+        </p:nvSpPr>
+        <p:spPr>
+          <a:xfrm>
+            <a:off x="371475" y="1752600"/>
+            <a:ext cx="7772400" cy="4114800"/>
+          </a:xfrm>
+        </p:spPr>
+        <p:txBody>
+          <a:bodyPr/>
+          <a:p>
+            <a:pPr marL="0" indent="0">
+              <a:buNone/>
+            </a:pPr>
+            <a:r>
+              <a:rPr lang="en-US" altLang="en-US" sz="1800" b="1">
+                <a:latin typeface="FreeMono" panose="020F0409020205020404" charset="0"/>
+                <a:ea typeface="FreeMono" panose="020F0409020205020404" charset="0"/>
+              </a:rPr>
+              <a:t>Object of Student </a:t>
+            </a:r>
+            <a:r>
+              <a:rPr lang="en-US" altLang="en-US" sz="1800">
+                <a:latin typeface="FreeMono" panose="020F0409020205020404" charset="0"/>
+                <a:ea typeface="FreeMono" panose="020F0409020205020404" charset="0"/>
+              </a:rPr>
+              <a:t>:</a:t>
+            </a:r>
+            <a:endParaRPr lang="en-US" altLang="en-US" sz="1800">
+              <a:latin typeface="FreeMono" panose="020F0409020205020404" charset="0"/>
+              <a:ea typeface="FreeMono" panose="020F0409020205020404" charset="0"/>
+            </a:endParaRPr>
+          </a:p>
+          <a:p>
+            <a:r>
+              <a:rPr lang="en-US" altLang="en-US" sz="1800">
+                <a:latin typeface="FreeMono" panose="020F0409020205020404" charset="0"/>
+                <a:ea typeface="FreeMono" panose="020F0409020205020404" charset="0"/>
+              </a:rPr>
+              <a:t>Attributes </a:t>
+            </a:r>
+            <a:endParaRPr lang="en-US" altLang="en-US" sz="1800">
+              <a:latin typeface="FreeMono" panose="020F0409020205020404" charset="0"/>
+              <a:ea typeface="FreeMono" panose="020F0409020205020404" charset="0"/>
+            </a:endParaRPr>
+          </a:p>
+          <a:p>
+            <a:pPr lvl="1"/>
+            <a:r>
+              <a:rPr lang="en-US" altLang="en-US" sz="1800">
+                <a:latin typeface="FreeMono" panose="020F0409020205020404" charset="0"/>
+                <a:ea typeface="FreeMono" panose="020F0409020205020404" charset="0"/>
+              </a:rPr>
+              <a:t>Roll No : 5</a:t>
+            </a:r>
+            <a:endParaRPr lang="en-US" altLang="en-US" sz="1800">
+              <a:latin typeface="FreeMono" panose="020F0409020205020404" charset="0"/>
+              <a:ea typeface="FreeMono" panose="020F0409020205020404" charset="0"/>
+            </a:endParaRPr>
+          </a:p>
+          <a:p>
+            <a:pPr lvl="1"/>
+            <a:r>
+              <a:rPr lang="en-US" altLang="en-US" sz="1800">
+                <a:latin typeface="FreeMono" panose="020F0409020205020404" charset="0"/>
+                <a:ea typeface="FreeMono" panose="020F0409020205020404" charset="0"/>
+              </a:rPr>
+              <a:t>Name : Harry</a:t>
+            </a:r>
+            <a:endParaRPr lang="en-US" altLang="en-US" sz="1800">
+              <a:latin typeface="FreeMono" panose="020F0409020205020404" charset="0"/>
+              <a:ea typeface="FreeMono" panose="020F0409020205020404" charset="0"/>
+            </a:endParaRPr>
+          </a:p>
+          <a:p>
+            <a:pPr lvl="1"/>
+            <a:r>
+              <a:rPr lang="en-US" altLang="en-US" sz="1800">
+                <a:latin typeface="FreeMono" panose="020F0409020205020404" charset="0"/>
+                <a:ea typeface="FreeMono" panose="020F0409020205020404" charset="0"/>
+              </a:rPr>
+              <a:t>Address : 605 -AB</a:t>
+            </a:r>
+            <a:endParaRPr lang="en-US" altLang="en-US" sz="1800">
+              <a:latin typeface="FreeMono" panose="020F0409020205020404" charset="0"/>
+              <a:ea typeface="FreeMono" panose="020F0409020205020404" charset="0"/>
+            </a:endParaRPr>
+          </a:p>
+          <a:p>
+            <a:pPr lvl="1"/>
+            <a:r>
+              <a:rPr lang="en-US" altLang="en-US" sz="1800">
+                <a:latin typeface="FreeMono" panose="020F0409020205020404" charset="0"/>
+                <a:ea typeface="FreeMono" panose="020F0409020205020404" charset="0"/>
+              </a:rPr>
+              <a:t>Marks : [34,23,55]</a:t>
+            </a:r>
+            <a:endParaRPr lang="en-US" altLang="en-US" sz="1800">
+              <a:latin typeface="FreeMono" panose="020F0409020205020404" charset="0"/>
+              <a:ea typeface="FreeMono" panose="020F0409020205020404" charset="0"/>
+            </a:endParaRPr>
+          </a:p>
+          <a:p>
+            <a:pPr lvl="1"/>
+            <a:r>
+              <a:rPr lang="en-US" altLang="en-US" sz="1800">
+                <a:latin typeface="FreeMono" panose="020F0409020205020404" charset="0"/>
+                <a:ea typeface="FreeMono" panose="020F0409020205020404" charset="0"/>
+              </a:rPr>
+              <a:t>Height : 4</a:t>
+            </a:r>
+            <a:endParaRPr lang="en-US" altLang="en-US" sz="1800">
+              <a:latin typeface="FreeMono" panose="020F0409020205020404" charset="0"/>
+              <a:ea typeface="FreeMono" panose="020F0409020205020404" charset="0"/>
+            </a:endParaRPr>
+          </a:p>
+          <a:p>
+            <a:pPr lvl="1"/>
+            <a:r>
+              <a:rPr lang="en-US" altLang="en-US" sz="1800">
+                <a:latin typeface="FreeMono" panose="020F0409020205020404" charset="0"/>
+                <a:ea typeface="FreeMono" panose="020F0409020205020404" charset="0"/>
+              </a:rPr>
+              <a:t>Attendence : [Jan: 23,Feb: 21,..]</a:t>
+            </a:r>
+            <a:endParaRPr lang="en-US" altLang="en-US" sz="1800">
+              <a:latin typeface="FreeMono" panose="020F0409020205020404" charset="0"/>
+              <a:ea typeface="FreeMono" panose="020F0409020205020404" charset="0"/>
+            </a:endParaRPr>
+          </a:p>
+          <a:p>
+            <a:pPr lvl="0"/>
+            <a:r>
+              <a:rPr lang="en-US" altLang="en-US" sz="2055">
+                <a:latin typeface="FreeMono" panose="020F0409020205020404" charset="0"/>
+                <a:ea typeface="FreeMono" panose="020F0409020205020404" charset="0"/>
+              </a:rPr>
+              <a:t>Functionalities</a:t>
+            </a:r>
+            <a:endParaRPr lang="en-US" altLang="en-US" sz="2055">
+              <a:latin typeface="FreeMono" panose="020F0409020205020404" charset="0"/>
+              <a:ea typeface="FreeMono" panose="020F0409020205020404" charset="0"/>
+            </a:endParaRPr>
+          </a:p>
+          <a:p>
+            <a:pPr lvl="1"/>
+            <a:r>
+              <a:rPr lang="en-US" altLang="en-US" sz="1795">
+                <a:latin typeface="FreeMono" panose="020F0409020205020404" charset="0"/>
+                <a:ea typeface="FreeMono" panose="020F0409020205020404" charset="0"/>
+              </a:rPr>
+              <a:t>calculatePercentage</a:t>
+            </a:r>
+            <a:endParaRPr lang="en-US" altLang="en-US" sz="1795">
+              <a:latin typeface="FreeMono" panose="020F0409020205020404" charset="0"/>
+              <a:ea typeface="FreeMono" panose="020F0409020205020404" charset="0"/>
+            </a:endParaRPr>
+          </a:p>
+          <a:p>
+            <a:pPr lvl="1"/>
+            <a:r>
+              <a:rPr lang="en-US" altLang="en-US" sz="1795">
+                <a:latin typeface="FreeMono" panose="020F0409020205020404" charset="0"/>
+                <a:ea typeface="FreeMono" panose="020F0409020205020404" charset="0"/>
+              </a:rPr>
+              <a:t>getAttendenanceOfMonth(Month)</a:t>
+            </a:r>
+            <a:endParaRPr lang="en-US" altLang="en-US" sz="1795">
+              <a:latin typeface="FreeMono" panose="020F0409020205020404" charset="0"/>
+              <a:ea typeface="FreeMono" panose="020F0409020205020404" charset="0"/>
+            </a:endParaRPr>
+          </a:p>
+          <a:p>
+            <a:pPr marL="0" indent="0">
+              <a:buNone/>
+            </a:pPr>
+            <a:endParaRPr lang="en-US" altLang="en-US" sz="1800">
+              <a:latin typeface="FreeMono" panose="020F0409020205020404" charset="0"/>
+              <a:ea typeface="FreeMono" panose="020F0409020205020404" charset="0"/>
+            </a:endParaRPr>
+          </a:p>
+        </p:txBody>
+      </p:sp>
+    </p:spTree>
+  </p:cSld>
+  <p:clrMapOvr>
+    <a:masterClrMapping/>
+  </p:clrMapOvr>
+</p:sld>
+</file>
+
+<file path=ppt/slides/slide33.xml><?xml version="1.0" encoding="utf-8"?>
+<p:sld xmlns:a="http://schemas.openxmlformats.org/drawingml/2006/main" xmlns:r="http://schemas.openxmlformats.org/officeDocument/2006/relationships" xmlns:p="http://schemas.openxmlformats.org/presentationml/2006/main">
+  <p:cSld>
+    <p:spTree>
+      <p:nvGrpSpPr>
+        <p:cNvPr id="1" name=""/>
+        <p:cNvGrpSpPr/>
+        <p:nvPr/>
+      </p:nvGrpSpPr>
+      <p:grpSpPr/>
+      <p:sp>
+        <p:nvSpPr>
+          <p:cNvPr id="2" name="Title 1"/>
+          <p:cNvSpPr>
+            <a:spLocks noGrp="1"/>
+          </p:cNvSpPr>
+          <p:nvPr>
+            <p:ph type="title"/>
+          </p:nvPr>
+        </p:nvSpPr>
+        <p:spPr/>
+        <p:txBody>
+          <a:bodyPr/>
+          <a:p>
+            <a:r>
+              <a:rPr lang="en-US" sz="3200">
+                <a:latin typeface="Noto Serif CJK JP" panose="02020400000000000000" charset="-122"/>
+                <a:ea typeface="Noto Serif CJK JP" panose="02020400000000000000" charset="-122"/>
+              </a:rPr>
               <a:t>Class</a:t>
             </a:r>
             <a:endParaRPr lang="en-US" sz="3200">
@@ -12864,7 +13342,7 @@
 </p:sld>
 </file>
 
-<file path=ppt/slides/slide32.xml><?xml version="1.0" encoding="utf-8"?>
+<file path=ppt/slides/slide34.xml><?xml version="1.0" encoding="utf-8"?>
 <p:sld xmlns:a="http://schemas.openxmlformats.org/drawingml/2006/main" xmlns:r="http://schemas.openxmlformats.org/officeDocument/2006/relationships" xmlns:p="http://schemas.openxmlformats.org/presentationml/2006/main">
   <p:cSld>
     <p:spTree>

--- a/Objected Oriented Programming Concepts Using C++ & Data Structures/Session-1.pptx
+++ b/Objected Oriented Programming Concepts Using C++ & Data Structures/Session-1.pptx
@@ -5,10 +5,10 @@
     <p:sldMasterId id="2147483648" r:id="rId1"/>
   </p:sldMasterIdLst>
   <p:notesMasterIdLst>
-    <p:notesMasterId r:id="rId37"/>
+    <p:notesMasterId r:id="rId38"/>
   </p:notesMasterIdLst>
   <p:handoutMasterIdLst>
-    <p:handoutMasterId r:id="rId38"/>
+    <p:handoutMasterId r:id="rId39"/>
   </p:handoutMasterIdLst>
   <p:sldIdLst>
     <p:sldId id="257" r:id="rId3"/>
@@ -37,14 +37,15 @@
     <p:sldId id="292" r:id="rId26"/>
     <p:sldId id="293" r:id="rId27"/>
     <p:sldId id="300" r:id="rId28"/>
-    <p:sldId id="291" r:id="rId29"/>
-    <p:sldId id="294" r:id="rId30"/>
-    <p:sldId id="301" r:id="rId31"/>
-    <p:sldId id="295" r:id="rId32"/>
-    <p:sldId id="296" r:id="rId33"/>
-    <p:sldId id="297" r:id="rId34"/>
-    <p:sldId id="298" r:id="rId35"/>
-    <p:sldId id="299" r:id="rId36"/>
+    <p:sldId id="309" r:id="rId29"/>
+    <p:sldId id="291" r:id="rId30"/>
+    <p:sldId id="294" r:id="rId31"/>
+    <p:sldId id="301" r:id="rId32"/>
+    <p:sldId id="295" r:id="rId33"/>
+    <p:sldId id="296" r:id="rId34"/>
+    <p:sldId id="297" r:id="rId35"/>
+    <p:sldId id="298" r:id="rId36"/>
+    <p:sldId id="299" r:id="rId37"/>
   </p:sldIdLst>
   <p:sldSz cx="9144000" cy="6858000" type="screen4x3"/>
   <p:notesSz cx="6858000" cy="9144000"/>
@@ -8082,13 +8083,13 @@
           <a:bodyPr/>
           <a:p>
             <a:r>
-              <a:rPr lang="" altLang="en-US" sz="3200">
+              <a:rPr lang="en-US" altLang="en-US" sz="3200">
                 <a:latin typeface="Noto Serif CJK JP" panose="02020400000000000000" charset="-122"/>
                 <a:ea typeface="Noto Serif CJK JP" panose="02020400000000000000" charset="-122"/>
               </a:rPr>
               <a:t>Type Conversion</a:t>
             </a:r>
-            <a:endParaRPr lang="" altLang="en-US" sz="3200">
+            <a:endParaRPr lang="en-US" altLang="en-US" sz="3200">
               <a:latin typeface="Noto Serif CJK JP" panose="02020400000000000000" charset="-122"/>
               <a:ea typeface="Noto Serif CJK JP" panose="02020400000000000000" charset="-122"/>
             </a:endParaRPr>
@@ -8120,7 +8121,7 @@
               </a:lnSpc>
             </a:pPr>
             <a:r>
-              <a:rPr lang="" altLang="en-US" sz="1800">
+              <a:rPr lang="en-US" altLang="en-US" sz="1800">
                 <a:latin typeface="Noto Serif CJK JP" panose="02020400000000000000" charset="-122"/>
                 <a:ea typeface="Noto Serif CJK JP" panose="02020400000000000000" charset="-122"/>
               </a:rPr>
@@ -8145,7 +8146,7 @@
               </a:lnSpc>
             </a:pPr>
             <a:r>
-              <a:rPr lang="" altLang="en-US" sz="1800">
+              <a:rPr lang="en-US" altLang="en-US" sz="1800">
                 <a:latin typeface="Noto Serif CJK JP" panose="02020400000000000000" charset="-122"/>
                 <a:ea typeface="Noto Serif CJK JP" panose="02020400000000000000" charset="-122"/>
               </a:rPr>
@@ -8159,7 +8160,7 @@
               <a:t>wo types of type conversion: </a:t>
             </a:r>
             <a:r>
-              <a:rPr lang="" altLang="en-US" sz="1800">
+              <a:rPr lang="en-US" altLang="en-US" sz="1800">
                 <a:latin typeface="Noto Serif CJK JP" panose="02020400000000000000" charset="-122"/>
                 <a:ea typeface="Noto Serif CJK JP" panose="02020400000000000000" charset="-122"/>
               </a:rPr>
@@ -8535,13 +8536,13 @@
           <a:bodyPr/>
           <a:p>
             <a:r>
-              <a:rPr lang="" altLang="en-US" sz="3200">
+              <a:rPr lang="en-US" altLang="en-US" sz="3200">
                 <a:latin typeface="Noto Serif CJK JP" panose="02020400000000000000" charset="-122"/>
                 <a:ea typeface="Noto Serif CJK JP" panose="02020400000000000000" charset="-122"/>
               </a:rPr>
               <a:t>Cont.</a:t>
             </a:r>
-            <a:endParaRPr lang="" altLang="en-US" sz="3200">
+            <a:endParaRPr lang="en-US" altLang="en-US" sz="3200">
               <a:latin typeface="Noto Serif CJK JP" panose="02020400000000000000" charset="-122"/>
               <a:ea typeface="Noto Serif CJK JP" panose="02020400000000000000" charset="-122"/>
             </a:endParaRPr>
@@ -8582,13 +8583,13 @@
                         <a:buNone/>
                       </a:pPr>
                       <a:r>
-                        <a:rPr lang="" altLang="en-US" sz="2000">
+                        <a:rPr lang="en-US" altLang="en-US" sz="2000">
                           <a:latin typeface="Noto Serif CJK JP" panose="02020400000000000000" charset="-122"/>
                           <a:ea typeface="Noto Serif CJK JP" panose="02020400000000000000" charset="-122"/>
                         </a:rPr>
                         <a:t>Data Type</a:t>
                       </a:r>
-                      <a:endParaRPr lang="" altLang="en-US" sz="2000">
+                      <a:endParaRPr lang="en-US" altLang="en-US" sz="2000">
                         <a:latin typeface="Noto Serif CJK JP" panose="02020400000000000000" charset="-122"/>
                         <a:ea typeface="Noto Serif CJK JP" panose="02020400000000000000" charset="-122"/>
                       </a:endParaRPr>
@@ -8604,13 +8605,13 @@
                         <a:buNone/>
                       </a:pPr>
                       <a:r>
-                        <a:rPr lang="" altLang="en-US" sz="2000">
+                        <a:rPr lang="en-US" altLang="en-US" sz="2000">
                           <a:latin typeface="Noto Serif CJK JP" panose="02020400000000000000" charset="-122"/>
                           <a:ea typeface="Noto Serif CJK JP" panose="02020400000000000000" charset="-122"/>
                         </a:rPr>
                         <a:t>Size in Memory (Byte)</a:t>
                       </a:r>
-                      <a:endParaRPr lang="" altLang="en-US" sz="2000">
+                      <a:endParaRPr lang="en-US" altLang="en-US" sz="2000">
                         <a:latin typeface="Noto Serif CJK JP" panose="02020400000000000000" charset="-122"/>
                         <a:ea typeface="Noto Serif CJK JP" panose="02020400000000000000" charset="-122"/>
                       </a:endParaRPr>
@@ -8626,13 +8627,13 @@
                         <a:buNone/>
                       </a:pPr>
                       <a:r>
-                        <a:rPr lang="" altLang="en-US" sz="2000">
+                        <a:rPr lang="en-US" altLang="en-US" sz="2000">
                           <a:latin typeface="Noto Serif CJK JP" panose="02020400000000000000" charset="-122"/>
                           <a:ea typeface="Noto Serif CJK JP" panose="02020400000000000000" charset="-122"/>
                         </a:rPr>
                         <a:t>Data Type</a:t>
                       </a:r>
-                      <a:endParaRPr lang="" altLang="en-US" sz="2000">
+                      <a:endParaRPr lang="en-US" altLang="en-US" sz="2000">
                         <a:latin typeface="Noto Serif CJK JP" panose="02020400000000000000" charset="-122"/>
                         <a:ea typeface="Noto Serif CJK JP" panose="02020400000000000000" charset="-122"/>
                       </a:endParaRPr>
@@ -8648,13 +8649,13 @@
                         <a:buNone/>
                       </a:pPr>
                       <a:r>
-                        <a:rPr lang="" altLang="en-US" sz="2000">
+                        <a:rPr lang="en-US" altLang="en-US" sz="2000">
                           <a:latin typeface="Noto Serif CJK JP" panose="02020400000000000000" charset="-122"/>
                           <a:ea typeface="Noto Serif CJK JP" panose="02020400000000000000" charset="-122"/>
                         </a:rPr>
                         <a:t> Size in Memory (Byte)</a:t>
                       </a:r>
-                      <a:endParaRPr lang="" altLang="en-US" sz="2000">
+                      <a:endParaRPr lang="en-US" altLang="en-US" sz="2000">
                         <a:latin typeface="Noto Serif CJK JP" panose="02020400000000000000" charset="-122"/>
                         <a:ea typeface="Noto Serif CJK JP" panose="02020400000000000000" charset="-122"/>
                       </a:endParaRPr>
@@ -8670,13 +8671,13 @@
                         <a:buNone/>
                       </a:pPr>
                       <a:r>
-                        <a:rPr lang="" altLang="en-US" sz="2000">
+                        <a:rPr lang="en-US" altLang="en-US" sz="2000">
                           <a:latin typeface="Noto Serif CJK JP" panose="02020400000000000000" charset="-122"/>
                           <a:ea typeface="Noto Serif CJK JP" panose="02020400000000000000" charset="-122"/>
                         </a:rPr>
                         <a:t>Example</a:t>
                       </a:r>
-                      <a:endParaRPr lang="" altLang="en-US" sz="2000">
+                      <a:endParaRPr lang="en-US" altLang="en-US" sz="2000">
                         <a:latin typeface="Noto Serif CJK JP" panose="02020400000000000000" charset="-122"/>
                         <a:ea typeface="Noto Serif CJK JP" panose="02020400000000000000" charset="-122"/>
                       </a:endParaRPr>
@@ -8716,13 +8717,13 @@
                         <a:buNone/>
                       </a:pPr>
                       <a:r>
-                        <a:rPr lang="" altLang="en-US" sz="2000">
+                        <a:rPr lang="en-US" altLang="en-US" sz="2000">
                           <a:latin typeface="Noto Serif CJK JP" panose="02020400000000000000" charset="-122"/>
                           <a:ea typeface="Noto Serif CJK JP" panose="02020400000000000000" charset="-122"/>
                         </a:rPr>
                         <a:t>1</a:t>
                       </a:r>
-                      <a:endParaRPr lang="" altLang="en-US" sz="2000">
+                      <a:endParaRPr lang="en-US" altLang="en-US" sz="2000">
                         <a:latin typeface="Noto Serif CJK JP" panose="02020400000000000000" charset="-122"/>
                         <a:ea typeface="Noto Serif CJK JP" panose="02020400000000000000" charset="-122"/>
                       </a:endParaRPr>
@@ -8738,13 +8739,13 @@
                         <a:buNone/>
                       </a:pPr>
                       <a:r>
-                        <a:rPr lang="" altLang="en-US" sz="2000">
+                        <a:rPr lang="en-US" altLang="en-US" sz="2000">
                           <a:latin typeface="Noto Serif CJK JP" panose="02020400000000000000" charset="-122"/>
                           <a:ea typeface="Noto Serif CJK JP" panose="02020400000000000000" charset="-122"/>
                         </a:rPr>
                         <a:t>Int</a:t>
                       </a:r>
-                      <a:endParaRPr lang="" altLang="en-US" sz="2000">
+                      <a:endParaRPr lang="en-US" altLang="en-US" sz="2000">
                         <a:latin typeface="Noto Serif CJK JP" panose="02020400000000000000" charset="-122"/>
                         <a:ea typeface="Noto Serif CJK JP" panose="02020400000000000000" charset="-122"/>
                       </a:endParaRPr>
@@ -8760,13 +8761,13 @@
                         <a:buNone/>
                       </a:pPr>
                       <a:r>
-                        <a:rPr lang="" altLang="en-US" sz="2000">
+                        <a:rPr lang="en-US" altLang="en-US" sz="2000">
                           <a:latin typeface="Noto Serif CJK JP" panose="02020400000000000000" charset="-122"/>
                           <a:ea typeface="Noto Serif CJK JP" panose="02020400000000000000" charset="-122"/>
                         </a:rPr>
                         <a:t>2</a:t>
                       </a:r>
-                      <a:endParaRPr lang="" altLang="en-US" sz="2000">
+                      <a:endParaRPr lang="en-US" altLang="en-US" sz="2000">
                         <a:latin typeface="Noto Serif CJK JP" panose="02020400000000000000" charset="-122"/>
                         <a:ea typeface="Noto Serif CJK JP" panose="02020400000000000000" charset="-122"/>
                       </a:endParaRPr>
@@ -8782,13 +8783,13 @@
                         <a:buNone/>
                       </a:pPr>
                       <a:r>
-                        <a:rPr lang="" altLang="en-US" sz="2000">
+                        <a:rPr lang="en-US" altLang="en-US" sz="2000">
                           <a:latin typeface="Noto Serif CJK JP" panose="02020400000000000000" charset="-122"/>
                           <a:ea typeface="Noto Serif CJK JP" panose="02020400000000000000" charset="-122"/>
                         </a:rPr>
                         <a:t>char var1 = 'a';</a:t>
                       </a:r>
-                      <a:endParaRPr lang="" altLang="en-US" sz="2000">
+                      <a:endParaRPr lang="en-US" altLang="en-US" sz="2000">
                         <a:latin typeface="Noto Serif CJK JP" panose="02020400000000000000" charset="-122"/>
                         <a:ea typeface="Noto Serif CJK JP" panose="02020400000000000000" charset="-122"/>
                       </a:endParaRPr>
@@ -8798,13 +8799,13 @@
                         <a:buNone/>
                       </a:pPr>
                       <a:r>
-                        <a:rPr lang="" altLang="en-US" sz="2000">
+                        <a:rPr lang="en-US" altLang="en-US" sz="2000">
                           <a:latin typeface="Noto Serif CJK JP" panose="02020400000000000000" charset="-122"/>
                           <a:ea typeface="Noto Serif CJK JP" panose="02020400000000000000" charset="-122"/>
                         </a:rPr>
                         <a:t>int var2 = var1 ,  val2 value is 69</a:t>
                       </a:r>
-                      <a:endParaRPr lang="" altLang="en-US" sz="2000">
+                      <a:endParaRPr lang="en-US" altLang="en-US" sz="2000">
                         <a:latin typeface="Noto Serif CJK JP" panose="02020400000000000000" charset="-122"/>
                         <a:ea typeface="Noto Serif CJK JP" panose="02020400000000000000" charset="-122"/>
                       </a:endParaRPr>
@@ -8822,13 +8823,13 @@
                         <a:buNone/>
                       </a:pPr>
                       <a:r>
-                        <a:rPr lang="" altLang="en-US" sz="2000">
+                        <a:rPr lang="en-US" altLang="en-US" sz="2000">
                           <a:latin typeface="Noto Serif CJK JP" panose="02020400000000000000" charset="-122"/>
                           <a:ea typeface="Noto Serif CJK JP" panose="02020400000000000000" charset="-122"/>
                         </a:rPr>
                         <a:t>int</a:t>
                       </a:r>
-                      <a:endParaRPr lang="" altLang="en-US" sz="2000">
+                      <a:endParaRPr lang="en-US" altLang="en-US" sz="2000">
                         <a:latin typeface="Noto Serif CJK JP" panose="02020400000000000000" charset="-122"/>
                         <a:ea typeface="Noto Serif CJK JP" panose="02020400000000000000" charset="-122"/>
                       </a:endParaRPr>
@@ -8844,13 +8845,13 @@
                         <a:buNone/>
                       </a:pPr>
                       <a:r>
-                        <a:rPr lang="" altLang="en-US" sz="2000">
+                        <a:rPr lang="en-US" altLang="en-US" sz="2000">
                           <a:latin typeface="Noto Serif CJK JP" panose="02020400000000000000" charset="-122"/>
                           <a:ea typeface="Noto Serif CJK JP" panose="02020400000000000000" charset="-122"/>
                         </a:rPr>
                         <a:t>2</a:t>
                       </a:r>
-                      <a:endParaRPr lang="" altLang="en-US" sz="2000">
+                      <a:endParaRPr lang="en-US" altLang="en-US" sz="2000">
                         <a:latin typeface="Noto Serif CJK JP" panose="02020400000000000000" charset="-122"/>
                         <a:ea typeface="Noto Serif CJK JP" panose="02020400000000000000" charset="-122"/>
                       </a:endParaRPr>
@@ -8866,13 +8867,13 @@
                         <a:buNone/>
                       </a:pPr>
                       <a:r>
-                        <a:rPr lang="" altLang="en-US" sz="2000">
+                        <a:rPr lang="en-US" altLang="en-US" sz="2000">
                           <a:latin typeface="Noto Serif CJK JP" panose="02020400000000000000" charset="-122"/>
                           <a:ea typeface="Noto Serif CJK JP" panose="02020400000000000000" charset="-122"/>
                         </a:rPr>
                         <a:t>float</a:t>
                       </a:r>
-                      <a:endParaRPr lang="" altLang="en-US" sz="2000">
+                      <a:endParaRPr lang="en-US" altLang="en-US" sz="2000">
                         <a:latin typeface="Noto Serif CJK JP" panose="02020400000000000000" charset="-122"/>
                         <a:ea typeface="Noto Serif CJK JP" panose="02020400000000000000" charset="-122"/>
                       </a:endParaRPr>
@@ -8888,13 +8889,13 @@
                         <a:buNone/>
                       </a:pPr>
                       <a:r>
-                        <a:rPr lang="" altLang="en-US" sz="2000">
+                        <a:rPr lang="en-US" altLang="en-US" sz="2000">
                           <a:latin typeface="Noto Serif CJK JP" panose="02020400000000000000" charset="-122"/>
                           <a:ea typeface="Noto Serif CJK JP" panose="02020400000000000000" charset="-122"/>
                         </a:rPr>
                         <a:t>4</a:t>
                       </a:r>
-                      <a:endParaRPr lang="" altLang="en-US" sz="2000">
+                      <a:endParaRPr lang="en-US" altLang="en-US" sz="2000">
                         <a:latin typeface="Noto Serif CJK JP" panose="02020400000000000000" charset="-122"/>
                         <a:ea typeface="Noto Serif CJK JP" panose="02020400000000000000" charset="-122"/>
                       </a:endParaRPr>
@@ -8910,13 +8911,13 @@
                         <a:buNone/>
                       </a:pPr>
                       <a:r>
-                        <a:rPr lang="" altLang="en-US" sz="2000">
+                        <a:rPr lang="en-US" altLang="en-US" sz="2000">
                           <a:latin typeface="Noto Serif CJK JP" panose="02020400000000000000" charset="-122"/>
                           <a:ea typeface="Noto Serif CJK JP" panose="02020400000000000000" charset="-122"/>
                         </a:rPr>
                         <a:t>int var1 = 2;</a:t>
                       </a:r>
-                      <a:endParaRPr lang="" altLang="en-US" sz="2000">
+                      <a:endParaRPr lang="en-US" altLang="en-US" sz="2000">
                         <a:latin typeface="Noto Serif CJK JP" panose="02020400000000000000" charset="-122"/>
                         <a:ea typeface="Noto Serif CJK JP" panose="02020400000000000000" charset="-122"/>
                       </a:endParaRPr>
@@ -8926,7 +8927,7 @@
                         <a:buNone/>
                       </a:pPr>
                       <a:r>
-                        <a:rPr lang="" altLang="en-US" sz="2000">
+                        <a:rPr lang="en-US" altLang="en-US" sz="2000">
                           <a:latin typeface="Noto Serif CJK JP" panose="02020400000000000000" charset="-122"/>
                           <a:ea typeface="Noto Serif CJK JP" panose="02020400000000000000" charset="-122"/>
                         </a:rPr>
@@ -8938,15 +8939,7 @@
                           <a:ea typeface="Noto Serif CJK JP" panose="02020400000000000000" charset="-122"/>
                           <a:sym typeface="+mn-ea"/>
                         </a:rPr>
-                        <a:t>,  val2 value is </a:t>
-                      </a:r>
-                      <a:r>
-                        <a:rPr lang="" altLang="en-US" sz="2000">
-                          <a:latin typeface="Noto Serif CJK JP" panose="02020400000000000000" charset="-122"/>
-                          <a:ea typeface="Noto Serif CJK JP" panose="02020400000000000000" charset="-122"/>
-                          <a:sym typeface="+mn-ea"/>
-                        </a:rPr>
-                        <a:t>2.0</a:t>
+                        <a:t>,  val2 value is 2.0</a:t>
                       </a:r>
                       <a:endParaRPr lang="en-US" altLang="en-US" sz="2000">
                         <a:latin typeface="Noto Serif CJK JP" panose="02020400000000000000" charset="-122"/>
@@ -8958,7 +8951,7 @@
                       <a:pPr algn="just">
                         <a:buNone/>
                       </a:pPr>
-                      <a:endParaRPr lang="" altLang="en-US" sz="2000">
+                      <a:endParaRPr lang="en-US" altLang="en-US" sz="2000">
                         <a:latin typeface="Noto Serif CJK JP" panose="02020400000000000000" charset="-122"/>
                         <a:ea typeface="Noto Serif CJK JP" panose="02020400000000000000" charset="-122"/>
                       </a:endParaRPr>
@@ -8976,13 +8969,13 @@
                         <a:buNone/>
                       </a:pPr>
                       <a:r>
-                        <a:rPr lang="" altLang="en-US" sz="2000">
+                        <a:rPr lang="en-US" altLang="en-US" sz="2000">
                           <a:latin typeface="Noto Serif CJK JP" panose="02020400000000000000" charset="-122"/>
                           <a:ea typeface="Noto Serif CJK JP" panose="02020400000000000000" charset="-122"/>
                         </a:rPr>
                         <a:t>float</a:t>
                       </a:r>
-                      <a:endParaRPr lang="" altLang="en-US" sz="2000">
+                      <a:endParaRPr lang="en-US" altLang="en-US" sz="2000">
                         <a:latin typeface="Noto Serif CJK JP" panose="02020400000000000000" charset="-122"/>
                         <a:ea typeface="Noto Serif CJK JP" panose="02020400000000000000" charset="-122"/>
                       </a:endParaRPr>
@@ -8998,13 +8991,13 @@
                         <a:buNone/>
                       </a:pPr>
                       <a:r>
-                        <a:rPr lang="" altLang="en-US" sz="2000">
+                        <a:rPr lang="en-US" altLang="en-US" sz="2000">
                           <a:latin typeface="Noto Serif CJK JP" panose="02020400000000000000" charset="-122"/>
                           <a:ea typeface="Noto Serif CJK JP" panose="02020400000000000000" charset="-122"/>
                         </a:rPr>
                         <a:t>4</a:t>
                       </a:r>
-                      <a:endParaRPr lang="" altLang="en-US" sz="2000">
+                      <a:endParaRPr lang="en-US" altLang="en-US" sz="2000">
                         <a:latin typeface="Noto Serif CJK JP" panose="02020400000000000000" charset="-122"/>
                         <a:ea typeface="Noto Serif CJK JP" panose="02020400000000000000" charset="-122"/>
                       </a:endParaRPr>
@@ -9020,13 +9013,13 @@
                         <a:buNone/>
                       </a:pPr>
                       <a:r>
-                        <a:rPr lang="" altLang="en-US" sz="2000">
+                        <a:rPr lang="en-US" altLang="en-US" sz="2000">
                           <a:latin typeface="Noto Serif CJK JP" panose="02020400000000000000" charset="-122"/>
                           <a:ea typeface="Noto Serif CJK JP" panose="02020400000000000000" charset="-122"/>
                         </a:rPr>
                         <a:t>int</a:t>
                       </a:r>
-                      <a:endParaRPr lang="" altLang="en-US" sz="2000">
+                      <a:endParaRPr lang="en-US" altLang="en-US" sz="2000">
                         <a:latin typeface="Noto Serif CJK JP" panose="02020400000000000000" charset="-122"/>
                         <a:ea typeface="Noto Serif CJK JP" panose="02020400000000000000" charset="-122"/>
                       </a:endParaRPr>
@@ -9042,13 +9035,13 @@
                         <a:buNone/>
                       </a:pPr>
                       <a:r>
-                        <a:rPr lang="" altLang="en-US" sz="2000">
+                        <a:rPr lang="en-US" altLang="en-US" sz="2000">
                           <a:latin typeface="Noto Serif CJK JP" panose="02020400000000000000" charset="-122"/>
                           <a:ea typeface="Noto Serif CJK JP" panose="02020400000000000000" charset="-122"/>
                         </a:rPr>
                         <a:t>2</a:t>
                       </a:r>
-                      <a:endParaRPr lang="" altLang="en-US" sz="2000">
+                      <a:endParaRPr lang="en-US" altLang="en-US" sz="2000">
                         <a:latin typeface="Noto Serif CJK JP" panose="02020400000000000000" charset="-122"/>
                         <a:ea typeface="Noto Serif CJK JP" panose="02020400000000000000" charset="-122"/>
                       </a:endParaRPr>
@@ -9064,32 +9057,11 @@
                         <a:buNone/>
                       </a:pPr>
                       <a:r>
-                        <a:rPr lang="" altLang="en-US" sz="2000">
-                          <a:latin typeface="Noto Serif CJK JP" panose="02020400000000000000" charset="-122"/>
-                          <a:ea typeface="Noto Serif CJK JP" panose="02020400000000000000" charset="-122"/>
-                        </a:rPr>
-                        <a:t>float </a:t>
-                      </a:r>
-                      <a:r>
                         <a:rPr lang="en-US" altLang="en-US" sz="2000">
                           <a:latin typeface="Noto Serif CJK JP" panose="02020400000000000000" charset="-122"/>
                           <a:ea typeface="Noto Serif CJK JP" panose="02020400000000000000" charset="-122"/>
                         </a:rPr>
-                        <a:t>var1 = 2</a:t>
-                      </a:r>
-                      <a:r>
-                        <a:rPr lang="" altLang="en-US" sz="2000">
-                          <a:latin typeface="Noto Serif CJK JP" panose="02020400000000000000" charset="-122"/>
-                          <a:ea typeface="Noto Serif CJK JP" panose="02020400000000000000" charset="-122"/>
-                        </a:rPr>
-                        <a:t>.2</a:t>
-                      </a:r>
-                      <a:r>
-                        <a:rPr lang="en-US" altLang="en-US" sz="2000">
-                          <a:latin typeface="Noto Serif CJK JP" panose="02020400000000000000" charset="-122"/>
-                          <a:ea typeface="Noto Serif CJK JP" panose="02020400000000000000" charset="-122"/>
-                        </a:rPr>
-                        <a:t>;</a:t>
+                        <a:t>float var1 = 2.2;</a:t>
                       </a:r>
                       <a:endParaRPr lang="en-US" altLang="en-US" sz="2000">
                         <a:latin typeface="Noto Serif CJK JP" panose="02020400000000000000" charset="-122"/>
@@ -9101,18 +9073,11 @@
                         <a:buNone/>
                       </a:pPr>
                       <a:r>
-                        <a:rPr lang="" altLang="en-US" sz="2000">
-                          <a:latin typeface="Noto Serif CJK JP" panose="02020400000000000000" charset="-122"/>
-                          <a:ea typeface="Noto Serif CJK JP" panose="02020400000000000000" charset="-122"/>
-                        </a:rPr>
-                        <a:t>int </a:t>
-                      </a:r>
-                      <a:r>
                         <a:rPr lang="en-US" altLang="en-US" sz="2000">
                           <a:latin typeface="Noto Serif CJK JP" panose="02020400000000000000" charset="-122"/>
                           <a:ea typeface="Noto Serif CJK JP" panose="02020400000000000000" charset="-122"/>
                         </a:rPr>
-                        <a:t>var2 = var1 </a:t>
+                        <a:t>int var2 = var1 </a:t>
                       </a:r>
                       <a:r>
                         <a:rPr lang="en-US" altLang="en-US" sz="2000">
@@ -9173,13 +9138,13 @@
           <a:bodyPr/>
           <a:p>
             <a:r>
-              <a:rPr lang="" altLang="en-US" sz="3200">
+              <a:rPr lang="en-US" altLang="en-US" sz="3200">
                 <a:latin typeface="Noto Serif CJK JP" panose="02020400000000000000" charset="-122"/>
                 <a:ea typeface="Noto Serif CJK JP" panose="02020400000000000000" charset="-122"/>
               </a:rPr>
               <a:t>Cont.</a:t>
             </a:r>
-            <a:endParaRPr lang="" altLang="en-US" sz="3200">
+            <a:endParaRPr lang="en-US" altLang="en-US" sz="3200">
               <a:latin typeface="Noto Serif CJK JP" panose="02020400000000000000" charset="-122"/>
               <a:ea typeface="Noto Serif CJK JP" panose="02020400000000000000" charset="-122"/>
             </a:endParaRPr>
@@ -9296,13 +9261,13 @@
               <a:buNone/>
             </a:pPr>
             <a:r>
-              <a:rPr lang="" altLang="en-US" sz="1800">
+              <a:rPr lang="en-US" altLang="en-US" sz="1800">
                 <a:latin typeface="FreeMono" panose="020F0409020205020404" charset="0"/>
                 <a:ea typeface="FreeMono" panose="020F0409020205020404" charset="0"/>
               </a:rPr>
               <a:t>Eg :  double x = 1.2;  // Explicit conversion from 				//double to int </a:t>
             </a:r>
-            <a:endParaRPr lang="" altLang="en-US" sz="1800">
+            <a:endParaRPr lang="en-US" altLang="en-US" sz="1800">
               <a:latin typeface="FreeMono" panose="020F0409020205020404" charset="0"/>
               <a:ea typeface="FreeMono" panose="020F0409020205020404" charset="0"/>
             </a:endParaRPr>
@@ -9315,13 +9280,13 @@
               <a:buNone/>
             </a:pPr>
             <a:r>
-              <a:rPr lang="" altLang="en-US" sz="1800">
+              <a:rPr lang="en-US" altLang="en-US" sz="1800">
                 <a:latin typeface="FreeMono" panose="020F0409020205020404" charset="0"/>
                 <a:ea typeface="FreeMono" panose="020F0409020205020404" charset="0"/>
               </a:rPr>
               <a:t>    int sum = (int)x + 1; </a:t>
             </a:r>
-            <a:endParaRPr lang="" altLang="en-US" sz="1800">
+            <a:endParaRPr lang="en-US" altLang="en-US" sz="1800">
               <a:latin typeface="FreeMono" panose="020F0409020205020404" charset="0"/>
               <a:ea typeface="FreeMono" panose="020F0409020205020404" charset="0"/>
             </a:endParaRPr>
@@ -9411,7 +9376,7 @@
               <a:t> </a:t>
             </a:r>
             <a:r>
-              <a:rPr lang="" altLang="en-US" sz="1800">
+              <a:rPr lang="en-US" altLang="en-US" sz="1800">
                 <a:latin typeface="Noto Serif CJK JP" panose="02020400000000000000" charset="-122"/>
                 <a:ea typeface="Noto Serif CJK JP" panose="02020400000000000000" charset="-122"/>
               </a:rPr>
@@ -9436,7 +9401,7 @@
               </a:lnSpc>
             </a:pPr>
             <a:r>
-              <a:rPr lang="" altLang="en-US" sz="1800">
+              <a:rPr lang="en-US" altLang="en-US" sz="1800">
                 <a:latin typeface="Noto Serif CJK JP" panose="02020400000000000000" charset="-122"/>
                 <a:ea typeface="Noto Serif CJK JP" panose="02020400000000000000" charset="-122"/>
               </a:rPr>
@@ -9461,7 +9426,7 @@
               </a:lnSpc>
             </a:pPr>
             <a:r>
-              <a:rPr lang="" altLang="en-US" sz="1800" b="1">
+              <a:rPr lang="en-US" altLang="en-US" sz="1800" b="1">
                 <a:latin typeface="Noto Serif CJK JP" panose="02020400000000000000" charset="-122"/>
                 <a:ea typeface="Noto Serif CJK JP" panose="02020400000000000000" charset="-122"/>
               </a:rPr>
@@ -9491,13 +9456,13 @@
               <a:buNone/>
             </a:pPr>
             <a:r>
-              <a:rPr lang="" altLang="en-US" sz="1800">
+              <a:rPr lang="en-US" altLang="en-US" sz="1800">
                 <a:latin typeface="FreeMono" panose="020F0409020205020404" charset="0"/>
                 <a:ea typeface="FreeMono" panose="020F0409020205020404" charset="0"/>
               </a:rPr>
               <a:t>Eg :</a:t>
             </a:r>
-            <a:endParaRPr lang="" altLang="en-US" sz="1800">
+            <a:endParaRPr lang="en-US" altLang="en-US" sz="1800">
               <a:latin typeface="FreeMono" panose="020F0409020205020404" charset="0"/>
               <a:ea typeface="FreeMono" panose="020F0409020205020404" charset="0"/>
             </a:endParaRPr>
@@ -9510,13 +9475,13 @@
               <a:buNone/>
             </a:pPr>
             <a:r>
-              <a:rPr lang="" altLang="en-US" sz="1800">
+              <a:rPr lang="en-US" altLang="en-US" sz="1800">
                 <a:latin typeface="FreeMono" panose="020F0409020205020404" charset="0"/>
                 <a:ea typeface="FreeMono" panose="020F0409020205020404" charset="0"/>
               </a:rPr>
               <a:t> 	int var1;</a:t>
             </a:r>
-            <a:endParaRPr lang="" altLang="en-US" sz="1800">
+            <a:endParaRPr lang="en-US" altLang="en-US" sz="1800">
               <a:latin typeface="FreeMono" panose="020F0409020205020404" charset="0"/>
               <a:ea typeface="FreeMono" panose="020F0409020205020404" charset="0"/>
             </a:endParaRPr>
@@ -9529,13 +9494,13 @@
               <a:buNone/>
             </a:pPr>
             <a:r>
-              <a:rPr lang="" altLang="en-US" sz="1800">
+              <a:rPr lang="en-US" altLang="en-US" sz="1800">
                 <a:latin typeface="FreeMono" panose="020F0409020205020404" charset="0"/>
                 <a:ea typeface="FreeMono" panose="020F0409020205020404" charset="0"/>
               </a:rPr>
               <a:t>char var2 = 'a' </a:t>
             </a:r>
-            <a:endParaRPr lang="" altLang="en-US" sz="1800">
+            <a:endParaRPr lang="en-US" altLang="en-US" sz="1800">
               <a:latin typeface="FreeMono" panose="020F0409020205020404" charset="0"/>
               <a:ea typeface="FreeMono" panose="020F0409020205020404" charset="0"/>
             </a:endParaRPr>
@@ -9548,13 +9513,13 @@
               <a:buNone/>
             </a:pPr>
             <a:r>
-              <a:rPr lang="" altLang="en-US" sz="1800">
+              <a:rPr lang="en-US" altLang="en-US" sz="1800">
                 <a:latin typeface="FreeMono" panose="020F0409020205020404" charset="0"/>
                 <a:ea typeface="FreeMono" panose="020F0409020205020404" charset="0"/>
               </a:rPr>
               <a:t>// Memory address 1020 and its content can be accessed // using variable name var2</a:t>
             </a:r>
-            <a:endParaRPr lang="" altLang="en-US" sz="1800">
+            <a:endParaRPr lang="en-US" altLang="en-US" sz="1800">
               <a:latin typeface="FreeMono" panose="020F0409020205020404" charset="0"/>
               <a:ea typeface="FreeMono" panose="020F0409020205020404" charset="0"/>
             </a:endParaRPr>
@@ -9622,13 +9587,13 @@
           </a:bodyPr>
           <a:p>
             <a:r>
-              <a:rPr lang="" altLang="en-US">
+              <a:rPr lang="en-US" altLang="en-US">
                 <a:latin typeface="Noto Serif CJK JP" panose="02020400000000000000" charset="-122"/>
                 <a:ea typeface="Noto Serif CJK JP" panose="02020400000000000000" charset="-122"/>
               </a:rPr>
               <a:t>RAM</a:t>
             </a:r>
-            <a:endParaRPr lang="" altLang="en-US">
+            <a:endParaRPr lang="en-US" altLang="en-US">
               <a:latin typeface="Noto Serif CJK JP" panose="02020400000000000000" charset="-122"/>
               <a:ea typeface="Noto Serif CJK JP" panose="02020400000000000000" charset="-122"/>
             </a:endParaRPr>
@@ -9670,14 +9635,14 @@
           </a:bodyPr>
           <a:p>
             <a:r>
-              <a:rPr lang="" altLang="en-US">
+              <a:rPr lang="en-US" altLang="en-US">
                 <a:solidFill>
                   <a:srgbClr val="FF0000"/>
                 </a:solidFill>
               </a:rPr>
               <a:t>a</a:t>
             </a:r>
-            <a:endParaRPr lang="" altLang="en-US">
+            <a:endParaRPr lang="en-US" altLang="en-US">
               <a:solidFill>
                 <a:srgbClr val="FF0000"/>
               </a:solidFill>
@@ -9707,10 +9672,10 @@
           </a:bodyPr>
           <a:p>
             <a:r>
-              <a:rPr lang="" altLang="en-US"/>
+              <a:rPr lang="en-US" altLang="en-US"/>
               <a:t>1020</a:t>
             </a:r>
-            <a:endParaRPr lang="" altLang="en-US"/>
+            <a:endParaRPr lang="en-US" altLang="en-US"/>
           </a:p>
         </p:txBody>
       </p:sp>
@@ -9748,10 +9713,10 @@
           <a:p>
             <a:pPr algn="ctr"/>
             <a:r>
-              <a:rPr lang="" altLang="en-US"/>
+              <a:rPr lang="en-US" altLang="en-US"/>
               <a:t>343</a:t>
             </a:r>
-            <a:endParaRPr lang="" altLang="en-US"/>
+            <a:endParaRPr lang="en-US" altLang="en-US"/>
           </a:p>
         </p:txBody>
       </p:sp>
@@ -9777,10 +9742,10 @@
           </a:bodyPr>
           <a:p>
             <a:r>
-              <a:rPr lang="" altLang="en-US"/>
+              <a:rPr lang="en-US" altLang="en-US"/>
               <a:t>1025  1026</a:t>
             </a:r>
-            <a:endParaRPr lang="" altLang="en-US"/>
+            <a:endParaRPr lang="en-US" altLang="en-US"/>
           </a:p>
         </p:txBody>
       </p:sp>
@@ -9860,18 +9825,11 @@
               </a:lnSpc>
             </a:pPr>
             <a:r>
-              <a:rPr lang="" altLang="en-US" sz="1800">
-                <a:latin typeface="Noto Serif CJK JP" panose="02020400000000000000" charset="-122"/>
-                <a:ea typeface="Noto Serif CJK JP" panose="02020400000000000000" charset="-122"/>
-              </a:rPr>
-              <a:t>T</a:t>
-            </a:r>
-            <a:r>
               <a:rPr lang="en-US" altLang="en-US" sz="1800">
                 <a:latin typeface="Noto Serif CJK JP" panose="02020400000000000000" charset="-122"/>
                 <a:ea typeface="Noto Serif CJK JP" panose="02020400000000000000" charset="-122"/>
               </a:rPr>
-              <a:t>he program elements that control how and in what order objects are manipulated.</a:t>
+              <a:t>The program elements that control how and in what order objects are manipulated.</a:t>
             </a:r>
             <a:endParaRPr lang="en-US" altLang="en-US" sz="1800">
               <a:latin typeface="Noto Serif CJK JP" panose="02020400000000000000" charset="-122"/>
@@ -9896,18 +9854,11 @@
               </a:lnSpc>
             </a:pPr>
             <a:r>
-              <a:rPr lang="" altLang="en-US" sz="1800">
-                <a:latin typeface="Noto Serif CJK JP" panose="02020400000000000000" charset="-122"/>
-                <a:ea typeface="Noto Serif CJK JP" panose="02020400000000000000" charset="-122"/>
-              </a:rPr>
-              <a:t>S</a:t>
-            </a:r>
-            <a:r>
               <a:rPr lang="en-US" altLang="en-US" sz="1800">
                 <a:latin typeface="Noto Serif CJK JP" panose="02020400000000000000" charset="-122"/>
                 <a:ea typeface="Noto Serif CJK JP" panose="02020400000000000000" charset="-122"/>
               </a:rPr>
-              <a:t>tatements are executed sequentially, except when an expression statement, a selection statement, an iteration statement, or a jump statement specifically modifies that sequence.</a:t>
+              <a:t>Statements are executed sequentially, except when an expression statement, a selection statement, an iteration statement, or a jump statement specifically modifies that sequence.</a:t>
             </a:r>
             <a:endParaRPr lang="en-US" altLang="en-US" sz="1800">
               <a:latin typeface="Noto Serif CJK JP" panose="02020400000000000000" charset="-122"/>
@@ -10566,13 +10517,13 @@
               </a:lnSpc>
             </a:pPr>
             <a:r>
-              <a:rPr lang="" altLang="en-US" sz="1800">
+              <a:rPr lang="en-US" altLang="en-US" sz="1800">
                 <a:latin typeface="Noto Serif CJK JP" panose="02020400000000000000" charset="-122"/>
                 <a:ea typeface="Noto Serif CJK JP" panose="02020400000000000000" charset="-122"/>
               </a:rPr>
               <a:t>Example : a = b +c;</a:t>
             </a:r>
-            <a:endParaRPr lang="" altLang="en-US" sz="1800">
+            <a:endParaRPr lang="en-US" altLang="en-US" sz="1800">
               <a:latin typeface="Noto Serif CJK JP" panose="02020400000000000000" charset="-122"/>
               <a:ea typeface="Noto Serif CJK JP" panose="02020400000000000000" charset="-122"/>
             </a:endParaRPr>
@@ -10584,7 +10535,7 @@
               </a:lnSpc>
               <a:buNone/>
             </a:pPr>
-            <a:endParaRPr lang="" altLang="en-US" sz="1125">
+            <a:endParaRPr lang="en-US" altLang="en-US" sz="1125">
               <a:latin typeface="Noto Serif CJK JP" panose="02020400000000000000" charset="-122"/>
               <a:ea typeface="Noto Serif CJK JP" panose="02020400000000000000" charset="-122"/>
             </a:endParaRPr>
@@ -10671,21 +10622,7 @@
                 <a:latin typeface="Noto Serif CJK JP" panose="02020400000000000000" charset="-122"/>
                 <a:ea typeface="Noto Serif CJK JP" panose="02020400000000000000" charset="-122"/>
               </a:rPr>
-              <a:t> </a:t>
-            </a:r>
-            <a:r>
-              <a:rPr lang="" altLang="en-US" sz="1800">
-                <a:latin typeface="Noto Serif CJK JP" panose="02020400000000000000" charset="-122"/>
-                <a:ea typeface="Noto Serif CJK JP" panose="02020400000000000000" charset="-122"/>
-              </a:rPr>
-              <a:t>P</a:t>
-            </a:r>
-            <a:r>
-              <a:rPr lang="en-US" altLang="en-US" sz="1800">
-                <a:latin typeface="Noto Serif CJK JP" panose="02020400000000000000" charset="-122"/>
-                <a:ea typeface="Noto Serif CJK JP" panose="02020400000000000000" charset="-122"/>
-              </a:rPr>
-              <a:t>erforming input and output. In C++ input and output is performed in the form of sequence of bytes or more commonly known as streams.</a:t>
+              <a:t> Performing input and output. In C++ input and output is performed in the form of sequence of bytes or more commonly known as streams.</a:t>
             </a:r>
             <a:endParaRPr lang="en-US" altLang="en-US" sz="1800">
               <a:latin typeface="Noto Serif CJK JP" panose="02020400000000000000" charset="-122"/>
@@ -10851,7 +10788,7 @@
                 <a:latin typeface="Noto Serif CJK JP" panose="02020400000000000000" charset="-122"/>
                 <a:ea typeface="Noto Serif CJK JP" panose="02020400000000000000" charset="-122"/>
               </a:rPr>
-              <a:t>Iteration Statements (C++)</a:t>
+              <a:t>if-else Statement (C++)</a:t>
             </a:r>
             <a:endParaRPr lang="en-US" altLang="en-US" sz="3200">
               <a:latin typeface="Noto Serif CJK JP" panose="02020400000000000000" charset="-122"/>
@@ -10889,7 +10826,7 @@
                 <a:latin typeface="Noto Serif CJK JP" panose="02020400000000000000" charset="-122"/>
                 <a:ea typeface="Noto Serif CJK JP" panose="02020400000000000000" charset="-122"/>
               </a:rPr>
-              <a:t>Iteration statements cause statements (or compound statements) to be executed zero or more times, subject to some loop-termination criteria. When these statements are compound statements, they are executed in order</a:t>
+              <a:t> Controls conditional branching. </a:t>
             </a:r>
             <a:endParaRPr lang="en-US" altLang="en-US" sz="1800">
               <a:latin typeface="Noto Serif CJK JP" panose="02020400000000000000" charset="-122"/>
@@ -10907,7 +10844,7 @@
                 <a:latin typeface="Noto Serif CJK JP" panose="02020400000000000000" charset="-122"/>
                 <a:ea typeface="Noto Serif CJK JP" panose="02020400000000000000" charset="-122"/>
               </a:rPr>
-              <a:t>C++ provides four iteration statements — while, do, for</a:t>
+              <a:t>Statements in the if-block are executed only if the if-expression evaluates to a non-zero value (or TRUE). </a:t>
             </a:r>
             <a:endParaRPr lang="en-US" altLang="en-US" sz="1800">
               <a:latin typeface="Noto Serif CJK JP" panose="02020400000000000000" charset="-122"/>
@@ -10921,11 +10858,11 @@
               </a:lnSpc>
             </a:pPr>
             <a:r>
-              <a:rPr lang="" altLang="en-US" sz="1800">
-                <a:latin typeface="Noto Serif CJK JP" panose="02020400000000000000" charset="-122"/>
-                <a:ea typeface="Noto Serif CJK JP" panose="02020400000000000000" charset="-122"/>
-              </a:rPr>
-              <a:t>Without Iteration 				Using Iteration</a:t>
+              <a:rPr lang="en-US" altLang="en-US" sz="1800">
+                <a:latin typeface="Noto Serif CJK JP" panose="02020400000000000000" charset="-122"/>
+                <a:ea typeface="Noto Serif CJK JP" panose="02020400000000000000" charset="-122"/>
+              </a:rPr>
+              <a:t>If the value of expression is nonzero, statement1 and any other statements in the block are executed and the else-block, if present, is skipped. </a:t>
             </a:r>
             <a:endParaRPr lang="en-US" altLang="en-US" sz="1800">
               <a:latin typeface="Noto Serif CJK JP" panose="02020400000000000000" charset="-122"/>
@@ -10933,256 +10870,22 @@
             </a:endParaRPr>
           </a:p>
           <a:p>
-            <a:pPr marL="0" indent="0" algn="just">
+            <a:pPr algn="just">
               <a:lnSpc>
                 <a:spcPct val="200000"/>
               </a:lnSpc>
-              <a:buNone/>
-            </a:pPr>
+            </a:pPr>
+            <a:r>
+              <a:rPr lang="en-US" altLang="en-US" sz="1800">
+                <a:latin typeface="Noto Serif CJK JP" panose="02020400000000000000" charset="-122"/>
+                <a:ea typeface="Noto Serif CJK JP" panose="02020400000000000000" charset="-122"/>
+              </a:rPr>
+              <a:t>If the value of expression is zero, then the if-block is skipped and the else-block, if present, is executed.</a:t>
+            </a:r>
             <a:endParaRPr lang="en-US" altLang="en-US" sz="1800">
               <a:latin typeface="Noto Serif CJK JP" panose="02020400000000000000" charset="-122"/>
               <a:ea typeface="Noto Serif CJK JP" panose="02020400000000000000" charset="-122"/>
             </a:endParaRPr>
-          </a:p>
-          <a:p>
-            <a:pPr marL="0" indent="0" algn="just">
-              <a:lnSpc>
-                <a:spcPct val="200000"/>
-              </a:lnSpc>
-              <a:buNone/>
-            </a:pPr>
-            <a:endParaRPr lang="" altLang="en-US" sz="1800">
-              <a:latin typeface="Noto Serif CJK JP" panose="02020400000000000000" charset="-122"/>
-              <a:ea typeface="Noto Serif CJK JP" panose="02020400000000000000" charset="-122"/>
-            </a:endParaRPr>
-          </a:p>
-        </p:txBody>
-      </p:sp>
-      <p:sp>
-        <p:nvSpPr>
-          <p:cNvPr id="4" name="Text Box 3"/>
-          <p:cNvSpPr txBox="1"/>
-          <p:nvPr/>
-        </p:nvSpPr>
-        <p:spPr>
-          <a:xfrm>
-            <a:off x="406400" y="4400550"/>
-            <a:ext cx="2641600" cy="1753235"/>
-          </a:xfrm>
-          <a:prstGeom prst="rect">
-            <a:avLst/>
-          </a:prstGeom>
-          <a:solidFill>
-            <a:schemeClr val="accent2">
-              <a:lumMod val="40000"/>
-              <a:lumOff val="60000"/>
-            </a:schemeClr>
-          </a:solidFill>
-        </p:spPr>
-        <p:txBody>
-          <a:bodyPr wrap="square" rtlCol="0">
-            <a:spAutoFit/>
-          </a:bodyPr>
-          <a:p>
-            <a:pPr marL="0" indent="0" algn="just">
-              <a:lnSpc>
-                <a:spcPct val="100000"/>
-              </a:lnSpc>
-              <a:buNone/>
-            </a:pPr>
-            <a:r>
-              <a:rPr lang="en-US" altLang="en-US">
-                <a:latin typeface="Noto Serif CJK JP" panose="02020400000000000000" charset="-122"/>
-                <a:ea typeface="Noto Serif CJK JP" panose="02020400000000000000" charset="-122"/>
-                <a:sym typeface="+mn-ea"/>
-              </a:rPr>
-              <a:t>Eg :   display(“Hello”)</a:t>
-            </a:r>
-            <a:endParaRPr lang="en-US" altLang="en-US">
-              <a:latin typeface="Noto Serif CJK JP" panose="02020400000000000000" charset="-122"/>
-              <a:ea typeface="Noto Serif CJK JP" panose="02020400000000000000" charset="-122"/>
-            </a:endParaRPr>
-          </a:p>
-          <a:p>
-            <a:pPr marL="0" indent="0" algn="just">
-              <a:lnSpc>
-                <a:spcPct val="100000"/>
-              </a:lnSpc>
-              <a:buNone/>
-            </a:pPr>
-            <a:r>
-              <a:rPr lang="en-US" altLang="en-US">
-                <a:latin typeface="Noto Serif CJK JP" panose="02020400000000000000" charset="-122"/>
-                <a:ea typeface="Noto Serif CJK JP" panose="02020400000000000000" charset="-122"/>
-                <a:sym typeface="+mn-ea"/>
-              </a:rPr>
-              <a:t>display(“Hello”)</a:t>
-            </a:r>
-            <a:endParaRPr lang="en-US"/>
-          </a:p>
-          <a:p>
-            <a:pPr marL="0" indent="0" algn="just">
-              <a:lnSpc>
-                <a:spcPct val="100000"/>
-              </a:lnSpc>
-              <a:buNone/>
-            </a:pPr>
-            <a:r>
-              <a:rPr lang="en-US" altLang="en-US">
-                <a:latin typeface="Noto Serif CJK JP" panose="02020400000000000000" charset="-122"/>
-                <a:ea typeface="Noto Serif CJK JP" panose="02020400000000000000" charset="-122"/>
-                <a:sym typeface="+mn-ea"/>
-              </a:rPr>
-              <a:t>display(“Hello”)</a:t>
-            </a:r>
-            <a:endParaRPr lang="en-US" altLang="en-US">
-              <a:latin typeface="Noto Serif CJK JP" panose="02020400000000000000" charset="-122"/>
-              <a:ea typeface="Noto Serif CJK JP" panose="02020400000000000000" charset="-122"/>
-              <a:sym typeface="+mn-ea"/>
-            </a:endParaRPr>
-          </a:p>
-          <a:p>
-            <a:pPr marL="0" indent="0" algn="just">
-              <a:lnSpc>
-                <a:spcPct val="100000"/>
-              </a:lnSpc>
-              <a:buNone/>
-            </a:pPr>
-            <a:r>
-              <a:rPr lang="en-US" altLang="en-US">
-                <a:latin typeface="Noto Serif CJK JP" panose="02020400000000000000" charset="-122"/>
-                <a:ea typeface="Noto Serif CJK JP" panose="02020400000000000000" charset="-122"/>
-                <a:sym typeface="+mn-ea"/>
-              </a:rPr>
-              <a:t>display(“Hello”)</a:t>
-            </a:r>
-            <a:endParaRPr lang="en-US"/>
-          </a:p>
-          <a:p>
-            <a:pPr marL="0" indent="0" algn="just">
-              <a:lnSpc>
-                <a:spcPct val="100000"/>
-              </a:lnSpc>
-              <a:buNone/>
-            </a:pPr>
-            <a:r>
-              <a:rPr lang="" altLang="en-US">
-                <a:latin typeface="Noto Serif CJK JP" panose="02020400000000000000" charset="-122"/>
-                <a:ea typeface="Noto Serif CJK JP" panose="02020400000000000000" charset="-122"/>
-                <a:sym typeface="+mn-ea"/>
-              </a:rPr>
-              <a:t>..................</a:t>
-            </a:r>
-            <a:endParaRPr lang="en-US" altLang="en-US">
-              <a:latin typeface="Noto Serif CJK JP" panose="02020400000000000000" charset="-122"/>
-              <a:ea typeface="Noto Serif CJK JP" panose="02020400000000000000" charset="-122"/>
-            </a:endParaRPr>
-          </a:p>
-          <a:p>
-            <a:pPr marL="0" indent="0" algn="just">
-              <a:lnSpc>
-                <a:spcPct val="100000"/>
-              </a:lnSpc>
-              <a:buNone/>
-            </a:pPr>
-            <a:r>
-              <a:rPr lang="en-US" altLang="en-US">
-                <a:latin typeface="Noto Serif CJK JP" panose="02020400000000000000" charset="-122"/>
-                <a:ea typeface="Noto Serif CJK JP" panose="02020400000000000000" charset="-122"/>
-                <a:sym typeface="+mn-ea"/>
-              </a:rPr>
-              <a:t>display(“Hello”)</a:t>
-            </a:r>
-            <a:endParaRPr lang="en-US"/>
-          </a:p>
-        </p:txBody>
-      </p:sp>
-      <p:sp>
-        <p:nvSpPr>
-          <p:cNvPr id="5" name="Text Box 4"/>
-          <p:cNvSpPr txBox="1"/>
-          <p:nvPr/>
-        </p:nvSpPr>
-        <p:spPr>
-          <a:xfrm>
-            <a:off x="4777740" y="4400550"/>
-            <a:ext cx="3680460" cy="645160"/>
-          </a:xfrm>
-          <a:prstGeom prst="rect">
-            <a:avLst/>
-          </a:prstGeom>
-          <a:solidFill>
-            <a:schemeClr val="accent2">
-              <a:lumMod val="40000"/>
-              <a:lumOff val="60000"/>
-            </a:schemeClr>
-          </a:solidFill>
-        </p:spPr>
-        <p:txBody>
-          <a:bodyPr wrap="square" rtlCol="0">
-            <a:spAutoFit/>
-          </a:bodyPr>
-          <a:p>
-            <a:pPr marL="0" indent="0" algn="just">
-              <a:lnSpc>
-                <a:spcPct val="100000"/>
-              </a:lnSpc>
-              <a:buNone/>
-            </a:pPr>
-            <a:r>
-              <a:rPr lang="en-US" altLang="en-US">
-                <a:latin typeface="Noto Serif CJK JP" panose="02020400000000000000" charset="-122"/>
-                <a:ea typeface="Noto Serif CJK JP" panose="02020400000000000000" charset="-122"/>
-                <a:sym typeface="+mn-ea"/>
-              </a:rPr>
-              <a:t>Eg : </a:t>
-            </a:r>
-            <a:r>
-              <a:rPr lang="" altLang="en-US">
-                <a:latin typeface="Noto Serif CJK JP" panose="02020400000000000000" charset="-122"/>
-                <a:ea typeface="Noto Serif CJK JP" panose="02020400000000000000" charset="-122"/>
-                <a:sym typeface="+mn-ea"/>
-              </a:rPr>
-              <a:t>Iterate 100 Times</a:t>
-            </a:r>
-            <a:r>
-              <a:rPr lang="en-US" altLang="en-US">
-                <a:latin typeface="Noto Serif CJK JP" panose="02020400000000000000" charset="-122"/>
-                <a:ea typeface="Noto Serif CJK JP" panose="02020400000000000000" charset="-122"/>
-                <a:sym typeface="+mn-ea"/>
-              </a:rPr>
-              <a:t>   </a:t>
-            </a:r>
-            <a:endParaRPr lang="en-US" altLang="en-US">
-              <a:latin typeface="Noto Serif CJK JP" panose="02020400000000000000" charset="-122"/>
-              <a:ea typeface="Noto Serif CJK JP" panose="02020400000000000000" charset="-122"/>
-              <a:sym typeface="+mn-ea"/>
-            </a:endParaRPr>
-          </a:p>
-          <a:p>
-            <a:pPr marL="0" indent="0" algn="just">
-              <a:lnSpc>
-                <a:spcPct val="100000"/>
-              </a:lnSpc>
-              <a:buNone/>
-            </a:pPr>
-            <a:r>
-              <a:rPr lang="" altLang="en-US">
-                <a:latin typeface="Noto Serif CJK JP" panose="02020400000000000000" charset="-122"/>
-                <a:ea typeface="Noto Serif CJK JP" panose="02020400000000000000" charset="-122"/>
-                <a:sym typeface="+mn-ea"/>
-              </a:rPr>
-              <a:t>	</a:t>
-            </a:r>
-            <a:r>
-              <a:rPr lang="en-US" altLang="en-US">
-                <a:latin typeface="Noto Serif CJK JP" panose="02020400000000000000" charset="-122"/>
-                <a:ea typeface="Noto Serif CJK JP" panose="02020400000000000000" charset="-122"/>
-                <a:sym typeface="+mn-ea"/>
-              </a:rPr>
-              <a:t>display(“Hello”)</a:t>
-            </a:r>
-            <a:endParaRPr lang="en-US"/>
           </a:p>
         </p:txBody>
       </p:sp>
@@ -11249,474 +10952,293 @@
         </p:nvSpPr>
         <p:spPr>
           <a:xfrm>
-            <a:off x="154305" y="987425"/>
-            <a:ext cx="8601710" cy="5740400"/>
+            <a:off x="-8255" y="987425"/>
+            <a:ext cx="8764270" cy="5636895"/>
           </a:xfrm>
         </p:spPr>
         <p:txBody>
           <a:bodyPr/>
           <a:p>
+            <a:pPr algn="just">
+              <a:lnSpc>
+                <a:spcPct val="200000"/>
+              </a:lnSpc>
+            </a:pPr>
+            <a:r>
+              <a:rPr lang="en-US" altLang="en-US" sz="1800">
+                <a:latin typeface="Noto Serif CJK JP" panose="02020400000000000000" charset="-122"/>
+                <a:ea typeface="Noto Serif CJK JP" panose="02020400000000000000" charset="-122"/>
+              </a:rPr>
+              <a:t>Iteration statements cause statements (or compound statements) to be executed zero or more times, subject to some loop-termination criteria. When these statements are compound statements, they are executed in order</a:t>
+            </a:r>
+            <a:endParaRPr lang="en-US" altLang="en-US" sz="1800">
+              <a:latin typeface="Noto Serif CJK JP" panose="02020400000000000000" charset="-122"/>
+              <a:ea typeface="Noto Serif CJK JP" panose="02020400000000000000" charset="-122"/>
+            </a:endParaRPr>
+          </a:p>
+          <a:p>
+            <a:pPr algn="just">
+              <a:lnSpc>
+                <a:spcPct val="200000"/>
+              </a:lnSpc>
+            </a:pPr>
+            <a:r>
+              <a:rPr lang="en-US" altLang="en-US" sz="1800">
+                <a:latin typeface="Noto Serif CJK JP" panose="02020400000000000000" charset="-122"/>
+                <a:ea typeface="Noto Serif CJK JP" panose="02020400000000000000" charset="-122"/>
+              </a:rPr>
+              <a:t>C++ provides four iteration statements — while, do, for</a:t>
+            </a:r>
+            <a:endParaRPr lang="en-US" altLang="en-US" sz="1800">
+              <a:latin typeface="Noto Serif CJK JP" panose="02020400000000000000" charset="-122"/>
+              <a:ea typeface="Noto Serif CJK JP" panose="02020400000000000000" charset="-122"/>
+            </a:endParaRPr>
+          </a:p>
+          <a:p>
+            <a:pPr algn="just">
+              <a:lnSpc>
+                <a:spcPct val="200000"/>
+              </a:lnSpc>
+            </a:pPr>
+            <a:r>
+              <a:rPr lang="en-US" altLang="en-US" sz="1800">
+                <a:latin typeface="Noto Serif CJK JP" panose="02020400000000000000" charset="-122"/>
+                <a:ea typeface="Noto Serif CJK JP" panose="02020400000000000000" charset="-122"/>
+              </a:rPr>
+              <a:t>Without Iteration 				Using Iteration</a:t>
+            </a:r>
+            <a:endParaRPr lang="en-US" altLang="en-US" sz="1800">
+              <a:latin typeface="Noto Serif CJK JP" panose="02020400000000000000" charset="-122"/>
+              <a:ea typeface="Noto Serif CJK JP" panose="02020400000000000000" charset="-122"/>
+            </a:endParaRPr>
+          </a:p>
+          <a:p>
             <a:pPr marL="0" indent="0" algn="just">
               <a:lnSpc>
-                <a:spcPct val="90000"/>
+                <a:spcPct val="200000"/>
               </a:lnSpc>
               <a:buNone/>
             </a:pPr>
-            <a:r>
-              <a:rPr lang="" altLang="en-US" sz="1800">
-                <a:latin typeface="FreeMono" panose="020F0409020205020404" charset="0"/>
-                <a:ea typeface="FreeMono" panose="020F0409020205020404" charset="0"/>
-              </a:rPr>
-              <a:t>int counter =1 	// intialization stmt</a:t>
-            </a:r>
-            <a:endParaRPr lang="" altLang="en-US" sz="1800">
-              <a:latin typeface="FreeMono" panose="020F0409020205020404" charset="0"/>
-              <a:ea typeface="FreeMono" panose="020F0409020205020404" charset="0"/>
+            <a:endParaRPr lang="en-US" altLang="en-US" sz="1800">
+              <a:latin typeface="Noto Serif CJK JP" panose="02020400000000000000" charset="-122"/>
+              <a:ea typeface="Noto Serif CJK JP" panose="02020400000000000000" charset="-122"/>
             </a:endParaRPr>
           </a:p>
           <a:p>
             <a:pPr marL="0" indent="0" algn="just">
               <a:lnSpc>
-                <a:spcPct val="90000"/>
+                <a:spcPct val="200000"/>
               </a:lnSpc>
               <a:buNone/>
             </a:pPr>
-            <a:r>
-              <a:rPr lang="" altLang="en-US" sz="1800">
-                <a:latin typeface="FreeMono" panose="020F0409020205020404" charset="0"/>
-                <a:ea typeface="FreeMono" panose="020F0409020205020404" charset="0"/>
-              </a:rPr>
-              <a:t>while(i&lt;=10)  	// Condition checking</a:t>
-            </a:r>
-            <a:endParaRPr lang="" altLang="en-US" sz="1800">
-              <a:latin typeface="FreeMono" panose="020F0409020205020404" charset="0"/>
-              <a:ea typeface="FreeMono" panose="020F0409020205020404" charset="0"/>
-            </a:endParaRPr>
-          </a:p>
+            <a:endParaRPr lang="en-US" altLang="en-US" sz="1800">
+              <a:latin typeface="Noto Serif CJK JP" panose="02020400000000000000" charset="-122"/>
+              <a:ea typeface="Noto Serif CJK JP" panose="02020400000000000000" charset="-122"/>
+            </a:endParaRPr>
+          </a:p>
+        </p:txBody>
+      </p:sp>
+      <p:sp>
+        <p:nvSpPr>
+          <p:cNvPr id="4" name="Text Box 3"/>
+          <p:cNvSpPr txBox="1"/>
+          <p:nvPr/>
+        </p:nvSpPr>
+        <p:spPr>
+          <a:xfrm>
+            <a:off x="406400" y="4400550"/>
+            <a:ext cx="2641600" cy="1753235"/>
+          </a:xfrm>
+          <a:prstGeom prst="rect">
+            <a:avLst/>
+          </a:prstGeom>
+          <a:solidFill>
+            <a:schemeClr val="accent2">
+              <a:lumMod val="40000"/>
+              <a:lumOff val="60000"/>
+            </a:schemeClr>
+          </a:solidFill>
+        </p:spPr>
+        <p:txBody>
+          <a:bodyPr wrap="square" rtlCol="0">
+            <a:spAutoFit/>
+          </a:bodyPr>
           <a:p>
             <a:pPr marL="0" indent="0" algn="just">
               <a:lnSpc>
-                <a:spcPct val="90000"/>
+                <a:spcPct val="100000"/>
               </a:lnSpc>
               <a:buNone/>
             </a:pPr>
             <a:r>
-              <a:rPr lang="" altLang="en-US" sz="1800">
-                <a:latin typeface="FreeMono" panose="020F0409020205020404" charset="0"/>
-                <a:ea typeface="FreeMono" panose="020F0409020205020404" charset="0"/>
-              </a:rPr>
-              <a:t>{	</a:t>
-            </a:r>
-            <a:endParaRPr lang="" altLang="en-US" sz="1800">
-              <a:latin typeface="FreeMono" panose="020F0409020205020404" charset="0"/>
-              <a:ea typeface="FreeMono" panose="020F0409020205020404" charset="0"/>
-            </a:endParaRPr>
-          </a:p>
-          <a:p>
-            <a:pPr marL="457200" lvl="1" indent="0" algn="just">
-              <a:lnSpc>
-                <a:spcPct val="90000"/>
+              <a:rPr lang="en-US" altLang="en-US">
+                <a:latin typeface="Noto Serif CJK JP" panose="02020400000000000000" charset="-122"/>
+                <a:ea typeface="Noto Serif CJK JP" panose="02020400000000000000" charset="-122"/>
+                <a:sym typeface="+mn-ea"/>
+              </a:rPr>
+              <a:t>Eg :   display(“Hello”)</a:t>
+            </a:r>
+            <a:endParaRPr lang="en-US" altLang="en-US">
+              <a:latin typeface="Noto Serif CJK JP" panose="02020400000000000000" charset="-122"/>
+              <a:ea typeface="Noto Serif CJK JP" panose="02020400000000000000" charset="-122"/>
+            </a:endParaRPr>
+          </a:p>
+          <a:p>
+            <a:pPr marL="0" indent="0" algn="just">
+              <a:lnSpc>
+                <a:spcPct val="100000"/>
               </a:lnSpc>
               <a:buNone/>
             </a:pPr>
             <a:r>
-              <a:rPr lang="en-US" altLang="en-US" sz="1575">
-                <a:latin typeface="FreeMono" panose="020F0409020205020404" charset="0"/>
-                <a:ea typeface="FreeMono" panose="020F0409020205020404" charset="0"/>
+              <a:rPr lang="en-US" altLang="en-US">
+                <a:latin typeface="Noto Serif CJK JP" panose="02020400000000000000" charset="-122"/>
+                <a:ea typeface="Noto Serif CJK JP" panose="02020400000000000000" charset="-122"/>
                 <a:sym typeface="+mn-ea"/>
               </a:rPr>
-              <a:t>DISPLAY  </a:t>
-            </a:r>
-            <a:r>
-              <a:rPr lang="" altLang="en-US" sz="1575">
-                <a:latin typeface="FreeMono" panose="020F0409020205020404" charset="0"/>
-                <a:ea typeface="FreeMono" panose="020F0409020205020404" charset="0"/>
-              </a:rPr>
-              <a:t>i   	// body of loop</a:t>
-            </a:r>
-            <a:endParaRPr lang="" altLang="en-US" sz="1575">
-              <a:latin typeface="FreeMono" panose="020F0409020205020404" charset="0"/>
-              <a:ea typeface="FreeMono" panose="020F0409020205020404" charset="0"/>
-            </a:endParaRPr>
-          </a:p>
-          <a:p>
-            <a:pPr marL="457200" lvl="1" indent="0" algn="just">
-              <a:lnSpc>
-                <a:spcPct val="90000"/>
+              <a:t>display(“Hello”)</a:t>
+            </a:r>
+            <a:endParaRPr lang="en-US"/>
+          </a:p>
+          <a:p>
+            <a:pPr marL="0" indent="0" algn="just">
+              <a:lnSpc>
+                <a:spcPct val="100000"/>
               </a:lnSpc>
               <a:buNone/>
             </a:pPr>
             <a:r>
-              <a:rPr lang="" altLang="en-US" sz="1575">
-                <a:latin typeface="FreeMono" panose="020F0409020205020404" charset="0"/>
-                <a:ea typeface="FreeMono" panose="020F0409020205020404" charset="0"/>
-              </a:rPr>
-              <a:t>i = i +1;   	// Increment stmt</a:t>
-            </a:r>
-            <a:endParaRPr lang="" altLang="en-US" sz="1575">
-              <a:latin typeface="FreeMono" panose="020F0409020205020404" charset="0"/>
-              <a:ea typeface="FreeMono" panose="020F0409020205020404" charset="0"/>
+              <a:rPr lang="en-US" altLang="en-US">
+                <a:latin typeface="Noto Serif CJK JP" panose="02020400000000000000" charset="-122"/>
+                <a:ea typeface="Noto Serif CJK JP" panose="02020400000000000000" charset="-122"/>
+                <a:sym typeface="+mn-ea"/>
+              </a:rPr>
+              <a:t>display(“Hello”)</a:t>
+            </a:r>
+            <a:endParaRPr lang="en-US" altLang="en-US">
+              <a:latin typeface="Noto Serif CJK JP" panose="02020400000000000000" charset="-122"/>
+              <a:ea typeface="Noto Serif CJK JP" panose="02020400000000000000" charset="-122"/>
+              <a:sym typeface="+mn-ea"/>
             </a:endParaRPr>
           </a:p>
           <a:p>
             <a:pPr marL="0" indent="0" algn="just">
               <a:lnSpc>
-                <a:spcPct val="90000"/>
+                <a:spcPct val="100000"/>
               </a:lnSpc>
               <a:buNone/>
             </a:pPr>
             <a:r>
-              <a:rPr lang="" altLang="en-US" sz="1800">
-                <a:latin typeface="FreeMono" panose="020F0409020205020404" charset="0"/>
-                <a:ea typeface="FreeMono" panose="020F0409020205020404" charset="0"/>
-              </a:rPr>
-              <a:t>}</a:t>
-            </a:r>
-            <a:endParaRPr lang="" altLang="en-US" sz="1800">
-              <a:latin typeface="FreeMono" panose="020F0409020205020404" charset="0"/>
-              <a:ea typeface="FreeMono" panose="020F0409020205020404" charset="0"/>
-            </a:endParaRPr>
+              <a:rPr lang="en-US" altLang="en-US">
+                <a:latin typeface="Noto Serif CJK JP" panose="02020400000000000000" charset="-122"/>
+                <a:ea typeface="Noto Serif CJK JP" panose="02020400000000000000" charset="-122"/>
+                <a:sym typeface="+mn-ea"/>
+              </a:rPr>
+              <a:t>display(“Hello”)</a:t>
+            </a:r>
+            <a:endParaRPr lang="en-US"/>
           </a:p>
           <a:p>
             <a:pPr marL="0" indent="0" algn="just">
               <a:lnSpc>
-                <a:spcPct val="90000"/>
+                <a:spcPct val="100000"/>
               </a:lnSpc>
               <a:buNone/>
             </a:pPr>
             <a:r>
-              <a:rPr lang="" altLang="en-US" sz="1800">
-                <a:latin typeface="FreeMono" panose="020F0409020205020404" charset="0"/>
-                <a:ea typeface="FreeMono" panose="020F0409020205020404" charset="0"/>
-              </a:rPr>
-              <a:t>------------------------------------------------------------</a:t>
-            </a:r>
-            <a:endParaRPr lang="" altLang="en-US" sz="1800">
-              <a:latin typeface="FreeMono" panose="020F0409020205020404" charset="0"/>
-              <a:ea typeface="FreeMono" panose="020F0409020205020404" charset="0"/>
+              <a:rPr lang="en-US" altLang="en-US">
+                <a:latin typeface="Noto Serif CJK JP" panose="02020400000000000000" charset="-122"/>
+                <a:ea typeface="Noto Serif CJK JP" panose="02020400000000000000" charset="-122"/>
+                <a:sym typeface="+mn-ea"/>
+              </a:rPr>
+              <a:t>..................</a:t>
+            </a:r>
+            <a:endParaRPr lang="en-US" altLang="en-US">
+              <a:latin typeface="Noto Serif CJK JP" panose="02020400000000000000" charset="-122"/>
+              <a:ea typeface="Noto Serif CJK JP" panose="02020400000000000000" charset="-122"/>
             </a:endParaRPr>
           </a:p>
           <a:p>
             <a:pPr marL="0" indent="0" algn="just">
               <a:lnSpc>
-                <a:spcPct val="90000"/>
+                <a:spcPct val="100000"/>
               </a:lnSpc>
               <a:buNone/>
             </a:pPr>
             <a:r>
-              <a:rPr lang="" altLang="en-US" sz="1800">
-                <a:latin typeface="FreeMono" panose="020F0409020205020404" charset="0"/>
-                <a:ea typeface="FreeMono" panose="020F0409020205020404" charset="0"/>
-              </a:rPr>
-              <a:t>\\</a:t>
-            </a:r>
-            <a:r>
-              <a:rPr lang="en-US" altLang="en-US" sz="1800">
-                <a:latin typeface="FreeMono" panose="020F0409020205020404" charset="0"/>
-                <a:ea typeface="FreeMono" panose="020F0409020205020404" charset="0"/>
+              <a:rPr lang="en-US" altLang="en-US">
+                <a:latin typeface="Noto Serif CJK JP" panose="02020400000000000000" charset="-122"/>
+                <a:ea typeface="Noto Serif CJK JP" panose="02020400000000000000" charset="-122"/>
                 <a:sym typeface="+mn-ea"/>
               </a:rPr>
-              <a:t>intialization</a:t>
-            </a:r>
-            <a:r>
-              <a:rPr lang="" altLang="en-US" sz="1800">
-                <a:latin typeface="FreeMono" panose="020F0409020205020404" charset="0"/>
-                <a:ea typeface="FreeMono" panose="020F0409020205020404" charset="0"/>
+              <a:t>display(“Hello”)</a:t>
+            </a:r>
+            <a:endParaRPr lang="en-US"/>
+          </a:p>
+        </p:txBody>
+      </p:sp>
+      <p:sp>
+        <p:nvSpPr>
+          <p:cNvPr id="5" name="Text Box 4"/>
+          <p:cNvSpPr txBox="1"/>
+          <p:nvPr/>
+        </p:nvSpPr>
+        <p:spPr>
+          <a:xfrm>
+            <a:off x="4777740" y="4400550"/>
+            <a:ext cx="3680460" cy="645160"/>
+          </a:xfrm>
+          <a:prstGeom prst="rect">
+            <a:avLst/>
+          </a:prstGeom>
+          <a:solidFill>
+            <a:schemeClr val="accent2">
+              <a:lumMod val="40000"/>
+              <a:lumOff val="60000"/>
+            </a:schemeClr>
+          </a:solidFill>
+        </p:spPr>
+        <p:txBody>
+          <a:bodyPr wrap="square" rtlCol="0">
+            <a:spAutoFit/>
+          </a:bodyPr>
+          <a:p>
+            <a:pPr marL="0" indent="0" algn="just">
+              <a:lnSpc>
+                <a:spcPct val="100000"/>
+              </a:lnSpc>
+              <a:buNone/>
+            </a:pPr>
+            <a:r>
+              <a:rPr lang="en-US" altLang="en-US">
+                <a:latin typeface="Noto Serif CJK JP" panose="02020400000000000000" charset="-122"/>
+                <a:ea typeface="Noto Serif CJK JP" panose="02020400000000000000" charset="-122"/>
                 <a:sym typeface="+mn-ea"/>
               </a:rPr>
-              <a:t>;</a:t>
-            </a:r>
-            <a:r>
-              <a:rPr lang="en-US" altLang="en-US" sz="1800">
-                <a:latin typeface="FreeMono" panose="020F0409020205020404" charset="0"/>
-                <a:ea typeface="FreeMono" panose="020F0409020205020404" charset="0"/>
+              <a:t>Eg : Iterate 100 Times   </a:t>
+            </a:r>
+            <a:endParaRPr lang="en-US" altLang="en-US">
+              <a:latin typeface="Noto Serif CJK JP" panose="02020400000000000000" charset="-122"/>
+              <a:ea typeface="Noto Serif CJK JP" panose="02020400000000000000" charset="-122"/>
+              <a:sym typeface="+mn-ea"/>
+            </a:endParaRPr>
+          </a:p>
+          <a:p>
+            <a:pPr marL="0" indent="0" algn="just">
+              <a:lnSpc>
+                <a:spcPct val="100000"/>
+              </a:lnSpc>
+              <a:buNone/>
+            </a:pPr>
+            <a:r>
+              <a:rPr lang="en-US" altLang="en-US">
+                <a:latin typeface="Noto Serif CJK JP" panose="02020400000000000000" charset="-122"/>
+                <a:ea typeface="Noto Serif CJK JP" panose="02020400000000000000" charset="-122"/>
                 <a:sym typeface="+mn-ea"/>
               </a:rPr>
-              <a:t>conditionchecking</a:t>
-            </a:r>
-            <a:r>
-              <a:rPr lang="" altLang="en-US" sz="1800">
-                <a:latin typeface="FreeMono" panose="020F0409020205020404" charset="0"/>
-                <a:ea typeface="FreeMono" panose="020F0409020205020404" charset="0"/>
-                <a:sym typeface="+mn-ea"/>
-              </a:rPr>
-              <a:t>;</a:t>
-            </a:r>
-            <a:r>
-              <a:rPr lang="en-US" altLang="en-US" sz="1800">
-                <a:latin typeface="FreeMono" panose="020F0409020205020404" charset="0"/>
-                <a:ea typeface="FreeMono" panose="020F0409020205020404" charset="0"/>
-                <a:sym typeface="+mn-ea"/>
-              </a:rPr>
-              <a:t>increment stmt</a:t>
-            </a:r>
-            <a:endParaRPr lang="" altLang="en-US" sz="1800">
-              <a:latin typeface="FreeMono" panose="020F0409020205020404" charset="0"/>
-              <a:ea typeface="FreeMono" panose="020F0409020205020404" charset="0"/>
-            </a:endParaRPr>
-          </a:p>
-          <a:p>
-            <a:pPr marL="0" indent="0" algn="just">
-              <a:lnSpc>
-                <a:spcPct val="90000"/>
-              </a:lnSpc>
-              <a:buNone/>
-            </a:pPr>
-            <a:r>
-              <a:rPr lang="" altLang="en-US" sz="1800">
-                <a:latin typeface="FreeMono" panose="020F0409020205020404" charset="0"/>
-                <a:ea typeface="FreeMono" panose="020F0409020205020404" charset="0"/>
-              </a:rPr>
-              <a:t>for(int counter=1;i&lt;=10;i++) 	\\  	Entry checking Loop	</a:t>
-            </a:r>
-            <a:endParaRPr lang="" altLang="en-US" sz="1800">
-              <a:latin typeface="FreeMono" panose="020F0409020205020404" charset="0"/>
-              <a:ea typeface="FreeMono" panose="020F0409020205020404" charset="0"/>
-            </a:endParaRPr>
-          </a:p>
-          <a:p>
-            <a:pPr marL="0" indent="0" algn="just">
-              <a:lnSpc>
-                <a:spcPct val="90000"/>
-              </a:lnSpc>
-              <a:buNone/>
-            </a:pPr>
-            <a:r>
-              <a:rPr lang="" altLang="en-US" sz="1800">
-                <a:latin typeface="FreeMono" panose="020F0409020205020404" charset="0"/>
-                <a:ea typeface="FreeMono" panose="020F0409020205020404" charset="0"/>
-              </a:rPr>
-              <a:t>	</a:t>
-            </a:r>
-            <a:r>
-              <a:rPr lang="en-US" altLang="en-US" sz="1800">
-                <a:latin typeface="FreeMono" panose="020F0409020205020404" charset="0"/>
-                <a:ea typeface="FreeMono" panose="020F0409020205020404" charset="0"/>
-                <a:sym typeface="+mn-ea"/>
-              </a:rPr>
-              <a:t>DISPLAY i</a:t>
-            </a:r>
-            <a:r>
-              <a:rPr lang="" altLang="en-US" sz="1800">
-                <a:latin typeface="FreeMono" panose="020F0409020205020404" charset="0"/>
-                <a:ea typeface="FreeMono" panose="020F0409020205020404" charset="0"/>
-              </a:rPr>
-              <a:t>			\\	Body of Loop</a:t>
-            </a:r>
-            <a:endParaRPr lang="" altLang="en-US" sz="1800">
-              <a:latin typeface="FreeMono" panose="020F0409020205020404" charset="0"/>
-              <a:ea typeface="FreeMono" panose="020F0409020205020404" charset="0"/>
-            </a:endParaRPr>
-          </a:p>
-          <a:p>
-            <a:pPr marL="0" indent="0" algn="just">
-              <a:lnSpc>
-                <a:spcPct val="90000"/>
-              </a:lnSpc>
-              <a:buNone/>
-            </a:pPr>
-            <a:endParaRPr lang="" altLang="en-US" sz="1800">
-              <a:latin typeface="FreeMono" panose="020F0409020205020404" charset="0"/>
-              <a:ea typeface="FreeMono" panose="020F0409020205020404" charset="0"/>
-            </a:endParaRPr>
-          </a:p>
-          <a:p>
-            <a:pPr marL="0" indent="0" algn="just">
-              <a:lnSpc>
-                <a:spcPct val="90000"/>
-              </a:lnSpc>
-              <a:buNone/>
-            </a:pPr>
-            <a:r>
-              <a:rPr lang="" altLang="en-US" sz="1800">
-                <a:latin typeface="FreeMono" panose="020F0409020205020404" charset="0"/>
-                <a:ea typeface="FreeMono" panose="020F0409020205020404" charset="0"/>
-              </a:rPr>
-              <a:t>------------------------------------------------------------</a:t>
-            </a:r>
-            <a:endParaRPr lang="" altLang="en-US" sz="1800">
-              <a:latin typeface="FreeMono" panose="020F0409020205020404" charset="0"/>
-              <a:ea typeface="FreeMono" panose="020F0409020205020404" charset="0"/>
-            </a:endParaRPr>
-          </a:p>
-          <a:p>
-            <a:pPr marL="0" indent="0" algn="just">
-              <a:lnSpc>
-                <a:spcPct val="90000"/>
-              </a:lnSpc>
-              <a:buNone/>
-            </a:pPr>
-            <a:r>
-              <a:rPr lang="en-US" altLang="en-US" sz="1800">
-                <a:latin typeface="FreeMono" panose="020F0409020205020404" charset="0"/>
-                <a:ea typeface="FreeMono" panose="020F0409020205020404" charset="0"/>
-                <a:sym typeface="+mn-ea"/>
-              </a:rPr>
-              <a:t>int counter =1 // intialization stmt</a:t>
-            </a:r>
-            <a:endParaRPr lang="" altLang="en-US" sz="1800">
-              <a:latin typeface="FreeMono" panose="020F0409020205020404" charset="0"/>
-              <a:ea typeface="FreeMono" panose="020F0409020205020404" charset="0"/>
-            </a:endParaRPr>
-          </a:p>
-          <a:p>
-            <a:pPr marL="0" indent="0" algn="just">
-              <a:lnSpc>
-                <a:spcPct val="90000"/>
-              </a:lnSpc>
-              <a:buNone/>
-            </a:pPr>
-            <a:r>
-              <a:rPr lang="" altLang="en-US" sz="1800">
-                <a:latin typeface="FreeMono" panose="020F0409020205020404" charset="0"/>
-                <a:ea typeface="FreeMono" panose="020F0409020205020404" charset="0"/>
-              </a:rPr>
-              <a:t>do</a:t>
-            </a:r>
-            <a:endParaRPr lang="" altLang="en-US" sz="1800">
-              <a:latin typeface="FreeMono" panose="020F0409020205020404" charset="0"/>
-              <a:ea typeface="FreeMono" panose="020F0409020205020404" charset="0"/>
-            </a:endParaRPr>
-          </a:p>
-          <a:p>
-            <a:pPr marL="0" indent="0" algn="just">
-              <a:lnSpc>
-                <a:spcPct val="90000"/>
-              </a:lnSpc>
-              <a:buNone/>
-            </a:pPr>
-            <a:r>
-              <a:rPr lang="" altLang="en-US" sz="1800">
-                <a:latin typeface="FreeMono" panose="020F0409020205020404" charset="0"/>
-                <a:ea typeface="FreeMono" panose="020F0409020205020404" charset="0"/>
-              </a:rPr>
-              <a:t>{                 // Exit Checking Loop</a:t>
-            </a:r>
-            <a:endParaRPr lang="" altLang="en-US" sz="1800">
-              <a:latin typeface="FreeMono" panose="020F0409020205020404" charset="0"/>
-              <a:ea typeface="FreeMono" panose="020F0409020205020404" charset="0"/>
-            </a:endParaRPr>
-          </a:p>
-          <a:p>
-            <a:pPr marL="0" indent="0" algn="just">
-              <a:lnSpc>
-                <a:spcPct val="90000"/>
-              </a:lnSpc>
-              <a:buNone/>
-            </a:pPr>
-            <a:r>
-              <a:rPr lang="" altLang="en-US" sz="1800">
-                <a:latin typeface="FreeMono" panose="020F0409020205020404" charset="0"/>
-                <a:ea typeface="FreeMono" panose="020F0409020205020404" charset="0"/>
-                <a:sym typeface="+mn-ea"/>
-              </a:rPr>
-              <a:t>	</a:t>
-            </a:r>
-            <a:r>
-              <a:rPr lang="en-US" altLang="en-US" sz="1800">
-                <a:latin typeface="FreeMono" panose="020F0409020205020404" charset="0"/>
-                <a:ea typeface="FreeMono" panose="020F0409020205020404" charset="0"/>
-                <a:sym typeface="+mn-ea"/>
-              </a:rPr>
-              <a:t>DISPLAY i</a:t>
-            </a:r>
-            <a:endParaRPr lang="en-US" altLang="en-US" sz="1800">
-              <a:latin typeface="FreeMono" panose="020F0409020205020404" charset="0"/>
-              <a:ea typeface="FreeMono" panose="020F0409020205020404" charset="0"/>
-              <a:sym typeface="+mn-ea"/>
-            </a:endParaRPr>
-          </a:p>
-          <a:p>
-            <a:pPr marL="0" lvl="1" indent="0" algn="just">
-              <a:lnSpc>
-                <a:spcPct val="90000"/>
-              </a:lnSpc>
-              <a:buNone/>
-            </a:pPr>
-            <a:r>
-              <a:rPr lang="" altLang="en-US" sz="1800">
-                <a:latin typeface="FreeMono" panose="020F0409020205020404" charset="0"/>
-                <a:ea typeface="FreeMono" panose="020F0409020205020404" charset="0"/>
-                <a:sym typeface="+mn-ea"/>
-              </a:rPr>
-              <a:t>	</a:t>
-            </a:r>
-            <a:r>
-              <a:rPr lang="en-US" altLang="en-US" sz="1800">
-                <a:latin typeface="FreeMono" panose="020F0409020205020404" charset="0"/>
-                <a:ea typeface="FreeMono" panose="020F0409020205020404" charset="0"/>
-                <a:sym typeface="+mn-ea"/>
-              </a:rPr>
-              <a:t>i = i +1;   // Increment stmt</a:t>
-            </a:r>
-            <a:endParaRPr lang="en-US" altLang="en-US" sz="1800">
-              <a:latin typeface="FreeMono" panose="020F0409020205020404" charset="0"/>
-              <a:ea typeface="FreeMono" panose="020F0409020205020404" charset="0"/>
-              <a:sym typeface="+mn-ea"/>
-            </a:endParaRPr>
-          </a:p>
-          <a:p>
-            <a:pPr marL="0" indent="0" algn="just">
-              <a:lnSpc>
-                <a:spcPct val="90000"/>
-              </a:lnSpc>
-              <a:buNone/>
-            </a:pPr>
-            <a:r>
-              <a:rPr lang="en-US" altLang="en-US" sz="1800">
-                <a:latin typeface="FreeMono" panose="020F0409020205020404" charset="0"/>
-                <a:ea typeface="FreeMono" panose="020F0409020205020404" charset="0"/>
-                <a:sym typeface="+mn-ea"/>
-              </a:rPr>
-              <a:t>	</a:t>
-            </a:r>
-            <a:r>
-              <a:rPr lang="" altLang="en-US" sz="1800">
-                <a:latin typeface="FreeMono" panose="020F0409020205020404" charset="0"/>
-                <a:ea typeface="FreeMono" panose="020F0409020205020404" charset="0"/>
-                <a:sym typeface="+mn-ea"/>
-              </a:rPr>
-              <a:t>		</a:t>
-            </a:r>
-            <a:r>
-              <a:rPr lang="" altLang="en-US" sz="1800">
-                <a:latin typeface="FreeMono" panose="020F0409020205020404" charset="0"/>
-                <a:ea typeface="FreeMono" panose="020F0409020205020404" charset="0"/>
-                <a:sym typeface="+mn-ea"/>
-              </a:rPr>
-              <a:t>//</a:t>
-            </a:r>
-            <a:r>
-              <a:rPr lang="en-US" altLang="en-US" sz="1800">
-                <a:latin typeface="FreeMono" panose="020F0409020205020404" charset="0"/>
-                <a:ea typeface="FreeMono" panose="020F0409020205020404" charset="0"/>
-                <a:sym typeface="+mn-ea"/>
-              </a:rPr>
-              <a:t>	Body of Loop</a:t>
-            </a:r>
-            <a:endParaRPr lang="" altLang="en-US" sz="1800">
-              <a:latin typeface="FreeMono" panose="020F0409020205020404" charset="0"/>
-              <a:ea typeface="FreeMono" panose="020F0409020205020404" charset="0"/>
-            </a:endParaRPr>
-          </a:p>
-          <a:p>
-            <a:pPr marL="0" indent="0" algn="just">
-              <a:lnSpc>
-                <a:spcPct val="90000"/>
-              </a:lnSpc>
-              <a:buNone/>
-            </a:pPr>
-            <a:r>
-              <a:rPr lang="" altLang="en-US" sz="1800">
-                <a:latin typeface="FreeMono" panose="020F0409020205020404" charset="0"/>
-                <a:ea typeface="FreeMono" panose="020F0409020205020404" charset="0"/>
-              </a:rPr>
-              <a:t>}while(i&lt;=10);  // Condition checking</a:t>
-            </a:r>
-            <a:endParaRPr lang="" altLang="en-US" sz="1800">
-              <a:latin typeface="FreeMono" panose="020F0409020205020404" charset="0"/>
-              <a:ea typeface="FreeMono" panose="020F0409020205020404" charset="0"/>
-            </a:endParaRPr>
+              <a:t>	display(“Hello”)</a:t>
+            </a:r>
+            <a:endParaRPr lang="en-US"/>
           </a:p>
         </p:txBody>
       </p:sp>
@@ -11762,7 +11284,7 @@
                 <a:latin typeface="Noto Serif CJK JP" panose="02020400000000000000" charset="-122"/>
                 <a:ea typeface="Noto Serif CJK JP" panose="02020400000000000000" charset="-122"/>
               </a:rPr>
-              <a:t>Jump Statements</a:t>
+              <a:t>Iteration Statements (C++)</a:t>
             </a:r>
             <a:endParaRPr lang="en-US" altLang="en-US" sz="3200">
               <a:latin typeface="Noto Serif CJK JP" panose="02020400000000000000" charset="-122"/>
@@ -11783,197 +11305,401 @@
         </p:nvSpPr>
         <p:spPr>
           <a:xfrm>
-            <a:off x="-8255" y="987425"/>
-            <a:ext cx="8764270" cy="5636895"/>
+            <a:off x="154305" y="987425"/>
+            <a:ext cx="8601710" cy="5740400"/>
           </a:xfrm>
         </p:spPr>
         <p:txBody>
           <a:bodyPr/>
           <a:p>
-            <a:pPr algn="just">
-              <a:lnSpc>
-                <a:spcPct val="100000"/>
-              </a:lnSpc>
-            </a:pPr>
-            <a:r>
-              <a:rPr lang="" altLang="en-US" sz="1800">
-                <a:latin typeface="Noto Serif CJK JP" panose="02020400000000000000" charset="-122"/>
-                <a:ea typeface="Noto Serif CJK JP" panose="02020400000000000000" charset="-122"/>
-              </a:rPr>
-              <a:t>j</a:t>
-            </a:r>
+            <a:pPr marL="0" indent="0" algn="just">
+              <a:lnSpc>
+                <a:spcPct val="90000"/>
+              </a:lnSpc>
+              <a:buNone/>
+            </a:pPr>
             <a:r>
               <a:rPr lang="en-US" altLang="en-US" sz="1800">
-                <a:latin typeface="Noto Serif CJK JP" panose="02020400000000000000" charset="-122"/>
-                <a:ea typeface="Noto Serif CJK JP" panose="02020400000000000000" charset="-122"/>
-              </a:rPr>
-              <a:t>ump statement performs an immediate local transfer of control.</a:t>
+                <a:latin typeface="FreeMono" panose="020F0409020205020404" charset="0"/>
+                <a:ea typeface="FreeMono" panose="020F0409020205020404" charset="0"/>
+              </a:rPr>
+              <a:t>int counter =1 	// intialization stmt</a:t>
             </a:r>
             <a:endParaRPr lang="en-US" altLang="en-US" sz="1800">
-              <a:latin typeface="Noto Serif CJK JP" panose="02020400000000000000" charset="-122"/>
-              <a:ea typeface="Noto Serif CJK JP" panose="02020400000000000000" charset="-122"/>
-            </a:endParaRPr>
-          </a:p>
-          <a:p>
-            <a:pPr algn="just">
-              <a:lnSpc>
-                <a:spcPct val="100000"/>
-              </a:lnSpc>
-            </a:pPr>
+              <a:latin typeface="FreeMono" panose="020F0409020205020404" charset="0"/>
+              <a:ea typeface="FreeMono" panose="020F0409020205020404" charset="0"/>
+            </a:endParaRPr>
+          </a:p>
+          <a:p>
+            <a:pPr marL="0" indent="0" algn="just">
+              <a:lnSpc>
+                <a:spcPct val="90000"/>
+              </a:lnSpc>
+              <a:buNone/>
+            </a:pPr>
+            <a:r>
+              <a:rPr lang="en-US" altLang="en-US" sz="1800">
+                <a:latin typeface="FreeMono" panose="020F0409020205020404" charset="0"/>
+                <a:ea typeface="FreeMono" panose="020F0409020205020404" charset="0"/>
+              </a:rPr>
+              <a:t>while(i&lt;=10)  	// Condition checking</a:t>
+            </a:r>
             <a:endParaRPr lang="en-US" altLang="en-US" sz="1800">
-              <a:latin typeface="Noto Serif CJK JP" panose="02020400000000000000" charset="-122"/>
-              <a:ea typeface="Noto Serif CJK JP" panose="02020400000000000000" charset="-122"/>
-            </a:endParaRPr>
-          </a:p>
-          <a:p>
-            <a:pPr algn="just">
-              <a:lnSpc>
-                <a:spcPct val="100000"/>
-              </a:lnSpc>
-            </a:pPr>
-            <a:r>
-              <a:rPr lang="" altLang="en-US" sz="1800" b="1">
-                <a:latin typeface="Noto Serif CJK JP" panose="02020400000000000000" charset="-122"/>
-                <a:ea typeface="Noto Serif CJK JP" panose="02020400000000000000" charset="-122"/>
-              </a:rPr>
-              <a:t>B</a:t>
-            </a:r>
-            <a:r>
-              <a:rPr lang="en-US" altLang="en-US" sz="1800" b="1">
-                <a:latin typeface="Noto Serif CJK JP" panose="02020400000000000000" charset="-122"/>
-                <a:ea typeface="Noto Serif CJK JP" panose="02020400000000000000" charset="-122"/>
-              </a:rPr>
-              <a:t>reak Statement</a:t>
-            </a:r>
+              <a:latin typeface="FreeMono" panose="020F0409020205020404" charset="0"/>
+              <a:ea typeface="FreeMono" panose="020F0409020205020404" charset="0"/>
+            </a:endParaRPr>
+          </a:p>
+          <a:p>
+            <a:pPr marL="0" indent="0" algn="just">
+              <a:lnSpc>
+                <a:spcPct val="90000"/>
+              </a:lnSpc>
+              <a:buNone/>
+            </a:pPr>
             <a:r>
               <a:rPr lang="en-US" altLang="en-US" sz="1800">
-                <a:latin typeface="Noto Serif CJK JP" panose="02020400000000000000" charset="-122"/>
-                <a:ea typeface="Noto Serif CJK JP" panose="02020400000000000000" charset="-122"/>
-              </a:rPr>
-              <a:t>  ends execution of the nearest enclosing loop or conditional statement in which it appears. Control passes to the statement that follows the end of the statement, if any.</a:t>
+                <a:latin typeface="FreeMono" panose="020F0409020205020404" charset="0"/>
+                <a:ea typeface="FreeMono" panose="020F0409020205020404" charset="0"/>
+              </a:rPr>
+              <a:t>{	</a:t>
             </a:r>
             <a:endParaRPr lang="en-US" altLang="en-US" sz="1800">
-              <a:latin typeface="Noto Serif CJK JP" panose="02020400000000000000" charset="-122"/>
-              <a:ea typeface="Noto Serif CJK JP" panose="02020400000000000000" charset="-122"/>
-            </a:endParaRPr>
-          </a:p>
-          <a:p>
-            <a:pPr algn="just">
-              <a:lnSpc>
-                <a:spcPct val="100000"/>
-              </a:lnSpc>
-            </a:pPr>
+              <a:latin typeface="FreeMono" panose="020F0409020205020404" charset="0"/>
+              <a:ea typeface="FreeMono" panose="020F0409020205020404" charset="0"/>
+            </a:endParaRPr>
+          </a:p>
+          <a:p>
+            <a:pPr marL="457200" lvl="1" indent="0" algn="just">
+              <a:lnSpc>
+                <a:spcPct val="90000"/>
+              </a:lnSpc>
+              <a:buNone/>
+            </a:pPr>
+            <a:r>
+              <a:rPr lang="en-US" altLang="en-US" sz="1575">
+                <a:latin typeface="FreeMono" panose="020F0409020205020404" charset="0"/>
+                <a:ea typeface="FreeMono" panose="020F0409020205020404" charset="0"/>
+                <a:sym typeface="+mn-ea"/>
+              </a:rPr>
+              <a:t>DISPLAY  </a:t>
+            </a:r>
+            <a:r>
+              <a:rPr lang="en-US" altLang="en-US" sz="1575">
+                <a:latin typeface="FreeMono" panose="020F0409020205020404" charset="0"/>
+                <a:ea typeface="FreeMono" panose="020F0409020205020404" charset="0"/>
+              </a:rPr>
+              <a:t>i   	// body of loop</a:t>
+            </a:r>
+            <a:endParaRPr lang="en-US" altLang="en-US" sz="1575">
+              <a:latin typeface="FreeMono" panose="020F0409020205020404" charset="0"/>
+              <a:ea typeface="FreeMono" panose="020F0409020205020404" charset="0"/>
+            </a:endParaRPr>
+          </a:p>
+          <a:p>
+            <a:pPr marL="457200" lvl="1" indent="0" algn="just">
+              <a:lnSpc>
+                <a:spcPct val="90000"/>
+              </a:lnSpc>
+              <a:buNone/>
+            </a:pPr>
+            <a:r>
+              <a:rPr lang="en-US" altLang="en-US" sz="1575">
+                <a:latin typeface="FreeMono" panose="020F0409020205020404" charset="0"/>
+                <a:ea typeface="FreeMono" panose="020F0409020205020404" charset="0"/>
+              </a:rPr>
+              <a:t>i = i +1;   	// Increment stmt</a:t>
+            </a:r>
+            <a:endParaRPr lang="en-US" altLang="en-US" sz="1575">
+              <a:latin typeface="FreeMono" panose="020F0409020205020404" charset="0"/>
+              <a:ea typeface="FreeMono" panose="020F0409020205020404" charset="0"/>
+            </a:endParaRPr>
+          </a:p>
+          <a:p>
+            <a:pPr marL="0" indent="0" algn="just">
+              <a:lnSpc>
+                <a:spcPct val="90000"/>
+              </a:lnSpc>
+              <a:buNone/>
+            </a:pPr>
+            <a:r>
+              <a:rPr lang="en-US" altLang="en-US" sz="1800">
+                <a:latin typeface="FreeMono" panose="020F0409020205020404" charset="0"/>
+                <a:ea typeface="FreeMono" panose="020F0409020205020404" charset="0"/>
+              </a:rPr>
+              <a:t>}</a:t>
+            </a:r>
             <a:endParaRPr lang="en-US" altLang="en-US" sz="1800">
-              <a:latin typeface="Noto Serif CJK JP" panose="02020400000000000000" charset="-122"/>
-              <a:ea typeface="Noto Serif CJK JP" panose="02020400000000000000" charset="-122"/>
-            </a:endParaRPr>
-          </a:p>
-          <a:p>
-            <a:pPr algn="just">
-              <a:lnSpc>
-                <a:spcPct val="100000"/>
-              </a:lnSpc>
-            </a:pPr>
-            <a:r>
-              <a:rPr lang="en-US" altLang="en-US" sz="1800" b="1">
-                <a:latin typeface="Noto Serif CJK JP" panose="02020400000000000000" charset="-122"/>
-                <a:ea typeface="Noto Serif CJK JP" panose="02020400000000000000" charset="-122"/>
-              </a:rPr>
-              <a:t>continue Statement</a:t>
-            </a:r>
+              <a:latin typeface="FreeMono" panose="020F0409020205020404" charset="0"/>
+              <a:ea typeface="FreeMono" panose="020F0409020205020404" charset="0"/>
+            </a:endParaRPr>
+          </a:p>
+          <a:p>
+            <a:pPr marL="0" indent="0" algn="just">
+              <a:lnSpc>
+                <a:spcPct val="90000"/>
+              </a:lnSpc>
+              <a:buNone/>
+            </a:pPr>
             <a:r>
               <a:rPr lang="en-US" altLang="en-US" sz="1800">
-                <a:latin typeface="Noto Serif CJK JP" panose="02020400000000000000" charset="-122"/>
-                <a:ea typeface="Noto Serif CJK JP" panose="02020400000000000000" charset="-122"/>
-              </a:rPr>
-              <a:t> </a:t>
-            </a:r>
-            <a:r>
-              <a:rPr lang="" altLang="en-US" sz="1800">
-                <a:latin typeface="Noto Serif CJK JP" panose="02020400000000000000" charset="-122"/>
-                <a:ea typeface="Noto Serif CJK JP" panose="02020400000000000000" charset="-122"/>
-              </a:rPr>
-              <a:t>: </a:t>
-            </a:r>
+                <a:latin typeface="FreeMono" panose="020F0409020205020404" charset="0"/>
+                <a:ea typeface="FreeMono" panose="020F0409020205020404" charset="0"/>
+              </a:rPr>
+              <a:t>------------------------------------------------------------</a:t>
+            </a:r>
+            <a:endParaRPr lang="en-US" altLang="en-US" sz="1800">
+              <a:latin typeface="FreeMono" panose="020F0409020205020404" charset="0"/>
+              <a:ea typeface="FreeMono" panose="020F0409020205020404" charset="0"/>
+            </a:endParaRPr>
+          </a:p>
+          <a:p>
+            <a:pPr marL="0" indent="0" algn="just">
+              <a:lnSpc>
+                <a:spcPct val="90000"/>
+              </a:lnSpc>
+              <a:buNone/>
+            </a:pPr>
             <a:r>
               <a:rPr lang="en-US" altLang="en-US" sz="1800">
-                <a:latin typeface="Noto Serif CJK JP" panose="02020400000000000000" charset="-122"/>
-                <a:ea typeface="Noto Serif CJK JP" panose="02020400000000000000" charset="-122"/>
-              </a:rPr>
-              <a:t>Forces transfer of control to the controlling expression of the smallest enclosing do, for, or while loop Any remaining statements in the current iteration are not executed</a:t>
+                <a:latin typeface="FreeMono" panose="020F0409020205020404" charset="0"/>
+                <a:ea typeface="FreeMono" panose="020F0409020205020404" charset="0"/>
+              </a:rPr>
+              <a:t>\\</a:t>
+            </a:r>
+            <a:r>
+              <a:rPr lang="en-US" altLang="en-US" sz="1800">
+                <a:latin typeface="FreeMono" panose="020F0409020205020404" charset="0"/>
+                <a:ea typeface="FreeMono" panose="020F0409020205020404" charset="0"/>
+                <a:sym typeface="+mn-ea"/>
+              </a:rPr>
+              <a:t>intialization;conditionchecking;increment stmt</a:t>
             </a:r>
             <a:endParaRPr lang="en-US" altLang="en-US" sz="1800">
-              <a:latin typeface="Noto Serif CJK JP" panose="02020400000000000000" charset="-122"/>
-              <a:ea typeface="Noto Serif CJK JP" panose="02020400000000000000" charset="-122"/>
-            </a:endParaRPr>
-          </a:p>
-          <a:p>
-            <a:pPr algn="just">
-              <a:lnSpc>
-                <a:spcPct val="100000"/>
-              </a:lnSpc>
-            </a:pPr>
+              <a:latin typeface="FreeMono" panose="020F0409020205020404" charset="0"/>
+              <a:ea typeface="FreeMono" panose="020F0409020205020404" charset="0"/>
+            </a:endParaRPr>
+          </a:p>
+          <a:p>
+            <a:pPr marL="0" indent="0" algn="just">
+              <a:lnSpc>
+                <a:spcPct val="90000"/>
+              </a:lnSpc>
+              <a:buNone/>
+            </a:pPr>
+            <a:r>
+              <a:rPr lang="en-US" altLang="en-US" sz="1800">
+                <a:latin typeface="FreeMono" panose="020F0409020205020404" charset="0"/>
+                <a:ea typeface="FreeMono" panose="020F0409020205020404" charset="0"/>
+              </a:rPr>
+              <a:t>for(int counter=1;i&lt;=10;i++) 	\\  	Entry checking Loop	</a:t>
+            </a:r>
             <a:endParaRPr lang="en-US" altLang="en-US" sz="1800">
-              <a:latin typeface="Noto Serif CJK JP" panose="02020400000000000000" charset="-122"/>
-              <a:ea typeface="Noto Serif CJK JP" panose="02020400000000000000" charset="-122"/>
-            </a:endParaRPr>
-          </a:p>
-          <a:p>
-            <a:pPr algn="just">
-              <a:lnSpc>
-                <a:spcPct val="100000"/>
-              </a:lnSpc>
-            </a:pPr>
-            <a:r>
-              <a:rPr lang="en-US" altLang="en-US" sz="1800" b="1">
-                <a:latin typeface="Noto Serif CJK JP" panose="02020400000000000000" charset="-122"/>
-                <a:ea typeface="Noto Serif CJK JP" panose="02020400000000000000" charset="-122"/>
-              </a:rPr>
-              <a:t>return Statement</a:t>
-            </a:r>
+              <a:latin typeface="FreeMono" panose="020F0409020205020404" charset="0"/>
+              <a:ea typeface="FreeMono" panose="020F0409020205020404" charset="0"/>
+            </a:endParaRPr>
+          </a:p>
+          <a:p>
+            <a:pPr marL="0" indent="0" algn="just">
+              <a:lnSpc>
+                <a:spcPct val="90000"/>
+              </a:lnSpc>
+              <a:buNone/>
+            </a:pPr>
             <a:r>
               <a:rPr lang="en-US" altLang="en-US" sz="1800">
-                <a:latin typeface="Noto Serif CJK JP" panose="02020400000000000000" charset="-122"/>
-                <a:ea typeface="Noto Serif CJK JP" panose="02020400000000000000" charset="-122"/>
-              </a:rPr>
-              <a:t> Terminates the execution of a function and returns control to the calling function (or to the operating system if you transfer control from the main function). Execution resumes in the calling function at the point immediately following the call.</a:t>
+                <a:latin typeface="FreeMono" panose="020F0409020205020404" charset="0"/>
+                <a:ea typeface="FreeMono" panose="020F0409020205020404" charset="0"/>
+              </a:rPr>
+              <a:t>	</a:t>
+            </a:r>
+            <a:r>
+              <a:rPr lang="en-US" altLang="en-US" sz="1800">
+                <a:latin typeface="FreeMono" panose="020F0409020205020404" charset="0"/>
+                <a:ea typeface="FreeMono" panose="020F0409020205020404" charset="0"/>
+                <a:sym typeface="+mn-ea"/>
+              </a:rPr>
+              <a:t>DISPLAY i</a:t>
+            </a:r>
+            <a:r>
+              <a:rPr lang="en-US" altLang="en-US" sz="1800">
+                <a:latin typeface="FreeMono" panose="020F0409020205020404" charset="0"/>
+                <a:ea typeface="FreeMono" panose="020F0409020205020404" charset="0"/>
+              </a:rPr>
+              <a:t>			\\	Body of Loop</a:t>
             </a:r>
             <a:endParaRPr lang="en-US" altLang="en-US" sz="1800">
-              <a:latin typeface="Noto Serif CJK JP" panose="02020400000000000000" charset="-122"/>
-              <a:ea typeface="Noto Serif CJK JP" panose="02020400000000000000" charset="-122"/>
-            </a:endParaRPr>
-          </a:p>
-          <a:p>
-            <a:pPr algn="just">
-              <a:lnSpc>
-                <a:spcPct val="100000"/>
-              </a:lnSpc>
+              <a:latin typeface="FreeMono" panose="020F0409020205020404" charset="0"/>
+              <a:ea typeface="FreeMono" panose="020F0409020205020404" charset="0"/>
+            </a:endParaRPr>
+          </a:p>
+          <a:p>
+            <a:pPr marL="0" indent="0" algn="just">
+              <a:lnSpc>
+                <a:spcPct val="90000"/>
+              </a:lnSpc>
+              <a:buNone/>
             </a:pPr>
             <a:endParaRPr lang="en-US" altLang="en-US" sz="1800">
-              <a:latin typeface="Noto Serif CJK JP" panose="02020400000000000000" charset="-122"/>
-              <a:ea typeface="Noto Serif CJK JP" panose="02020400000000000000" charset="-122"/>
-            </a:endParaRPr>
-          </a:p>
-          <a:p>
-            <a:pPr algn="just">
-              <a:lnSpc>
-                <a:spcPct val="100000"/>
-              </a:lnSpc>
-            </a:pPr>
+              <a:latin typeface="FreeMono" panose="020F0409020205020404" charset="0"/>
+              <a:ea typeface="FreeMono" panose="020F0409020205020404" charset="0"/>
+            </a:endParaRPr>
+          </a:p>
+          <a:p>
+            <a:pPr marL="0" indent="0" algn="just">
+              <a:lnSpc>
+                <a:spcPct val="90000"/>
+              </a:lnSpc>
+              <a:buNone/>
+            </a:pPr>
+            <a:r>
+              <a:rPr lang="en-US" altLang="en-US" sz="1800">
+                <a:latin typeface="FreeMono" panose="020F0409020205020404" charset="0"/>
+                <a:ea typeface="FreeMono" panose="020F0409020205020404" charset="0"/>
+              </a:rPr>
+              <a:t>------------------------------------------------------------</a:t>
+            </a:r>
             <a:endParaRPr lang="en-US" altLang="en-US" sz="1800">
-              <a:latin typeface="Noto Serif CJK JP" panose="02020400000000000000" charset="-122"/>
-              <a:ea typeface="Noto Serif CJK JP" panose="02020400000000000000" charset="-122"/>
-            </a:endParaRPr>
-          </a:p>
-          <a:p>
-            <a:pPr algn="just">
-              <a:lnSpc>
-                <a:spcPct val="100000"/>
-              </a:lnSpc>
-            </a:pPr>
+              <a:latin typeface="FreeMono" panose="020F0409020205020404" charset="0"/>
+              <a:ea typeface="FreeMono" panose="020F0409020205020404" charset="0"/>
+            </a:endParaRPr>
+          </a:p>
+          <a:p>
+            <a:pPr marL="0" indent="0" algn="just">
+              <a:lnSpc>
+                <a:spcPct val="90000"/>
+              </a:lnSpc>
+              <a:buNone/>
+            </a:pPr>
+            <a:r>
+              <a:rPr lang="en-US" altLang="en-US" sz="1800">
+                <a:latin typeface="FreeMono" panose="020F0409020205020404" charset="0"/>
+                <a:ea typeface="FreeMono" panose="020F0409020205020404" charset="0"/>
+                <a:sym typeface="+mn-ea"/>
+              </a:rPr>
+              <a:t>int counter =1 // intialization stmt</a:t>
+            </a:r>
             <a:endParaRPr lang="en-US" altLang="en-US" sz="1800">
-              <a:latin typeface="Noto Serif CJK JP" panose="02020400000000000000" charset="-122"/>
-              <a:ea typeface="Noto Serif CJK JP" panose="02020400000000000000" charset="-122"/>
+              <a:latin typeface="FreeMono" panose="020F0409020205020404" charset="0"/>
+              <a:ea typeface="FreeMono" panose="020F0409020205020404" charset="0"/>
+            </a:endParaRPr>
+          </a:p>
+          <a:p>
+            <a:pPr marL="0" indent="0" algn="just">
+              <a:lnSpc>
+                <a:spcPct val="90000"/>
+              </a:lnSpc>
+              <a:buNone/>
+            </a:pPr>
+            <a:r>
+              <a:rPr lang="en-US" altLang="en-US" sz="1800">
+                <a:latin typeface="FreeMono" panose="020F0409020205020404" charset="0"/>
+                <a:ea typeface="FreeMono" panose="020F0409020205020404" charset="0"/>
+              </a:rPr>
+              <a:t>do</a:t>
+            </a:r>
+            <a:endParaRPr lang="en-US" altLang="en-US" sz="1800">
+              <a:latin typeface="FreeMono" panose="020F0409020205020404" charset="0"/>
+              <a:ea typeface="FreeMono" panose="020F0409020205020404" charset="0"/>
+            </a:endParaRPr>
+          </a:p>
+          <a:p>
+            <a:pPr marL="0" indent="0" algn="just">
+              <a:lnSpc>
+                <a:spcPct val="90000"/>
+              </a:lnSpc>
+              <a:buNone/>
+            </a:pPr>
+            <a:r>
+              <a:rPr lang="en-US" altLang="en-US" sz="1800">
+                <a:latin typeface="FreeMono" panose="020F0409020205020404" charset="0"/>
+                <a:ea typeface="FreeMono" panose="020F0409020205020404" charset="0"/>
+              </a:rPr>
+              <a:t>{                 // Exit Checking Loop</a:t>
+            </a:r>
+            <a:endParaRPr lang="en-US" altLang="en-US" sz="1800">
+              <a:latin typeface="FreeMono" panose="020F0409020205020404" charset="0"/>
+              <a:ea typeface="FreeMono" panose="020F0409020205020404" charset="0"/>
+            </a:endParaRPr>
+          </a:p>
+          <a:p>
+            <a:pPr marL="0" indent="0" algn="just">
+              <a:lnSpc>
+                <a:spcPct val="90000"/>
+              </a:lnSpc>
+              <a:buNone/>
+            </a:pPr>
+            <a:r>
+              <a:rPr lang="en-US" altLang="en-US" sz="1800">
+                <a:latin typeface="FreeMono" panose="020F0409020205020404" charset="0"/>
+                <a:ea typeface="FreeMono" panose="020F0409020205020404" charset="0"/>
+                <a:sym typeface="+mn-ea"/>
+              </a:rPr>
+              <a:t>	DISPLAY i</a:t>
+            </a:r>
+            <a:endParaRPr lang="en-US" altLang="en-US" sz="1800">
+              <a:latin typeface="FreeMono" panose="020F0409020205020404" charset="0"/>
+              <a:ea typeface="FreeMono" panose="020F0409020205020404" charset="0"/>
+              <a:sym typeface="+mn-ea"/>
+            </a:endParaRPr>
+          </a:p>
+          <a:p>
+            <a:pPr marL="0" lvl="1" indent="0" algn="just">
+              <a:lnSpc>
+                <a:spcPct val="90000"/>
+              </a:lnSpc>
+              <a:buNone/>
+            </a:pPr>
+            <a:r>
+              <a:rPr lang="en-US" altLang="en-US" sz="1800">
+                <a:latin typeface="FreeMono" panose="020F0409020205020404" charset="0"/>
+                <a:ea typeface="FreeMono" panose="020F0409020205020404" charset="0"/>
+                <a:sym typeface="+mn-ea"/>
+              </a:rPr>
+              <a:t>	i = i +1;   // Increment stmt</a:t>
+            </a:r>
+            <a:endParaRPr lang="en-US" altLang="en-US" sz="1800">
+              <a:latin typeface="FreeMono" panose="020F0409020205020404" charset="0"/>
+              <a:ea typeface="FreeMono" panose="020F0409020205020404" charset="0"/>
+              <a:sym typeface="+mn-ea"/>
+            </a:endParaRPr>
+          </a:p>
+          <a:p>
+            <a:pPr marL="0" indent="0" algn="just">
+              <a:lnSpc>
+                <a:spcPct val="90000"/>
+              </a:lnSpc>
+              <a:buNone/>
+            </a:pPr>
+            <a:r>
+              <a:rPr lang="en-US" altLang="en-US" sz="1800">
+                <a:latin typeface="FreeMono" panose="020F0409020205020404" charset="0"/>
+                <a:ea typeface="FreeMono" panose="020F0409020205020404" charset="0"/>
+                <a:sym typeface="+mn-ea"/>
+              </a:rPr>
+              <a:t>			//	Body of Loop</a:t>
+            </a:r>
+            <a:endParaRPr lang="en-US" altLang="en-US" sz="1800">
+              <a:latin typeface="FreeMono" panose="020F0409020205020404" charset="0"/>
+              <a:ea typeface="FreeMono" panose="020F0409020205020404" charset="0"/>
+            </a:endParaRPr>
+          </a:p>
+          <a:p>
+            <a:pPr marL="0" indent="0" algn="just">
+              <a:lnSpc>
+                <a:spcPct val="90000"/>
+              </a:lnSpc>
+              <a:buNone/>
+            </a:pPr>
+            <a:r>
+              <a:rPr lang="en-US" altLang="en-US" sz="1800">
+                <a:latin typeface="FreeMono" panose="020F0409020205020404" charset="0"/>
+                <a:ea typeface="FreeMono" panose="020F0409020205020404" charset="0"/>
+              </a:rPr>
+              <a:t>}while(i&lt;=10);  // Condition checking</a:t>
+            </a:r>
+            <a:endParaRPr lang="en-US" altLang="en-US" sz="1800">
+              <a:latin typeface="FreeMono" panose="020F0409020205020404" charset="0"/>
+              <a:ea typeface="FreeMono" panose="020F0409020205020404" charset="0"/>
             </a:endParaRPr>
           </a:p>
         </p:txBody>
@@ -12263,18 +11989,23 @@
             <p:ph type="title"/>
           </p:nvPr>
         </p:nvSpPr>
-        <p:spPr/>
+        <p:spPr>
+          <a:xfrm>
+            <a:off x="685800" y="64135"/>
+            <a:ext cx="7772400" cy="923290"/>
+          </a:xfrm>
+        </p:spPr>
         <p:txBody>
           <a:bodyPr/>
           <a:p>
             <a:r>
-              <a:rPr lang="en-US" altLang="en-US">
-                <a:latin typeface="Noto Serif CJK JP" panose="02020400000000000000" charset="-122"/>
-                <a:ea typeface="Noto Serif CJK JP" panose="02020400000000000000" charset="-122"/>
-              </a:rPr>
-              <a:t>Concepts</a:t>
-            </a:r>
-            <a:endParaRPr lang="en-US" altLang="en-US">
+              <a:rPr lang="en-US" altLang="en-US" sz="3200">
+                <a:latin typeface="Noto Serif CJK JP" panose="02020400000000000000" charset="-122"/>
+                <a:ea typeface="Noto Serif CJK JP" panose="02020400000000000000" charset="-122"/>
+              </a:rPr>
+              <a:t>Jump Statements</a:t>
+            </a:r>
+            <a:endParaRPr lang="en-US" altLang="en-US" sz="3200">
               <a:latin typeface="Noto Serif CJK JP" panose="02020400000000000000" charset="-122"/>
               <a:ea typeface="Noto Serif CJK JP" panose="02020400000000000000" charset="-122"/>
             </a:endParaRPr>
@@ -12293,375 +12024,170 @@
         </p:nvSpPr>
         <p:spPr>
           <a:xfrm>
-            <a:off x="316230" y="1633855"/>
-            <a:ext cx="5294630" cy="4114800"/>
+            <a:off x="-8255" y="987425"/>
+            <a:ext cx="8764270" cy="5636895"/>
           </a:xfrm>
-          <a:ln>
-            <a:solidFill>
-              <a:schemeClr val="accent1"/>
-            </a:solidFill>
-          </a:ln>
         </p:spPr>
         <p:txBody>
           <a:bodyPr/>
           <a:p>
-            <a:pPr>
-              <a:lnSpc>
-                <a:spcPct val="120000"/>
+            <a:pPr algn="just">
+              <a:lnSpc>
+                <a:spcPct val="100000"/>
               </a:lnSpc>
             </a:pPr>
             <a:r>
               <a:rPr lang="en-US" altLang="en-US" sz="1800">
                 <a:latin typeface="Noto Serif CJK JP" panose="02020400000000000000" charset="-122"/>
                 <a:ea typeface="Noto Serif CJK JP" panose="02020400000000000000" charset="-122"/>
-                <a:cs typeface="+mj-ea"/>
-                <a:sym typeface="+mn-ea"/>
-              </a:rPr>
-              <a:t>Way of Thinking</a:t>
+              </a:rPr>
+              <a:t>jump statement performs an immediate local transfer of control.</a:t>
             </a:r>
             <a:endParaRPr lang="en-US" altLang="en-US" sz="1800">
               <a:latin typeface="Noto Serif CJK JP" panose="02020400000000000000" charset="-122"/>
               <a:ea typeface="Noto Serif CJK JP" panose="02020400000000000000" charset="-122"/>
-              <a:cs typeface="+mj-ea"/>
-            </a:endParaRPr>
-          </a:p>
-          <a:p>
-            <a:pPr>
-              <a:lnSpc>
-                <a:spcPct val="120000"/>
-              </a:lnSpc>
-            </a:pPr>
+            </a:endParaRPr>
+          </a:p>
+          <a:p>
+            <a:pPr algn="just">
+              <a:lnSpc>
+                <a:spcPct val="100000"/>
+              </a:lnSpc>
+            </a:pPr>
+            <a:endParaRPr lang="en-US" altLang="en-US" sz="1800">
+              <a:latin typeface="Noto Serif CJK JP" panose="02020400000000000000" charset="-122"/>
+              <a:ea typeface="Noto Serif CJK JP" panose="02020400000000000000" charset="-122"/>
+            </a:endParaRPr>
+          </a:p>
+          <a:p>
+            <a:pPr algn="just">
+              <a:lnSpc>
+                <a:spcPct val="100000"/>
+              </a:lnSpc>
+            </a:pPr>
+            <a:r>
+              <a:rPr lang="en-US" altLang="en-US" sz="1800" b="1">
+                <a:latin typeface="Noto Serif CJK JP" panose="02020400000000000000" charset="-122"/>
+                <a:ea typeface="Noto Serif CJK JP" panose="02020400000000000000" charset="-122"/>
+              </a:rPr>
+              <a:t>Break Statement</a:t>
+            </a:r>
             <a:r>
               <a:rPr lang="en-US" altLang="en-US" sz="1800">
                 <a:latin typeface="Noto Serif CJK JP" panose="02020400000000000000" charset="-122"/>
                 <a:ea typeface="Noto Serif CJK JP" panose="02020400000000000000" charset="-122"/>
-                <a:cs typeface="+mj-ea"/>
-                <a:sym typeface="+mn-ea"/>
-              </a:rPr>
-              <a:t>Programming - giving instructions</a:t>
+              </a:rPr>
+              <a:t>  ends execution of the nearest enclosing loop or conditional statement in which it appears. Control passes to the statement that follows the end of the statement, if any.</a:t>
             </a:r>
             <a:endParaRPr lang="en-US" altLang="en-US" sz="1800">
               <a:latin typeface="Noto Serif CJK JP" panose="02020400000000000000" charset="-122"/>
               <a:ea typeface="Noto Serif CJK JP" panose="02020400000000000000" charset="-122"/>
-              <a:cs typeface="+mj-ea"/>
-            </a:endParaRPr>
-          </a:p>
-          <a:p>
-            <a:pPr>
-              <a:lnSpc>
-                <a:spcPct val="120000"/>
-              </a:lnSpc>
-            </a:pPr>
+            </a:endParaRPr>
+          </a:p>
+          <a:p>
+            <a:pPr algn="just">
+              <a:lnSpc>
+                <a:spcPct val="100000"/>
+              </a:lnSpc>
+            </a:pPr>
+            <a:endParaRPr lang="en-US" altLang="en-US" sz="1800">
+              <a:latin typeface="Noto Serif CJK JP" panose="02020400000000000000" charset="-122"/>
+              <a:ea typeface="Noto Serif CJK JP" panose="02020400000000000000" charset="-122"/>
+            </a:endParaRPr>
+          </a:p>
+          <a:p>
+            <a:pPr algn="just">
+              <a:lnSpc>
+                <a:spcPct val="100000"/>
+              </a:lnSpc>
+            </a:pPr>
+            <a:r>
+              <a:rPr lang="en-US" altLang="en-US" sz="1800" b="1">
+                <a:latin typeface="Noto Serif CJK JP" panose="02020400000000000000" charset="-122"/>
+                <a:ea typeface="Noto Serif CJK JP" panose="02020400000000000000" charset="-122"/>
+              </a:rPr>
+              <a:t>continue Statement</a:t>
+            </a:r>
             <a:r>
               <a:rPr lang="en-US" altLang="en-US" sz="1800">
                 <a:latin typeface="Noto Serif CJK JP" panose="02020400000000000000" charset="-122"/>
                 <a:ea typeface="Noto Serif CJK JP" panose="02020400000000000000" charset="-122"/>
-                <a:cs typeface="+mj-ea"/>
-                <a:sym typeface="+mn-ea"/>
-              </a:rPr>
-              <a:t>Machine Language -&gt; Assembly Language -&gt; Procedural Programming Language</a:t>
+              </a:rPr>
+              <a:t> : Forces transfer of control to the controlling expression of the smallest enclosing do, for, or while loop Any remaining statements in the current iteration are not executed</a:t>
             </a:r>
             <a:endParaRPr lang="en-US" altLang="en-US" sz="1800">
               <a:latin typeface="Noto Serif CJK JP" panose="02020400000000000000" charset="-122"/>
               <a:ea typeface="Noto Serif CJK JP" panose="02020400000000000000" charset="-122"/>
-              <a:cs typeface="+mj-ea"/>
-            </a:endParaRPr>
-          </a:p>
-          <a:p>
-            <a:pPr lvl="1"/>
+            </a:endParaRPr>
+          </a:p>
+          <a:p>
+            <a:pPr algn="just">
+              <a:lnSpc>
+                <a:spcPct val="100000"/>
+              </a:lnSpc>
+            </a:pPr>
+            <a:endParaRPr lang="en-US" altLang="en-US" sz="1800">
+              <a:latin typeface="Noto Serif CJK JP" panose="02020400000000000000" charset="-122"/>
+              <a:ea typeface="Noto Serif CJK JP" panose="02020400000000000000" charset="-122"/>
+            </a:endParaRPr>
+          </a:p>
+          <a:p>
+            <a:pPr algn="just">
+              <a:lnSpc>
+                <a:spcPct val="100000"/>
+              </a:lnSpc>
+            </a:pPr>
+            <a:r>
+              <a:rPr lang="en-US" altLang="en-US" sz="1800" b="1">
+                <a:latin typeface="Noto Serif CJK JP" panose="02020400000000000000" charset="-122"/>
+                <a:ea typeface="Noto Serif CJK JP" panose="02020400000000000000" charset="-122"/>
+              </a:rPr>
+              <a:t>return Statement</a:t>
+            </a:r>
             <a:r>
               <a:rPr lang="en-US" altLang="en-US" sz="1800">
                 <a:latin typeface="Noto Serif CJK JP" panose="02020400000000000000" charset="-122"/>
                 <a:ea typeface="Noto Serif CJK JP" panose="02020400000000000000" charset="-122"/>
-                <a:cs typeface="+mj-ea"/>
-                <a:sym typeface="+mn-ea"/>
-              </a:rPr>
-              <a:t>Big logic Divided into functions</a:t>
+              </a:rPr>
+              <a:t> Terminates the execution of a function and returns control to the calling function (or to the operating system if you transfer control from the main function). Execution resumes in the calling function at the point immediately following the call.</a:t>
             </a:r>
             <a:endParaRPr lang="en-US" altLang="en-US" sz="1800">
               <a:latin typeface="Noto Serif CJK JP" panose="02020400000000000000" charset="-122"/>
               <a:ea typeface="Noto Serif CJK JP" panose="02020400000000000000" charset="-122"/>
-              <a:cs typeface="+mj-ea"/>
-            </a:endParaRPr>
-          </a:p>
-          <a:p>
-            <a:pPr lvl="1"/>
-            <a:r>
-              <a:rPr lang="en-US" altLang="en-US" sz="1800">
-                <a:latin typeface="Noto Serif CJK JP" panose="02020400000000000000" charset="-122"/>
-                <a:ea typeface="Noto Serif CJK JP" panose="02020400000000000000" charset="-122"/>
-                <a:cs typeface="+mj-ea"/>
-                <a:sym typeface="+mn-ea"/>
-              </a:rPr>
-              <a:t>Not emphasis on Data</a:t>
-            </a:r>
+            </a:endParaRPr>
+          </a:p>
+          <a:p>
+            <a:pPr algn="just">
+              <a:lnSpc>
+                <a:spcPct val="100000"/>
+              </a:lnSpc>
+            </a:pPr>
             <a:endParaRPr lang="en-US" altLang="en-US" sz="1800">
               <a:latin typeface="Noto Serif CJK JP" panose="02020400000000000000" charset="-122"/>
               <a:ea typeface="Noto Serif CJK JP" panose="02020400000000000000" charset="-122"/>
-              <a:cs typeface="+mj-ea"/>
-            </a:endParaRPr>
-          </a:p>
-          <a:p>
-            <a:pPr lvl="1"/>
-            <a:r>
-              <a:rPr lang="en-US" altLang="en-US" sz="1800">
-                <a:latin typeface="Noto Serif CJK JP" panose="02020400000000000000" charset="-122"/>
-                <a:ea typeface="Noto Serif CJK JP" panose="02020400000000000000" charset="-122"/>
-                <a:cs typeface="+mj-ea"/>
-                <a:sym typeface="+mn-ea"/>
-              </a:rPr>
-              <a:t>Need to make data global or via passing</a:t>
-            </a:r>
+            </a:endParaRPr>
+          </a:p>
+          <a:p>
+            <a:pPr algn="just">
+              <a:lnSpc>
+                <a:spcPct val="100000"/>
+              </a:lnSpc>
+            </a:pPr>
             <a:endParaRPr lang="en-US" altLang="en-US" sz="1800">
               <a:latin typeface="Noto Serif CJK JP" panose="02020400000000000000" charset="-122"/>
               <a:ea typeface="Noto Serif CJK JP" panose="02020400000000000000" charset="-122"/>
-              <a:cs typeface="+mj-ea"/>
-            </a:endParaRPr>
-          </a:p>
-          <a:p>
-            <a:pPr lvl="1"/>
-            <a:r>
-              <a:rPr lang="en-US" altLang="en-US" sz="1800">
-                <a:latin typeface="Noto Serif CJK JP" panose="02020400000000000000" charset="-122"/>
-                <a:ea typeface="Noto Serif CJK JP" panose="02020400000000000000" charset="-122"/>
-                <a:cs typeface="+mj-ea"/>
-                <a:sym typeface="+mn-ea"/>
-              </a:rPr>
-              <a:t>gap b\w client and developer</a:t>
-            </a:r>
+            </a:endParaRPr>
+          </a:p>
+          <a:p>
+            <a:pPr algn="just">
+              <a:lnSpc>
+                <a:spcPct val="100000"/>
+              </a:lnSpc>
+            </a:pPr>
             <a:endParaRPr lang="en-US" altLang="en-US" sz="1800">
               <a:latin typeface="Noto Serif CJK JP" panose="02020400000000000000" charset="-122"/>
               <a:ea typeface="Noto Serif CJK JP" panose="02020400000000000000" charset="-122"/>
-              <a:cs typeface="+mj-ea"/>
-            </a:endParaRPr>
-          </a:p>
-          <a:p>
-            <a:pPr lvl="0"/>
-            <a:r>
-              <a:rPr lang="en-US" altLang="en-US" sz="1800">
-                <a:latin typeface="Noto Serif CJK JP" panose="02020400000000000000" charset="-122"/>
-                <a:ea typeface="Noto Serif CJK JP" panose="02020400000000000000" charset="-122"/>
-                <a:cs typeface="+mj-ea"/>
-                <a:sym typeface="+mn-ea"/>
-              </a:rPr>
-              <a:t>In real world   talk about objects .</a:t>
-            </a:r>
-            <a:endParaRPr lang="en-US" altLang="en-US" sz="1800">
-              <a:latin typeface="Noto Serif CJK JP" panose="02020400000000000000" charset="-122"/>
-              <a:ea typeface="Noto Serif CJK JP" panose="02020400000000000000" charset="-122"/>
-              <a:cs typeface="+mj-ea"/>
-            </a:endParaRPr>
-          </a:p>
-          <a:p>
-            <a:pPr lvl="0"/>
-            <a:r>
-              <a:rPr lang="en-US" altLang="en-US" sz="1800">
-                <a:latin typeface="Noto Serif CJK JP" panose="02020400000000000000" charset="-122"/>
-                <a:ea typeface="Noto Serif CJK JP" panose="02020400000000000000" charset="-122"/>
-                <a:cs typeface="+mj-ea"/>
-                <a:sym typeface="+mn-ea"/>
-              </a:rPr>
-              <a:t>Seek object for their functionality</a:t>
-            </a:r>
-            <a:endParaRPr lang="en-US" sz="1800">
-              <a:latin typeface="Noto Serif CJK JP" panose="02020400000000000000" charset="-122"/>
-              <a:ea typeface="Noto Serif CJK JP" panose="02020400000000000000" charset="-122"/>
-              <a:sym typeface="+mn-ea"/>
-            </a:endParaRPr>
-          </a:p>
-          <a:p>
-            <a:pPr lvl="1">
-              <a:lnSpc>
-                <a:spcPct val="120000"/>
-              </a:lnSpc>
-            </a:pPr>
-            <a:endParaRPr lang="en-US" sz="1575">
-              <a:latin typeface="Noto Serif CJK JP" panose="02020400000000000000" charset="-122"/>
-              <a:ea typeface="Noto Serif CJK JP" panose="02020400000000000000" charset="-122"/>
-            </a:endParaRPr>
-          </a:p>
-        </p:txBody>
-      </p:sp>
-      <p:sp>
-        <p:nvSpPr>
-          <p:cNvPr id="4" name="Text Box 3"/>
-          <p:cNvSpPr txBox="1"/>
-          <p:nvPr/>
-        </p:nvSpPr>
-        <p:spPr>
-          <a:xfrm>
-            <a:off x="5714365" y="1788160"/>
-            <a:ext cx="3204845" cy="2360930"/>
-          </a:xfrm>
-          <a:prstGeom prst="rect">
-            <a:avLst/>
-          </a:prstGeom>
-          <a:noFill/>
-          <a:ln>
-            <a:solidFill>
-              <a:schemeClr val="accent1"/>
-            </a:solidFill>
-          </a:ln>
-        </p:spPr>
-        <p:txBody>
-          <a:bodyPr wrap="square" rtlCol="0">
-            <a:spAutoFit/>
-          </a:bodyPr>
-          <a:p>
-            <a:pPr marL="800100" lvl="1" indent="-342900">
-              <a:lnSpc>
-                <a:spcPct val="120000"/>
-              </a:lnSpc>
-              <a:buAutoNum type="arabicPeriod"/>
-            </a:pPr>
-            <a:r>
-              <a:rPr lang="en-US">
-                <a:solidFill>
-                  <a:srgbClr val="FF0000"/>
-                </a:solidFill>
-                <a:latin typeface="Noto Serif CJK JP" panose="02020400000000000000" charset="-122"/>
-                <a:ea typeface="Noto Serif CJK JP" panose="02020400000000000000" charset="-122"/>
-                <a:sym typeface="+mn-ea"/>
-              </a:rPr>
-              <a:t>Object</a:t>
-            </a:r>
-            <a:endParaRPr lang="en-US">
-              <a:solidFill>
-                <a:srgbClr val="FF0000"/>
-              </a:solidFill>
-              <a:latin typeface="Noto Serif CJK JP" panose="02020400000000000000" charset="-122"/>
-              <a:ea typeface="Noto Serif CJK JP" panose="02020400000000000000" charset="-122"/>
-            </a:endParaRPr>
-          </a:p>
-          <a:p>
-            <a:pPr marL="800100" lvl="1" indent="-342900">
-              <a:lnSpc>
-                <a:spcPct val="120000"/>
-              </a:lnSpc>
-              <a:buAutoNum type="arabicPeriod"/>
-            </a:pPr>
-            <a:r>
-              <a:rPr lang="en-US">
-                <a:solidFill>
-                  <a:srgbClr val="FF0000"/>
-                </a:solidFill>
-                <a:latin typeface="Noto Serif CJK JP" panose="02020400000000000000" charset="-122"/>
-                <a:ea typeface="Noto Serif CJK JP" panose="02020400000000000000" charset="-122"/>
-                <a:sym typeface="+mn-ea"/>
-              </a:rPr>
-              <a:t>Class</a:t>
-            </a:r>
-            <a:endParaRPr lang="en-US">
-              <a:solidFill>
-                <a:srgbClr val="FF0000"/>
-              </a:solidFill>
-              <a:latin typeface="Noto Serif CJK JP" panose="02020400000000000000" charset="-122"/>
-              <a:ea typeface="Noto Serif CJK JP" panose="02020400000000000000" charset="-122"/>
-            </a:endParaRPr>
-          </a:p>
-          <a:p>
-            <a:pPr marL="800100" lvl="1" indent="-342900">
-              <a:lnSpc>
-                <a:spcPct val="120000"/>
-              </a:lnSpc>
-              <a:buAutoNum type="arabicPeriod"/>
-            </a:pPr>
-            <a:r>
-              <a:rPr lang="en-US">
-                <a:solidFill>
-                  <a:srgbClr val="FF0000"/>
-                </a:solidFill>
-                <a:latin typeface="Noto Serif CJK JP" panose="02020400000000000000" charset="-122"/>
-                <a:ea typeface="Noto Serif CJK JP" panose="02020400000000000000" charset="-122"/>
-                <a:sym typeface="+mn-ea"/>
-              </a:rPr>
-              <a:t>Data Encapsulation</a:t>
-            </a:r>
-            <a:endParaRPr lang="en-US">
-              <a:solidFill>
-                <a:srgbClr val="FF0000"/>
-              </a:solidFill>
-              <a:latin typeface="Noto Serif CJK JP" panose="02020400000000000000" charset="-122"/>
-              <a:ea typeface="Noto Serif CJK JP" panose="02020400000000000000" charset="-122"/>
-            </a:endParaRPr>
-          </a:p>
-          <a:p>
-            <a:pPr marL="800100" lvl="1" indent="-342900">
-              <a:lnSpc>
-                <a:spcPct val="120000"/>
-              </a:lnSpc>
-              <a:buAutoNum type="arabicPeriod"/>
-            </a:pPr>
-            <a:r>
-              <a:rPr lang="en-US">
-                <a:solidFill>
-                  <a:srgbClr val="FF0000"/>
-                </a:solidFill>
-                <a:latin typeface="Noto Serif CJK JP" panose="02020400000000000000" charset="-122"/>
-                <a:ea typeface="Noto Serif CJK JP" panose="02020400000000000000" charset="-122"/>
-                <a:sym typeface="+mn-ea"/>
-              </a:rPr>
-              <a:t>Data Abstractions</a:t>
-            </a:r>
-            <a:endParaRPr lang="en-US">
-              <a:solidFill>
-                <a:srgbClr val="FF0000"/>
-              </a:solidFill>
-              <a:latin typeface="Noto Serif CJK JP" panose="02020400000000000000" charset="-122"/>
-              <a:ea typeface="Noto Serif CJK JP" panose="02020400000000000000" charset="-122"/>
-            </a:endParaRPr>
-          </a:p>
-          <a:p>
-            <a:pPr marL="800100" lvl="1" indent="-342900">
-              <a:lnSpc>
-                <a:spcPct val="120000"/>
-              </a:lnSpc>
-              <a:buAutoNum type="arabicPeriod"/>
-            </a:pPr>
-            <a:r>
-              <a:rPr lang="en-US">
-                <a:solidFill>
-                  <a:srgbClr val="FF0000"/>
-                </a:solidFill>
-                <a:latin typeface="Noto Serif CJK JP" panose="02020400000000000000" charset="-122"/>
-                <a:ea typeface="Noto Serif CJK JP" panose="02020400000000000000" charset="-122"/>
-                <a:sym typeface="+mn-ea"/>
-              </a:rPr>
-              <a:t>Inheritance</a:t>
-            </a:r>
-            <a:endParaRPr lang="en-US">
-              <a:solidFill>
-                <a:srgbClr val="FF0000"/>
-              </a:solidFill>
-              <a:latin typeface="Noto Serif CJK JP" panose="02020400000000000000" charset="-122"/>
-              <a:ea typeface="Noto Serif CJK JP" panose="02020400000000000000" charset="-122"/>
-            </a:endParaRPr>
-          </a:p>
-          <a:p>
-            <a:pPr marL="800100" lvl="1" indent="-342900">
-              <a:lnSpc>
-                <a:spcPct val="120000"/>
-              </a:lnSpc>
-              <a:buAutoNum type="arabicPeriod"/>
-            </a:pPr>
-            <a:r>
-              <a:rPr lang="en-US">
-                <a:solidFill>
-                  <a:srgbClr val="FF0000"/>
-                </a:solidFill>
-                <a:latin typeface="Noto Serif CJK JP" panose="02020400000000000000" charset="-122"/>
-                <a:ea typeface="Noto Serif CJK JP" panose="02020400000000000000" charset="-122"/>
-                <a:sym typeface="+mn-ea"/>
-              </a:rPr>
-              <a:t>Polymorphism</a:t>
-            </a:r>
-            <a:endParaRPr lang="en-US">
-              <a:latin typeface="Noto Serif CJK JP" panose="02020400000000000000" charset="-122"/>
-              <a:ea typeface="Noto Serif CJK JP" panose="02020400000000000000" charset="-122"/>
-            </a:endParaRPr>
-          </a:p>
-          <a:p>
-            <a:endParaRPr lang="en-US"/>
+            </a:endParaRPr>
           </a:p>
         </p:txBody>
       </p:sp>
@@ -12698,13 +12224,13 @@
           <a:bodyPr/>
           <a:p>
             <a:r>
-              <a:rPr lang="en-US" sz="3200">
-                <a:latin typeface="Noto Serif CJK JP" panose="02020400000000000000" charset="-122"/>
-                <a:ea typeface="Noto Serif CJK JP" panose="02020400000000000000" charset="-122"/>
-              </a:rPr>
-              <a:t>Object</a:t>
-            </a:r>
-            <a:endParaRPr lang="en-US" sz="3200">
+              <a:rPr lang="en-US" altLang="en-US">
+                <a:latin typeface="Noto Serif CJK JP" panose="02020400000000000000" charset="-122"/>
+                <a:ea typeface="Noto Serif CJK JP" panose="02020400000000000000" charset="-122"/>
+              </a:rPr>
+              <a:t>Concepts</a:t>
+            </a:r>
+            <a:endParaRPr lang="en-US" altLang="en-US">
               <a:latin typeface="Noto Serif CJK JP" panose="02020400000000000000" charset="-122"/>
               <a:ea typeface="Noto Serif CJK JP" panose="02020400000000000000" charset="-122"/>
             </a:endParaRPr>
@@ -12721,11 +12247,21 @@
             <p:ph idx="1"/>
           </p:nvPr>
         </p:nvSpPr>
-        <p:spPr/>
+        <p:spPr>
+          <a:xfrm>
+            <a:off x="316230" y="1633855"/>
+            <a:ext cx="5294630" cy="4114800"/>
+          </a:xfrm>
+          <a:ln>
+            <a:solidFill>
+              <a:schemeClr val="accent1"/>
+            </a:solidFill>
+          </a:ln>
+        </p:spPr>
         <p:txBody>
           <a:bodyPr/>
           <a:p>
-            <a:pPr algn="just">
+            <a:pPr>
               <a:lnSpc>
                 <a:spcPct val="120000"/>
               </a:lnSpc>
@@ -12734,195 +12270,354 @@
               <a:rPr lang="en-US" altLang="en-US" sz="1800">
                 <a:latin typeface="Noto Serif CJK JP" panose="02020400000000000000" charset="-122"/>
                 <a:ea typeface="Noto Serif CJK JP" panose="02020400000000000000" charset="-122"/>
-              </a:rPr>
-              <a:t>Represents </a:t>
-            </a:r>
-            <a:r>
-              <a:rPr lang="en-US" sz="1800">
-                <a:latin typeface="Noto Serif CJK JP" panose="02020400000000000000" charset="-122"/>
-                <a:ea typeface="Noto Serif CJK JP" panose="02020400000000000000" charset="-122"/>
-              </a:rPr>
-              <a:t>entity </a:t>
+                <a:cs typeface="+mj-ea"/>
+                <a:sym typeface="+mn-ea"/>
+              </a:rPr>
+              <a:t>Way of Thinking</a:t>
+            </a:r>
+            <a:endParaRPr lang="en-US" altLang="en-US" sz="1800">
+              <a:latin typeface="Noto Serif CJK JP" panose="02020400000000000000" charset="-122"/>
+              <a:ea typeface="Noto Serif CJK JP" panose="02020400000000000000" charset="-122"/>
+              <a:cs typeface="+mj-ea"/>
+            </a:endParaRPr>
+          </a:p>
+          <a:p>
+            <a:pPr>
+              <a:lnSpc>
+                <a:spcPct val="120000"/>
+              </a:lnSpc>
+            </a:pPr>
+            <a:r>
+              <a:rPr lang="en-US" altLang="en-US" sz="1800">
+                <a:latin typeface="Noto Serif CJK JP" panose="02020400000000000000" charset="-122"/>
+                <a:ea typeface="Noto Serif CJK JP" panose="02020400000000000000" charset="-122"/>
+                <a:cs typeface="+mj-ea"/>
+                <a:sym typeface="+mn-ea"/>
+              </a:rPr>
+              <a:t>Programming - giving instructions</a:t>
+            </a:r>
+            <a:endParaRPr lang="en-US" altLang="en-US" sz="1800">
+              <a:latin typeface="Noto Serif CJK JP" panose="02020400000000000000" charset="-122"/>
+              <a:ea typeface="Noto Serif CJK JP" panose="02020400000000000000" charset="-122"/>
+              <a:cs typeface="+mj-ea"/>
+            </a:endParaRPr>
+          </a:p>
+          <a:p>
+            <a:pPr>
+              <a:lnSpc>
+                <a:spcPct val="120000"/>
+              </a:lnSpc>
+            </a:pPr>
+            <a:r>
+              <a:rPr lang="en-US" altLang="en-US" sz="1800">
+                <a:latin typeface="Noto Serif CJK JP" panose="02020400000000000000" charset="-122"/>
+                <a:ea typeface="Noto Serif CJK JP" panose="02020400000000000000" charset="-122"/>
+                <a:cs typeface="+mj-ea"/>
+                <a:sym typeface="+mn-ea"/>
+              </a:rPr>
+              <a:t>Machine Language -&gt; Assembly Language -&gt; Procedural Programming Language</a:t>
+            </a:r>
+            <a:endParaRPr lang="en-US" altLang="en-US" sz="1800">
+              <a:latin typeface="Noto Serif CJK JP" panose="02020400000000000000" charset="-122"/>
+              <a:ea typeface="Noto Serif CJK JP" panose="02020400000000000000" charset="-122"/>
+              <a:cs typeface="+mj-ea"/>
+            </a:endParaRPr>
+          </a:p>
+          <a:p>
+            <a:pPr lvl="1"/>
+            <a:r>
+              <a:rPr lang="en-US" altLang="en-US" sz="1800">
+                <a:latin typeface="Noto Serif CJK JP" panose="02020400000000000000" charset="-122"/>
+                <a:ea typeface="Noto Serif CJK JP" panose="02020400000000000000" charset="-122"/>
+                <a:cs typeface="+mj-ea"/>
+                <a:sym typeface="+mn-ea"/>
+              </a:rPr>
+              <a:t>Big logic Divided into functions</a:t>
+            </a:r>
+            <a:endParaRPr lang="en-US" altLang="en-US" sz="1800">
+              <a:latin typeface="Noto Serif CJK JP" panose="02020400000000000000" charset="-122"/>
+              <a:ea typeface="Noto Serif CJK JP" panose="02020400000000000000" charset="-122"/>
+              <a:cs typeface="+mj-ea"/>
+            </a:endParaRPr>
+          </a:p>
+          <a:p>
+            <a:pPr lvl="1"/>
+            <a:r>
+              <a:rPr lang="en-US" altLang="en-US" sz="1800">
+                <a:latin typeface="Noto Serif CJK JP" panose="02020400000000000000" charset="-122"/>
+                <a:ea typeface="Noto Serif CJK JP" panose="02020400000000000000" charset="-122"/>
+                <a:cs typeface="+mj-ea"/>
+                <a:sym typeface="+mn-ea"/>
+              </a:rPr>
+              <a:t>Not emphasis on Data</a:t>
+            </a:r>
+            <a:endParaRPr lang="en-US" altLang="en-US" sz="1800">
+              <a:latin typeface="Noto Serif CJK JP" panose="02020400000000000000" charset="-122"/>
+              <a:ea typeface="Noto Serif CJK JP" panose="02020400000000000000" charset="-122"/>
+              <a:cs typeface="+mj-ea"/>
+            </a:endParaRPr>
+          </a:p>
+          <a:p>
+            <a:pPr lvl="1"/>
+            <a:r>
+              <a:rPr lang="en-US" altLang="en-US" sz="1800">
+                <a:latin typeface="Noto Serif CJK JP" panose="02020400000000000000" charset="-122"/>
+                <a:ea typeface="Noto Serif CJK JP" panose="02020400000000000000" charset="-122"/>
+                <a:cs typeface="+mj-ea"/>
+                <a:sym typeface="+mn-ea"/>
+              </a:rPr>
+              <a:t>Need to make data global or via passing</a:t>
+            </a:r>
+            <a:endParaRPr lang="en-US" altLang="en-US" sz="1800">
+              <a:latin typeface="Noto Serif CJK JP" panose="02020400000000000000" charset="-122"/>
+              <a:ea typeface="Noto Serif CJK JP" panose="02020400000000000000" charset="-122"/>
+              <a:cs typeface="+mj-ea"/>
+            </a:endParaRPr>
+          </a:p>
+          <a:p>
+            <a:pPr lvl="1"/>
+            <a:r>
+              <a:rPr lang="en-US" altLang="en-US" sz="1800">
+                <a:latin typeface="Noto Serif CJK JP" panose="02020400000000000000" charset="-122"/>
+                <a:ea typeface="Noto Serif CJK JP" panose="02020400000000000000" charset="-122"/>
+                <a:cs typeface="+mj-ea"/>
+                <a:sym typeface="+mn-ea"/>
+              </a:rPr>
+              <a:t>gap b\w client and developer</a:t>
+            </a:r>
+            <a:endParaRPr lang="en-US" altLang="en-US" sz="1800">
+              <a:latin typeface="Noto Serif CJK JP" panose="02020400000000000000" charset="-122"/>
+              <a:ea typeface="Noto Serif CJK JP" panose="02020400000000000000" charset="-122"/>
+              <a:cs typeface="+mj-ea"/>
+            </a:endParaRPr>
+          </a:p>
+          <a:p>
+            <a:pPr lvl="0"/>
+            <a:r>
+              <a:rPr lang="en-US" altLang="en-US" sz="1800">
+                <a:latin typeface="Noto Serif CJK JP" panose="02020400000000000000" charset="-122"/>
+                <a:ea typeface="Noto Serif CJK JP" panose="02020400000000000000" charset="-122"/>
+                <a:cs typeface="+mj-ea"/>
+                <a:sym typeface="+mn-ea"/>
+              </a:rPr>
+              <a:t>In real world   talk about objects .</a:t>
+            </a:r>
+            <a:endParaRPr lang="en-US" altLang="en-US" sz="1800">
+              <a:latin typeface="Noto Serif CJK JP" panose="02020400000000000000" charset="-122"/>
+              <a:ea typeface="Noto Serif CJK JP" panose="02020400000000000000" charset="-122"/>
+              <a:cs typeface="+mj-ea"/>
+            </a:endParaRPr>
+          </a:p>
+          <a:p>
+            <a:pPr lvl="0"/>
+            <a:r>
+              <a:rPr lang="en-US" altLang="en-US" sz="1800">
+                <a:latin typeface="Noto Serif CJK JP" panose="02020400000000000000" charset="-122"/>
+                <a:ea typeface="Noto Serif CJK JP" panose="02020400000000000000" charset="-122"/>
+                <a:cs typeface="+mj-ea"/>
+                <a:sym typeface="+mn-ea"/>
+              </a:rPr>
+              <a:t>Seek object for their functionality</a:t>
             </a:r>
             <a:endParaRPr lang="en-US" sz="1800">
               <a:latin typeface="Noto Serif CJK JP" panose="02020400000000000000" charset="-122"/>
               <a:ea typeface="Noto Serif CJK JP" panose="02020400000000000000" charset="-122"/>
-            </a:endParaRPr>
-          </a:p>
-          <a:p>
-            <a:pPr algn="just">
+              <a:sym typeface="+mn-ea"/>
+            </a:endParaRPr>
+          </a:p>
+          <a:p>
+            <a:pPr lvl="1">
               <a:lnSpc>
                 <a:spcPct val="120000"/>
               </a:lnSpc>
             </a:pPr>
-            <a:r>
-              <a:rPr lang="en-US" altLang="en-US" sz="1800">
-                <a:latin typeface="Noto Serif CJK JP" panose="02020400000000000000" charset="-122"/>
-                <a:ea typeface="Noto Serif CJK JP" panose="02020400000000000000" charset="-122"/>
-              </a:rPr>
-              <a:t>A</a:t>
-            </a:r>
-            <a:r>
-              <a:rPr lang="en-US" sz="1800">
-                <a:latin typeface="Noto Serif CJK JP" panose="02020400000000000000" charset="-122"/>
-                <a:ea typeface="Noto Serif CJK JP" panose="02020400000000000000" charset="-122"/>
-              </a:rPr>
-              <a:t>ttributes</a:t>
-            </a:r>
-            <a:endParaRPr lang="en-US" sz="1800">
-              <a:latin typeface="Noto Serif CJK JP" panose="02020400000000000000" charset="-122"/>
-              <a:ea typeface="Noto Serif CJK JP" panose="02020400000000000000" charset="-122"/>
-            </a:endParaRPr>
-          </a:p>
-          <a:p>
-            <a:pPr lvl="1" algn="just">
+            <a:endParaRPr lang="en-US" sz="1575">
+              <a:latin typeface="Noto Serif CJK JP" panose="02020400000000000000" charset="-122"/>
+              <a:ea typeface="Noto Serif CJK JP" panose="02020400000000000000" charset="-122"/>
+            </a:endParaRPr>
+          </a:p>
+        </p:txBody>
+      </p:sp>
+      <p:sp>
+        <p:nvSpPr>
+          <p:cNvPr id="4" name="Text Box 3"/>
+          <p:cNvSpPr txBox="1"/>
+          <p:nvPr/>
+        </p:nvSpPr>
+        <p:spPr>
+          <a:xfrm>
+            <a:off x="5714365" y="1788160"/>
+            <a:ext cx="3204845" cy="2360930"/>
+          </a:xfrm>
+          <a:prstGeom prst="rect">
+            <a:avLst/>
+          </a:prstGeom>
+          <a:noFill/>
+          <a:ln>
+            <a:solidFill>
+              <a:schemeClr val="accent1"/>
+            </a:solidFill>
+          </a:ln>
+        </p:spPr>
+        <p:txBody>
+          <a:bodyPr wrap="square" rtlCol="0">
+            <a:spAutoFit/>
+          </a:bodyPr>
+          <a:p>
+            <a:pPr marL="800100" lvl="1" indent="-342900">
               <a:lnSpc>
                 <a:spcPct val="120000"/>
               </a:lnSpc>
-            </a:pPr>
-            <a:r>
-              <a:rPr lang="en-US" sz="1800">
-                <a:latin typeface="Noto Serif CJK JP" panose="02020400000000000000" charset="-122"/>
-                <a:ea typeface="Noto Serif CJK JP" panose="02020400000000000000" charset="-122"/>
-              </a:rPr>
-              <a:t>characteristics</a:t>
-            </a:r>
-            <a:endParaRPr lang="en-US" sz="1800">
-              <a:latin typeface="Noto Serif CJK JP" panose="02020400000000000000" charset="-122"/>
-              <a:ea typeface="Noto Serif CJK JP" panose="02020400000000000000" charset="-122"/>
-            </a:endParaRPr>
-          </a:p>
-          <a:p>
-            <a:pPr lvl="1" algn="just">
+              <a:buAutoNum type="arabicPeriod"/>
+            </a:pPr>
+            <a:r>
+              <a:rPr lang="en-US">
+                <a:solidFill>
+                  <a:srgbClr val="FF0000"/>
+                </a:solidFill>
+                <a:latin typeface="Noto Serif CJK JP" panose="02020400000000000000" charset="-122"/>
+                <a:ea typeface="Noto Serif CJK JP" panose="02020400000000000000" charset="-122"/>
+                <a:sym typeface="+mn-ea"/>
+              </a:rPr>
+              <a:t>Object</a:t>
+            </a:r>
+            <a:endParaRPr lang="en-US">
+              <a:solidFill>
+                <a:srgbClr val="FF0000"/>
+              </a:solidFill>
+              <a:latin typeface="Noto Serif CJK JP" panose="02020400000000000000" charset="-122"/>
+              <a:ea typeface="Noto Serif CJK JP" panose="02020400000000000000" charset="-122"/>
+            </a:endParaRPr>
+          </a:p>
+          <a:p>
+            <a:pPr marL="800100" lvl="1" indent="-342900">
               <a:lnSpc>
                 <a:spcPct val="120000"/>
               </a:lnSpc>
-            </a:pPr>
-            <a:r>
-              <a:rPr lang="en-US" altLang="en-US" sz="1800">
-                <a:latin typeface="Noto Serif CJK JP" panose="02020400000000000000" charset="-122"/>
-                <a:ea typeface="Noto Serif CJK JP" panose="02020400000000000000" charset="-122"/>
-              </a:rPr>
-              <a:t>implemented via v</a:t>
-            </a:r>
-            <a:r>
-              <a:rPr lang="en-US" sz="1800">
-                <a:latin typeface="Noto Serif CJK JP" panose="02020400000000000000" charset="-122"/>
-                <a:ea typeface="Noto Serif CJK JP" panose="02020400000000000000" charset="-122"/>
-              </a:rPr>
-              <a:t>ariable data members</a:t>
-            </a:r>
-            <a:endParaRPr lang="en-US" sz="1800">
-              <a:latin typeface="Noto Serif CJK JP" panose="02020400000000000000" charset="-122"/>
-              <a:ea typeface="Noto Serif CJK JP" panose="02020400000000000000" charset="-122"/>
-            </a:endParaRPr>
-          </a:p>
-          <a:p>
-            <a:pPr algn="just">
+              <a:buAutoNum type="arabicPeriod"/>
+            </a:pPr>
+            <a:r>
+              <a:rPr lang="en-US">
+                <a:solidFill>
+                  <a:srgbClr val="FF0000"/>
+                </a:solidFill>
+                <a:latin typeface="Noto Serif CJK JP" panose="02020400000000000000" charset="-122"/>
+                <a:ea typeface="Noto Serif CJK JP" panose="02020400000000000000" charset="-122"/>
+                <a:sym typeface="+mn-ea"/>
+              </a:rPr>
+              <a:t>Class</a:t>
+            </a:r>
+            <a:endParaRPr lang="en-US">
+              <a:solidFill>
+                <a:srgbClr val="FF0000"/>
+              </a:solidFill>
+              <a:latin typeface="Noto Serif CJK JP" panose="02020400000000000000" charset="-122"/>
+              <a:ea typeface="Noto Serif CJK JP" panose="02020400000000000000" charset="-122"/>
+            </a:endParaRPr>
+          </a:p>
+          <a:p>
+            <a:pPr marL="800100" lvl="1" indent="-342900">
               <a:lnSpc>
                 <a:spcPct val="120000"/>
               </a:lnSpc>
-            </a:pPr>
-            <a:r>
-              <a:rPr lang="en-US" altLang="en-US" sz="1800">
-                <a:latin typeface="Noto Serif CJK JP" panose="02020400000000000000" charset="-122"/>
-                <a:ea typeface="Noto Serif CJK JP" panose="02020400000000000000" charset="-122"/>
-              </a:rPr>
-              <a:t>F</a:t>
-            </a:r>
-            <a:r>
-              <a:rPr lang="en-US" sz="1800">
-                <a:latin typeface="Noto Serif CJK JP" panose="02020400000000000000" charset="-122"/>
-                <a:ea typeface="Noto Serif CJK JP" panose="02020400000000000000" charset="-122"/>
-              </a:rPr>
-              <a:t>unctionality </a:t>
-            </a:r>
-            <a:endParaRPr lang="en-US" sz="1800">
-              <a:latin typeface="Noto Serif CJK JP" panose="02020400000000000000" charset="-122"/>
-              <a:ea typeface="Noto Serif CJK JP" panose="02020400000000000000" charset="-122"/>
-            </a:endParaRPr>
-          </a:p>
-          <a:p>
-            <a:pPr lvl="1" algn="just">
+              <a:buAutoNum type="arabicPeriod"/>
+            </a:pPr>
+            <a:r>
+              <a:rPr lang="en-US">
+                <a:solidFill>
+                  <a:srgbClr val="FF0000"/>
+                </a:solidFill>
+                <a:latin typeface="Noto Serif CJK JP" panose="02020400000000000000" charset="-122"/>
+                <a:ea typeface="Noto Serif CJK JP" panose="02020400000000000000" charset="-122"/>
+                <a:sym typeface="+mn-ea"/>
+              </a:rPr>
+              <a:t>Data Encapsulation</a:t>
+            </a:r>
+            <a:endParaRPr lang="en-US">
+              <a:solidFill>
+                <a:srgbClr val="FF0000"/>
+              </a:solidFill>
+              <a:latin typeface="Noto Serif CJK JP" panose="02020400000000000000" charset="-122"/>
+              <a:ea typeface="Noto Serif CJK JP" panose="02020400000000000000" charset="-122"/>
+            </a:endParaRPr>
+          </a:p>
+          <a:p>
+            <a:pPr marL="800100" lvl="1" indent="-342900">
               <a:lnSpc>
                 <a:spcPct val="120000"/>
               </a:lnSpc>
-            </a:pPr>
-            <a:r>
-              <a:rPr lang="en-US" altLang="en-US" sz="1800">
-                <a:latin typeface="Noto Serif CJK JP" panose="02020400000000000000" charset="-122"/>
-                <a:ea typeface="Noto Serif CJK JP" panose="02020400000000000000" charset="-122"/>
-              </a:rPr>
-              <a:t>b</a:t>
-            </a:r>
-            <a:r>
-              <a:rPr lang="en-US" sz="1800">
-                <a:latin typeface="Noto Serif CJK JP" panose="02020400000000000000" charset="-122"/>
-                <a:ea typeface="Noto Serif CJK JP" panose="02020400000000000000" charset="-122"/>
-              </a:rPr>
-              <a:t>ehaviour</a:t>
-            </a:r>
-            <a:endParaRPr lang="en-US" sz="1800">
-              <a:latin typeface="Noto Serif CJK JP" panose="02020400000000000000" charset="-122"/>
-              <a:ea typeface="Noto Serif CJK JP" panose="02020400000000000000" charset="-122"/>
-            </a:endParaRPr>
-          </a:p>
-          <a:p>
-            <a:pPr lvl="1" algn="just">
+              <a:buAutoNum type="arabicPeriod"/>
+            </a:pPr>
+            <a:r>
+              <a:rPr lang="en-US">
+                <a:solidFill>
+                  <a:srgbClr val="FF0000"/>
+                </a:solidFill>
+                <a:latin typeface="Noto Serif CJK JP" panose="02020400000000000000" charset="-122"/>
+                <a:ea typeface="Noto Serif CJK JP" panose="02020400000000000000" charset="-122"/>
+                <a:sym typeface="+mn-ea"/>
+              </a:rPr>
+              <a:t>Data Abstractions</a:t>
+            </a:r>
+            <a:endParaRPr lang="en-US">
+              <a:solidFill>
+                <a:srgbClr val="FF0000"/>
+              </a:solidFill>
+              <a:latin typeface="Noto Serif CJK JP" panose="02020400000000000000" charset="-122"/>
+              <a:ea typeface="Noto Serif CJK JP" panose="02020400000000000000" charset="-122"/>
+            </a:endParaRPr>
+          </a:p>
+          <a:p>
+            <a:pPr marL="800100" lvl="1" indent="-342900">
               <a:lnSpc>
                 <a:spcPct val="120000"/>
               </a:lnSpc>
-            </a:pPr>
-            <a:r>
-              <a:rPr lang="en-US" altLang="en-US" sz="1800">
-                <a:latin typeface="Noto Serif CJK JP" panose="02020400000000000000" charset="-122"/>
-                <a:ea typeface="Noto Serif CJK JP" panose="02020400000000000000" charset="-122"/>
-              </a:rPr>
-              <a:t>implemented via M</a:t>
-            </a:r>
-            <a:r>
-              <a:rPr lang="en-US" sz="1800">
-                <a:latin typeface="Noto Serif CJK JP" panose="02020400000000000000" charset="-122"/>
-                <a:ea typeface="Noto Serif CJK JP" panose="02020400000000000000" charset="-122"/>
-              </a:rPr>
-              <a:t>ethods</a:t>
-            </a:r>
-            <a:r>
-              <a:rPr lang="en-US" altLang="en-US" sz="1800">
-                <a:latin typeface="Noto Serif CJK JP" panose="02020400000000000000" charset="-122"/>
-                <a:ea typeface="Noto Serif CJK JP" panose="02020400000000000000" charset="-122"/>
-              </a:rPr>
-              <a:t>/member Functions</a:t>
-            </a:r>
-            <a:endParaRPr lang="en-US" sz="1800">
-              <a:latin typeface="Noto Serif CJK JP" panose="02020400000000000000" charset="-122"/>
-              <a:ea typeface="Noto Serif CJK JP" panose="02020400000000000000" charset="-122"/>
-            </a:endParaRPr>
-          </a:p>
-          <a:p>
-            <a:pPr algn="just">
+              <a:buAutoNum type="arabicPeriod"/>
+            </a:pPr>
+            <a:r>
+              <a:rPr lang="en-US">
+                <a:solidFill>
+                  <a:srgbClr val="FF0000"/>
+                </a:solidFill>
+                <a:latin typeface="Noto Serif CJK JP" panose="02020400000000000000" charset="-122"/>
+                <a:ea typeface="Noto Serif CJK JP" panose="02020400000000000000" charset="-122"/>
+                <a:sym typeface="+mn-ea"/>
+              </a:rPr>
+              <a:t>Inheritance</a:t>
+            </a:r>
+            <a:endParaRPr lang="en-US">
+              <a:solidFill>
+                <a:srgbClr val="FF0000"/>
+              </a:solidFill>
+              <a:latin typeface="Noto Serif CJK JP" panose="02020400000000000000" charset="-122"/>
+              <a:ea typeface="Noto Serif CJK JP" panose="02020400000000000000" charset="-122"/>
+            </a:endParaRPr>
+          </a:p>
+          <a:p>
+            <a:pPr marL="800100" lvl="1" indent="-342900">
               <a:lnSpc>
                 <a:spcPct val="120000"/>
               </a:lnSpc>
-            </a:pPr>
-            <a:r>
-              <a:rPr lang="en-US" altLang="en-US" sz="1800">
-                <a:latin typeface="Noto Serif CJK JP" panose="02020400000000000000" charset="-122"/>
-                <a:ea typeface="Noto Serif CJK JP" panose="02020400000000000000" charset="-122"/>
-              </a:rPr>
-              <a:t>I</a:t>
-            </a:r>
-            <a:r>
-              <a:rPr lang="en-US" sz="1800">
-                <a:latin typeface="Noto Serif CJK JP" panose="02020400000000000000" charset="-122"/>
-                <a:ea typeface="Noto Serif CJK JP" panose="02020400000000000000" charset="-122"/>
-              </a:rPr>
-              <a:t>nstance of class</a:t>
-            </a:r>
-            <a:endParaRPr lang="en-US" sz="1800">
-              <a:latin typeface="Noto Serif CJK JP" panose="02020400000000000000" charset="-122"/>
-              <a:ea typeface="Noto Serif CJK JP" panose="02020400000000000000" charset="-122"/>
-            </a:endParaRPr>
+              <a:buAutoNum type="arabicPeriod"/>
+            </a:pPr>
+            <a:r>
+              <a:rPr lang="en-US">
+                <a:solidFill>
+                  <a:srgbClr val="FF0000"/>
+                </a:solidFill>
+                <a:latin typeface="Noto Serif CJK JP" panose="02020400000000000000" charset="-122"/>
+                <a:ea typeface="Noto Serif CJK JP" panose="02020400000000000000" charset="-122"/>
+                <a:sym typeface="+mn-ea"/>
+              </a:rPr>
+              <a:t>Polymorphism</a:t>
+            </a:r>
+            <a:endParaRPr lang="en-US">
+              <a:latin typeface="Noto Serif CJK JP" panose="02020400000000000000" charset="-122"/>
+              <a:ea typeface="Noto Serif CJK JP" panose="02020400000000000000" charset="-122"/>
+            </a:endParaRPr>
+          </a:p>
+          <a:p>
+            <a:endParaRPr lang="en-US"/>
           </a:p>
         </p:txBody>
       </p:sp>
@@ -12959,13 +12654,13 @@
           <a:bodyPr/>
           <a:p>
             <a:r>
-              <a:rPr lang="en-US" altLang="en-US">
-                <a:latin typeface="Noto Serif CJK JP" panose="02020400000000000000" charset="-122"/>
-                <a:ea typeface="Noto Serif CJK JP" panose="02020400000000000000" charset="-122"/>
-              </a:rPr>
-              <a:t>Example</a:t>
-            </a:r>
-            <a:endParaRPr lang="en-US" altLang="en-US">
+              <a:rPr lang="en-US" sz="3200">
+                <a:latin typeface="Noto Serif CJK JP" panose="02020400000000000000" charset="-122"/>
+                <a:ea typeface="Noto Serif CJK JP" panose="02020400000000000000" charset="-122"/>
+              </a:rPr>
+              <a:t>Object</a:t>
+            </a:r>
+            <a:endParaRPr lang="en-US" sz="3200">
               <a:latin typeface="Noto Serif CJK JP" panose="02020400000000000000" charset="-122"/>
               <a:ea typeface="Noto Serif CJK JP" panose="02020400000000000000" charset="-122"/>
             </a:endParaRPr>
@@ -12982,183 +12677,207 @@
             <p:ph idx="1"/>
           </p:nvPr>
         </p:nvSpPr>
-        <p:spPr>
-          <a:xfrm>
-            <a:off x="371475" y="1752600"/>
-            <a:ext cx="7772400" cy="4114800"/>
-          </a:xfrm>
-        </p:spPr>
+        <p:spPr/>
         <p:txBody>
           <a:bodyPr/>
           <a:p>
-            <a:pPr marL="0" indent="0">
-              <a:buNone/>
-            </a:pPr>
-            <a:r>
-              <a:rPr lang="en-US" altLang="en-US" sz="1800" b="1">
-                <a:latin typeface="FreeMono" panose="020F0409020205020404" charset="0"/>
-                <a:ea typeface="FreeMono" panose="020F0409020205020404" charset="0"/>
-              </a:rPr>
-              <a:t>Object of Student </a:t>
-            </a:r>
+            <a:pPr algn="just">
+              <a:lnSpc>
+                <a:spcPct val="120000"/>
+              </a:lnSpc>
+            </a:pPr>
             <a:r>
               <a:rPr lang="en-US" altLang="en-US" sz="1800">
-                <a:latin typeface="FreeMono" panose="020F0409020205020404" charset="0"/>
-                <a:ea typeface="FreeMono" panose="020F0409020205020404" charset="0"/>
-              </a:rPr>
-              <a:t>:</a:t>
-            </a:r>
-            <a:endParaRPr lang="en-US" altLang="en-US" sz="1800">
-              <a:latin typeface="FreeMono" panose="020F0409020205020404" charset="0"/>
-              <a:ea typeface="FreeMono" panose="020F0409020205020404" charset="0"/>
-            </a:endParaRPr>
-          </a:p>
-          <a:p>
+                <a:latin typeface="Noto Serif CJK JP" panose="02020400000000000000" charset="-122"/>
+                <a:ea typeface="Noto Serif CJK JP" panose="02020400000000000000" charset="-122"/>
+              </a:rPr>
+              <a:t>Represents </a:t>
+            </a:r>
+            <a:r>
+              <a:rPr lang="en-US" sz="1800">
+                <a:latin typeface="Noto Serif CJK JP" panose="02020400000000000000" charset="-122"/>
+                <a:ea typeface="Noto Serif CJK JP" panose="02020400000000000000" charset="-122"/>
+              </a:rPr>
+              <a:t>entity </a:t>
+            </a:r>
+            <a:endParaRPr lang="en-US" sz="1800">
+              <a:latin typeface="Noto Serif CJK JP" panose="02020400000000000000" charset="-122"/>
+              <a:ea typeface="Noto Serif CJK JP" panose="02020400000000000000" charset="-122"/>
+            </a:endParaRPr>
+          </a:p>
+          <a:p>
+            <a:pPr algn="just">
+              <a:lnSpc>
+                <a:spcPct val="120000"/>
+              </a:lnSpc>
+            </a:pPr>
             <a:r>
               <a:rPr lang="en-US" altLang="en-US" sz="1800">
-                <a:latin typeface="FreeMono" panose="020F0409020205020404" charset="0"/>
-                <a:ea typeface="FreeMono" panose="020F0409020205020404" charset="0"/>
-              </a:rPr>
-              <a:t>Attributes </a:t>
-            </a:r>
-            <a:endParaRPr lang="en-US" altLang="en-US" sz="1800">
-              <a:latin typeface="FreeMono" panose="020F0409020205020404" charset="0"/>
-              <a:ea typeface="FreeMono" panose="020F0409020205020404" charset="0"/>
-            </a:endParaRPr>
-          </a:p>
-          <a:p>
-            <a:pPr lvl="1"/>
+                <a:latin typeface="Noto Serif CJK JP" panose="02020400000000000000" charset="-122"/>
+                <a:ea typeface="Noto Serif CJK JP" panose="02020400000000000000" charset="-122"/>
+              </a:rPr>
+              <a:t>A</a:t>
+            </a:r>
+            <a:r>
+              <a:rPr lang="en-US" sz="1800">
+                <a:latin typeface="Noto Serif CJK JP" panose="02020400000000000000" charset="-122"/>
+                <a:ea typeface="Noto Serif CJK JP" panose="02020400000000000000" charset="-122"/>
+              </a:rPr>
+              <a:t>ttributes</a:t>
+            </a:r>
+            <a:endParaRPr lang="en-US" sz="1800">
+              <a:latin typeface="Noto Serif CJK JP" panose="02020400000000000000" charset="-122"/>
+              <a:ea typeface="Noto Serif CJK JP" panose="02020400000000000000" charset="-122"/>
+            </a:endParaRPr>
+          </a:p>
+          <a:p>
+            <a:pPr lvl="1" algn="just">
+              <a:lnSpc>
+                <a:spcPct val="120000"/>
+              </a:lnSpc>
+            </a:pPr>
+            <a:r>
+              <a:rPr lang="en-US" sz="1800">
+                <a:latin typeface="Noto Serif CJK JP" panose="02020400000000000000" charset="-122"/>
+                <a:ea typeface="Noto Serif CJK JP" panose="02020400000000000000" charset="-122"/>
+              </a:rPr>
+              <a:t>characteristics</a:t>
+            </a:r>
+            <a:endParaRPr lang="en-US" sz="1800">
+              <a:latin typeface="Noto Serif CJK JP" panose="02020400000000000000" charset="-122"/>
+              <a:ea typeface="Noto Serif CJK JP" panose="02020400000000000000" charset="-122"/>
+            </a:endParaRPr>
+          </a:p>
+          <a:p>
+            <a:pPr lvl="1" algn="just">
+              <a:lnSpc>
+                <a:spcPct val="120000"/>
+              </a:lnSpc>
+            </a:pPr>
             <a:r>
               <a:rPr lang="en-US" altLang="en-US" sz="1800">
-                <a:latin typeface="FreeMono" panose="020F0409020205020404" charset="0"/>
-                <a:ea typeface="FreeMono" panose="020F0409020205020404" charset="0"/>
-              </a:rPr>
-              <a:t>Roll No : 5</a:t>
-            </a:r>
-            <a:endParaRPr lang="en-US" altLang="en-US" sz="1800">
-              <a:latin typeface="FreeMono" panose="020F0409020205020404" charset="0"/>
-              <a:ea typeface="FreeMono" panose="020F0409020205020404" charset="0"/>
-            </a:endParaRPr>
-          </a:p>
-          <a:p>
-            <a:pPr lvl="1"/>
+                <a:latin typeface="Noto Serif CJK JP" panose="02020400000000000000" charset="-122"/>
+                <a:ea typeface="Noto Serif CJK JP" panose="02020400000000000000" charset="-122"/>
+              </a:rPr>
+              <a:t>implemented via v</a:t>
+            </a:r>
+            <a:r>
+              <a:rPr lang="en-US" sz="1800">
+                <a:latin typeface="Noto Serif CJK JP" panose="02020400000000000000" charset="-122"/>
+                <a:ea typeface="Noto Serif CJK JP" panose="02020400000000000000" charset="-122"/>
+              </a:rPr>
+              <a:t>ariable data members</a:t>
+            </a:r>
+            <a:endParaRPr lang="en-US" sz="1800">
+              <a:latin typeface="Noto Serif CJK JP" panose="02020400000000000000" charset="-122"/>
+              <a:ea typeface="Noto Serif CJK JP" panose="02020400000000000000" charset="-122"/>
+            </a:endParaRPr>
+          </a:p>
+          <a:p>
+            <a:pPr algn="just">
+              <a:lnSpc>
+                <a:spcPct val="120000"/>
+              </a:lnSpc>
+            </a:pPr>
             <a:r>
               <a:rPr lang="en-US" altLang="en-US" sz="1800">
-                <a:latin typeface="FreeMono" panose="020F0409020205020404" charset="0"/>
-                <a:ea typeface="FreeMono" panose="020F0409020205020404" charset="0"/>
-              </a:rPr>
-              <a:t>Name : Harry</a:t>
-            </a:r>
-            <a:endParaRPr lang="en-US" altLang="en-US" sz="1800">
-              <a:latin typeface="FreeMono" panose="020F0409020205020404" charset="0"/>
-              <a:ea typeface="FreeMono" panose="020F0409020205020404" charset="0"/>
-            </a:endParaRPr>
-          </a:p>
-          <a:p>
-            <a:pPr lvl="1"/>
+                <a:latin typeface="Noto Serif CJK JP" panose="02020400000000000000" charset="-122"/>
+                <a:ea typeface="Noto Serif CJK JP" panose="02020400000000000000" charset="-122"/>
+              </a:rPr>
+              <a:t>F</a:t>
+            </a:r>
+            <a:r>
+              <a:rPr lang="en-US" sz="1800">
+                <a:latin typeface="Noto Serif CJK JP" panose="02020400000000000000" charset="-122"/>
+                <a:ea typeface="Noto Serif CJK JP" panose="02020400000000000000" charset="-122"/>
+              </a:rPr>
+              <a:t>unctionality </a:t>
+            </a:r>
+            <a:endParaRPr lang="en-US" sz="1800">
+              <a:latin typeface="Noto Serif CJK JP" panose="02020400000000000000" charset="-122"/>
+              <a:ea typeface="Noto Serif CJK JP" panose="02020400000000000000" charset="-122"/>
+            </a:endParaRPr>
+          </a:p>
+          <a:p>
+            <a:pPr lvl="1" algn="just">
+              <a:lnSpc>
+                <a:spcPct val="120000"/>
+              </a:lnSpc>
+            </a:pPr>
             <a:r>
               <a:rPr lang="en-US" altLang="en-US" sz="1800">
-                <a:latin typeface="FreeMono" panose="020F0409020205020404" charset="0"/>
-                <a:ea typeface="FreeMono" panose="020F0409020205020404" charset="0"/>
-              </a:rPr>
-              <a:t>Address : 605 -AB</a:t>
-            </a:r>
-            <a:endParaRPr lang="en-US" altLang="en-US" sz="1800">
-              <a:latin typeface="FreeMono" panose="020F0409020205020404" charset="0"/>
-              <a:ea typeface="FreeMono" panose="020F0409020205020404" charset="0"/>
-            </a:endParaRPr>
-          </a:p>
-          <a:p>
-            <a:pPr lvl="1"/>
+                <a:latin typeface="Noto Serif CJK JP" panose="02020400000000000000" charset="-122"/>
+                <a:ea typeface="Noto Serif CJK JP" panose="02020400000000000000" charset="-122"/>
+              </a:rPr>
+              <a:t>b</a:t>
+            </a:r>
+            <a:r>
+              <a:rPr lang="en-US" sz="1800">
+                <a:latin typeface="Noto Serif CJK JP" panose="02020400000000000000" charset="-122"/>
+                <a:ea typeface="Noto Serif CJK JP" panose="02020400000000000000" charset="-122"/>
+              </a:rPr>
+              <a:t>ehaviour</a:t>
+            </a:r>
+            <a:endParaRPr lang="en-US" sz="1800">
+              <a:latin typeface="Noto Serif CJK JP" panose="02020400000000000000" charset="-122"/>
+              <a:ea typeface="Noto Serif CJK JP" panose="02020400000000000000" charset="-122"/>
+            </a:endParaRPr>
+          </a:p>
+          <a:p>
+            <a:pPr lvl="1" algn="just">
+              <a:lnSpc>
+                <a:spcPct val="120000"/>
+              </a:lnSpc>
+            </a:pPr>
             <a:r>
               <a:rPr lang="en-US" altLang="en-US" sz="1800">
-                <a:latin typeface="FreeMono" panose="020F0409020205020404" charset="0"/>
-                <a:ea typeface="FreeMono" panose="020F0409020205020404" charset="0"/>
-              </a:rPr>
-              <a:t>Marks : [34,23,55]</a:t>
-            </a:r>
-            <a:endParaRPr lang="en-US" altLang="en-US" sz="1800">
-              <a:latin typeface="FreeMono" panose="020F0409020205020404" charset="0"/>
-              <a:ea typeface="FreeMono" panose="020F0409020205020404" charset="0"/>
-            </a:endParaRPr>
-          </a:p>
-          <a:p>
-            <a:pPr lvl="1"/>
+                <a:latin typeface="Noto Serif CJK JP" panose="02020400000000000000" charset="-122"/>
+                <a:ea typeface="Noto Serif CJK JP" panose="02020400000000000000" charset="-122"/>
+              </a:rPr>
+              <a:t>implemented via M</a:t>
+            </a:r>
+            <a:r>
+              <a:rPr lang="en-US" sz="1800">
+                <a:latin typeface="Noto Serif CJK JP" panose="02020400000000000000" charset="-122"/>
+                <a:ea typeface="Noto Serif CJK JP" panose="02020400000000000000" charset="-122"/>
+              </a:rPr>
+              <a:t>ethods</a:t>
+            </a:r>
             <a:r>
               <a:rPr lang="en-US" altLang="en-US" sz="1800">
-                <a:latin typeface="FreeMono" panose="020F0409020205020404" charset="0"/>
-                <a:ea typeface="FreeMono" panose="020F0409020205020404" charset="0"/>
-              </a:rPr>
-              <a:t>Height : 4</a:t>
-            </a:r>
-            <a:endParaRPr lang="en-US" altLang="en-US" sz="1800">
-              <a:latin typeface="FreeMono" panose="020F0409020205020404" charset="0"/>
-              <a:ea typeface="FreeMono" panose="020F0409020205020404" charset="0"/>
-            </a:endParaRPr>
-          </a:p>
-          <a:p>
-            <a:pPr lvl="1"/>
+                <a:latin typeface="Noto Serif CJK JP" panose="02020400000000000000" charset="-122"/>
+                <a:ea typeface="Noto Serif CJK JP" panose="02020400000000000000" charset="-122"/>
+              </a:rPr>
+              <a:t>/member Functions</a:t>
+            </a:r>
+            <a:endParaRPr lang="en-US" sz="1800">
+              <a:latin typeface="Noto Serif CJK JP" panose="02020400000000000000" charset="-122"/>
+              <a:ea typeface="Noto Serif CJK JP" panose="02020400000000000000" charset="-122"/>
+            </a:endParaRPr>
+          </a:p>
+          <a:p>
+            <a:pPr algn="just">
+              <a:lnSpc>
+                <a:spcPct val="120000"/>
+              </a:lnSpc>
+            </a:pPr>
             <a:r>
               <a:rPr lang="en-US" altLang="en-US" sz="1800">
-                <a:latin typeface="FreeMono" panose="020F0409020205020404" charset="0"/>
-                <a:ea typeface="FreeMono" panose="020F0409020205020404" charset="0"/>
-              </a:rPr>
-              <a:t>Attendence : [Jan: 23,Feb: 21,..]</a:t>
-            </a:r>
-            <a:endParaRPr lang="en-US" altLang="en-US" sz="1800">
-              <a:latin typeface="FreeMono" panose="020F0409020205020404" charset="0"/>
-              <a:ea typeface="FreeMono" panose="020F0409020205020404" charset="0"/>
-            </a:endParaRPr>
-          </a:p>
-          <a:p>
-            <a:pPr lvl="0"/>
-            <a:r>
-              <a:rPr lang="en-US" altLang="en-US" sz="2055">
-                <a:latin typeface="FreeMono" panose="020F0409020205020404" charset="0"/>
-                <a:ea typeface="FreeMono" panose="020F0409020205020404" charset="0"/>
-              </a:rPr>
-              <a:t>Functionalities</a:t>
-            </a:r>
-            <a:endParaRPr lang="en-US" altLang="en-US" sz="2055">
-              <a:latin typeface="FreeMono" panose="020F0409020205020404" charset="0"/>
-              <a:ea typeface="FreeMono" panose="020F0409020205020404" charset="0"/>
-            </a:endParaRPr>
-          </a:p>
-          <a:p>
-            <a:pPr lvl="1"/>
-            <a:r>
-              <a:rPr lang="en-US" altLang="en-US" sz="1795">
-                <a:latin typeface="FreeMono" panose="020F0409020205020404" charset="0"/>
-                <a:ea typeface="FreeMono" panose="020F0409020205020404" charset="0"/>
-              </a:rPr>
-              <a:t>calculatePercentage</a:t>
-            </a:r>
-            <a:endParaRPr lang="en-US" altLang="en-US" sz="1795">
-              <a:latin typeface="FreeMono" panose="020F0409020205020404" charset="0"/>
-              <a:ea typeface="FreeMono" panose="020F0409020205020404" charset="0"/>
-            </a:endParaRPr>
-          </a:p>
-          <a:p>
-            <a:pPr lvl="1"/>
-            <a:r>
-              <a:rPr lang="en-US" altLang="en-US" sz="1795">
-                <a:latin typeface="FreeMono" panose="020F0409020205020404" charset="0"/>
-                <a:ea typeface="FreeMono" panose="020F0409020205020404" charset="0"/>
-              </a:rPr>
-              <a:t>getAttendenanceOfMonth(Month)</a:t>
-            </a:r>
-            <a:endParaRPr lang="en-US" altLang="en-US" sz="1795">
-              <a:latin typeface="FreeMono" panose="020F0409020205020404" charset="0"/>
-              <a:ea typeface="FreeMono" panose="020F0409020205020404" charset="0"/>
-            </a:endParaRPr>
-          </a:p>
-          <a:p>
-            <a:pPr marL="0" indent="0">
-              <a:buNone/>
-            </a:pPr>
-            <a:endParaRPr lang="en-US" altLang="en-US" sz="1800">
-              <a:latin typeface="FreeMono" panose="020F0409020205020404" charset="0"/>
-              <a:ea typeface="FreeMono" panose="020F0409020205020404" charset="0"/>
+                <a:latin typeface="Noto Serif CJK JP" panose="02020400000000000000" charset="-122"/>
+                <a:ea typeface="Noto Serif CJK JP" panose="02020400000000000000" charset="-122"/>
+              </a:rPr>
+              <a:t>I</a:t>
+            </a:r>
+            <a:r>
+              <a:rPr lang="en-US" sz="1800">
+                <a:latin typeface="Noto Serif CJK JP" panose="02020400000000000000" charset="-122"/>
+                <a:ea typeface="Noto Serif CJK JP" panose="02020400000000000000" charset="-122"/>
+              </a:rPr>
+              <a:t>nstance of class</a:t>
+            </a:r>
+            <a:endParaRPr lang="en-US" sz="1800">
+              <a:latin typeface="Noto Serif CJK JP" panose="02020400000000000000" charset="-122"/>
+              <a:ea typeface="Noto Serif CJK JP" panose="02020400000000000000" charset="-122"/>
             </a:endParaRPr>
           </a:p>
         </p:txBody>
@@ -13196,13 +12915,13 @@
           <a:bodyPr/>
           <a:p>
             <a:r>
-              <a:rPr lang="en-US" sz="3200">
-                <a:latin typeface="Noto Serif CJK JP" panose="02020400000000000000" charset="-122"/>
-                <a:ea typeface="Noto Serif CJK JP" panose="02020400000000000000" charset="-122"/>
-              </a:rPr>
-              <a:t>Class</a:t>
-            </a:r>
-            <a:endParaRPr lang="en-US" sz="3200">
+              <a:rPr lang="en-US" altLang="en-US">
+                <a:latin typeface="Noto Serif CJK JP" panose="02020400000000000000" charset="-122"/>
+                <a:ea typeface="Noto Serif CJK JP" panose="02020400000000000000" charset="-122"/>
+              </a:rPr>
+              <a:t>Example</a:t>
+            </a:r>
+            <a:endParaRPr lang="en-US" altLang="en-US">
               <a:latin typeface="Noto Serif CJK JP" panose="02020400000000000000" charset="-122"/>
               <a:ea typeface="Noto Serif CJK JP" panose="02020400000000000000" charset="-122"/>
             </a:endParaRPr>
@@ -13221,115 +12940,181 @@
         </p:nvSpPr>
         <p:spPr>
           <a:xfrm>
-            <a:off x="685800" y="1981200"/>
+            <a:off x="371475" y="1752600"/>
             <a:ext cx="7772400" cy="4114800"/>
           </a:xfrm>
         </p:spPr>
         <p:txBody>
           <a:bodyPr/>
           <a:p>
-            <a:r>
-              <a:rPr lang="en-US" sz="1800">
-                <a:latin typeface="Noto Serif CJK JP" panose="02020400000000000000" charset="-122"/>
-                <a:ea typeface="Noto Serif CJK JP" panose="02020400000000000000" charset="-122"/>
-              </a:rPr>
-              <a:t>Specification of Object</a:t>
-            </a:r>
-            <a:endParaRPr lang="en-US" sz="1800">
-              <a:latin typeface="Noto Serif CJK JP" panose="02020400000000000000" charset="-122"/>
-              <a:ea typeface="Noto Serif CJK JP" panose="02020400000000000000" charset="-122"/>
-            </a:endParaRPr>
-          </a:p>
-          <a:p>
-            <a:endParaRPr lang="en-US" sz="1800">
-              <a:latin typeface="Noto Serif CJK JP" panose="02020400000000000000" charset="-122"/>
-              <a:ea typeface="Noto Serif CJK JP" panose="02020400000000000000" charset="-122"/>
-            </a:endParaRPr>
-          </a:p>
-          <a:p>
-            <a:r>
-              <a:rPr lang="en-US" sz="1800">
-                <a:latin typeface="Noto Serif CJK JP" panose="02020400000000000000" charset="-122"/>
-                <a:ea typeface="Noto Serif CJK JP" panose="02020400000000000000" charset="-122"/>
-              </a:rPr>
-              <a:t>B</a:t>
-            </a:r>
-            <a:r>
-              <a:rPr sz="1800">
-                <a:latin typeface="Noto Serif CJK JP" panose="02020400000000000000" charset="-122"/>
-                <a:ea typeface="Noto Serif CJK JP" panose="02020400000000000000" charset="-122"/>
-              </a:rPr>
-              <a:t>lueprint that specifies the attributes and behavior of an Object</a:t>
-            </a:r>
-            <a:endParaRPr sz="1800">
-              <a:latin typeface="Noto Serif CJK JP" panose="02020400000000000000" charset="-122"/>
-              <a:ea typeface="Noto Serif CJK JP" panose="02020400000000000000" charset="-122"/>
-            </a:endParaRPr>
-          </a:p>
-          <a:p>
-            <a:endParaRPr sz="1800">
-              <a:latin typeface="Noto Serif CJK JP" panose="02020400000000000000" charset="-122"/>
-              <a:ea typeface="Noto Serif CJK JP" panose="02020400000000000000" charset="-122"/>
-            </a:endParaRPr>
-          </a:p>
-          <a:p>
-            <a:r>
-              <a:rPr lang="en-US" sz="1800">
-                <a:latin typeface="Noto Serif CJK JP" panose="02020400000000000000" charset="-122"/>
-                <a:ea typeface="Noto Serif CJK JP" panose="02020400000000000000" charset="-122"/>
-              </a:rPr>
-              <a:t>B</a:t>
-            </a:r>
-            <a:r>
-              <a:rPr sz="1800">
-                <a:latin typeface="Noto Serif CJK JP" panose="02020400000000000000" charset="-122"/>
-                <a:ea typeface="Noto Serif CJK JP" panose="02020400000000000000" charset="-122"/>
-              </a:rPr>
-              <a:t>ehaviors are actions that an object can perform.</a:t>
-            </a:r>
-            <a:endParaRPr sz="1800">
-              <a:latin typeface="Noto Serif CJK JP" panose="02020400000000000000" charset="-122"/>
-              <a:ea typeface="Noto Serif CJK JP" panose="02020400000000000000" charset="-122"/>
-            </a:endParaRPr>
-          </a:p>
-          <a:p>
-            <a:endParaRPr sz="1800">
-              <a:latin typeface="Noto Serif CJK JP" panose="02020400000000000000" charset="-122"/>
-              <a:ea typeface="Noto Serif CJK JP" panose="02020400000000000000" charset="-122"/>
-            </a:endParaRPr>
-          </a:p>
-          <a:p>
-            <a:r>
-              <a:rPr sz="1800">
-                <a:latin typeface="Noto Serif CJK JP" panose="02020400000000000000" charset="-122"/>
-                <a:ea typeface="Noto Serif CJK JP" panose="02020400000000000000" charset="-122"/>
-              </a:rPr>
-              <a:t>Classes are </a:t>
-            </a:r>
-            <a:r>
-              <a:rPr lang="en-US" sz="1800" b="1">
-                <a:latin typeface="Noto Serif CJK JP" panose="02020400000000000000" charset="-122"/>
-                <a:ea typeface="Noto Serif CJK JP" panose="02020400000000000000" charset="-122"/>
-              </a:rPr>
-              <a:t>user defined </a:t>
-            </a:r>
-            <a:r>
-              <a:rPr sz="1800" b="1">
-                <a:latin typeface="Noto Serif CJK JP" panose="02020400000000000000" charset="-122"/>
-                <a:ea typeface="Noto Serif CJK JP" panose="02020400000000000000" charset="-122"/>
-              </a:rPr>
-              <a:t>data type</a:t>
-            </a:r>
-            <a:r>
-              <a:rPr sz="1800">
-                <a:latin typeface="Noto Serif CJK JP" panose="02020400000000000000" charset="-122"/>
-                <a:ea typeface="Noto Serif CJK JP" panose="02020400000000000000" charset="-122"/>
-              </a:rPr>
-              <a:t> based on which objects are created.</a:t>
-            </a:r>
-            <a:endParaRPr sz="1800">
-              <a:latin typeface="Noto Serif CJK JP" panose="02020400000000000000" charset="-122"/>
-              <a:ea typeface="Noto Serif CJK JP" panose="02020400000000000000" charset="-122"/>
+            <a:pPr marL="0" indent="0">
+              <a:buNone/>
+            </a:pPr>
+            <a:r>
+              <a:rPr lang="en-US" altLang="en-US" sz="1800" b="1">
+                <a:latin typeface="FreeMono" panose="020F0409020205020404" charset="0"/>
+                <a:ea typeface="FreeMono" panose="020F0409020205020404" charset="0"/>
+              </a:rPr>
+              <a:t>Object of Student </a:t>
+            </a:r>
+            <a:r>
+              <a:rPr lang="en-US" altLang="en-US" sz="1800">
+                <a:latin typeface="FreeMono" panose="020F0409020205020404" charset="0"/>
+                <a:ea typeface="FreeMono" panose="020F0409020205020404" charset="0"/>
+              </a:rPr>
+              <a:t>:</a:t>
+            </a:r>
+            <a:endParaRPr lang="en-US" altLang="en-US" sz="1800">
+              <a:latin typeface="FreeMono" panose="020F0409020205020404" charset="0"/>
+              <a:ea typeface="FreeMono" panose="020F0409020205020404" charset="0"/>
+            </a:endParaRPr>
+          </a:p>
+          <a:p>
+            <a:r>
+              <a:rPr lang="en-US" altLang="en-US" sz="1800">
+                <a:latin typeface="FreeMono" panose="020F0409020205020404" charset="0"/>
+                <a:ea typeface="FreeMono" panose="020F0409020205020404" charset="0"/>
+              </a:rPr>
+              <a:t>Attributes </a:t>
+            </a:r>
+            <a:endParaRPr lang="en-US" altLang="en-US" sz="1800">
+              <a:latin typeface="FreeMono" panose="020F0409020205020404" charset="0"/>
+              <a:ea typeface="FreeMono" panose="020F0409020205020404" charset="0"/>
+            </a:endParaRPr>
+          </a:p>
+          <a:p>
+            <a:pPr lvl="1"/>
+            <a:r>
+              <a:rPr lang="en-US" altLang="en-US" sz="1800">
+                <a:latin typeface="FreeMono" panose="020F0409020205020404" charset="0"/>
+                <a:ea typeface="FreeMono" panose="020F0409020205020404" charset="0"/>
+              </a:rPr>
+              <a:t>Roll No : 5</a:t>
+            </a:r>
+            <a:endParaRPr lang="en-US" altLang="en-US" sz="1800">
+              <a:latin typeface="FreeMono" panose="020F0409020205020404" charset="0"/>
+              <a:ea typeface="FreeMono" panose="020F0409020205020404" charset="0"/>
+            </a:endParaRPr>
+          </a:p>
+          <a:p>
+            <a:pPr lvl="1"/>
+            <a:r>
+              <a:rPr lang="en-US" altLang="en-US" sz="1800">
+                <a:latin typeface="FreeMono" panose="020F0409020205020404" charset="0"/>
+                <a:ea typeface="FreeMono" panose="020F0409020205020404" charset="0"/>
+              </a:rPr>
+              <a:t>Name : Harry</a:t>
+            </a:r>
+            <a:endParaRPr lang="en-US" altLang="en-US" sz="1800">
+              <a:latin typeface="FreeMono" panose="020F0409020205020404" charset="0"/>
+              <a:ea typeface="FreeMono" panose="020F0409020205020404" charset="0"/>
+            </a:endParaRPr>
+          </a:p>
+          <a:p>
+            <a:pPr lvl="1"/>
+            <a:r>
+              <a:rPr lang="en-US" altLang="en-US" sz="1800">
+                <a:latin typeface="FreeMono" panose="020F0409020205020404" charset="0"/>
+                <a:ea typeface="FreeMono" panose="020F0409020205020404" charset="0"/>
+              </a:rPr>
+              <a:t>Address : 605 -AB</a:t>
+            </a:r>
+            <a:endParaRPr lang="en-US" altLang="en-US" sz="1800">
+              <a:latin typeface="FreeMono" panose="020F0409020205020404" charset="0"/>
+              <a:ea typeface="FreeMono" panose="020F0409020205020404" charset="0"/>
+            </a:endParaRPr>
+          </a:p>
+          <a:p>
+            <a:pPr lvl="1"/>
+            <a:r>
+              <a:rPr lang="en-US" altLang="en-US" sz="1800">
+                <a:latin typeface="FreeMono" panose="020F0409020205020404" charset="0"/>
+                <a:ea typeface="FreeMono" panose="020F0409020205020404" charset="0"/>
+              </a:rPr>
+              <a:t>Marks : [34,23,55]</a:t>
+            </a:r>
+            <a:endParaRPr lang="en-US" altLang="en-US" sz="1800">
+              <a:latin typeface="FreeMono" panose="020F0409020205020404" charset="0"/>
+              <a:ea typeface="FreeMono" panose="020F0409020205020404" charset="0"/>
+            </a:endParaRPr>
+          </a:p>
+          <a:p>
+            <a:pPr lvl="1"/>
+            <a:r>
+              <a:rPr lang="en-US" altLang="en-US" sz="1800">
+                <a:latin typeface="FreeMono" panose="020F0409020205020404" charset="0"/>
+                <a:ea typeface="FreeMono" panose="020F0409020205020404" charset="0"/>
+              </a:rPr>
+              <a:t>Height : 4</a:t>
+            </a:r>
+            <a:endParaRPr lang="en-US" altLang="en-US" sz="1800">
+              <a:latin typeface="FreeMono" panose="020F0409020205020404" charset="0"/>
+              <a:ea typeface="FreeMono" panose="020F0409020205020404" charset="0"/>
+            </a:endParaRPr>
+          </a:p>
+          <a:p>
+            <a:pPr lvl="1"/>
+            <a:r>
+              <a:rPr lang="en-US" altLang="en-US" sz="1800">
+                <a:latin typeface="FreeMono" panose="020F0409020205020404" charset="0"/>
+                <a:ea typeface="FreeMono" panose="020F0409020205020404" charset="0"/>
+              </a:rPr>
+              <a:t>Attendence : [Jan: 23,Feb: 21,..]</a:t>
+            </a:r>
+            <a:endParaRPr lang="en-US" altLang="en-US" sz="1800">
+              <a:latin typeface="FreeMono" panose="020F0409020205020404" charset="0"/>
+              <a:ea typeface="FreeMono" panose="020F0409020205020404" charset="0"/>
+            </a:endParaRPr>
+          </a:p>
+          <a:p>
+            <a:pPr lvl="0"/>
+            <a:r>
+              <a:rPr lang="en-US" altLang="en-US" sz="2055">
+                <a:latin typeface="FreeMono" panose="020F0409020205020404" charset="0"/>
+                <a:ea typeface="FreeMono" panose="020F0409020205020404" charset="0"/>
+              </a:rPr>
+              <a:t>Functionalities</a:t>
+            </a:r>
+            <a:endParaRPr lang="en-US" altLang="en-US" sz="2055">
+              <a:latin typeface="FreeMono" panose="020F0409020205020404" charset="0"/>
+              <a:ea typeface="FreeMono" panose="020F0409020205020404" charset="0"/>
+            </a:endParaRPr>
+          </a:p>
+          <a:p>
+            <a:pPr lvl="1"/>
+            <a:r>
+              <a:rPr lang="en-US" altLang="en-US" sz="1795">
+                <a:latin typeface="FreeMono" panose="020F0409020205020404" charset="0"/>
+                <a:ea typeface="FreeMono" panose="020F0409020205020404" charset="0"/>
+              </a:rPr>
+              <a:t>calculatePercentage</a:t>
+            </a:r>
+            <a:endParaRPr lang="en-US" altLang="en-US" sz="1795">
+              <a:latin typeface="FreeMono" panose="020F0409020205020404" charset="0"/>
+              <a:ea typeface="FreeMono" panose="020F0409020205020404" charset="0"/>
+            </a:endParaRPr>
+          </a:p>
+          <a:p>
+            <a:pPr lvl="1"/>
+            <a:r>
+              <a:rPr lang="en-US" altLang="en-US" sz="1795">
+                <a:latin typeface="FreeMono" panose="020F0409020205020404" charset="0"/>
+                <a:ea typeface="FreeMono" panose="020F0409020205020404" charset="0"/>
+              </a:rPr>
+              <a:t>getAttendenanceOfMonth(Month)</a:t>
+            </a:r>
+            <a:endParaRPr lang="en-US" altLang="en-US" sz="1795">
+              <a:latin typeface="FreeMono" panose="020F0409020205020404" charset="0"/>
+              <a:ea typeface="FreeMono" panose="020F0409020205020404" charset="0"/>
+            </a:endParaRPr>
+          </a:p>
+          <a:p>
+            <a:pPr marL="0" indent="0">
+              <a:buNone/>
+            </a:pPr>
+            <a:endParaRPr lang="en-US" altLang="en-US" sz="1800">
+              <a:latin typeface="FreeMono" panose="020F0409020205020404" charset="0"/>
+              <a:ea typeface="FreeMono" panose="020F0409020205020404" charset="0"/>
             </a:endParaRPr>
           </a:p>
         </p:txBody>
@@ -13362,6 +13147,177 @@
             <p:ph type="title"/>
           </p:nvPr>
         </p:nvSpPr>
+        <p:spPr/>
+        <p:txBody>
+          <a:bodyPr/>
+          <a:p>
+            <a:r>
+              <a:rPr lang="en-US" sz="3200">
+                <a:latin typeface="Noto Serif CJK JP" panose="02020400000000000000" charset="-122"/>
+                <a:ea typeface="Noto Serif CJK JP" panose="02020400000000000000" charset="-122"/>
+              </a:rPr>
+              <a:t>Class</a:t>
+            </a:r>
+            <a:endParaRPr lang="en-US" sz="3200">
+              <a:latin typeface="Noto Serif CJK JP" panose="02020400000000000000" charset="-122"/>
+              <a:ea typeface="Noto Serif CJK JP" panose="02020400000000000000" charset="-122"/>
+            </a:endParaRPr>
+          </a:p>
+        </p:txBody>
+      </p:sp>
+      <p:sp>
+        <p:nvSpPr>
+          <p:cNvPr id="3" name="Content Placeholder 2"/>
+          <p:cNvSpPr>
+            <a:spLocks noGrp="1"/>
+          </p:cNvSpPr>
+          <p:nvPr>
+            <p:ph idx="1"/>
+          </p:nvPr>
+        </p:nvSpPr>
+        <p:spPr>
+          <a:xfrm>
+            <a:off x="685800" y="1981200"/>
+            <a:ext cx="7772400" cy="4114800"/>
+          </a:xfrm>
+        </p:spPr>
+        <p:txBody>
+          <a:bodyPr/>
+          <a:p>
+            <a:r>
+              <a:rPr lang="en-US" sz="1800">
+                <a:latin typeface="Noto Serif CJK JP" panose="02020400000000000000" charset="-122"/>
+                <a:ea typeface="Noto Serif CJK JP" panose="02020400000000000000" charset="-122"/>
+              </a:rPr>
+              <a:t>Specification of Object</a:t>
+            </a:r>
+            <a:endParaRPr lang="en-US" sz="1800">
+              <a:latin typeface="Noto Serif CJK JP" panose="02020400000000000000" charset="-122"/>
+              <a:ea typeface="Noto Serif CJK JP" panose="02020400000000000000" charset="-122"/>
+            </a:endParaRPr>
+          </a:p>
+          <a:p>
+            <a:endParaRPr lang="en-US" sz="1800">
+              <a:latin typeface="Noto Serif CJK JP" panose="02020400000000000000" charset="-122"/>
+              <a:ea typeface="Noto Serif CJK JP" panose="02020400000000000000" charset="-122"/>
+            </a:endParaRPr>
+          </a:p>
+          <a:p>
+            <a:r>
+              <a:rPr lang="en-US" sz="1800">
+                <a:latin typeface="Noto Serif CJK JP" panose="02020400000000000000" charset="-122"/>
+                <a:ea typeface="Noto Serif CJK JP" panose="02020400000000000000" charset="-122"/>
+              </a:rPr>
+              <a:t>B</a:t>
+            </a:r>
+            <a:r>
+              <a:rPr sz="1800">
+                <a:latin typeface="Noto Serif CJK JP" panose="02020400000000000000" charset="-122"/>
+                <a:ea typeface="Noto Serif CJK JP" panose="02020400000000000000" charset="-122"/>
+              </a:rPr>
+              <a:t>lueprint that specifies the attributes and behavior of an Object</a:t>
+            </a:r>
+            <a:endParaRPr sz="1800">
+              <a:latin typeface="Noto Serif CJK JP" panose="02020400000000000000" charset="-122"/>
+              <a:ea typeface="Noto Serif CJK JP" panose="02020400000000000000" charset="-122"/>
+            </a:endParaRPr>
+          </a:p>
+          <a:p>
+            <a:endParaRPr sz="1800">
+              <a:latin typeface="Noto Serif CJK JP" panose="02020400000000000000" charset="-122"/>
+              <a:ea typeface="Noto Serif CJK JP" panose="02020400000000000000" charset="-122"/>
+            </a:endParaRPr>
+          </a:p>
+          <a:p>
+            <a:r>
+              <a:rPr lang="en-US" sz="1800">
+                <a:latin typeface="Noto Serif CJK JP" panose="02020400000000000000" charset="-122"/>
+                <a:ea typeface="Noto Serif CJK JP" panose="02020400000000000000" charset="-122"/>
+              </a:rPr>
+              <a:t>B</a:t>
+            </a:r>
+            <a:r>
+              <a:rPr sz="1800">
+                <a:latin typeface="Noto Serif CJK JP" panose="02020400000000000000" charset="-122"/>
+                <a:ea typeface="Noto Serif CJK JP" panose="02020400000000000000" charset="-122"/>
+              </a:rPr>
+              <a:t>ehaviors are actions that an object can perform.</a:t>
+            </a:r>
+            <a:endParaRPr sz="1800">
+              <a:latin typeface="Noto Serif CJK JP" panose="02020400000000000000" charset="-122"/>
+              <a:ea typeface="Noto Serif CJK JP" panose="02020400000000000000" charset="-122"/>
+            </a:endParaRPr>
+          </a:p>
+          <a:p>
+            <a:endParaRPr sz="1800">
+              <a:latin typeface="Noto Serif CJK JP" panose="02020400000000000000" charset="-122"/>
+              <a:ea typeface="Noto Serif CJK JP" panose="02020400000000000000" charset="-122"/>
+            </a:endParaRPr>
+          </a:p>
+          <a:p>
+            <a:r>
+              <a:rPr sz="1800">
+                <a:latin typeface="Noto Serif CJK JP" panose="02020400000000000000" charset="-122"/>
+                <a:ea typeface="Noto Serif CJK JP" panose="02020400000000000000" charset="-122"/>
+              </a:rPr>
+              <a:t>Classes are </a:t>
+            </a:r>
+            <a:r>
+              <a:rPr lang="en-US" sz="1800" b="1">
+                <a:latin typeface="Noto Serif CJK JP" panose="02020400000000000000" charset="-122"/>
+                <a:ea typeface="Noto Serif CJK JP" panose="02020400000000000000" charset="-122"/>
+              </a:rPr>
+              <a:t>user defined </a:t>
+            </a:r>
+            <a:r>
+              <a:rPr sz="1800" b="1">
+                <a:latin typeface="Noto Serif CJK JP" panose="02020400000000000000" charset="-122"/>
+                <a:ea typeface="Noto Serif CJK JP" panose="02020400000000000000" charset="-122"/>
+              </a:rPr>
+              <a:t>data type</a:t>
+            </a:r>
+            <a:r>
+              <a:rPr sz="1800">
+                <a:latin typeface="Noto Serif CJK JP" panose="02020400000000000000" charset="-122"/>
+                <a:ea typeface="Noto Serif CJK JP" panose="02020400000000000000" charset="-122"/>
+              </a:rPr>
+              <a:t> based on which objects are created.</a:t>
+            </a:r>
+            <a:endParaRPr sz="1800">
+              <a:latin typeface="Noto Serif CJK JP" panose="02020400000000000000" charset="-122"/>
+              <a:ea typeface="Noto Serif CJK JP" panose="02020400000000000000" charset="-122"/>
+            </a:endParaRPr>
+          </a:p>
+        </p:txBody>
+      </p:sp>
+    </p:spTree>
+  </p:cSld>
+  <p:clrMapOvr>
+    <a:masterClrMapping/>
+  </p:clrMapOvr>
+</p:sld>
+</file>
+
+<file path=ppt/slides/slide35.xml><?xml version="1.0" encoding="utf-8"?>
+<p:sld xmlns:a="http://schemas.openxmlformats.org/drawingml/2006/main" xmlns:r="http://schemas.openxmlformats.org/officeDocument/2006/relationships" xmlns:p="http://schemas.openxmlformats.org/presentationml/2006/main">
+  <p:cSld>
+    <p:spTree>
+      <p:nvGrpSpPr>
+        <p:cNvPr id="1" name=""/>
+        <p:cNvGrpSpPr/>
+        <p:nvPr/>
+      </p:nvGrpSpPr>
+      <p:grpSpPr/>
+      <p:sp>
+        <p:nvSpPr>
+          <p:cNvPr id="2" name="Title 1"/>
+          <p:cNvSpPr>
+            <a:spLocks noGrp="1"/>
+          </p:cNvSpPr>
+          <p:nvPr>
+            <p:ph type="title"/>
+          </p:nvPr>
+        </p:nvSpPr>
         <p:spPr>
           <a:xfrm>
             <a:off x="819150" y="48260"/>
@@ -13506,7 +13462,23 @@
                 <a:ea typeface="FreeMono" panose="020F0409020205020404" charset="0"/>
                 <a:sym typeface="+mn-ea"/>
               </a:rPr>
-              <a:t>	char [] </a:t>
+              <a:t>	</a:t>
+            </a:r>
+            <a:r>
+              <a:rPr lang="" altLang="en-US" sz="1800">
+                <a:latin typeface="FreeMono" panose="020F0409020205020404" charset="0"/>
+                <a:ea typeface="FreeMono" panose="020F0409020205020404" charset="0"/>
+                <a:sym typeface="+mn-ea"/>
+              </a:rPr>
+              <a:t>float</a:t>
+            </a:r>
+            <a:r>
+              <a:rPr lang="en-US" altLang="en-US" sz="1800">
+                <a:latin typeface="FreeMono" panose="020F0409020205020404" charset="0"/>
+                <a:ea typeface="FreeMono" panose="020F0409020205020404" charset="0"/>
+                <a:sym typeface="+mn-ea"/>
+              </a:rPr>
+              <a:t>[] </a:t>
             </a:r>
             <a:r>
               <a:rPr lang="en-US" altLang="en-US" sz="1800">

--- a/Objected Oriented Programming Concepts Using C++ & Data Structures/Session-1.pptx
+++ b/Objected Oriented Programming Concepts Using C++ & Data Structures/Session-1.pptx
@@ -6777,13 +6777,13 @@
           <a:bodyPr/>
           <a:p>
             <a:r>
-              <a:rPr lang="" altLang="en-US" sz="3200">
+              <a:rPr lang="en-US" altLang="en-US" sz="3200">
                 <a:latin typeface="Noto Serif CJK JP" panose="02020400000000000000" charset="-122"/>
                 <a:ea typeface="Noto Serif CJK JP" panose="02020400000000000000" charset="-122"/>
               </a:rPr>
               <a:t>Cont.</a:t>
             </a:r>
-            <a:endParaRPr lang="" altLang="en-US" sz="3200">
+            <a:endParaRPr lang="en-US" altLang="en-US" sz="3200">
               <a:latin typeface="Noto Serif CJK JP" panose="02020400000000000000" charset="-122"/>
               <a:ea typeface="Noto Serif CJK JP" panose="02020400000000000000" charset="-122"/>
             </a:endParaRPr>
@@ -12464,18 +12464,11 @@
           <a:bodyPr/>
           <a:p>
             <a:r>
-              <a:rPr lang="" altLang="en-US">
-                <a:latin typeface="Noto Serif CJK JP" panose="02020400000000000000" charset="-122"/>
-                <a:ea typeface="Noto Serif CJK JP" panose="02020400000000000000" charset="-122"/>
-              </a:rPr>
-              <a:t>OOPs </a:t>
-            </a:r>
-            <a:r>
               <a:rPr lang="en-US" altLang="en-US">
                 <a:latin typeface="Noto Serif CJK JP" panose="02020400000000000000" charset="-122"/>
                 <a:ea typeface="Noto Serif CJK JP" panose="02020400000000000000" charset="-122"/>
               </a:rPr>
-              <a:t>Concepts</a:t>
+              <a:t>OOPs Concepts</a:t>
             </a:r>
             <a:endParaRPr lang="en-US" altLang="en-US">
               <a:latin typeface="Noto Serif CJK JP" panose="02020400000000000000" charset="-122"/>
@@ -13447,13 +13440,18 @@
         </p:nvSpPr>
         <p:spPr>
           <a:xfrm>
-            <a:off x="685800" y="1981200"/>
+            <a:off x="589280" y="1237615"/>
             <a:ext cx="7772400" cy="4114800"/>
           </a:xfrm>
         </p:spPr>
         <p:txBody>
           <a:bodyPr/>
           <a:p>
+            <a:pPr>
+              <a:lnSpc>
+                <a:spcPct val="70000"/>
+              </a:lnSpc>
+            </a:pPr>
             <a:r>
               <a:rPr lang="en-US" sz="1800">
                 <a:latin typeface="Noto Serif CJK JP" panose="02020400000000000000" charset="-122"/>
@@ -13467,12 +13465,22 @@
             </a:endParaRPr>
           </a:p>
           <a:p>
+            <a:pPr>
+              <a:lnSpc>
+                <a:spcPct val="70000"/>
+              </a:lnSpc>
+            </a:pPr>
             <a:endParaRPr lang="en-US" sz="1800">
               <a:latin typeface="Noto Serif CJK JP" panose="02020400000000000000" charset="-122"/>
               <a:ea typeface="Noto Serif CJK JP" panose="02020400000000000000" charset="-122"/>
             </a:endParaRPr>
           </a:p>
           <a:p>
+            <a:pPr>
+              <a:lnSpc>
+                <a:spcPct val="70000"/>
+              </a:lnSpc>
+            </a:pPr>
             <a:r>
               <a:rPr lang="en-US" sz="1800">
                 <a:latin typeface="Noto Serif CJK JP" panose="02020400000000000000" charset="-122"/>
@@ -13493,12 +13501,22 @@
             </a:endParaRPr>
           </a:p>
           <a:p>
+            <a:pPr>
+              <a:lnSpc>
+                <a:spcPct val="70000"/>
+              </a:lnSpc>
+            </a:pPr>
             <a:endParaRPr sz="1800">
               <a:latin typeface="Noto Serif CJK JP" panose="02020400000000000000" charset="-122"/>
               <a:ea typeface="Noto Serif CJK JP" panose="02020400000000000000" charset="-122"/>
             </a:endParaRPr>
           </a:p>
           <a:p>
+            <a:pPr>
+              <a:lnSpc>
+                <a:spcPct val="70000"/>
+              </a:lnSpc>
+            </a:pPr>
             <a:r>
               <a:rPr lang="en-US" sz="1800">
                 <a:latin typeface="Noto Serif CJK JP" panose="02020400000000000000" charset="-122"/>
@@ -13519,12 +13537,22 @@
             </a:endParaRPr>
           </a:p>
           <a:p>
+            <a:pPr>
+              <a:lnSpc>
+                <a:spcPct val="70000"/>
+              </a:lnSpc>
+            </a:pPr>
             <a:endParaRPr sz="1800">
               <a:latin typeface="Noto Serif CJK JP" panose="02020400000000000000" charset="-122"/>
               <a:ea typeface="Noto Serif CJK JP" panose="02020400000000000000" charset="-122"/>
             </a:endParaRPr>
           </a:p>
           <a:p>
+            <a:pPr>
+              <a:lnSpc>
+                <a:spcPct val="70000"/>
+              </a:lnSpc>
+            </a:pPr>
             <a:r>
               <a:rPr sz="1800">
                 <a:latin typeface="Noto Serif CJK JP" panose="02020400000000000000" charset="-122"/>
@@ -13560,6 +13588,30 @@
           </a:p>
         </p:txBody>
       </p:sp>
+      <p:pic>
+        <p:nvPicPr>
+          <p:cNvPr id="4" name="Picture 3" descr="CLASSESNOBJECTS"/>
+          <p:cNvPicPr>
+            <a:picLocks noChangeAspect="1"/>
+          </p:cNvPicPr>
+          <p:nvPr/>
+        </p:nvPicPr>
+        <p:blipFill>
+          <a:blip r:embed="rId1"/>
+          <a:stretch>
+            <a:fillRect/>
+          </a:stretch>
+        </p:blipFill>
+        <p:spPr>
+          <a:xfrm>
+            <a:off x="3136900" y="3267710"/>
+            <a:ext cx="5224780" cy="3533140"/>
+          </a:xfrm>
+          <a:prstGeom prst="rect">
+            <a:avLst/>
+          </a:prstGeom>
+        </p:spPr>
+      </p:pic>
     </p:spTree>
   </p:cSld>
   <p:clrMapOvr>
@@ -14957,7 +15009,7 @@
               <a:t>C++ is a statically-typed</a:t>
             </a:r>
             <a:r>
-              <a:rPr lang="" altLang="en-US" sz="2000">
+              <a:rPr lang="en-US" altLang="en-US" sz="2000">
                 <a:latin typeface="Noto Serif CJK JP" panose="02020400000000000000" charset="-122"/>
                 <a:ea typeface="Noto Serif CJK JP" panose="02020400000000000000" charset="-122"/>
               </a:rPr>
@@ -15044,35 +15096,7 @@
                 <a:latin typeface="Noto Serif CJK JP" panose="02020400000000000000" charset="-122"/>
                 <a:ea typeface="Noto Serif CJK JP" panose="02020400000000000000" charset="-122"/>
               </a:rPr>
-              <a:t>Game Development, Android Native Development, Desktop Application Development,</a:t>
-            </a:r>
-            <a:r>
-              <a:rPr lang="" altLang="en-US" sz="2000">
-                <a:latin typeface="Noto Serif CJK JP" panose="02020400000000000000" charset="-122"/>
-                <a:ea typeface="Noto Serif CJK JP" panose="02020400000000000000" charset="-122"/>
-              </a:rPr>
-              <a:t>Web</a:t>
-            </a:r>
-            <a:r>
-              <a:rPr lang="en-US" altLang="en-US" sz="2000">
-                <a:latin typeface="Noto Serif CJK JP" panose="02020400000000000000" charset="-122"/>
-                <a:ea typeface="Noto Serif CJK JP" panose="02020400000000000000" charset="-122"/>
-              </a:rPr>
-              <a:t> Application Development</a:t>
-            </a:r>
-            <a:r>
-              <a:rPr lang="" altLang="en-US" sz="2000">
-                <a:latin typeface="Noto Serif CJK JP" panose="02020400000000000000" charset="-122"/>
-                <a:ea typeface="Noto Serif CJK JP" panose="02020400000000000000" charset="-122"/>
-              </a:rPr>
-              <a:t>,</a:t>
-            </a:r>
-            <a:r>
-              <a:rPr lang="en-US" altLang="en-US" sz="2000">
-                <a:latin typeface="Noto Serif CJK JP" panose="02020400000000000000" charset="-122"/>
-                <a:ea typeface="Noto Serif CJK JP" panose="02020400000000000000" charset="-122"/>
-              </a:rPr>
-              <a:t> etc.</a:t>
+              <a:t>Game Development, Android Native Development, Desktop Application Development,Web Application Development, etc.</a:t>
             </a:r>
             <a:endParaRPr lang="en-US" altLang="en-US" sz="2000">
               <a:latin typeface="Noto Serif CJK JP" panose="02020400000000000000" charset="-122"/>
@@ -15159,17 +15183,9 @@
                 <a:ea typeface="Noto Serif CJK JP" panose="02020400000000000000" charset="-122"/>
                 <a:sym typeface="+mn-ea"/>
               </a:rPr>
-              <a:t>Keywords </a:t>
-            </a:r>
-            <a:r>
-              <a:rPr lang="" altLang="en-US" sz="3200">
-                <a:latin typeface="Noto Serif CJK JP" panose="02020400000000000000" charset="-122"/>
-                <a:ea typeface="Noto Serif CJK JP" panose="02020400000000000000" charset="-122"/>
-                <a:sym typeface="+mn-ea"/>
-              </a:rPr>
-              <a:t>in C++</a:t>
-            </a:r>
-            <a:endParaRPr lang="" altLang="en-US" sz="3200">
+              <a:t>Keywords in C++</a:t>
+            </a:r>
+            <a:endParaRPr lang="en-US" altLang="en-US" sz="3200">
               <a:latin typeface="Noto Serif CJK JP" panose="02020400000000000000" charset="-122"/>
               <a:ea typeface="Noto Serif CJK JP" panose="02020400000000000000" charset="-122"/>
               <a:sym typeface="+mn-ea"/>
@@ -15342,17 +15358,9 @@
                 <a:ea typeface="Noto Serif CJK JP" panose="02020400000000000000" charset="-122"/>
                 <a:sym typeface="+mn-ea"/>
               </a:rPr>
-              <a:t>Identifiers </a:t>
-            </a:r>
-            <a:r>
-              <a:rPr lang="" altLang="en-US" sz="3200">
-                <a:latin typeface="Noto Serif CJK JP" panose="02020400000000000000" charset="-122"/>
-                <a:ea typeface="Noto Serif CJK JP" panose="02020400000000000000" charset="-122"/>
-                <a:sym typeface="+mn-ea"/>
-              </a:rPr>
-              <a:t>in C++</a:t>
-            </a:r>
-            <a:endParaRPr lang="" altLang="en-US" sz="3200">
+              <a:t>Identifiers in C++</a:t>
+            </a:r>
+            <a:endParaRPr lang="en-US" altLang="en-US" sz="3200">
               <a:latin typeface="Noto Serif CJK JP" panose="02020400000000000000" charset="-122"/>
               <a:ea typeface="Noto Serif CJK JP" panose="02020400000000000000" charset="-122"/>
               <a:sym typeface="+mn-ea"/>

--- a/Objected Oriented Programming Concepts Using C++ & Data Structures/Session-1.pptx
+++ b/Objected Oriented Programming Concepts Using C++ & Data Structures/Session-1.pptx
@@ -28,12 +28,12 @@
     <p:sldId id="324" r:id="rId17"/>
     <p:sldId id="325" r:id="rId18"/>
     <p:sldId id="334" r:id="rId19"/>
-    <p:sldId id="335" r:id="rId20"/>
-    <p:sldId id="285" r:id="rId21"/>
-    <p:sldId id="287" r:id="rId22"/>
-    <p:sldId id="286" r:id="rId23"/>
-    <p:sldId id="326" r:id="rId24"/>
-    <p:sldId id="327" r:id="rId25"/>
+    <p:sldId id="285" r:id="rId20"/>
+    <p:sldId id="287" r:id="rId21"/>
+    <p:sldId id="286" r:id="rId22"/>
+    <p:sldId id="326" r:id="rId23"/>
+    <p:sldId id="327" r:id="rId24"/>
+    <p:sldId id="335" r:id="rId25"/>
     <p:sldId id="328" r:id="rId26"/>
     <p:sldId id="300" r:id="rId27"/>
     <p:sldId id="309" r:id="rId28"/>
@@ -6821,11 +6821,25 @@
             </a:endParaRPr>
           </a:p>
           <a:p>
-            <a:pPr algn="just">
+            <a:pPr lvl="1" algn="just">
               <a:lnSpc>
                 <a:spcPct val="120000"/>
               </a:lnSpc>
             </a:pPr>
+            <a:r>
+              <a:rPr lang="en-US" altLang="en-US" sz="1800" b="1">
+                <a:latin typeface="Noto Serif CJK JP" panose="02020400000000000000" charset="-122"/>
+                <a:ea typeface="Noto Serif CJK JP" panose="02020400000000000000" charset="-122"/>
+              </a:rPr>
+              <a:t>Selection statements</a:t>
+            </a:r>
+            <a:r>
+              <a:rPr lang="en-US" altLang="en-US" sz="1800">
+                <a:latin typeface="Noto Serif CJK JP" panose="02020400000000000000" charset="-122"/>
+                <a:ea typeface="Noto Serif CJK JP" panose="02020400000000000000" charset="-122"/>
+              </a:rPr>
+              <a:t>. These statements perform a test; they then execute one section of code if the test evaluates to true (nonzero). They may execute another section of code if the test evaluates to false.</a:t>
+            </a:r>
             <a:endParaRPr lang="en-US" altLang="en-US" sz="1800">
               <a:latin typeface="Noto Serif CJK JP" panose="02020400000000000000" charset="-122"/>
               <a:ea typeface="Noto Serif CJK JP" panose="02020400000000000000" charset="-122"/>
@@ -6837,21 +6851,7 @@
                 <a:spcPct val="120000"/>
               </a:lnSpc>
             </a:pPr>
-            <a:r>
-              <a:rPr lang="en-US" altLang="en-US" sz="1600" b="1">
-                <a:latin typeface="Noto Serif CJK JP" panose="02020400000000000000" charset="-122"/>
-                <a:ea typeface="Noto Serif CJK JP" panose="02020400000000000000" charset="-122"/>
-              </a:rPr>
-              <a:t>Selection statements</a:t>
-            </a:r>
-            <a:r>
-              <a:rPr lang="en-US" altLang="en-US" sz="1600">
-                <a:latin typeface="Noto Serif CJK JP" panose="02020400000000000000" charset="-122"/>
-                <a:ea typeface="Noto Serif CJK JP" panose="02020400000000000000" charset="-122"/>
-              </a:rPr>
-              <a:t>. These statements perform a test; they then execute one section of code if the test evaluates to true (nonzero). They may execute another section of code if the test evaluates to false.</a:t>
-            </a:r>
-            <a:endParaRPr lang="en-US" altLang="en-US" sz="1600">
+            <a:endParaRPr lang="en-US" altLang="en-US" sz="1800">
               <a:latin typeface="Noto Serif CJK JP" panose="02020400000000000000" charset="-122"/>
               <a:ea typeface="Noto Serif CJK JP" panose="02020400000000000000" charset="-122"/>
             </a:endParaRPr>
@@ -6862,7 +6862,21 @@
                 <a:spcPct val="120000"/>
               </a:lnSpc>
             </a:pPr>
-            <a:endParaRPr lang="en-US" altLang="en-US" sz="1600">
+            <a:r>
+              <a:rPr lang="en-US" altLang="en-US" sz="1800" b="1">
+                <a:latin typeface="Noto Serif CJK JP" panose="02020400000000000000" charset="-122"/>
+                <a:ea typeface="Noto Serif CJK JP" panose="02020400000000000000" charset="-122"/>
+              </a:rPr>
+              <a:t>Iteration statements</a:t>
+            </a:r>
+            <a:r>
+              <a:rPr lang="en-US" altLang="en-US" sz="1800">
+                <a:latin typeface="Noto Serif CJK JP" panose="02020400000000000000" charset="-122"/>
+                <a:ea typeface="Noto Serif CJK JP" panose="02020400000000000000" charset="-122"/>
+              </a:rPr>
+              <a:t>. These statements provide for repeated execution of a block of code until a specified termination criterion is met.</a:t>
+            </a:r>
+            <a:endParaRPr lang="en-US" altLang="en-US" sz="1800">
               <a:latin typeface="Noto Serif CJK JP" panose="02020400000000000000" charset="-122"/>
               <a:ea typeface="Noto Serif CJK JP" panose="02020400000000000000" charset="-122"/>
             </a:endParaRPr>
@@ -6873,21 +6887,7 @@
                 <a:spcPct val="120000"/>
               </a:lnSpc>
             </a:pPr>
-            <a:r>
-              <a:rPr lang="en-US" altLang="en-US" sz="1600" b="1">
-                <a:latin typeface="Noto Serif CJK JP" panose="02020400000000000000" charset="-122"/>
-                <a:ea typeface="Noto Serif CJK JP" panose="02020400000000000000" charset="-122"/>
-              </a:rPr>
-              <a:t>Iteration statements</a:t>
-            </a:r>
-            <a:r>
-              <a:rPr lang="en-US" altLang="en-US" sz="1600">
-                <a:latin typeface="Noto Serif CJK JP" panose="02020400000000000000" charset="-122"/>
-                <a:ea typeface="Noto Serif CJK JP" panose="02020400000000000000" charset="-122"/>
-              </a:rPr>
-              <a:t>. These statements provide for repeated execution of a block of code until a specified termination criterion is met.</a:t>
-            </a:r>
-            <a:endParaRPr lang="en-US" altLang="en-US" sz="1600">
+            <a:endParaRPr lang="en-US" altLang="en-US" sz="1800">
               <a:latin typeface="Noto Serif CJK JP" panose="02020400000000000000" charset="-122"/>
               <a:ea typeface="Noto Serif CJK JP" panose="02020400000000000000" charset="-122"/>
             </a:endParaRPr>
@@ -6898,7 +6898,21 @@
                 <a:spcPct val="120000"/>
               </a:lnSpc>
             </a:pPr>
-            <a:endParaRPr lang="en-US" altLang="en-US" sz="1600">
+            <a:r>
+              <a:rPr lang="en-US" altLang="en-US" sz="1800" b="1">
+                <a:latin typeface="Noto Serif CJK JP" panose="02020400000000000000" charset="-122"/>
+                <a:ea typeface="Noto Serif CJK JP" panose="02020400000000000000" charset="-122"/>
+              </a:rPr>
+              <a:t>Jump statements.</a:t>
+            </a:r>
+            <a:r>
+              <a:rPr lang="en-US" altLang="en-US" sz="1800">
+                <a:latin typeface="Noto Serif CJK JP" panose="02020400000000000000" charset="-122"/>
+                <a:ea typeface="Noto Serif CJK JP" panose="02020400000000000000" charset="-122"/>
+              </a:rPr>
+              <a:t> These statements either transfer control immediately to another location in the function or return control from the function.</a:t>
+            </a:r>
+            <a:endParaRPr lang="en-US" altLang="en-US" sz="1800">
               <a:latin typeface="Noto Serif CJK JP" panose="02020400000000000000" charset="-122"/>
               <a:ea typeface="Noto Serif CJK JP" panose="02020400000000000000" charset="-122"/>
             </a:endParaRPr>
@@ -6909,21 +6923,7 @@
                 <a:spcPct val="120000"/>
               </a:lnSpc>
             </a:pPr>
-            <a:r>
-              <a:rPr lang="en-US" altLang="en-US" sz="1600" b="1">
-                <a:latin typeface="Noto Serif CJK JP" panose="02020400000000000000" charset="-122"/>
-                <a:ea typeface="Noto Serif CJK JP" panose="02020400000000000000" charset="-122"/>
-              </a:rPr>
-              <a:t>Jump statements.</a:t>
-            </a:r>
-            <a:r>
-              <a:rPr lang="en-US" altLang="en-US" sz="1600">
-                <a:latin typeface="Noto Serif CJK JP" panose="02020400000000000000" charset="-122"/>
-                <a:ea typeface="Noto Serif CJK JP" panose="02020400000000000000" charset="-122"/>
-              </a:rPr>
-              <a:t> These statements either transfer control immediately to another location in the function or return control from the function.</a:t>
-            </a:r>
-            <a:endParaRPr lang="en-US" altLang="en-US" sz="1600">
+            <a:endParaRPr lang="en-US" altLang="en-US" sz="1800">
               <a:latin typeface="Noto Serif CJK JP" panose="02020400000000000000" charset="-122"/>
               <a:ea typeface="Noto Serif CJK JP" panose="02020400000000000000" charset="-122"/>
             </a:endParaRPr>
@@ -6934,26 +6934,15 @@
                 <a:spcPct val="120000"/>
               </a:lnSpc>
             </a:pPr>
-            <a:endParaRPr lang="en-US" altLang="en-US" sz="1600">
-              <a:latin typeface="Noto Serif CJK JP" panose="02020400000000000000" charset="-122"/>
-              <a:ea typeface="Noto Serif CJK JP" panose="02020400000000000000" charset="-122"/>
-            </a:endParaRPr>
-          </a:p>
-          <a:p>
-            <a:pPr lvl="1" algn="just">
-              <a:lnSpc>
-                <a:spcPct val="120000"/>
-              </a:lnSpc>
-            </a:pPr>
-            <a:r>
-              <a:rPr lang="en-US" altLang="en-US" sz="1600" b="1">
+            <a:r>
+              <a:rPr lang="en-US" altLang="en-US" sz="1800" b="1">
                 <a:latin typeface="Noto Serif CJK JP" panose="02020400000000000000" charset="-122"/>
                 <a:ea typeface="Noto Serif CJK JP" panose="02020400000000000000" charset="-122"/>
               </a:rPr>
               <a:t>Declaration statements.</a:t>
             </a:r>
             <a:r>
-              <a:rPr lang="en-US" altLang="en-US" sz="1600">
+              <a:rPr lang="en-US" altLang="en-US" sz="1800">
                 <a:latin typeface="Noto Serif CJK JP" panose="02020400000000000000" charset="-122"/>
                 <a:ea typeface="Noto Serif CJK JP" panose="02020400000000000000" charset="-122"/>
               </a:rPr>
@@ -7833,8 +7822,8 @@
         </p:nvSpPr>
         <p:spPr>
           <a:xfrm>
-            <a:off x="6985" y="987425"/>
-            <a:ext cx="8749030" cy="6202045"/>
+            <a:off x="383540" y="987425"/>
+            <a:ext cx="8265160" cy="5110480"/>
           </a:xfrm>
         </p:spPr>
         <p:txBody>
@@ -8047,8 +8036,8 @@
         </p:nvSpPr>
         <p:spPr>
           <a:xfrm>
-            <a:off x="-8255" y="987425"/>
-            <a:ext cx="8764270" cy="5636895"/>
+            <a:off x="260350" y="987425"/>
+            <a:ext cx="8495665" cy="5636895"/>
           </a:xfrm>
         </p:spPr>
         <p:txBody>
@@ -8518,149 +8507,6 @@
                 <a:latin typeface="Noto Serif CJK JP" panose="02020400000000000000" charset="-122"/>
                 <a:ea typeface="Noto Serif CJK JP" panose="02020400000000000000" charset="-122"/>
               </a:rPr>
-              <a:t>Scope of Variables</a:t>
-            </a:r>
-            <a:endParaRPr lang="en-US" altLang="en-US" sz="3200">
-              <a:latin typeface="Noto Serif CJK JP" panose="02020400000000000000" charset="-122"/>
-              <a:ea typeface="Noto Serif CJK JP" panose="02020400000000000000" charset="-122"/>
-            </a:endParaRPr>
-          </a:p>
-        </p:txBody>
-      </p:sp>
-      <p:sp>
-        <p:nvSpPr>
-          <p:cNvPr id="3" name="Content Placeholder 2"/>
-          <p:cNvSpPr>
-            <a:spLocks noGrp="1"/>
-          </p:cNvSpPr>
-          <p:nvPr>
-            <p:ph idx="1"/>
-          </p:nvPr>
-        </p:nvSpPr>
-        <p:spPr>
-          <a:xfrm>
-            <a:off x="6985" y="987425"/>
-            <a:ext cx="8749030" cy="6202045"/>
-          </a:xfrm>
-        </p:spPr>
-        <p:txBody>
-          <a:bodyPr/>
-          <a:p>
-            <a:pPr algn="just">
-              <a:lnSpc>
-                <a:spcPct val="200000"/>
-              </a:lnSpc>
-            </a:pPr>
-            <a:r>
-              <a:rPr lang="en-US" sz="1800">
-                <a:latin typeface="Noto Serif CJK JP" panose="02020400000000000000" charset="-122"/>
-                <a:ea typeface="Noto Serif CJK JP" panose="02020400000000000000" charset="-122"/>
-              </a:rPr>
-              <a:t>All the variables have their area of functioning, and out of that boundary they don't hold their value, this boundary is called scope of the variable </a:t>
-            </a:r>
-            <a:endParaRPr lang="en-US" sz="1800">
-              <a:latin typeface="Noto Serif CJK JP" panose="02020400000000000000" charset="-122"/>
-              <a:ea typeface="Noto Serif CJK JP" panose="02020400000000000000" charset="-122"/>
-            </a:endParaRPr>
-          </a:p>
-          <a:p>
-            <a:pPr algn="just">
-              <a:lnSpc>
-                <a:spcPct val="200000"/>
-              </a:lnSpc>
-            </a:pPr>
-            <a:r>
-              <a:rPr lang="en-US" altLang="en-US" sz="1800">
-                <a:latin typeface="Noto Serif CJK JP" panose="02020400000000000000" charset="-122"/>
-                <a:ea typeface="Noto Serif CJK JP" panose="02020400000000000000" charset="-122"/>
-              </a:rPr>
-              <a:t>Scope are defined using blocks {} in C++</a:t>
-            </a:r>
-            <a:endParaRPr lang="en-US" sz="1800">
-              <a:latin typeface="Noto Serif CJK JP" panose="02020400000000000000" charset="-122"/>
-              <a:ea typeface="Noto Serif CJK JP" panose="02020400000000000000" charset="-122"/>
-            </a:endParaRPr>
-          </a:p>
-          <a:p>
-            <a:pPr algn="just">
-              <a:lnSpc>
-                <a:spcPct val="200000"/>
-              </a:lnSpc>
-            </a:pPr>
-            <a:r>
-              <a:rPr lang="en-US" sz="1800">
-                <a:latin typeface="Noto Serif CJK JP" panose="02020400000000000000" charset="-122"/>
-                <a:ea typeface="Noto Serif CJK JP" panose="02020400000000000000" charset="-122"/>
-              </a:rPr>
-              <a:t>Global variables are those, which ar once declared and can be used throughout the lifetime of the program by any class or any function</a:t>
-            </a:r>
-            <a:endParaRPr lang="en-US" sz="1800">
-              <a:latin typeface="Noto Serif CJK JP" panose="02020400000000000000" charset="-122"/>
-              <a:ea typeface="Noto Serif CJK JP" panose="02020400000000000000" charset="-122"/>
-            </a:endParaRPr>
-          </a:p>
-          <a:p>
-            <a:pPr algn="just">
-              <a:lnSpc>
-                <a:spcPct val="200000"/>
-              </a:lnSpc>
-            </a:pPr>
-            <a:r>
-              <a:rPr lang="en-US" sz="1800">
-                <a:latin typeface="Noto Serif CJK JP" panose="02020400000000000000" charset="-122"/>
-                <a:ea typeface="Noto Serif CJK JP" panose="02020400000000000000" charset="-122"/>
-              </a:rPr>
-              <a:t>Local variables are the variables which exist only between the curly braces, in which its declared. Outside that they are unavailable and leads to compile time error</a:t>
-            </a:r>
-            <a:endParaRPr lang="en-US" sz="1800">
-              <a:latin typeface="Noto Serif CJK JP" panose="02020400000000000000" charset="-122"/>
-              <a:ea typeface="Noto Serif CJK JP" panose="02020400000000000000" charset="-122"/>
-            </a:endParaRPr>
-          </a:p>
-        </p:txBody>
-      </p:sp>
-    </p:spTree>
-  </p:cSld>
-  <p:clrMapOvr>
-    <a:masterClrMapping/>
-  </p:clrMapOvr>
-</p:sld>
-</file>
-
-<file path=ppt/slides/slide19.xml><?xml version="1.0" encoding="utf-8"?>
-<p:sld xmlns:a="http://schemas.openxmlformats.org/drawingml/2006/main" xmlns:r="http://schemas.openxmlformats.org/officeDocument/2006/relationships" xmlns:p="http://schemas.openxmlformats.org/presentationml/2006/main">
-  <p:cSld>
-    <p:spTree>
-      <p:nvGrpSpPr>
-        <p:cNvPr id="1" name=""/>
-        <p:cNvGrpSpPr/>
-        <p:nvPr/>
-      </p:nvGrpSpPr>
-      <p:grpSpPr/>
-      <p:sp>
-        <p:nvSpPr>
-          <p:cNvPr id="2" name="Title 1"/>
-          <p:cNvSpPr>
-            <a:spLocks noGrp="1"/>
-          </p:cNvSpPr>
-          <p:nvPr>
-            <p:ph type="title"/>
-          </p:nvPr>
-        </p:nvSpPr>
-        <p:spPr>
-          <a:xfrm>
-            <a:off x="685800" y="64135"/>
-            <a:ext cx="7772400" cy="923290"/>
-          </a:xfrm>
-        </p:spPr>
-        <p:txBody>
-          <a:bodyPr/>
-          <a:p>
-            <a:r>
-              <a:rPr lang="en-US" altLang="en-US" sz="3200">
-                <a:latin typeface="Noto Serif CJK JP" panose="02020400000000000000" charset="-122"/>
-                <a:ea typeface="Noto Serif CJK JP" panose="02020400000000000000" charset="-122"/>
-              </a:rPr>
               <a:t>Type Conversion</a:t>
             </a:r>
             <a:endParaRPr lang="en-US" altLang="en-US" sz="3200">
@@ -8863,215 +8709,7 @@
 </p:sld>
 </file>
 
-<file path=ppt/slides/slide2.xml><?xml version="1.0" encoding="utf-8"?>
-<p:sld xmlns:a="http://schemas.openxmlformats.org/drawingml/2006/main" xmlns:r="http://schemas.openxmlformats.org/officeDocument/2006/relationships" xmlns:p="http://schemas.openxmlformats.org/presentationml/2006/main">
-  <p:cSld>
-    <p:spTree>
-      <p:nvGrpSpPr>
-        <p:cNvPr id="1" name=""/>
-        <p:cNvGrpSpPr/>
-        <p:nvPr/>
-      </p:nvGrpSpPr>
-      <p:grpSpPr/>
-      <p:sp>
-        <p:nvSpPr>
-          <p:cNvPr id="2" name="Title 1"/>
-          <p:cNvSpPr>
-            <a:spLocks noGrp="1"/>
-          </p:cNvSpPr>
-          <p:nvPr>
-            <p:ph type="title"/>
-          </p:nvPr>
-        </p:nvSpPr>
-        <p:spPr>
-          <a:xfrm>
-            <a:off x="930275" y="284480"/>
-            <a:ext cx="7772400" cy="573405"/>
-          </a:xfrm>
-        </p:spPr>
-        <p:txBody>
-          <a:bodyPr/>
-          <a:p>
-            <a:r>
-              <a:rPr lang="en-US" altLang="en-US" sz="3200">
-                <a:latin typeface="Noto Serif CJK JP" panose="02020400000000000000" charset="-122"/>
-                <a:ea typeface="Noto Serif CJK JP" panose="02020400000000000000" charset="-122"/>
-              </a:rPr>
-              <a:t>Intro</a:t>
-            </a:r>
-            <a:endParaRPr lang="en-US" altLang="en-US" sz="3200">
-              <a:latin typeface="Noto Serif CJK JP" panose="02020400000000000000" charset="-122"/>
-              <a:ea typeface="Noto Serif CJK JP" panose="02020400000000000000" charset="-122"/>
-            </a:endParaRPr>
-          </a:p>
-        </p:txBody>
-      </p:sp>
-      <p:sp>
-        <p:nvSpPr>
-          <p:cNvPr id="3" name="Content Placeholder 2"/>
-          <p:cNvSpPr>
-            <a:spLocks noGrp="1"/>
-          </p:cNvSpPr>
-          <p:nvPr>
-            <p:ph idx="1"/>
-          </p:nvPr>
-        </p:nvSpPr>
-        <p:spPr>
-          <a:xfrm>
-            <a:off x="685800" y="1168400"/>
-            <a:ext cx="7772400" cy="4927600"/>
-          </a:xfrm>
-        </p:spPr>
-        <p:txBody>
-          <a:bodyPr/>
-          <a:p>
-            <a:pPr>
-              <a:lnSpc>
-                <a:spcPct val="260000"/>
-              </a:lnSpc>
-            </a:pPr>
-            <a:r>
-              <a:rPr lang="en-US" altLang="en-US" sz="2000">
-                <a:latin typeface="Noto Serif CJK JP" panose="02020400000000000000" charset="-122"/>
-                <a:ea typeface="Noto Serif CJK JP" panose="02020400000000000000" charset="-122"/>
-                <a:sym typeface="+mn-ea"/>
-              </a:rPr>
-              <a:t>Programming : giving instructions</a:t>
-            </a:r>
-            <a:endParaRPr lang="en-US" altLang="en-US" sz="2000">
-              <a:latin typeface="Noto Serif CJK JP" panose="02020400000000000000" charset="-122"/>
-              <a:ea typeface="Noto Serif CJK JP" panose="02020400000000000000" charset="-122"/>
-              <a:sym typeface="+mn-ea"/>
-            </a:endParaRPr>
-          </a:p>
-          <a:p>
-            <a:pPr>
-              <a:lnSpc>
-                <a:spcPct val="260000"/>
-              </a:lnSpc>
-            </a:pPr>
-            <a:r>
-              <a:rPr lang="en-US" altLang="en-US" sz="2000">
-                <a:latin typeface="Noto Serif CJK JP" panose="02020400000000000000" charset="-122"/>
-                <a:ea typeface="Noto Serif CJK JP" panose="02020400000000000000" charset="-122"/>
-                <a:sym typeface="+mn-ea"/>
-              </a:rPr>
-              <a:t>Programming Paradigm : Way of Thinking</a:t>
-            </a:r>
-            <a:endParaRPr lang="en-US" altLang="en-US" sz="2000">
-              <a:latin typeface="Noto Serif CJK JP" panose="02020400000000000000" charset="-122"/>
-              <a:ea typeface="Noto Serif CJK JP" panose="02020400000000000000" charset="-122"/>
-              <a:sym typeface="+mn-ea"/>
-            </a:endParaRPr>
-          </a:p>
-          <a:p>
-            <a:pPr>
-              <a:lnSpc>
-                <a:spcPct val="180000"/>
-              </a:lnSpc>
-            </a:pPr>
-            <a:r>
-              <a:rPr lang="en-US" altLang="en-US" sz="2000">
-                <a:latin typeface="Noto Serif CJK JP" panose="02020400000000000000" charset="-122"/>
-                <a:ea typeface="Noto Serif CJK JP" panose="02020400000000000000" charset="-122"/>
-              </a:rPr>
-              <a:t>C++ :  Programming Language that supports procedural and object-oriented. </a:t>
-            </a:r>
-            <a:endParaRPr lang="en-US" altLang="en-US" sz="2000">
-              <a:latin typeface="Noto Serif CJK JP" panose="02020400000000000000" charset="-122"/>
-              <a:ea typeface="Noto Serif CJK JP" panose="02020400000000000000" charset="-122"/>
-            </a:endParaRPr>
-          </a:p>
-          <a:p>
-            <a:pPr>
-              <a:lnSpc>
-                <a:spcPct val="260000"/>
-              </a:lnSpc>
-            </a:pPr>
-            <a:r>
-              <a:rPr lang="en-US" altLang="en-US" sz="2000">
-                <a:latin typeface="Noto Serif CJK JP" panose="02020400000000000000" charset="-122"/>
-                <a:ea typeface="Noto Serif CJK JP" panose="02020400000000000000" charset="-122"/>
-              </a:rPr>
-              <a:t>Data Structures : </a:t>
-            </a:r>
-            <a:r>
-              <a:rPr lang="en-US" altLang="en-US" sz="2000">
-                <a:latin typeface="Noto Serif CJK JP" panose="02020400000000000000" charset="-122"/>
-                <a:ea typeface="Noto Serif CJK JP" panose="02020400000000000000" charset="-122"/>
-                <a:sym typeface="+mn-ea"/>
-              </a:rPr>
-              <a:t>W</a:t>
-            </a:r>
-            <a:r>
-              <a:rPr lang="en-US" sz="2000">
-                <a:latin typeface="Noto Serif CJK JP" panose="02020400000000000000" charset="-122"/>
-                <a:ea typeface="Noto Serif CJK JP" panose="02020400000000000000" charset="-122"/>
-                <a:sym typeface="+mn-ea"/>
-              </a:rPr>
-              <a:t>ay of organizing data</a:t>
-            </a:r>
-            <a:endParaRPr lang="en-US" sz="2000">
-              <a:latin typeface="Noto Serif CJK JP" panose="02020400000000000000" charset="-122"/>
-              <a:ea typeface="Noto Serif CJK JP" panose="02020400000000000000" charset="-122"/>
-            </a:endParaRPr>
-          </a:p>
-          <a:p>
-            <a:pPr>
-              <a:lnSpc>
-                <a:spcPct val="120000"/>
-              </a:lnSpc>
-            </a:pPr>
-            <a:endParaRPr lang="en-US" altLang="en-US" sz="2000">
-              <a:latin typeface="Noto Serif CJK JP" panose="02020400000000000000" charset="-122"/>
-              <a:ea typeface="Noto Serif CJK JP" panose="02020400000000000000" charset="-122"/>
-            </a:endParaRPr>
-          </a:p>
-          <a:p>
-            <a:pPr>
-              <a:lnSpc>
-                <a:spcPct val="120000"/>
-              </a:lnSpc>
-            </a:pPr>
-            <a:endParaRPr lang="en-US" altLang="en-US" sz="2000">
-              <a:latin typeface="Noto Serif CJK JP" panose="02020400000000000000" charset="-122"/>
-              <a:ea typeface="Noto Serif CJK JP" panose="02020400000000000000" charset="-122"/>
-              <a:sym typeface="+mn-ea"/>
-            </a:endParaRPr>
-          </a:p>
-          <a:p>
-            <a:pPr>
-              <a:lnSpc>
-                <a:spcPct val="120000"/>
-              </a:lnSpc>
-            </a:pPr>
-            <a:endParaRPr lang="en-US" sz="2000">
-              <a:latin typeface="Noto Serif CJK JP" panose="02020400000000000000" charset="-122"/>
-              <a:ea typeface="Noto Serif CJK JP" panose="02020400000000000000" charset="-122"/>
-            </a:endParaRPr>
-          </a:p>
-          <a:p>
-            <a:pPr>
-              <a:lnSpc>
-                <a:spcPct val="120000"/>
-              </a:lnSpc>
-            </a:pPr>
-            <a:endParaRPr lang="en-US" sz="2000">
-              <a:latin typeface="Noto Serif CJK JP" panose="02020400000000000000" charset="-122"/>
-              <a:ea typeface="Noto Serif CJK JP" panose="02020400000000000000" charset="-122"/>
-            </a:endParaRPr>
-          </a:p>
-        </p:txBody>
-      </p:sp>
-    </p:spTree>
-  </p:cSld>
-  <p:clrMapOvr>
-    <a:masterClrMapping/>
-  </p:clrMapOvr>
-</p:sld>
-</file>
-
-<file path=ppt/slides/slide20.xml><?xml version="1.0" encoding="utf-8"?>
+<file path=ppt/slides/slide19.xml><?xml version="1.0" encoding="utf-8"?>
 <p:sld xmlns:a="http://schemas.openxmlformats.org/drawingml/2006/main" xmlns:r="http://schemas.openxmlformats.org/officeDocument/2006/relationships" xmlns:p="http://schemas.openxmlformats.org/presentationml/2006/main">
   <p:cSld>
     <p:spTree>
@@ -9722,7 +9360,215 @@
 </p:sld>
 </file>
 
-<file path=ppt/slides/slide21.xml><?xml version="1.0" encoding="utf-8"?>
+<file path=ppt/slides/slide2.xml><?xml version="1.0" encoding="utf-8"?>
+<p:sld xmlns:a="http://schemas.openxmlformats.org/drawingml/2006/main" xmlns:r="http://schemas.openxmlformats.org/officeDocument/2006/relationships" xmlns:p="http://schemas.openxmlformats.org/presentationml/2006/main">
+  <p:cSld>
+    <p:spTree>
+      <p:nvGrpSpPr>
+        <p:cNvPr id="1" name=""/>
+        <p:cNvGrpSpPr/>
+        <p:nvPr/>
+      </p:nvGrpSpPr>
+      <p:grpSpPr/>
+      <p:sp>
+        <p:nvSpPr>
+          <p:cNvPr id="2" name="Title 1"/>
+          <p:cNvSpPr>
+            <a:spLocks noGrp="1"/>
+          </p:cNvSpPr>
+          <p:nvPr>
+            <p:ph type="title"/>
+          </p:nvPr>
+        </p:nvSpPr>
+        <p:spPr>
+          <a:xfrm>
+            <a:off x="930275" y="284480"/>
+            <a:ext cx="7772400" cy="573405"/>
+          </a:xfrm>
+        </p:spPr>
+        <p:txBody>
+          <a:bodyPr/>
+          <a:p>
+            <a:r>
+              <a:rPr lang="en-US" altLang="en-US" sz="3200">
+                <a:latin typeface="Noto Serif CJK JP" panose="02020400000000000000" charset="-122"/>
+                <a:ea typeface="Noto Serif CJK JP" panose="02020400000000000000" charset="-122"/>
+              </a:rPr>
+              <a:t>Intro</a:t>
+            </a:r>
+            <a:endParaRPr lang="en-US" altLang="en-US" sz="3200">
+              <a:latin typeface="Noto Serif CJK JP" panose="02020400000000000000" charset="-122"/>
+              <a:ea typeface="Noto Serif CJK JP" panose="02020400000000000000" charset="-122"/>
+            </a:endParaRPr>
+          </a:p>
+        </p:txBody>
+      </p:sp>
+      <p:sp>
+        <p:nvSpPr>
+          <p:cNvPr id="3" name="Content Placeholder 2"/>
+          <p:cNvSpPr>
+            <a:spLocks noGrp="1"/>
+          </p:cNvSpPr>
+          <p:nvPr>
+            <p:ph idx="1"/>
+          </p:nvPr>
+        </p:nvSpPr>
+        <p:spPr>
+          <a:xfrm>
+            <a:off x="685800" y="1168400"/>
+            <a:ext cx="7772400" cy="4927600"/>
+          </a:xfrm>
+        </p:spPr>
+        <p:txBody>
+          <a:bodyPr/>
+          <a:p>
+            <a:pPr>
+              <a:lnSpc>
+                <a:spcPct val="260000"/>
+              </a:lnSpc>
+            </a:pPr>
+            <a:r>
+              <a:rPr lang="en-US" altLang="en-US" sz="2000">
+                <a:latin typeface="Noto Serif CJK JP" panose="02020400000000000000" charset="-122"/>
+                <a:ea typeface="Noto Serif CJK JP" panose="02020400000000000000" charset="-122"/>
+                <a:sym typeface="+mn-ea"/>
+              </a:rPr>
+              <a:t>Programming : giving instructions</a:t>
+            </a:r>
+            <a:endParaRPr lang="en-US" altLang="en-US" sz="2000">
+              <a:latin typeface="Noto Serif CJK JP" panose="02020400000000000000" charset="-122"/>
+              <a:ea typeface="Noto Serif CJK JP" panose="02020400000000000000" charset="-122"/>
+              <a:sym typeface="+mn-ea"/>
+            </a:endParaRPr>
+          </a:p>
+          <a:p>
+            <a:pPr>
+              <a:lnSpc>
+                <a:spcPct val="260000"/>
+              </a:lnSpc>
+            </a:pPr>
+            <a:r>
+              <a:rPr lang="en-US" altLang="en-US" sz="2000">
+                <a:latin typeface="Noto Serif CJK JP" panose="02020400000000000000" charset="-122"/>
+                <a:ea typeface="Noto Serif CJK JP" panose="02020400000000000000" charset="-122"/>
+                <a:sym typeface="+mn-ea"/>
+              </a:rPr>
+              <a:t>Programming Paradigm : Way of Thinking</a:t>
+            </a:r>
+            <a:endParaRPr lang="en-US" altLang="en-US" sz="2000">
+              <a:latin typeface="Noto Serif CJK JP" panose="02020400000000000000" charset="-122"/>
+              <a:ea typeface="Noto Serif CJK JP" panose="02020400000000000000" charset="-122"/>
+              <a:sym typeface="+mn-ea"/>
+            </a:endParaRPr>
+          </a:p>
+          <a:p>
+            <a:pPr>
+              <a:lnSpc>
+                <a:spcPct val="180000"/>
+              </a:lnSpc>
+            </a:pPr>
+            <a:r>
+              <a:rPr lang="en-US" altLang="en-US" sz="2000">
+                <a:latin typeface="Noto Serif CJK JP" panose="02020400000000000000" charset="-122"/>
+                <a:ea typeface="Noto Serif CJK JP" panose="02020400000000000000" charset="-122"/>
+              </a:rPr>
+              <a:t>C++ :  Programming Language that supports procedural and object-oriented. </a:t>
+            </a:r>
+            <a:endParaRPr lang="en-US" altLang="en-US" sz="2000">
+              <a:latin typeface="Noto Serif CJK JP" panose="02020400000000000000" charset="-122"/>
+              <a:ea typeface="Noto Serif CJK JP" panose="02020400000000000000" charset="-122"/>
+            </a:endParaRPr>
+          </a:p>
+          <a:p>
+            <a:pPr>
+              <a:lnSpc>
+                <a:spcPct val="260000"/>
+              </a:lnSpc>
+            </a:pPr>
+            <a:r>
+              <a:rPr lang="en-US" altLang="en-US" sz="2000">
+                <a:latin typeface="Noto Serif CJK JP" panose="02020400000000000000" charset="-122"/>
+                <a:ea typeface="Noto Serif CJK JP" panose="02020400000000000000" charset="-122"/>
+              </a:rPr>
+              <a:t>Data Structures : </a:t>
+            </a:r>
+            <a:r>
+              <a:rPr lang="en-US" altLang="en-US" sz="2000">
+                <a:latin typeface="Noto Serif CJK JP" panose="02020400000000000000" charset="-122"/>
+                <a:ea typeface="Noto Serif CJK JP" panose="02020400000000000000" charset="-122"/>
+                <a:sym typeface="+mn-ea"/>
+              </a:rPr>
+              <a:t>W</a:t>
+            </a:r>
+            <a:r>
+              <a:rPr lang="en-US" sz="2000">
+                <a:latin typeface="Noto Serif CJK JP" panose="02020400000000000000" charset="-122"/>
+                <a:ea typeface="Noto Serif CJK JP" panose="02020400000000000000" charset="-122"/>
+                <a:sym typeface="+mn-ea"/>
+              </a:rPr>
+              <a:t>ay of organizing data</a:t>
+            </a:r>
+            <a:endParaRPr lang="en-US" sz="2000">
+              <a:latin typeface="Noto Serif CJK JP" panose="02020400000000000000" charset="-122"/>
+              <a:ea typeface="Noto Serif CJK JP" panose="02020400000000000000" charset="-122"/>
+            </a:endParaRPr>
+          </a:p>
+          <a:p>
+            <a:pPr>
+              <a:lnSpc>
+                <a:spcPct val="120000"/>
+              </a:lnSpc>
+            </a:pPr>
+            <a:endParaRPr lang="en-US" altLang="en-US" sz="2000">
+              <a:latin typeface="Noto Serif CJK JP" panose="02020400000000000000" charset="-122"/>
+              <a:ea typeface="Noto Serif CJK JP" panose="02020400000000000000" charset="-122"/>
+            </a:endParaRPr>
+          </a:p>
+          <a:p>
+            <a:pPr>
+              <a:lnSpc>
+                <a:spcPct val="120000"/>
+              </a:lnSpc>
+            </a:pPr>
+            <a:endParaRPr lang="en-US" altLang="en-US" sz="2000">
+              <a:latin typeface="Noto Serif CJK JP" panose="02020400000000000000" charset="-122"/>
+              <a:ea typeface="Noto Serif CJK JP" panose="02020400000000000000" charset="-122"/>
+              <a:sym typeface="+mn-ea"/>
+            </a:endParaRPr>
+          </a:p>
+          <a:p>
+            <a:pPr>
+              <a:lnSpc>
+                <a:spcPct val="120000"/>
+              </a:lnSpc>
+            </a:pPr>
+            <a:endParaRPr lang="en-US" sz="2000">
+              <a:latin typeface="Noto Serif CJK JP" panose="02020400000000000000" charset="-122"/>
+              <a:ea typeface="Noto Serif CJK JP" panose="02020400000000000000" charset="-122"/>
+            </a:endParaRPr>
+          </a:p>
+          <a:p>
+            <a:pPr>
+              <a:lnSpc>
+                <a:spcPct val="120000"/>
+              </a:lnSpc>
+            </a:pPr>
+            <a:endParaRPr lang="en-US" sz="2000">
+              <a:latin typeface="Noto Serif CJK JP" panose="02020400000000000000" charset="-122"/>
+              <a:ea typeface="Noto Serif CJK JP" panose="02020400000000000000" charset="-122"/>
+            </a:endParaRPr>
+          </a:p>
+        </p:txBody>
+      </p:sp>
+    </p:spTree>
+  </p:cSld>
+  <p:clrMapOvr>
+    <a:masterClrMapping/>
+  </p:clrMapOvr>
+</p:sld>
+</file>
+
+<file path=ppt/slides/slide20.xml><?xml version="1.0" encoding="utf-8"?>
 <p:sld xmlns:a="http://schemas.openxmlformats.org/drawingml/2006/main" xmlns:r="http://schemas.openxmlformats.org/officeDocument/2006/relationships" xmlns:p="http://schemas.openxmlformats.org/presentationml/2006/main">
   <p:cSld>
     <p:spTree>
@@ -9903,6 +9749,277 @@
             <a:endParaRPr lang="en-US" altLang="en-US" sz="1800">
               <a:latin typeface="FreeMono" panose="020F0409020205020404" charset="0"/>
               <a:ea typeface="FreeMono" panose="020F0409020205020404" charset="0"/>
+            </a:endParaRPr>
+          </a:p>
+        </p:txBody>
+      </p:sp>
+    </p:spTree>
+  </p:cSld>
+  <p:clrMapOvr>
+    <a:masterClrMapping/>
+  </p:clrMapOvr>
+</p:sld>
+</file>
+
+<file path=ppt/slides/slide21.xml><?xml version="1.0" encoding="utf-8"?>
+<p:sld xmlns:a="http://schemas.openxmlformats.org/drawingml/2006/main" xmlns:r="http://schemas.openxmlformats.org/officeDocument/2006/relationships" xmlns:p="http://schemas.openxmlformats.org/presentationml/2006/main">
+  <p:cSld>
+    <p:spTree>
+      <p:nvGrpSpPr>
+        <p:cNvPr id="1" name=""/>
+        <p:cNvGrpSpPr/>
+        <p:nvPr/>
+      </p:nvGrpSpPr>
+      <p:grpSpPr/>
+      <p:sp>
+        <p:nvSpPr>
+          <p:cNvPr id="2" name="Title 1"/>
+          <p:cNvSpPr>
+            <a:spLocks noGrp="1"/>
+          </p:cNvSpPr>
+          <p:nvPr>
+            <p:ph type="title"/>
+          </p:nvPr>
+        </p:nvSpPr>
+        <p:spPr>
+          <a:xfrm>
+            <a:off x="677545" y="129540"/>
+            <a:ext cx="7772400" cy="1143000"/>
+          </a:xfrm>
+        </p:spPr>
+        <p:txBody>
+          <a:bodyPr/>
+          <a:p>
+            <a:r>
+              <a:rPr lang="en-US" altLang="en-US" sz="3200">
+                <a:latin typeface="Noto Serif CJK JP" panose="02020400000000000000" charset="-122"/>
+                <a:ea typeface="Noto Serif CJK JP" panose="02020400000000000000" charset="-122"/>
+              </a:rPr>
+              <a:t> Functions in C++</a:t>
+            </a:r>
+            <a:endParaRPr lang="en-US" altLang="en-US" sz="3200">
+              <a:latin typeface="Noto Serif CJK JP" panose="02020400000000000000" charset="-122"/>
+              <a:ea typeface="Noto Serif CJK JP" panose="02020400000000000000" charset="-122"/>
+            </a:endParaRPr>
+          </a:p>
+        </p:txBody>
+      </p:sp>
+      <p:sp>
+        <p:nvSpPr>
+          <p:cNvPr id="3" name="Content Placeholder 2"/>
+          <p:cNvSpPr>
+            <a:spLocks noGrp="1"/>
+          </p:cNvSpPr>
+          <p:nvPr>
+            <p:ph idx="1"/>
+          </p:nvPr>
+        </p:nvSpPr>
+        <p:spPr>
+          <a:xfrm>
+            <a:off x="6985" y="987425"/>
+            <a:ext cx="8749030" cy="5433060"/>
+          </a:xfrm>
+        </p:spPr>
+        <p:txBody>
+          <a:bodyPr/>
+          <a:p>
+            <a:pPr algn="just">
+              <a:lnSpc>
+                <a:spcPct val="120000"/>
+              </a:lnSpc>
+            </a:pPr>
+            <a:r>
+              <a:rPr lang="en-US" altLang="en-US" sz="1800">
+                <a:latin typeface="Noto Serif CJK JP" panose="02020400000000000000" charset="-122"/>
+                <a:ea typeface="Noto Serif CJK JP" panose="02020400000000000000" charset="-122"/>
+              </a:rPr>
+              <a:t>Defines an logic or action/steps  in the program</a:t>
+            </a:r>
+            <a:endParaRPr lang="en-US" altLang="en-US" sz="1800">
+              <a:latin typeface="Noto Serif CJK JP" panose="02020400000000000000" charset="-122"/>
+              <a:ea typeface="Noto Serif CJK JP" panose="02020400000000000000" charset="-122"/>
+            </a:endParaRPr>
+          </a:p>
+          <a:p>
+            <a:pPr algn="just">
+              <a:lnSpc>
+                <a:spcPct val="120000"/>
+              </a:lnSpc>
+            </a:pPr>
+            <a:r>
+              <a:rPr lang="en-US" altLang="en-US" sz="1800">
+                <a:latin typeface="Noto Serif CJK JP" panose="02020400000000000000" charset="-122"/>
+                <a:ea typeface="Noto Serif CJK JP" panose="02020400000000000000" charset="-122"/>
+                <a:sym typeface="+mn-ea"/>
+              </a:rPr>
+              <a:t>P</a:t>
+            </a:r>
+            <a:r>
+              <a:rPr lang="en-US" sz="1800">
+                <a:latin typeface="Noto Serif CJK JP" panose="02020400000000000000" charset="-122"/>
+                <a:ea typeface="Noto Serif CJK JP" panose="02020400000000000000" charset="-122"/>
+                <a:sym typeface="+mn-ea"/>
+              </a:rPr>
+              <a:t>rovide modularity to a program</a:t>
+            </a:r>
+            <a:endParaRPr lang="en-US" altLang="en-US" sz="1800">
+              <a:latin typeface="Noto Serif CJK JP" panose="02020400000000000000" charset="-122"/>
+              <a:ea typeface="Noto Serif CJK JP" panose="02020400000000000000" charset="-122"/>
+            </a:endParaRPr>
+          </a:p>
+          <a:p>
+            <a:pPr algn="just">
+              <a:lnSpc>
+                <a:spcPct val="120000"/>
+              </a:lnSpc>
+            </a:pPr>
+            <a:r>
+              <a:rPr lang="en-US" altLang="en-US" sz="1800">
+                <a:latin typeface="Noto Serif CJK JP" panose="02020400000000000000" charset="-122"/>
+                <a:ea typeface="Noto Serif CJK JP" panose="02020400000000000000" charset="-122"/>
+              </a:rPr>
+              <a:t>Implementation Units of function in C++ :</a:t>
+            </a:r>
+            <a:endParaRPr lang="en-US" sz="1800">
+              <a:latin typeface="Noto Serif CJK JP" panose="02020400000000000000" charset="-122"/>
+              <a:ea typeface="Noto Serif CJK JP" panose="02020400000000000000" charset="-122"/>
+            </a:endParaRPr>
+          </a:p>
+          <a:p>
+            <a:pPr lvl="1" algn="just">
+              <a:lnSpc>
+                <a:spcPct val="120000"/>
+              </a:lnSpc>
+            </a:pPr>
+            <a:r>
+              <a:rPr lang="en-US" altLang="en-US" sz="1800">
+                <a:latin typeface="Noto Serif CJK JP" panose="02020400000000000000" charset="-122"/>
+                <a:ea typeface="Noto Serif CJK JP" panose="02020400000000000000" charset="-122"/>
+              </a:rPr>
+              <a:t>R</a:t>
+            </a:r>
+            <a:r>
+              <a:rPr lang="en-US" sz="1800">
+                <a:latin typeface="Noto Serif CJK JP" panose="02020400000000000000" charset="-122"/>
+                <a:ea typeface="Noto Serif CJK JP" panose="02020400000000000000" charset="-122"/>
+              </a:rPr>
+              <a:t>eturn-type: suggests what the function will return. It can be int, char, </a:t>
+            </a:r>
+            <a:r>
+              <a:rPr lang="en-US" altLang="en-US" sz="1800">
+                <a:latin typeface="Noto Serif CJK JP" panose="02020400000000000000" charset="-122"/>
+                <a:ea typeface="Noto Serif CJK JP" panose="02020400000000000000" charset="-122"/>
+              </a:rPr>
+              <a:t>..etc </a:t>
+            </a:r>
+            <a:r>
+              <a:rPr lang="en-US" sz="1800">
+                <a:latin typeface="Noto Serif CJK JP" panose="02020400000000000000" charset="-122"/>
+                <a:ea typeface="Noto Serif CJK JP" panose="02020400000000000000" charset="-122"/>
+              </a:rPr>
+              <a:t>There can be functions which does not return anything, they are mentioned with void.</a:t>
+            </a:r>
+            <a:endParaRPr lang="en-US" sz="1800">
+              <a:latin typeface="Noto Serif CJK JP" panose="02020400000000000000" charset="-122"/>
+              <a:ea typeface="Noto Serif CJK JP" panose="02020400000000000000" charset="-122"/>
+            </a:endParaRPr>
+          </a:p>
+          <a:p>
+            <a:pPr lvl="1" algn="just">
+              <a:lnSpc>
+                <a:spcPct val="120000"/>
+              </a:lnSpc>
+            </a:pPr>
+            <a:r>
+              <a:rPr lang="en-US" sz="1800">
+                <a:latin typeface="Noto Serif CJK JP" panose="02020400000000000000" charset="-122"/>
+                <a:ea typeface="Noto Serif CJK JP" panose="02020400000000000000" charset="-122"/>
+              </a:rPr>
+              <a:t>Function Name: is the name of the function, using the function name it is called. </a:t>
+            </a:r>
+            <a:endParaRPr lang="en-US" sz="1800">
+              <a:latin typeface="Noto Serif CJK JP" panose="02020400000000000000" charset="-122"/>
+              <a:ea typeface="Noto Serif CJK JP" panose="02020400000000000000" charset="-122"/>
+            </a:endParaRPr>
+          </a:p>
+          <a:p>
+            <a:pPr lvl="1" algn="just">
+              <a:lnSpc>
+                <a:spcPct val="120000"/>
+              </a:lnSpc>
+            </a:pPr>
+            <a:r>
+              <a:rPr lang="en-US" sz="1800">
+                <a:latin typeface="Noto Serif CJK JP" panose="02020400000000000000" charset="-122"/>
+                <a:ea typeface="Noto Serif CJK JP" panose="02020400000000000000" charset="-122"/>
+              </a:rPr>
+              <a:t>Parameters: are variables to hold values of arguments passed while function is called. A function may or may not contain parameter list.</a:t>
+            </a:r>
+            <a:endParaRPr lang="en-US" sz="1800">
+              <a:latin typeface="Noto Serif CJK JP" panose="02020400000000000000" charset="-122"/>
+              <a:ea typeface="Noto Serif CJK JP" panose="02020400000000000000" charset="-122"/>
+            </a:endParaRPr>
+          </a:p>
+          <a:p>
+            <a:pPr lvl="1" algn="just">
+              <a:lnSpc>
+                <a:spcPct val="120000"/>
+              </a:lnSpc>
+            </a:pPr>
+            <a:endParaRPr lang="en-US" sz="1800">
+              <a:latin typeface="Noto Serif CJK JP" panose="02020400000000000000" charset="-122"/>
+              <a:ea typeface="Noto Serif CJK JP" panose="02020400000000000000" charset="-122"/>
+            </a:endParaRPr>
+          </a:p>
+          <a:p>
+            <a:pPr marL="0" lvl="1" algn="just">
+              <a:lnSpc>
+                <a:spcPct val="120000"/>
+              </a:lnSpc>
+            </a:pPr>
+            <a:r>
+              <a:rPr lang="en-US" altLang="en-US" sz="1800">
+                <a:latin typeface="Noto Serif CJK JP" panose="02020400000000000000" charset="-122"/>
+                <a:ea typeface="Noto Serif CJK JP" panose="02020400000000000000" charset="-122"/>
+                <a:sym typeface="+mn-ea"/>
+              </a:rPr>
+              <a:t>Eg </a:t>
+            </a:r>
+            <a:r>
+              <a:rPr lang="en-US" altLang="en-US" sz="1800" b="1">
+                <a:latin typeface="Noto Serif CJK JP" panose="02020400000000000000" charset="-122"/>
+                <a:ea typeface="Noto Serif CJK JP" panose="02020400000000000000" charset="-122"/>
+                <a:sym typeface="+mn-ea"/>
+              </a:rPr>
+              <a:t>int add(int a,int b);  void print(char a);  void getSomething();   </a:t>
+            </a:r>
+            <a:endParaRPr lang="en-US" altLang="en-US" sz="1800" b="1">
+              <a:latin typeface="Noto Serif CJK JP" panose="02020400000000000000" charset="-122"/>
+              <a:ea typeface="Noto Serif CJK JP" panose="02020400000000000000" charset="-122"/>
+              <a:sym typeface="+mn-ea"/>
+            </a:endParaRPr>
+          </a:p>
+          <a:p>
+            <a:pPr marL="457200" lvl="1" indent="0">
+              <a:lnSpc>
+                <a:spcPct val="120000"/>
+              </a:lnSpc>
+              <a:buNone/>
+            </a:pPr>
+            <a:endParaRPr lang="en-US" sz="1800" b="1">
+              <a:latin typeface="Noto Serif CJK JP" panose="02020400000000000000" charset="-122"/>
+              <a:ea typeface="Noto Serif CJK JP" panose="02020400000000000000" charset="-122"/>
+            </a:endParaRPr>
+          </a:p>
+          <a:p>
+            <a:pPr lvl="1">
+              <a:lnSpc>
+                <a:spcPct val="120000"/>
+              </a:lnSpc>
+            </a:pPr>
+            <a:endParaRPr lang="en-US" sz="1800">
+              <a:latin typeface="Noto Serif CJK JP" panose="02020400000000000000" charset="-122"/>
+              <a:ea typeface="Noto Serif CJK JP" panose="02020400000000000000" charset="-122"/>
             </a:endParaRPr>
           </a:p>
         </p:txBody>
@@ -9948,8 +10065,24 @@
               <a:rPr lang="en-US" altLang="en-US" sz="3200">
                 <a:latin typeface="Noto Serif CJK JP" panose="02020400000000000000" charset="-122"/>
                 <a:ea typeface="Noto Serif CJK JP" panose="02020400000000000000" charset="-122"/>
-              </a:rPr>
-              <a:t> Functions in C++</a:t>
+                <a:sym typeface="+mn-ea"/>
+              </a:rPr>
+              <a:t>D</a:t>
+            </a:r>
+            <a:r>
+              <a:rPr lang="en-US" sz="3200">
+                <a:latin typeface="Noto Serif CJK JP" panose="02020400000000000000" charset="-122"/>
+                <a:ea typeface="Noto Serif CJK JP" panose="02020400000000000000" charset="-122"/>
+                <a:sym typeface="+mn-ea"/>
+              </a:rPr>
+              <a:t>eclaration</a:t>
+            </a:r>
+            <a:r>
+              <a:rPr lang="en-US" altLang="en-US" sz="3200">
+                <a:latin typeface="Noto Serif CJK JP" panose="02020400000000000000" charset="-122"/>
+                <a:ea typeface="Noto Serif CJK JP" panose="02020400000000000000" charset="-122"/>
+              </a:rPr>
+              <a:t>, Definition and Calling a Function</a:t>
             </a:r>
             <a:endParaRPr lang="en-US" altLang="en-US" sz="3200">
               <a:latin typeface="Noto Serif CJK JP" panose="02020400000000000000" charset="-122"/>
@@ -9970,16 +10103,34 @@
         </p:nvSpPr>
         <p:spPr>
           <a:xfrm>
-            <a:off x="6985" y="987425"/>
-            <a:ext cx="8749030" cy="5433060"/>
+            <a:off x="6985" y="1435100"/>
+            <a:ext cx="8749030" cy="5387975"/>
           </a:xfrm>
         </p:spPr>
         <p:txBody>
           <a:bodyPr/>
           <a:p>
-            <a:pPr algn="just">
-              <a:lnSpc>
-                <a:spcPct val="120000"/>
+            <a:pPr>
+              <a:lnSpc>
+                <a:spcPct val="160000"/>
+              </a:lnSpc>
+            </a:pPr>
+            <a:r>
+              <a:rPr lang="en-US" sz="1800">
+                <a:latin typeface="Noto Serif CJK JP" panose="02020400000000000000" charset="-122"/>
+                <a:ea typeface="Noto Serif CJK JP" panose="02020400000000000000" charset="-122"/>
+              </a:rPr>
+              <a:t>Function declaration, is done to tell the compiler about the existence of the function. Function's return type, its name &amp; parameter list is mentioned.</a:t>
+            </a:r>
+            <a:endParaRPr lang="en-US" sz="1800">
+              <a:latin typeface="Noto Serif CJK JP" panose="02020400000000000000" charset="-122"/>
+              <a:ea typeface="Noto Serif CJK JP" panose="02020400000000000000" charset="-122"/>
+            </a:endParaRPr>
+          </a:p>
+          <a:p>
+            <a:pPr>
+              <a:lnSpc>
+                <a:spcPct val="160000"/>
               </a:lnSpc>
             </a:pPr>
             <a:r>
@@ -9987,34 +10138,34 @@
                 <a:latin typeface="Noto Serif CJK JP" panose="02020400000000000000" charset="-122"/>
                 <a:ea typeface="Noto Serif CJK JP" panose="02020400000000000000" charset="-122"/>
               </a:rPr>
-              <a:t>Defines an logic or action/steps  in the program</a:t>
+              <a:t>Function </a:t>
+            </a:r>
+            <a:r>
+              <a:rPr lang="en-US" altLang="en-US" sz="1800">
+                <a:latin typeface="Noto Serif CJK JP" panose="02020400000000000000" charset="-122"/>
+                <a:ea typeface="Noto Serif CJK JP" panose="02020400000000000000" charset="-122"/>
+                <a:sym typeface="+mn-ea"/>
+              </a:rPr>
+              <a:t>Definition , tells what the function do. Here the logic or action/steps to be done is written.</a:t>
             </a:r>
             <a:endParaRPr lang="en-US" altLang="en-US" sz="1800">
               <a:latin typeface="Noto Serif CJK JP" panose="02020400000000000000" charset="-122"/>
               <a:ea typeface="Noto Serif CJK JP" panose="02020400000000000000" charset="-122"/>
-            </a:endParaRPr>
-          </a:p>
-          <a:p>
-            <a:pPr algn="just">
-              <a:lnSpc>
-                <a:spcPct val="120000"/>
+              <a:sym typeface="+mn-ea"/>
+            </a:endParaRPr>
+          </a:p>
+          <a:p>
+            <a:pPr>
+              <a:lnSpc>
+                <a:spcPct val="160000"/>
               </a:lnSpc>
             </a:pPr>
             <a:r>
               <a:rPr lang="en-US" altLang="en-US" sz="1800">
                 <a:latin typeface="Noto Serif CJK JP" panose="02020400000000000000" charset="-122"/>
                 <a:ea typeface="Noto Serif CJK JP" panose="02020400000000000000" charset="-122"/>
-                <a:sym typeface="+mn-ea"/>
-              </a:rPr>
-              <a:t>P</a:t>
-            </a:r>
-            <a:r>
-              <a:rPr lang="en-US" sz="1800">
-                <a:latin typeface="Noto Serif CJK JP" panose="02020400000000000000" charset="-122"/>
-                <a:ea typeface="Noto Serif CJK JP" panose="02020400000000000000" charset="-122"/>
-                <a:sym typeface="+mn-ea"/>
-              </a:rPr>
-              <a:t>rovide modularity to a program</a:t>
+              </a:rPr>
+              <a:t>Calling a Function : Functions are called by their names, its where we tell the machine to execute the instructions listed in defintion and we can pass the data to the functions </a:t>
             </a:r>
             <a:endParaRPr lang="en-US" altLang="en-US" sz="1800">
               <a:latin typeface="Noto Serif CJK JP" panose="02020400000000000000" charset="-122"/>
@@ -10022,153 +10173,9 @@
             </a:endParaRPr>
           </a:p>
           <a:p>
-            <a:pPr algn="just">
-              <a:lnSpc>
-                <a:spcPct val="120000"/>
-              </a:lnSpc>
-            </a:pPr>
-            <a:r>
-              <a:rPr lang="en-US" altLang="en-US" sz="1800">
-                <a:latin typeface="Noto Serif CJK JP" panose="02020400000000000000" charset="-122"/>
-                <a:ea typeface="Noto Serif CJK JP" panose="02020400000000000000" charset="-122"/>
-              </a:rPr>
-              <a:t>Implementation Units of function in C++ :</a:t>
-            </a:r>
-            <a:endParaRPr lang="en-US" sz="1800">
-              <a:latin typeface="Noto Serif CJK JP" panose="02020400000000000000" charset="-122"/>
-              <a:ea typeface="Noto Serif CJK JP" panose="02020400000000000000" charset="-122"/>
-            </a:endParaRPr>
-          </a:p>
-          <a:p>
-            <a:pPr lvl="1" algn="just">
-              <a:lnSpc>
-                <a:spcPct val="120000"/>
-              </a:lnSpc>
-            </a:pPr>
-            <a:r>
-              <a:rPr lang="en-US" altLang="en-US" sz="1800">
-                <a:latin typeface="Noto Serif CJK JP" panose="02020400000000000000" charset="-122"/>
-                <a:ea typeface="Noto Serif CJK JP" panose="02020400000000000000" charset="-122"/>
-              </a:rPr>
-              <a:t>R</a:t>
-            </a:r>
-            <a:r>
-              <a:rPr lang="en-US" sz="1800">
-                <a:latin typeface="Noto Serif CJK JP" panose="02020400000000000000" charset="-122"/>
-                <a:ea typeface="Noto Serif CJK JP" panose="02020400000000000000" charset="-122"/>
-              </a:rPr>
-              <a:t>eturn-type: suggests what the function will return. It can be int, char, </a:t>
-            </a:r>
-            <a:r>
-              <a:rPr lang="en-US" altLang="en-US" sz="1800">
-                <a:latin typeface="Noto Serif CJK JP" panose="02020400000000000000" charset="-122"/>
-                <a:ea typeface="Noto Serif CJK JP" panose="02020400000000000000" charset="-122"/>
-              </a:rPr>
-              <a:t>..etc </a:t>
-            </a:r>
-            <a:r>
-              <a:rPr lang="en-US" sz="1800">
-                <a:latin typeface="Noto Serif CJK JP" panose="02020400000000000000" charset="-122"/>
-                <a:ea typeface="Noto Serif CJK JP" panose="02020400000000000000" charset="-122"/>
-              </a:rPr>
-              <a:t>There can be functions which does not return anything, they are mentioned with void.</a:t>
-            </a:r>
-            <a:endParaRPr lang="en-US" sz="1800">
-              <a:latin typeface="Noto Serif CJK JP" panose="02020400000000000000" charset="-122"/>
-              <a:ea typeface="Noto Serif CJK JP" panose="02020400000000000000" charset="-122"/>
-            </a:endParaRPr>
-          </a:p>
-          <a:p>
-            <a:pPr lvl="1" algn="just">
-              <a:lnSpc>
-                <a:spcPct val="120000"/>
-              </a:lnSpc>
-            </a:pPr>
-            <a:r>
-              <a:rPr lang="en-US" sz="1800">
-                <a:latin typeface="Noto Serif CJK JP" panose="02020400000000000000" charset="-122"/>
-                <a:ea typeface="Noto Serif CJK JP" panose="02020400000000000000" charset="-122"/>
-              </a:rPr>
-              <a:t>Function Name: is the name of the function, using the function name it is called. </a:t>
-            </a:r>
-            <a:endParaRPr lang="en-US" sz="1800">
-              <a:latin typeface="Noto Serif CJK JP" panose="02020400000000000000" charset="-122"/>
-              <a:ea typeface="Noto Serif CJK JP" panose="02020400000000000000" charset="-122"/>
-            </a:endParaRPr>
-          </a:p>
-          <a:p>
-            <a:pPr lvl="1" algn="just">
-              <a:lnSpc>
-                <a:spcPct val="120000"/>
-              </a:lnSpc>
-            </a:pPr>
-            <a:r>
-              <a:rPr lang="en-US" sz="1800">
-                <a:latin typeface="Noto Serif CJK JP" panose="02020400000000000000" charset="-122"/>
-                <a:ea typeface="Noto Serif CJK JP" panose="02020400000000000000" charset="-122"/>
-              </a:rPr>
-              <a:t>Parameters: are variables to hold values of arguments passed while function is called. A function may or may not contain parameter list.</a:t>
-            </a:r>
-            <a:endParaRPr lang="en-US" sz="1800">
-              <a:latin typeface="Noto Serif CJK JP" panose="02020400000000000000" charset="-122"/>
-              <a:ea typeface="Noto Serif CJK JP" panose="02020400000000000000" charset="-122"/>
-            </a:endParaRPr>
-          </a:p>
-          <a:p>
-            <a:pPr lvl="1" algn="just">
-              <a:lnSpc>
-                <a:spcPct val="120000"/>
-              </a:lnSpc>
-            </a:pPr>
-            <a:endParaRPr lang="en-US" sz="1800">
-              <a:latin typeface="Noto Serif CJK JP" panose="02020400000000000000" charset="-122"/>
-              <a:ea typeface="Noto Serif CJK JP" panose="02020400000000000000" charset="-122"/>
-            </a:endParaRPr>
-          </a:p>
-          <a:p>
-            <a:pPr marL="0" lvl="1" algn="just">
-              <a:lnSpc>
-                <a:spcPct val="120000"/>
-              </a:lnSpc>
-            </a:pPr>
-            <a:r>
-              <a:rPr lang="en-US" altLang="en-US" sz="1800">
-                <a:latin typeface="Noto Serif CJK JP" panose="02020400000000000000" charset="-122"/>
-                <a:ea typeface="Noto Serif CJK JP" panose="02020400000000000000" charset="-122"/>
-                <a:sym typeface="+mn-ea"/>
-              </a:rPr>
-              <a:t>Eg </a:t>
-            </a:r>
-            <a:r>
-              <a:rPr lang="en-US" altLang="en-US" sz="1800" b="1">
-                <a:latin typeface="Noto Serif CJK JP" panose="02020400000000000000" charset="-122"/>
-                <a:ea typeface="Noto Serif CJK JP" panose="02020400000000000000" charset="-122"/>
-                <a:sym typeface="+mn-ea"/>
-              </a:rPr>
-              <a:t>int add(int a,int b);  void print(char a);  void getSomething();   </a:t>
-            </a:r>
-            <a:endParaRPr lang="en-US" altLang="en-US" sz="1800" b="1">
-              <a:latin typeface="Noto Serif CJK JP" panose="02020400000000000000" charset="-122"/>
-              <a:ea typeface="Noto Serif CJK JP" panose="02020400000000000000" charset="-122"/>
-              <a:sym typeface="+mn-ea"/>
-            </a:endParaRPr>
-          </a:p>
-          <a:p>
-            <a:pPr marL="457200" lvl="1" indent="0">
-              <a:lnSpc>
-                <a:spcPct val="120000"/>
-              </a:lnSpc>
-              <a:buNone/>
-            </a:pPr>
-            <a:endParaRPr lang="en-US" sz="1800" b="1">
-              <a:latin typeface="Noto Serif CJK JP" panose="02020400000000000000" charset="-122"/>
-              <a:ea typeface="Noto Serif CJK JP" panose="02020400000000000000" charset="-122"/>
-            </a:endParaRPr>
-          </a:p>
-          <a:p>
-            <a:pPr lvl="1">
-              <a:lnSpc>
-                <a:spcPct val="120000"/>
+            <a:pPr>
+              <a:lnSpc>
+                <a:spcPct val="160000"/>
               </a:lnSpc>
             </a:pPr>
             <a:endParaRPr lang="en-US" sz="1800">
@@ -10208,8 +10215,8 @@
         </p:nvSpPr>
         <p:spPr>
           <a:xfrm>
-            <a:off x="677545" y="129540"/>
-            <a:ext cx="7772400" cy="1143000"/>
+            <a:off x="685800" y="64135"/>
+            <a:ext cx="7772400" cy="923290"/>
           </a:xfrm>
         </p:spPr>
         <p:txBody>
@@ -10219,24 +10226,8 @@
               <a:rPr lang="en-US" altLang="en-US" sz="3200">
                 <a:latin typeface="Noto Serif CJK JP" panose="02020400000000000000" charset="-122"/>
                 <a:ea typeface="Noto Serif CJK JP" panose="02020400000000000000" charset="-122"/>
-                <a:sym typeface="+mn-ea"/>
-              </a:rPr>
-              <a:t>D</a:t>
-            </a:r>
-            <a:r>
-              <a:rPr lang="en-US" sz="3200">
-                <a:latin typeface="Noto Serif CJK JP" panose="02020400000000000000" charset="-122"/>
-                <a:ea typeface="Noto Serif CJK JP" panose="02020400000000000000" charset="-122"/>
-                <a:sym typeface="+mn-ea"/>
-              </a:rPr>
-              <a:t>eclaration</a:t>
-            </a:r>
-            <a:r>
-              <a:rPr lang="en-US" altLang="en-US" sz="3200">
-                <a:latin typeface="Noto Serif CJK JP" panose="02020400000000000000" charset="-122"/>
-                <a:ea typeface="Noto Serif CJK JP" panose="02020400000000000000" charset="-122"/>
-              </a:rPr>
-              <a:t>, Definition and Calling a Function</a:t>
+              </a:rPr>
+              <a:t>Scope of Variables</a:t>
             </a:r>
             <a:endParaRPr lang="en-US" altLang="en-US" sz="3200">
               <a:latin typeface="Noto Serif CJK JP" panose="02020400000000000000" charset="-122"/>
@@ -10257,16 +10248,16 @@
         </p:nvSpPr>
         <p:spPr>
           <a:xfrm>
-            <a:off x="6985" y="1435100"/>
-            <a:ext cx="8749030" cy="5387975"/>
+            <a:off x="6985" y="987425"/>
+            <a:ext cx="8749030" cy="6202045"/>
           </a:xfrm>
         </p:spPr>
         <p:txBody>
           <a:bodyPr/>
           <a:p>
-            <a:pPr>
-              <a:lnSpc>
-                <a:spcPct val="160000"/>
+            <a:pPr algn="just">
+              <a:lnSpc>
+                <a:spcPct val="200000"/>
               </a:lnSpc>
             </a:pPr>
             <a:r>
@@ -10274,7 +10265,7 @@
                 <a:latin typeface="Noto Serif CJK JP" panose="02020400000000000000" charset="-122"/>
                 <a:ea typeface="Noto Serif CJK JP" panose="02020400000000000000" charset="-122"/>
               </a:rPr>
-              <a:t>Function declaration, is done to tell the compiler about the existence of the function. Function's return type, its name &amp; parameter list is mentioned.</a:t>
+              <a:t>All the variables have their area of functioning, and out of that boundary they don't hold their value, this boundary is called scope of the variable </a:t>
             </a:r>
             <a:endParaRPr lang="en-US" sz="1800">
               <a:latin typeface="Noto Serif CJK JP" panose="02020400000000000000" charset="-122"/>
@@ -10282,9 +10273,9 @@
             </a:endParaRPr>
           </a:p>
           <a:p>
-            <a:pPr>
-              <a:lnSpc>
-                <a:spcPct val="160000"/>
+            <a:pPr algn="just">
+              <a:lnSpc>
+                <a:spcPct val="200000"/>
               </a:lnSpc>
             </a:pPr>
             <a:r>
@@ -10292,46 +10283,44 @@
                 <a:latin typeface="Noto Serif CJK JP" panose="02020400000000000000" charset="-122"/>
                 <a:ea typeface="Noto Serif CJK JP" panose="02020400000000000000" charset="-122"/>
               </a:rPr>
-              <a:t>Function </a:t>
-            </a:r>
-            <a:r>
-              <a:rPr lang="en-US" altLang="en-US" sz="1800">
-                <a:latin typeface="Noto Serif CJK JP" panose="02020400000000000000" charset="-122"/>
-                <a:ea typeface="Noto Serif CJK JP" panose="02020400000000000000" charset="-122"/>
-                <a:sym typeface="+mn-ea"/>
-              </a:rPr>
-              <a:t>Definition , tells what the function do. Here the logic or action/steps to be done is written.</a:t>
-            </a:r>
-            <a:endParaRPr lang="en-US" altLang="en-US" sz="1800">
-              <a:latin typeface="Noto Serif CJK JP" panose="02020400000000000000" charset="-122"/>
-              <a:ea typeface="Noto Serif CJK JP" panose="02020400000000000000" charset="-122"/>
-              <a:sym typeface="+mn-ea"/>
-            </a:endParaRPr>
-          </a:p>
-          <a:p>
-            <a:pPr>
-              <a:lnSpc>
-                <a:spcPct val="160000"/>
-              </a:lnSpc>
-            </a:pPr>
-            <a:r>
-              <a:rPr lang="en-US" altLang="en-US" sz="1800">
-                <a:latin typeface="Noto Serif CJK JP" panose="02020400000000000000" charset="-122"/>
-                <a:ea typeface="Noto Serif CJK JP" panose="02020400000000000000" charset="-122"/>
-              </a:rPr>
-              <a:t>Calling a Function : Functions are called by their names, its where we tell the machine to execute the instructions listed in defintion and we can pass the data to the functions </a:t>
-            </a:r>
-            <a:endParaRPr lang="en-US" altLang="en-US" sz="1800">
-              <a:latin typeface="Noto Serif CJK JP" panose="02020400000000000000" charset="-122"/>
-              <a:ea typeface="Noto Serif CJK JP" panose="02020400000000000000" charset="-122"/>
-            </a:endParaRPr>
-          </a:p>
-          <a:p>
-            <a:pPr>
-              <a:lnSpc>
-                <a:spcPct val="160000"/>
-              </a:lnSpc>
-            </a:pPr>
+              <a:t>Scope are defined using blocks {} in C++</a:t>
+            </a:r>
+            <a:endParaRPr lang="en-US" sz="1800">
+              <a:latin typeface="Noto Serif CJK JP" panose="02020400000000000000" charset="-122"/>
+              <a:ea typeface="Noto Serif CJK JP" panose="02020400000000000000" charset="-122"/>
+            </a:endParaRPr>
+          </a:p>
+          <a:p>
+            <a:pPr algn="just">
+              <a:lnSpc>
+                <a:spcPct val="200000"/>
+              </a:lnSpc>
+            </a:pPr>
+            <a:r>
+              <a:rPr lang="en-US" sz="1800">
+                <a:latin typeface="Noto Serif CJK JP" panose="02020400000000000000" charset="-122"/>
+                <a:ea typeface="Noto Serif CJK JP" panose="02020400000000000000" charset="-122"/>
+              </a:rPr>
+              <a:t>Global variables are those, which ar once declared and can be used throughout the lifetime of the program by any class or any function</a:t>
+            </a:r>
+            <a:endParaRPr lang="en-US" sz="1800">
+              <a:latin typeface="Noto Serif CJK JP" panose="02020400000000000000" charset="-122"/>
+              <a:ea typeface="Noto Serif CJK JP" panose="02020400000000000000" charset="-122"/>
+            </a:endParaRPr>
+          </a:p>
+          <a:p>
+            <a:pPr algn="just">
+              <a:lnSpc>
+                <a:spcPct val="200000"/>
+              </a:lnSpc>
+            </a:pPr>
+            <a:r>
+              <a:rPr lang="en-US" sz="1800">
+                <a:latin typeface="Noto Serif CJK JP" panose="02020400000000000000" charset="-122"/>
+                <a:ea typeface="Noto Serif CJK JP" panose="02020400000000000000" charset="-122"/>
+              </a:rPr>
+              <a:t>Local variables are the variables which exist only between the curly braces, in which its declared. Outside that they are unavailable and leads to compile time error</a:t>
+            </a:r>
             <a:endParaRPr lang="en-US" sz="1800">
               <a:latin typeface="Noto Serif CJK JP" panose="02020400000000000000" charset="-122"/>
               <a:ea typeface="Noto Serif CJK JP" panose="02020400000000000000" charset="-122"/>
@@ -14849,84 +14838,6 @@
                   <a:tcPr/>
                 </a:tc>
               </a:tr>
-              <a:tr h="942340">
-                <a:tc>
-                  <a:txBody>
-                    <a:bodyPr/>
-                    <a:p>
-                      <a:pPr algn="just" fontAlgn="b">
-                        <a:buNone/>
-                      </a:pPr>
-                      <a:r>
-                        <a:rPr lang="en-US" altLang="en-US">
-                          <a:latin typeface="Noto Serif CJK JP" panose="02020400000000000000" charset="-122"/>
-                          <a:ea typeface="Noto Serif CJK JP" panose="02020400000000000000" charset="-122"/>
-                          <a:cs typeface="Noto Sans Mono CJK JP" panose="020B0500000000000000" charset="-122"/>
-                        </a:rPr>
-                        <a:t>Eg : 101010101011</a:t>
-                      </a:r>
-                      <a:endParaRPr lang="en-US" altLang="en-US">
-                        <a:latin typeface="Noto Serif CJK JP" panose="02020400000000000000" charset="-122"/>
-                        <a:ea typeface="Noto Serif CJK JP" panose="02020400000000000000" charset="-122"/>
-                        <a:cs typeface="Noto Sans Mono CJK JP" panose="020B0500000000000000" charset="-122"/>
-                      </a:endParaRPr>
-                    </a:p>
-                  </a:txBody>
-                  <a:tcPr/>
-                </a:tc>
-                <a:tc>
-                  <a:txBody>
-                    <a:bodyPr/>
-                    <a:p>
-                      <a:pPr algn="just" fontAlgn="b">
-                        <a:buNone/>
-                      </a:pPr>
-                      <a:r>
-                        <a:rPr lang="en-US" altLang="en-US">
-                          <a:latin typeface="Noto Serif CJK JP" panose="02020400000000000000" charset="-122"/>
-                          <a:ea typeface="Noto Serif CJK JP" panose="02020400000000000000" charset="-122"/>
-                          <a:cs typeface="Noto Sans Mono CJK JP" panose="020B0500000000000000" charset="-122"/>
-                        </a:rPr>
-                        <a:t>Eg : MOV A B</a:t>
-                      </a:r>
-                      <a:endParaRPr lang="en-US" altLang="en-US">
-                        <a:latin typeface="Noto Serif CJK JP" panose="02020400000000000000" charset="-122"/>
-                        <a:ea typeface="Noto Serif CJK JP" panose="02020400000000000000" charset="-122"/>
-                        <a:cs typeface="Noto Sans Mono CJK JP" panose="020B0500000000000000" charset="-122"/>
-                      </a:endParaRPr>
-                    </a:p>
-                    <a:p>
-                      <a:pPr algn="just" fontAlgn="b">
-                        <a:buNone/>
-                      </a:pPr>
-                      <a:r>
-                        <a:rPr lang="en-US" altLang="en-US">
-                          <a:latin typeface="Noto Serif CJK JP" panose="02020400000000000000" charset="-122"/>
-                          <a:ea typeface="Noto Serif CJK JP" panose="02020400000000000000" charset="-122"/>
-                          <a:cs typeface="Noto Sans Mono CJK JP" panose="020B0500000000000000" charset="-122"/>
-                        </a:rPr>
-                        <a:t>        ADD 2 3</a:t>
-                      </a:r>
-                      <a:endParaRPr lang="en-US" altLang="en-US">
-                        <a:latin typeface="Noto Serif CJK JP" panose="02020400000000000000" charset="-122"/>
-                        <a:ea typeface="Noto Serif CJK JP" panose="02020400000000000000" charset="-122"/>
-                        <a:cs typeface="Noto Sans Mono CJK JP" panose="020B0500000000000000" charset="-122"/>
-                      </a:endParaRPr>
-                    </a:p>
-                    <a:p>
-                      <a:pPr algn="just" fontAlgn="b">
-                        <a:buNone/>
-                      </a:pPr>
-                      <a:endParaRPr lang="en-US" altLang="en-US">
-                        <a:latin typeface="Noto Serif CJK JP" panose="02020400000000000000" charset="-122"/>
-                        <a:ea typeface="Noto Serif CJK JP" panose="02020400000000000000" charset="-122"/>
-                        <a:cs typeface="Noto Sans Mono CJK JP" panose="020B0500000000000000" charset="-122"/>
-                      </a:endParaRPr>
-                    </a:p>
-                  </a:txBody>
-                  <a:tcPr/>
-                </a:tc>
-              </a:tr>
             </a:tbl>
           </a:graphicData>
         </a:graphic>
@@ -15002,27 +14913,27 @@
           <a:p>
             <a:pPr algn="just"/>
             <a:r>
-              <a:rPr lang="en-US" sz="2000">
+              <a:rPr lang="en-US" sz="1800">
                 <a:latin typeface="Noto Serif CJK JP" panose="02020400000000000000" charset="-122"/>
                 <a:ea typeface="Noto Serif CJK JP" panose="02020400000000000000" charset="-122"/>
               </a:rPr>
               <a:t>C++ is a statically-typed</a:t>
             </a:r>
             <a:r>
-              <a:rPr lang="en-US" altLang="en-US" sz="2000">
+              <a:rPr lang="en-US" altLang="en-US" sz="1800">
                 <a:latin typeface="Noto Serif CJK JP" panose="02020400000000000000" charset="-122"/>
                 <a:ea typeface="Noto Serif CJK JP" panose="02020400000000000000" charset="-122"/>
               </a:rPr>
               <a:t>,</a:t>
             </a:r>
             <a:r>
-              <a:rPr lang="en-US" sz="2000">
+              <a:rPr lang="en-US" sz="1800">
                 <a:latin typeface="Noto Serif CJK JP" panose="02020400000000000000" charset="-122"/>
                 <a:ea typeface="Noto Serif CJK JP" panose="02020400000000000000" charset="-122"/>
               </a:rPr>
               <a:t> compiled, multi-paradigm, general-purpose programming language</a:t>
             </a:r>
-            <a:endParaRPr lang="en-US" sz="2000">
+            <a:endParaRPr lang="en-US" sz="1800">
               <a:latin typeface="Noto Serif CJK JP" panose="02020400000000000000" charset="-122"/>
               <a:ea typeface="Noto Serif CJK JP" panose="02020400000000000000" charset="-122"/>
             </a:endParaRPr>
@@ -15031,7 +14942,7 @@
             <a:pPr marL="0" indent="0" algn="just">
               <a:buNone/>
             </a:pPr>
-            <a:endParaRPr lang="en-US" sz="2000">
+            <a:endParaRPr lang="en-US" sz="1800">
               <a:latin typeface="Noto Serif CJK JP" panose="02020400000000000000" charset="-122"/>
               <a:ea typeface="Noto Serif CJK JP" panose="02020400000000000000" charset="-122"/>
             </a:endParaRPr>
@@ -15039,13 +14950,13 @@
           <a:p>
             <a:pPr algn="just"/>
             <a:r>
-              <a:rPr lang="en-US" sz="2000">
+              <a:rPr lang="en-US" sz="1800">
                 <a:latin typeface="Noto Serif CJK JP" panose="02020400000000000000" charset="-122"/>
                 <a:ea typeface="Noto Serif CJK JP" panose="02020400000000000000" charset="-122"/>
               </a:rPr>
               <a:t>C++ is completely free and readily available on all platforms.</a:t>
             </a:r>
-            <a:endParaRPr lang="en-US" sz="2000">
+            <a:endParaRPr lang="en-US" sz="1800">
               <a:latin typeface="Noto Serif CJK JP" panose="02020400000000000000" charset="-122"/>
               <a:ea typeface="Noto Serif CJK JP" panose="02020400000000000000" charset="-122"/>
             </a:endParaRPr>
@@ -15054,7 +14965,7 @@
             <a:pPr marL="0" indent="0" algn="just">
               <a:buNone/>
             </a:pPr>
-            <a:endParaRPr lang="en-US" sz="2000">
+            <a:endParaRPr lang="en-US" sz="1800">
               <a:latin typeface="Noto Serif CJK JP" panose="02020400000000000000" charset="-122"/>
               <a:ea typeface="Noto Serif CJK JP" panose="02020400000000000000" charset="-122"/>
             </a:endParaRPr>
@@ -15062,13 +14973,13 @@
           <a:p>
             <a:pPr algn="just"/>
             <a:r>
-              <a:rPr lang="en-US" altLang="en-US" sz="2000">
+              <a:rPr lang="en-US" altLang="en-US" sz="1800">
                 <a:latin typeface="Noto Serif CJK JP" panose="02020400000000000000" charset="-122"/>
                 <a:ea typeface="Noto Serif CJK JP" panose="02020400000000000000" charset="-122"/>
               </a:rPr>
               <a:t>C++ compiler : Converts C++ code to machine understandable code.</a:t>
             </a:r>
-            <a:endParaRPr lang="en-US" sz="2000">
+            <a:endParaRPr lang="en-US" sz="1800">
               <a:latin typeface="Noto Serif CJK JP" panose="02020400000000000000" charset="-122"/>
               <a:ea typeface="Noto Serif CJK JP" panose="02020400000000000000" charset="-122"/>
             </a:endParaRPr>
@@ -15077,7 +14988,7 @@
             <a:pPr marL="0" indent="0" algn="just">
               <a:buNone/>
             </a:pPr>
-            <a:endParaRPr lang="en-US" sz="2000">
+            <a:endParaRPr lang="en-US" sz="1800">
               <a:latin typeface="Noto Serif CJK JP" panose="02020400000000000000" charset="-122"/>
               <a:ea typeface="Noto Serif CJK JP" panose="02020400000000000000" charset="-122"/>
             </a:endParaRPr>
@@ -15085,27 +14996,27 @@
           <a:p>
             <a:pPr algn="just"/>
             <a:r>
-              <a:rPr lang="en-US" sz="2000">
+              <a:rPr lang="en-US" sz="1800">
                 <a:latin typeface="Noto Serif CJK JP" panose="02020400000000000000" charset="-122"/>
                 <a:ea typeface="Noto Serif CJK JP" panose="02020400000000000000" charset="-122"/>
               </a:rPr>
               <a:t>Many major applications like </a:t>
             </a:r>
             <a:r>
-              <a:rPr lang="en-US" altLang="en-US" sz="2000">
+              <a:rPr lang="en-US" altLang="en-US" sz="1800">
                 <a:latin typeface="Noto Serif CJK JP" panose="02020400000000000000" charset="-122"/>
                 <a:ea typeface="Noto Serif CJK JP" panose="02020400000000000000" charset="-122"/>
               </a:rPr>
               <a:t>Game Development, Android Native Development, Desktop Application Development,Web Application Development, etc.</a:t>
             </a:r>
-            <a:endParaRPr lang="en-US" altLang="en-US" sz="2000">
+            <a:endParaRPr lang="en-US" altLang="en-US" sz="1800">
               <a:latin typeface="Noto Serif CJK JP" panose="02020400000000000000" charset="-122"/>
               <a:ea typeface="Noto Serif CJK JP" panose="02020400000000000000" charset="-122"/>
             </a:endParaRPr>
           </a:p>
           <a:p>
             <a:pPr algn="just"/>
-            <a:endParaRPr lang="en-US" altLang="en-US" sz="2000">
+            <a:endParaRPr lang="en-US" altLang="en-US" sz="1800">
               <a:latin typeface="Noto Serif CJK JP" panose="02020400000000000000" charset="-122"/>
               <a:ea typeface="Noto Serif CJK JP" panose="02020400000000000000" charset="-122"/>
             </a:endParaRPr>
@@ -15113,27 +15024,20 @@
           <a:p>
             <a:pPr algn="just"/>
             <a:r>
-              <a:rPr lang="en-US" altLang="en-US" sz="2000">
+              <a:rPr lang="en-US" altLang="en-US" sz="1800">
                 <a:latin typeface="Noto Serif CJK JP" panose="02020400000000000000" charset="-122"/>
                 <a:ea typeface="Noto Serif CJK JP" panose="02020400000000000000" charset="-122"/>
               </a:rPr>
               <a:t>Its base for all commonly widely used languages.</a:t>
             </a:r>
-            <a:endParaRPr lang="en-US" altLang="en-US" sz="2000">
+            <a:endParaRPr lang="en-US" altLang="en-US" sz="1800">
               <a:latin typeface="Noto Serif CJK JP" panose="02020400000000000000" charset="-122"/>
               <a:ea typeface="Noto Serif CJK JP" panose="02020400000000000000" charset="-122"/>
             </a:endParaRPr>
           </a:p>
           <a:p>
             <a:pPr algn="just"/>
-            <a:endParaRPr lang="en-US" altLang="en-US" sz="2000">
-              <a:latin typeface="Noto Serif CJK JP" panose="02020400000000000000" charset="-122"/>
-              <a:ea typeface="Noto Serif CJK JP" panose="02020400000000000000" charset="-122"/>
-            </a:endParaRPr>
-          </a:p>
-          <a:p>
-            <a:pPr algn="just"/>
-            <a:endParaRPr lang="en-US" altLang="en-US" sz="2000">
+            <a:endParaRPr lang="en-US" altLang="en-US" sz="1800">
               <a:latin typeface="Noto Serif CJK JP" panose="02020400000000000000" charset="-122"/>
               <a:ea typeface="Noto Serif CJK JP" panose="02020400000000000000" charset="-122"/>
             </a:endParaRPr>
@@ -15378,8 +15282,8 @@
         </p:nvSpPr>
         <p:spPr>
           <a:xfrm>
-            <a:off x="685800" y="1504315"/>
-            <a:ext cx="7772400" cy="5003800"/>
+            <a:off x="685800" y="908685"/>
+            <a:ext cx="7772400" cy="5599430"/>
           </a:xfrm>
         </p:spPr>
         <p:txBody>
@@ -15387,7 +15291,7 @@
           <a:p>
             <a:pPr algn="just">
               <a:lnSpc>
-                <a:spcPct val="100000"/>
+                <a:spcPct val="150000"/>
               </a:lnSpc>
             </a:pPr>
             <a:r>
@@ -15419,47 +15323,25 @@
           <a:p>
             <a:pPr algn="just">
               <a:lnSpc>
-                <a:spcPct val="100000"/>
-              </a:lnSpc>
-            </a:pPr>
+                <a:spcPct val="150000"/>
+              </a:lnSpc>
+            </a:pPr>
+            <a:r>
+              <a:rPr lang="en-US" sz="1800">
+                <a:latin typeface="Noto Serif CJK JP" panose="02020400000000000000" charset="-122"/>
+                <a:ea typeface="Noto Serif CJK JP" panose="02020400000000000000" charset="-122"/>
+              </a:rPr>
+              <a:t>The name of a variable, function, class, or other entity in C++ is called an identifier. C++ gives you a lot of flexibility to name identifiers as you wish. However, there are a few rules that must be followed when naming identifiers:</a:t>
+            </a:r>
             <a:endParaRPr lang="en-US" sz="1800">
               <a:latin typeface="Noto Serif CJK JP" panose="02020400000000000000" charset="-122"/>
               <a:ea typeface="Noto Serif CJK JP" panose="02020400000000000000" charset="-122"/>
             </a:endParaRPr>
           </a:p>
           <a:p>
-            <a:pPr algn="just">
-              <a:lnSpc>
-                <a:spcPct val="100000"/>
-              </a:lnSpc>
-            </a:pPr>
-            <a:r>
-              <a:rPr lang="en-US" sz="1800">
-                <a:latin typeface="Noto Serif CJK JP" panose="02020400000000000000" charset="-122"/>
-                <a:ea typeface="Noto Serif CJK JP" panose="02020400000000000000" charset="-122"/>
-              </a:rPr>
-              <a:t>The name of a variable, function, class, or other entity in C++ is called an identifier. C++ gives you a lot of flexibility to name identifiers as you wish. However, there are a few rules that must be followed when naming identifiers:</a:t>
-            </a:r>
-            <a:endParaRPr lang="en-US" sz="1800">
-              <a:latin typeface="Noto Serif CJK JP" panose="02020400000000000000" charset="-122"/>
-              <a:ea typeface="Noto Serif CJK JP" panose="02020400000000000000" charset="-122"/>
-            </a:endParaRPr>
-          </a:p>
-          <a:p>
-            <a:pPr algn="just">
-              <a:lnSpc>
-                <a:spcPct val="100000"/>
-              </a:lnSpc>
-            </a:pPr>
-            <a:endParaRPr lang="en-US" sz="1800">
-              <a:latin typeface="Noto Serif CJK JP" panose="02020400000000000000" charset="-122"/>
-              <a:ea typeface="Noto Serif CJK JP" panose="02020400000000000000" charset="-122"/>
-            </a:endParaRPr>
-          </a:p>
-          <a:p>
             <a:pPr lvl="1" algn="just">
               <a:lnSpc>
-                <a:spcPct val="130000"/>
+                <a:spcPct val="150000"/>
               </a:lnSpc>
             </a:pPr>
             <a:r>
@@ -15477,7 +15359,7 @@
           <a:p>
             <a:pPr lvl="1" algn="just">
               <a:lnSpc>
-                <a:spcPct val="130000"/>
+                <a:spcPct val="150000"/>
               </a:lnSpc>
             </a:pPr>
             <a:r>
@@ -15495,7 +15377,7 @@
           <a:p>
             <a:pPr lvl="1" algn="just">
               <a:lnSpc>
-                <a:spcPct val="130000"/>
+                <a:spcPct val="150000"/>
               </a:lnSpc>
             </a:pPr>
             <a:r>
@@ -15513,7 +15395,7 @@
           <a:p>
             <a:pPr lvl="1" algn="just">
               <a:lnSpc>
-                <a:spcPct val="130000"/>
+                <a:spcPct val="150000"/>
               </a:lnSpc>
             </a:pPr>
             <a:r>
